--- a/CPE Electives (1 - 3)/01. Lectures Notebook/00. Presentations & Text Books/01. Electives 1 to 3/31. Assocation Rule Mining - FP-Growth.pptx
+++ b/CPE Electives (1 - 3)/01. Lectures Notebook/00. Presentations & Text Books/01. Electives 1 to 3/31. Assocation Rule Mining - FP-Growth.pptx
@@ -5,10 +5,10 @@
     <p:sldMasterId id="2147483684" r:id="rId1"/>
   </p:sldMasterIdLst>
   <p:notesMasterIdLst>
-    <p:notesMasterId r:id="rId36"/>
+    <p:notesMasterId r:id="rId35"/>
   </p:notesMasterIdLst>
   <p:handoutMasterIdLst>
-    <p:handoutMasterId r:id="rId37"/>
+    <p:handoutMasterId r:id="rId36"/>
   </p:handoutMasterIdLst>
   <p:sldIdLst>
     <p:sldId id="258" r:id="rId2"/>
@@ -23,28 +23,27 @@
     <p:sldId id="369" r:id="rId11"/>
     <p:sldId id="370" r:id="rId12"/>
     <p:sldId id="371" r:id="rId13"/>
-    <p:sldId id="373" r:id="rId14"/>
-    <p:sldId id="372" r:id="rId15"/>
-    <p:sldId id="374" r:id="rId16"/>
-    <p:sldId id="375" r:id="rId17"/>
-    <p:sldId id="376" r:id="rId18"/>
-    <p:sldId id="378" r:id="rId19"/>
-    <p:sldId id="377" r:id="rId20"/>
-    <p:sldId id="379" r:id="rId21"/>
-    <p:sldId id="380" r:id="rId22"/>
-    <p:sldId id="425" r:id="rId23"/>
-    <p:sldId id="382" r:id="rId24"/>
-    <p:sldId id="383" r:id="rId25"/>
-    <p:sldId id="431" r:id="rId26"/>
-    <p:sldId id="426" r:id="rId27"/>
-    <p:sldId id="432" r:id="rId28"/>
-    <p:sldId id="427" r:id="rId29"/>
-    <p:sldId id="433" r:id="rId30"/>
-    <p:sldId id="428" r:id="rId31"/>
-    <p:sldId id="434" r:id="rId32"/>
-    <p:sldId id="429" r:id="rId33"/>
-    <p:sldId id="435" r:id="rId34"/>
-    <p:sldId id="314" r:id="rId35"/>
+    <p:sldId id="372" r:id="rId14"/>
+    <p:sldId id="374" r:id="rId15"/>
+    <p:sldId id="375" r:id="rId16"/>
+    <p:sldId id="376" r:id="rId17"/>
+    <p:sldId id="378" r:id="rId18"/>
+    <p:sldId id="377" r:id="rId19"/>
+    <p:sldId id="379" r:id="rId20"/>
+    <p:sldId id="380" r:id="rId21"/>
+    <p:sldId id="425" r:id="rId22"/>
+    <p:sldId id="382" r:id="rId23"/>
+    <p:sldId id="383" r:id="rId24"/>
+    <p:sldId id="431" r:id="rId25"/>
+    <p:sldId id="426" r:id="rId26"/>
+    <p:sldId id="432" r:id="rId27"/>
+    <p:sldId id="427" r:id="rId28"/>
+    <p:sldId id="433" r:id="rId29"/>
+    <p:sldId id="428" r:id="rId30"/>
+    <p:sldId id="434" r:id="rId31"/>
+    <p:sldId id="429" r:id="rId32"/>
+    <p:sldId id="435" r:id="rId33"/>
+    <p:sldId id="314" r:id="rId34"/>
   </p:sldIdLst>
   <p:sldSz cx="12192000" cy="6858000"/>
   <p:notesSz cx="6858000" cy="9144000"/>
@@ -258,7 +257,7 @@
           <a:p>
             <a:fld id="{3B6B94FD-5702-4F25-9A4D-07294FF3292C}" type="datetimeFigureOut">
               <a:rPr lang="en-PH" smtClean="0"/>
-              <a:t>05/11/2024</a:t>
+              <a:t>11/11/2024</a:t>
             </a:fld>
             <a:endParaRPr lang="en-PH"/>
           </a:p>
@@ -423,7 +422,7 @@
           <a:p>
             <a:fld id="{8365AC51-C568-4371-A28D-D14CF2BCF8BA}" type="datetimeFigureOut">
               <a:rPr lang="en-US" smtClean="0"/>
-              <a:t>11/5/2024</a:t>
+              <a:t>11/11/2024</a:t>
             </a:fld>
             <a:endParaRPr lang="en-US"/>
           </a:p>
@@ -4288,6 +4287,13 @@
   <p:clrMapOvr>
     <a:masterClrMapping/>
   </p:clrMapOvr>
+  <p:timing>
+    <p:tnLst>
+      <p:par>
+        <p:cTn id="1" dur="indefinite" restart="never" nodeType="tmRoot"/>
+      </p:par>
+    </p:tnLst>
+  </p:timing>
 </p:sld>
 </file>
 
@@ -4382,6 +4388,13 @@
   <p:clrMapOvr>
     <a:masterClrMapping/>
   </p:clrMapOvr>
+  <p:timing>
+    <p:tnLst>
+      <p:par>
+        <p:cTn id="1" dur="indefinite" restart="never" nodeType="tmRoot"/>
+      </p:par>
+    </p:tnLst>
+  </p:timing>
 </p:sld>
 </file>
 
@@ -4484,6 +4497,13 @@
   <p:clrMapOvr>
     <a:masterClrMapping/>
   </p:clrMapOvr>
+  <p:timing>
+    <p:tnLst>
+      <p:par>
+        <p:cTn id="1" dur="indefinite" restart="never" nodeType="tmRoot"/>
+      </p:par>
+    </p:tnLst>
+  </p:timing>
 </p:sld>
 </file>
 
@@ -4574,6 +4594,13 @@
   <p:clrMapOvr>
     <a:masterClrMapping/>
   </p:clrMapOvr>
+  <p:timing>
+    <p:tnLst>
+      <p:par>
+        <p:cTn id="1" dur="indefinite" restart="never" nodeType="tmRoot"/>
+      </p:par>
+    </p:tnLst>
+  </p:timing>
 </p:sld>
 </file>
 
@@ -4603,90 +4630,6 @@
         <p:spPr>
           <a:xfrm>
             <a:off x="669520" y="1007202"/>
-            <a:ext cx="10558668" cy="2523768"/>
-          </a:xfrm>
-          <a:prstGeom prst="rect">
-            <a:avLst/>
-          </a:prstGeom>
-          <a:noFill/>
-        </p:spPr>
-        <p:txBody>
-          <a:bodyPr wrap="square" rtlCol="0">
-            <a:spAutoFit/>
-          </a:bodyPr>
-          <a:lstStyle/>
-          <a:p>
-            <a:r>
-              <a:rPr lang="en-US" sz="4000" b="1" dirty="0"/>
-              <a:t>Advantages of FP-Growth over </a:t>
-            </a:r>
-            <a:r>
-              <a:rPr lang="en-US" sz="4000" b="1" dirty="0" err="1"/>
-              <a:t>Apriori</a:t>
-            </a:r>
-            <a:endParaRPr lang="en-US" sz="4000" b="1" dirty="0"/>
-          </a:p>
-          <a:p>
-            <a:endParaRPr lang="en-US" sz="1400" b="1" dirty="0"/>
-          </a:p>
-          <a:p>
-            <a:r>
-              <a:rPr lang="en-US" sz="2800" dirty="0"/>
-              <a:t>b.   Compact Representation of Data</a:t>
-            </a:r>
-          </a:p>
-          <a:p>
-            <a:r>
-              <a:rPr lang="en-US" sz="2800" dirty="0"/>
-              <a:t>      - 	</a:t>
-            </a:r>
-            <a:r>
-              <a:rPr lang="en-US" sz="2400" dirty="0"/>
-              <a:t>FP-Growth compresses the transaction database into an FP-Tree, allowing it 	to store the same data in a much smaller format. This is particularly helpful 	for dense datasets, where items frequently co-occur.</a:t>
-            </a:r>
-            <a:endParaRPr lang="en-US" sz="2800" dirty="0"/>
-          </a:p>
-        </p:txBody>
-      </p:sp>
-    </p:spTree>
-    <p:extLst>
-      <p:ext uri="{BB962C8B-B14F-4D97-AF65-F5344CB8AC3E}">
-        <p14:creationId xmlns:p14="http://schemas.microsoft.com/office/powerpoint/2010/main" val="1984028441"/>
-      </p:ext>
-    </p:extLst>
-  </p:cSld>
-  <p:clrMapOvr>
-    <a:masterClrMapping/>
-  </p:clrMapOvr>
-</p:sld>
-</file>
-
-<file path=ppt/slides/slide14.xml><?xml version="1.0" encoding="utf-8"?>
-<p:sld xmlns:a="http://schemas.openxmlformats.org/drawingml/2006/main" xmlns:r="http://schemas.openxmlformats.org/officeDocument/2006/relationships" xmlns:p="http://schemas.openxmlformats.org/presentationml/2006/main">
-  <p:cSld>
-    <p:spTree>
-      <p:nvGrpSpPr>
-        <p:cNvPr id="1" name=""/>
-        <p:cNvGrpSpPr/>
-        <p:nvPr/>
-      </p:nvGrpSpPr>
-      <p:grpSpPr>
-        <a:xfrm>
-          <a:off x="0" y="0"/>
-          <a:ext cx="0" cy="0"/>
-          <a:chOff x="0" y="0"/>
-          <a:chExt cx="0" cy="0"/>
-        </a:xfrm>
-      </p:grpSpPr>
-      <p:sp>
-        <p:nvSpPr>
-          <p:cNvPr id="4" name="TextBox 3"/>
-          <p:cNvSpPr txBox="1"/>
-          <p:nvPr/>
-        </p:nvSpPr>
-        <p:spPr>
-          <a:xfrm>
-            <a:off x="669520" y="1007202"/>
             <a:ext cx="10558668" cy="2739211"/>
           </a:xfrm>
           <a:prstGeom prst="rect">
@@ -4748,10 +4691,17 @@
   <p:clrMapOvr>
     <a:masterClrMapping/>
   </p:clrMapOvr>
+  <p:timing>
+    <p:tnLst>
+      <p:par>
+        <p:cTn id="1" dur="indefinite" restart="never" nodeType="tmRoot"/>
+      </p:par>
+    </p:tnLst>
+  </p:timing>
 </p:sld>
 </file>
 
-<file path=ppt/slides/slide15.xml><?xml version="1.0" encoding="utf-8"?>
+<file path=ppt/slides/slide14.xml><?xml version="1.0" encoding="utf-8"?>
 <p:sld xmlns:a="http://schemas.openxmlformats.org/drawingml/2006/main" xmlns:r="http://schemas.openxmlformats.org/officeDocument/2006/relationships" xmlns:p="http://schemas.openxmlformats.org/presentationml/2006/main">
   <p:cSld>
     <p:spTree>
@@ -5112,10 +5062,17 @@
   <p:clrMapOvr>
     <a:masterClrMapping/>
   </p:clrMapOvr>
+  <p:timing>
+    <p:tnLst>
+      <p:par>
+        <p:cTn id="1" dur="indefinite" restart="never" nodeType="tmRoot"/>
+      </p:par>
+    </p:tnLst>
+  </p:timing>
 </p:sld>
 </file>
 
-<file path=ppt/slides/slide16.xml><?xml version="1.0" encoding="utf-8"?>
+<file path=ppt/slides/slide15.xml><?xml version="1.0" encoding="utf-8"?>
 <p:sld xmlns:a="http://schemas.openxmlformats.org/drawingml/2006/main" xmlns:r="http://schemas.openxmlformats.org/officeDocument/2006/relationships" xmlns:p="http://schemas.openxmlformats.org/presentationml/2006/main">
   <p:cSld>
     <p:spTree>
@@ -5602,10 +5559,17 @@
   <p:clrMapOvr>
     <a:masterClrMapping/>
   </p:clrMapOvr>
+  <p:timing>
+    <p:tnLst>
+      <p:par>
+        <p:cTn id="1" dur="indefinite" restart="never" nodeType="tmRoot"/>
+      </p:par>
+    </p:tnLst>
+  </p:timing>
 </p:sld>
 </file>
 
-<file path=ppt/slides/slide17.xml><?xml version="1.0" encoding="utf-8"?>
+<file path=ppt/slides/slide16.xml><?xml version="1.0" encoding="utf-8"?>
 <p:sld xmlns:a="http://schemas.openxmlformats.org/drawingml/2006/main" xmlns:r="http://schemas.openxmlformats.org/officeDocument/2006/relationships" xmlns:p="http://schemas.openxmlformats.org/presentationml/2006/main">
   <p:cSld>
     <p:spTree>
@@ -6096,6 +6060,529 @@
 </p:sld>
 </file>
 
+<file path=ppt/slides/slide17.xml><?xml version="1.0" encoding="utf-8"?>
+<p:sld xmlns:a="http://schemas.openxmlformats.org/drawingml/2006/main" xmlns:r="http://schemas.openxmlformats.org/officeDocument/2006/relationships" xmlns:p="http://schemas.openxmlformats.org/presentationml/2006/main">
+  <p:cSld>
+    <p:spTree>
+      <p:nvGrpSpPr>
+        <p:cNvPr id="1" name=""/>
+        <p:cNvGrpSpPr/>
+        <p:nvPr/>
+      </p:nvGrpSpPr>
+      <p:grpSpPr>
+        <a:xfrm>
+          <a:off x="0" y="0"/>
+          <a:ext cx="0" cy="0"/>
+          <a:chOff x="0" y="0"/>
+          <a:chExt cx="0" cy="0"/>
+        </a:xfrm>
+      </p:grpSpPr>
+      <p:sp>
+        <p:nvSpPr>
+          <p:cNvPr id="4" name="TextBox 3"/>
+          <p:cNvSpPr txBox="1"/>
+          <p:nvPr/>
+        </p:nvSpPr>
+        <p:spPr>
+          <a:xfrm>
+            <a:off x="669520" y="838525"/>
+            <a:ext cx="10558668" cy="707886"/>
+          </a:xfrm>
+          <a:prstGeom prst="rect">
+            <a:avLst/>
+          </a:prstGeom>
+          <a:noFill/>
+        </p:spPr>
+        <p:txBody>
+          <a:bodyPr wrap="square" rtlCol="0">
+            <a:spAutoFit/>
+          </a:bodyPr>
+          <a:lstStyle/>
+          <a:p>
+            <a:r>
+              <a:rPr lang="en-US" sz="4000" b="1" dirty="0"/>
+              <a:t>3. Insert Transactions into the FP-Tree</a:t>
+            </a:r>
+          </a:p>
+        </p:txBody>
+      </p:sp>
+      <p:sp>
+        <p:nvSpPr>
+          <p:cNvPr id="27" name="TextBox 26">
+            <a:extLst>
+              <a:ext uri="{FF2B5EF4-FFF2-40B4-BE49-F238E27FC236}">
+                <a16:creationId xmlns="" xmlns:a16="http://schemas.microsoft.com/office/drawing/2014/main" id="{250E3094-EF97-4726-A444-FDFC8EAD4410}"/>
+              </a:ext>
+            </a:extLst>
+          </p:cNvPr>
+          <p:cNvSpPr txBox="1"/>
+          <p:nvPr/>
+        </p:nvSpPr>
+        <p:spPr>
+          <a:xfrm>
+            <a:off x="669520" y="1599679"/>
+            <a:ext cx="5600651" cy="1354217"/>
+          </a:xfrm>
+          <a:prstGeom prst="rect">
+            <a:avLst/>
+          </a:prstGeom>
+          <a:noFill/>
+        </p:spPr>
+        <p:txBody>
+          <a:bodyPr wrap="square" rtlCol="0">
+            <a:spAutoFit/>
+          </a:bodyPr>
+          <a:lstStyle/>
+          <a:p>
+            <a:r>
+              <a:rPr lang="en-US" sz="2400" dirty="0"/>
+              <a:t>Transaction T1</a:t>
+            </a:r>
+            <a:r>
+              <a:rPr lang="en-US" sz="2400" b="1" dirty="0"/>
+              <a:t>: </a:t>
+            </a:r>
+            <a:r>
+              <a:rPr lang="en-US" sz="2400" dirty="0"/>
+              <a:t>({</a:t>
+            </a:r>
+            <a:r>
+              <a:rPr lang="en-US" sz="2400" dirty="0">
+                <a:solidFill>
+                  <a:srgbClr val="FF0000"/>
+                </a:solidFill>
+              </a:rPr>
+              <a:t>B, A, E, D</a:t>
+            </a:r>
+            <a:r>
+              <a:rPr lang="en-US" sz="2400" dirty="0"/>
+              <a:t>})</a:t>
+            </a:r>
+          </a:p>
+          <a:p>
+            <a:endParaRPr lang="en-US" sz="1000" dirty="0"/>
+          </a:p>
+          <a:p>
+            <a:r>
+              <a:rPr lang="en-US" sz="2400" dirty="0"/>
+              <a:t>Insert path </a:t>
+            </a:r>
+            <a:r>
+              <a:rPr lang="en-US" sz="2400" dirty="0">
+                <a:solidFill>
+                  <a:srgbClr val="FF0000"/>
+                </a:solidFill>
+              </a:rPr>
+              <a:t>B </a:t>
+            </a:r>
+            <a:r>
+              <a:rPr lang="en-US" sz="2400" dirty="0">
+                <a:solidFill>
+                  <a:srgbClr val="FF0000"/>
+                </a:solidFill>
+                <a:sym typeface="Wingdings" panose="05000000000000000000" pitchFamily="2" charset="2"/>
+              </a:rPr>
+              <a:t> A  E  D</a:t>
+            </a:r>
+          </a:p>
+          <a:p>
+            <a:r>
+              <a:rPr lang="en-US" sz="2400" dirty="0">
+                <a:sym typeface="Wingdings" panose="05000000000000000000" pitchFamily="2" charset="2"/>
+              </a:rPr>
+              <a:t>Set counters: B: 1, A: 1, E: 1, D: 1</a:t>
+            </a:r>
+            <a:endParaRPr lang="en-US" sz="2400" dirty="0"/>
+          </a:p>
+        </p:txBody>
+      </p:sp>
+      <p:sp>
+        <p:nvSpPr>
+          <p:cNvPr id="2" name="Oval 1">
+            <a:extLst>
+              <a:ext uri="{FF2B5EF4-FFF2-40B4-BE49-F238E27FC236}">
+                <a16:creationId xmlns="" xmlns:a16="http://schemas.microsoft.com/office/drawing/2014/main" id="{6790BD35-3A48-4FA4-A1DD-25EAA7D259C1}"/>
+              </a:ext>
+            </a:extLst>
+          </p:cNvPr>
+          <p:cNvSpPr/>
+          <p:nvPr/>
+        </p:nvSpPr>
+        <p:spPr>
+          <a:xfrm>
+            <a:off x="7698212" y="1898452"/>
+            <a:ext cx="741647" cy="741647"/>
+          </a:xfrm>
+          <a:prstGeom prst="ellipse">
+            <a:avLst/>
+          </a:prstGeom>
+          <a:noFill/>
+          <a:ln>
+            <a:solidFill>
+              <a:srgbClr val="FF0000"/>
+            </a:solidFill>
+          </a:ln>
+        </p:spPr>
+        <p:style>
+          <a:lnRef idx="2">
+            <a:schemeClr val="accent1">
+              <a:shade val="50000"/>
+            </a:schemeClr>
+          </a:lnRef>
+          <a:fillRef idx="1">
+            <a:schemeClr val="accent1"/>
+          </a:fillRef>
+          <a:effectRef idx="0">
+            <a:schemeClr val="accent1"/>
+          </a:effectRef>
+          <a:fontRef idx="minor">
+            <a:schemeClr val="lt1"/>
+          </a:fontRef>
+        </p:style>
+        <p:txBody>
+          <a:bodyPr rtlCol="0" anchor="ctr"/>
+          <a:lstStyle/>
+          <a:p>
+            <a:pPr algn="ctr"/>
+            <a:r>
+              <a:rPr lang="en-US" sz="1600" dirty="0">
+                <a:solidFill>
+                  <a:schemeClr val="tx1"/>
+                </a:solidFill>
+              </a:rPr>
+              <a:t>B: 1</a:t>
+            </a:r>
+            <a:endParaRPr lang="en-PH" sz="1600" dirty="0">
+              <a:solidFill>
+                <a:schemeClr val="tx1"/>
+              </a:solidFill>
+            </a:endParaRPr>
+          </a:p>
+        </p:txBody>
+      </p:sp>
+      <p:sp>
+        <p:nvSpPr>
+          <p:cNvPr id="8" name="Oval 7">
+            <a:extLst>
+              <a:ext uri="{FF2B5EF4-FFF2-40B4-BE49-F238E27FC236}">
+                <a16:creationId xmlns="" xmlns:a16="http://schemas.microsoft.com/office/drawing/2014/main" id="{FF465D5F-EE40-4CF1-B973-7087C70611E4}"/>
+              </a:ext>
+            </a:extLst>
+          </p:cNvPr>
+          <p:cNvSpPr/>
+          <p:nvPr/>
+        </p:nvSpPr>
+        <p:spPr>
+          <a:xfrm>
+            <a:off x="6869587" y="2676377"/>
+            <a:ext cx="730518" cy="730518"/>
+          </a:xfrm>
+          <a:prstGeom prst="ellipse">
+            <a:avLst/>
+          </a:prstGeom>
+          <a:noFill/>
+          <a:ln>
+            <a:solidFill>
+              <a:srgbClr val="FF0000"/>
+            </a:solidFill>
+          </a:ln>
+        </p:spPr>
+        <p:style>
+          <a:lnRef idx="2">
+            <a:schemeClr val="accent1">
+              <a:shade val="50000"/>
+            </a:schemeClr>
+          </a:lnRef>
+          <a:fillRef idx="1">
+            <a:schemeClr val="accent1"/>
+          </a:fillRef>
+          <a:effectRef idx="0">
+            <a:schemeClr val="accent1"/>
+          </a:effectRef>
+          <a:fontRef idx="minor">
+            <a:schemeClr val="lt1"/>
+          </a:fontRef>
+        </p:style>
+        <p:txBody>
+          <a:bodyPr rtlCol="0" anchor="ctr"/>
+          <a:lstStyle/>
+          <a:p>
+            <a:pPr algn="ctr"/>
+            <a:r>
+              <a:rPr lang="en-US" sz="1600" dirty="0">
+                <a:solidFill>
+                  <a:schemeClr val="tx1"/>
+                </a:solidFill>
+              </a:rPr>
+              <a:t>A: 1</a:t>
+            </a:r>
+            <a:endParaRPr lang="en-PH" sz="1600" dirty="0">
+              <a:solidFill>
+                <a:schemeClr val="tx1"/>
+              </a:solidFill>
+            </a:endParaRPr>
+          </a:p>
+        </p:txBody>
+      </p:sp>
+      <p:sp>
+        <p:nvSpPr>
+          <p:cNvPr id="9" name="Oval 8">
+            <a:extLst>
+              <a:ext uri="{FF2B5EF4-FFF2-40B4-BE49-F238E27FC236}">
+                <a16:creationId xmlns="" xmlns:a16="http://schemas.microsoft.com/office/drawing/2014/main" id="{39C548D5-2D23-4238-82DF-921D2E3334F9}"/>
+              </a:ext>
+            </a:extLst>
+          </p:cNvPr>
+          <p:cNvSpPr/>
+          <p:nvPr/>
+        </p:nvSpPr>
+        <p:spPr>
+          <a:xfrm>
+            <a:off x="6269620" y="3680381"/>
+            <a:ext cx="741648" cy="741648"/>
+          </a:xfrm>
+          <a:prstGeom prst="ellipse">
+            <a:avLst/>
+          </a:prstGeom>
+          <a:noFill/>
+          <a:ln>
+            <a:solidFill>
+              <a:srgbClr val="FF0000"/>
+            </a:solidFill>
+          </a:ln>
+        </p:spPr>
+        <p:style>
+          <a:lnRef idx="2">
+            <a:schemeClr val="accent1">
+              <a:shade val="50000"/>
+            </a:schemeClr>
+          </a:lnRef>
+          <a:fillRef idx="1">
+            <a:schemeClr val="accent1"/>
+          </a:fillRef>
+          <a:effectRef idx="0">
+            <a:schemeClr val="accent1"/>
+          </a:effectRef>
+          <a:fontRef idx="minor">
+            <a:schemeClr val="lt1"/>
+          </a:fontRef>
+        </p:style>
+        <p:txBody>
+          <a:bodyPr rtlCol="0" anchor="ctr"/>
+          <a:lstStyle/>
+          <a:p>
+            <a:pPr algn="ctr"/>
+            <a:r>
+              <a:rPr lang="en-US" sz="1600" dirty="0">
+                <a:solidFill>
+                  <a:schemeClr val="tx1"/>
+                </a:solidFill>
+              </a:rPr>
+              <a:t>E: 1</a:t>
+            </a:r>
+            <a:endParaRPr lang="en-PH" sz="1600" dirty="0">
+              <a:solidFill>
+                <a:schemeClr val="tx1"/>
+              </a:solidFill>
+            </a:endParaRPr>
+          </a:p>
+        </p:txBody>
+      </p:sp>
+      <p:sp>
+        <p:nvSpPr>
+          <p:cNvPr id="10" name="Oval 9">
+            <a:extLst>
+              <a:ext uri="{FF2B5EF4-FFF2-40B4-BE49-F238E27FC236}">
+                <a16:creationId xmlns="" xmlns:a16="http://schemas.microsoft.com/office/drawing/2014/main" id="{D370CE05-94D0-4DB6-BE29-980F92475FAA}"/>
+              </a:ext>
+            </a:extLst>
+          </p:cNvPr>
+          <p:cNvSpPr/>
+          <p:nvPr/>
+        </p:nvSpPr>
+        <p:spPr>
+          <a:xfrm>
+            <a:off x="5573505" y="4538710"/>
+            <a:ext cx="741648" cy="741648"/>
+          </a:xfrm>
+          <a:prstGeom prst="ellipse">
+            <a:avLst/>
+          </a:prstGeom>
+          <a:noFill/>
+          <a:ln>
+            <a:solidFill>
+              <a:srgbClr val="FF0000"/>
+            </a:solidFill>
+          </a:ln>
+        </p:spPr>
+        <p:style>
+          <a:lnRef idx="2">
+            <a:schemeClr val="accent1">
+              <a:shade val="50000"/>
+            </a:schemeClr>
+          </a:lnRef>
+          <a:fillRef idx="1">
+            <a:schemeClr val="accent1"/>
+          </a:fillRef>
+          <a:effectRef idx="0">
+            <a:schemeClr val="accent1"/>
+          </a:effectRef>
+          <a:fontRef idx="minor">
+            <a:schemeClr val="lt1"/>
+          </a:fontRef>
+        </p:style>
+        <p:txBody>
+          <a:bodyPr rtlCol="0" anchor="ctr"/>
+          <a:lstStyle/>
+          <a:p>
+            <a:pPr algn="ctr"/>
+            <a:r>
+              <a:rPr lang="en-US" sz="1600" dirty="0">
+                <a:solidFill>
+                  <a:schemeClr val="tx1"/>
+                </a:solidFill>
+              </a:rPr>
+              <a:t>D: 1</a:t>
+            </a:r>
+            <a:endParaRPr lang="en-PH" sz="1600" dirty="0">
+              <a:solidFill>
+                <a:schemeClr val="tx1"/>
+              </a:solidFill>
+            </a:endParaRPr>
+          </a:p>
+        </p:txBody>
+      </p:sp>
+      <p:cxnSp>
+        <p:nvCxnSpPr>
+          <p:cNvPr id="7" name="Straight Connector 6">
+            <a:extLst>
+              <a:ext uri="{FF2B5EF4-FFF2-40B4-BE49-F238E27FC236}">
+                <a16:creationId xmlns="" xmlns:a16="http://schemas.microsoft.com/office/drawing/2014/main" id="{D5CBC4E2-B7D8-4BA4-91B1-1439F1E66A5D}"/>
+              </a:ext>
+            </a:extLst>
+          </p:cNvPr>
+          <p:cNvCxnSpPr>
+            <a:stCxn id="2" idx="3"/>
+            <a:endCxn id="8" idx="7"/>
+          </p:cNvCxnSpPr>
+          <p:nvPr/>
+        </p:nvCxnSpPr>
+        <p:spPr>
+          <a:xfrm flipH="1">
+            <a:off x="7493123" y="2531487"/>
+            <a:ext cx="313701" cy="251872"/>
+          </a:xfrm>
+          <a:prstGeom prst="line">
+            <a:avLst/>
+          </a:prstGeom>
+        </p:spPr>
+        <p:style>
+          <a:lnRef idx="1">
+            <a:schemeClr val="dk1"/>
+          </a:lnRef>
+          <a:fillRef idx="0">
+            <a:schemeClr val="dk1"/>
+          </a:fillRef>
+          <a:effectRef idx="0">
+            <a:schemeClr val="dk1"/>
+          </a:effectRef>
+          <a:fontRef idx="minor">
+            <a:schemeClr val="tx1"/>
+          </a:fontRef>
+        </p:style>
+      </p:cxnSp>
+      <p:cxnSp>
+        <p:nvCxnSpPr>
+          <p:cNvPr id="12" name="Straight Connector 11">
+            <a:extLst>
+              <a:ext uri="{FF2B5EF4-FFF2-40B4-BE49-F238E27FC236}">
+                <a16:creationId xmlns="" xmlns:a16="http://schemas.microsoft.com/office/drawing/2014/main" id="{3671F84C-43EB-4E83-B34F-C5EA539A58EC}"/>
+              </a:ext>
+            </a:extLst>
+          </p:cNvPr>
+          <p:cNvCxnSpPr>
+            <a:cxnSpLocks/>
+            <a:endCxn id="8" idx="3"/>
+          </p:cNvCxnSpPr>
+          <p:nvPr/>
+        </p:nvCxnSpPr>
+        <p:spPr>
+          <a:xfrm flipV="1">
+            <a:off x="6763880" y="3299913"/>
+            <a:ext cx="212689" cy="380468"/>
+          </a:xfrm>
+          <a:prstGeom prst="line">
+            <a:avLst/>
+          </a:prstGeom>
+        </p:spPr>
+        <p:style>
+          <a:lnRef idx="1">
+            <a:schemeClr val="dk1"/>
+          </a:lnRef>
+          <a:fillRef idx="0">
+            <a:schemeClr val="dk1"/>
+          </a:fillRef>
+          <a:effectRef idx="0">
+            <a:schemeClr val="dk1"/>
+          </a:effectRef>
+          <a:fontRef idx="minor">
+            <a:schemeClr val="tx1"/>
+          </a:fontRef>
+        </p:style>
+      </p:cxnSp>
+      <p:cxnSp>
+        <p:nvCxnSpPr>
+          <p:cNvPr id="17" name="Straight Connector 16">
+            <a:extLst>
+              <a:ext uri="{FF2B5EF4-FFF2-40B4-BE49-F238E27FC236}">
+                <a16:creationId xmlns="" xmlns:a16="http://schemas.microsoft.com/office/drawing/2014/main" id="{61E9DF07-49B0-4931-B28A-3220297F1ADF}"/>
+              </a:ext>
+            </a:extLst>
+          </p:cNvPr>
+          <p:cNvCxnSpPr>
+            <a:cxnSpLocks/>
+            <a:stCxn id="10" idx="7"/>
+            <a:endCxn id="9" idx="3"/>
+          </p:cNvCxnSpPr>
+          <p:nvPr/>
+        </p:nvCxnSpPr>
+        <p:spPr>
+          <a:xfrm flipV="1">
+            <a:off x="6206541" y="4313417"/>
+            <a:ext cx="171691" cy="333905"/>
+          </a:xfrm>
+          <a:prstGeom prst="line">
+            <a:avLst/>
+          </a:prstGeom>
+        </p:spPr>
+        <p:style>
+          <a:lnRef idx="1">
+            <a:schemeClr val="dk1"/>
+          </a:lnRef>
+          <a:fillRef idx="0">
+            <a:schemeClr val="dk1"/>
+          </a:fillRef>
+          <a:effectRef idx="0">
+            <a:schemeClr val="dk1"/>
+          </a:effectRef>
+          <a:fontRef idx="minor">
+            <a:schemeClr val="tx1"/>
+          </a:fontRef>
+        </p:style>
+      </p:cxnSp>
+    </p:spTree>
+    <p:extLst>
+      <p:ext uri="{BB962C8B-B14F-4D97-AF65-F5344CB8AC3E}">
+        <p14:creationId xmlns:p14="http://schemas.microsoft.com/office/powerpoint/2010/main" val="825562872"/>
+      </p:ext>
+    </p:extLst>
+  </p:cSld>
+  <p:clrMapOvr>
+    <a:masterClrMapping/>
+  </p:clrMapOvr>
+</p:sld>
+</file>
+
 <file path=ppt/slides/slide18.xml><?xml version="1.0" encoding="utf-8"?>
 <p:sld xmlns:a="http://schemas.openxmlformats.org/drawingml/2006/main" xmlns:r="http://schemas.openxmlformats.org/officeDocument/2006/relationships" xmlns:p="http://schemas.openxmlformats.org/presentationml/2006/main">
   <p:cSld>
@@ -6156,8 +6643,8 @@
         </p:nvSpPr>
         <p:spPr>
           <a:xfrm>
-            <a:off x="669520" y="1599679"/>
-            <a:ext cx="5600651" cy="1354217"/>
+            <a:off x="683177" y="1601565"/>
+            <a:ext cx="6252756" cy="1723549"/>
           </a:xfrm>
           <a:prstGeom prst="rect">
             <a:avLst/>
@@ -6172,7 +6659,7 @@
           <a:p>
             <a:r>
               <a:rPr lang="en-US" sz="2400" dirty="0"/>
-              <a:t>Transaction T1</a:t>
+              <a:t>Transaction T2</a:t>
             </a:r>
             <a:r>
               <a:rPr lang="en-US" sz="2400" b="1" dirty="0"/>
@@ -6188,7 +6675,7 @@
                   <a:srgbClr val="FF0000"/>
                 </a:solidFill>
               </a:rPr>
-              <a:t>B, A, E, D</a:t>
+              <a:t>B, C, E</a:t>
             </a:r>
             <a:r>
               <a:rPr lang="en-US" sz="2400" dirty="0"/>
@@ -6201,40 +6688,93 @@
           <a:p>
             <a:r>
               <a:rPr lang="en-US" sz="2400" dirty="0"/>
-              <a:t>Insert path </a:t>
-            </a:r>
-            <a:r>
-              <a:rPr lang="en-US" sz="2400" dirty="0">
-                <a:solidFill>
-                  <a:srgbClr val="FF0000"/>
-                </a:solidFill>
-              </a:rPr>
-              <a:t>B </a:t>
-            </a:r>
-            <a:r>
-              <a:rPr lang="en-US" sz="2400" dirty="0">
-                <a:solidFill>
-                  <a:srgbClr val="FF0000"/>
-                </a:solidFill>
-                <a:sym typeface="Wingdings" panose="05000000000000000000" pitchFamily="2" charset="2"/>
-              </a:rPr>
-              <a:t> A  E  D</a:t>
-            </a:r>
-          </a:p>
-          <a:p>
+              <a:t>Insert path B </a:t>
+            </a:r>
             <a:r>
               <a:rPr lang="en-US" sz="2400" dirty="0">
                 <a:sym typeface="Wingdings" panose="05000000000000000000" pitchFamily="2" charset="2"/>
               </a:rPr>
-              <a:t>Set counters: B: 1, A: 1, E: 1, D: 1</a:t>
-            </a:r>
-            <a:endParaRPr lang="en-US" sz="2400" dirty="0"/>
+              <a:t> C  E</a:t>
+            </a:r>
+          </a:p>
+          <a:p>
+            <a:r>
+              <a:rPr lang="en-US" sz="2400" dirty="0">
+                <a:sym typeface="Wingdings" panose="05000000000000000000" pitchFamily="2" charset="2"/>
+              </a:rPr>
+              <a:t>B exists already, so increment </a:t>
+            </a:r>
+            <a:r>
+              <a:rPr lang="en-US" sz="2400" dirty="0">
+                <a:solidFill>
+                  <a:srgbClr val="FF0000"/>
+                </a:solidFill>
+                <a:sym typeface="Wingdings" panose="05000000000000000000" pitchFamily="2" charset="2"/>
+              </a:rPr>
+              <a:t>B to 2</a:t>
+            </a:r>
+          </a:p>
+          <a:p>
+            <a:r>
+              <a:rPr lang="en-US" sz="2400" dirty="0">
+                <a:solidFill>
+                  <a:srgbClr val="FF0000"/>
+                </a:solidFill>
+                <a:sym typeface="Wingdings" panose="05000000000000000000" pitchFamily="2" charset="2"/>
+              </a:rPr>
+              <a:t>C </a:t>
+            </a:r>
+            <a:r>
+              <a:rPr lang="en-US" sz="2400" dirty="0">
+                <a:sym typeface="Wingdings" panose="05000000000000000000" pitchFamily="2" charset="2"/>
+              </a:rPr>
+              <a:t>and </a:t>
+            </a:r>
+            <a:r>
+              <a:rPr lang="en-US" sz="2400" dirty="0">
+                <a:solidFill>
+                  <a:srgbClr val="FF0000"/>
+                </a:solidFill>
+                <a:sym typeface="Wingdings" panose="05000000000000000000" pitchFamily="2" charset="2"/>
+              </a:rPr>
+              <a:t>E</a:t>
+            </a:r>
+            <a:r>
+              <a:rPr lang="en-US" sz="2400" dirty="0">
+                <a:sym typeface="Wingdings" panose="05000000000000000000" pitchFamily="2" charset="2"/>
+              </a:rPr>
+              <a:t> are new in this branch, add </a:t>
+            </a:r>
+            <a:r>
+              <a:rPr lang="en-US" sz="2400" dirty="0">
+                <a:solidFill>
+                  <a:srgbClr val="FF0000"/>
+                </a:solidFill>
+                <a:sym typeface="Wingdings" panose="05000000000000000000" pitchFamily="2" charset="2"/>
+              </a:rPr>
+              <a:t>C: 1 </a:t>
+            </a:r>
+            <a:r>
+              <a:rPr lang="en-US" sz="2400" dirty="0">
+                <a:sym typeface="Wingdings" panose="05000000000000000000" pitchFamily="2" charset="2"/>
+              </a:rPr>
+              <a:t>and </a:t>
+            </a:r>
+            <a:r>
+              <a:rPr lang="en-US" sz="2400" dirty="0">
+                <a:solidFill>
+                  <a:srgbClr val="FF0000"/>
+                </a:solidFill>
+                <a:sym typeface="Wingdings" panose="05000000000000000000" pitchFamily="2" charset="2"/>
+              </a:rPr>
+              <a:t>E: 1</a:t>
+            </a:r>
           </a:p>
         </p:txBody>
       </p:sp>
       <p:sp>
         <p:nvSpPr>
-          <p:cNvPr id="2" name="Oval 1">
+          <p:cNvPr id="31" name="Oval 30">
             <a:extLst>
               <a:ext uri="{FF2B5EF4-FFF2-40B4-BE49-F238E27FC236}">
                 <a16:creationId xmlns="" xmlns:a16="http://schemas.microsoft.com/office/drawing/2014/main" id="{6790BD35-3A48-4FA4-A1DD-25EAA7D259C1}"/>
@@ -6246,7 +6786,7 @@
         </p:nvSpPr>
         <p:spPr>
           <a:xfrm>
-            <a:off x="7698212" y="1898452"/>
+            <a:off x="8439859" y="2718755"/>
             <a:ext cx="741647" cy="741647"/>
           </a:xfrm>
           <a:prstGeom prst="ellipse">
@@ -6281,12 +6821,20 @@
           <a:p>
             <a:pPr algn="ctr"/>
             <a:r>
+              <a:rPr lang="en-US" sz="1600" dirty="0" smtClean="0">
+                <a:solidFill>
+                  <a:schemeClr val="tx1"/>
+                </a:solidFill>
+              </a:rPr>
+              <a:t>C: </a:t>
+            </a:r>
+            <a:r>
               <a:rPr lang="en-US" sz="1600" dirty="0">
                 <a:solidFill>
                   <a:schemeClr val="tx1"/>
                 </a:solidFill>
               </a:rPr>
-              <a:t>B: 1</a:t>
+              <a:t>1</a:t>
             </a:r>
             <a:endParaRPr lang="en-PH" sz="1600" dirty="0">
               <a:solidFill>
@@ -6298,10 +6846,10 @@
       </p:sp>
       <p:sp>
         <p:nvSpPr>
-          <p:cNvPr id="8" name="Oval 7">
-            <a:extLst>
-              <a:ext uri="{FF2B5EF4-FFF2-40B4-BE49-F238E27FC236}">
-                <a16:creationId xmlns="" xmlns:a16="http://schemas.microsoft.com/office/drawing/2014/main" id="{FF465D5F-EE40-4CF1-B973-7087C70611E4}"/>
+          <p:cNvPr id="32" name="Oval 31">
+            <a:extLst>
+              <a:ext uri="{FF2B5EF4-FFF2-40B4-BE49-F238E27FC236}">
+                <a16:creationId xmlns="" xmlns:a16="http://schemas.microsoft.com/office/drawing/2014/main" id="{6790BD35-3A48-4FA4-A1DD-25EAA7D259C1}"/>
               </a:ext>
             </a:extLst>
           </p:cNvPr>
@@ -6310,8 +6858,8 @@
         </p:nvSpPr>
         <p:spPr>
           <a:xfrm>
-            <a:off x="6869587" y="2676377"/>
-            <a:ext cx="730518" cy="730518"/>
+            <a:off x="8548471" y="3877989"/>
+            <a:ext cx="741647" cy="741647"/>
           </a:xfrm>
           <a:prstGeom prst="ellipse">
             <a:avLst/>
@@ -6345,12 +6893,20 @@
           <a:p>
             <a:pPr algn="ctr"/>
             <a:r>
+              <a:rPr lang="en-US" sz="1600" dirty="0" smtClean="0">
+                <a:solidFill>
+                  <a:schemeClr val="tx1"/>
+                </a:solidFill>
+              </a:rPr>
+              <a:t>E: </a:t>
+            </a:r>
+            <a:r>
               <a:rPr lang="en-US" sz="1600" dirty="0">
                 <a:solidFill>
                   <a:schemeClr val="tx1"/>
                 </a:solidFill>
               </a:rPr>
-              <a:t>A: 1</a:t>
+              <a:t>1</a:t>
             </a:r>
             <a:endParaRPr lang="en-PH" sz="1600" dirty="0">
               <a:solidFill>
@@ -6360,12 +6916,90 @@
           </a:p>
         </p:txBody>
       </p:sp>
+      <p:cxnSp>
+        <p:nvCxnSpPr>
+          <p:cNvPr id="33" name="Straight Connector 32">
+            <a:extLst>
+              <a:ext uri="{FF2B5EF4-FFF2-40B4-BE49-F238E27FC236}">
+                <a16:creationId xmlns="" xmlns:a16="http://schemas.microsoft.com/office/drawing/2014/main" id="{D5CBC4E2-B7D8-4BA4-91B1-1439F1E66A5D}"/>
+              </a:ext>
+            </a:extLst>
+          </p:cNvPr>
+          <p:cNvCxnSpPr>
+            <a:stCxn id="38" idx="5"/>
+            <a:endCxn id="31" idx="1"/>
+          </p:cNvCxnSpPr>
+          <p:nvPr/>
+        </p:nvCxnSpPr>
+        <p:spPr>
+          <a:xfrm>
+            <a:off x="8331247" y="2531487"/>
+            <a:ext cx="217224" cy="295880"/>
+          </a:xfrm>
+          <a:prstGeom prst="line">
+            <a:avLst/>
+          </a:prstGeom>
+        </p:spPr>
+        <p:style>
+          <a:lnRef idx="1">
+            <a:schemeClr val="dk1"/>
+          </a:lnRef>
+          <a:fillRef idx="0">
+            <a:schemeClr val="dk1"/>
+          </a:fillRef>
+          <a:effectRef idx="0">
+            <a:schemeClr val="dk1"/>
+          </a:effectRef>
+          <a:fontRef idx="minor">
+            <a:schemeClr val="tx1"/>
+          </a:fontRef>
+        </p:style>
+      </p:cxnSp>
+      <p:cxnSp>
+        <p:nvCxnSpPr>
+          <p:cNvPr id="34" name="Straight Connector 33">
+            <a:extLst>
+              <a:ext uri="{FF2B5EF4-FFF2-40B4-BE49-F238E27FC236}">
+                <a16:creationId xmlns="" xmlns:a16="http://schemas.microsoft.com/office/drawing/2014/main" id="{D5CBC4E2-B7D8-4BA4-91B1-1439F1E66A5D}"/>
+              </a:ext>
+            </a:extLst>
+          </p:cNvPr>
+          <p:cNvCxnSpPr>
+            <a:stCxn id="32" idx="0"/>
+            <a:endCxn id="31" idx="4"/>
+          </p:cNvCxnSpPr>
+          <p:nvPr/>
+        </p:nvCxnSpPr>
+        <p:spPr>
+          <a:xfrm flipH="1" flipV="1">
+            <a:off x="8810683" y="3460402"/>
+            <a:ext cx="108612" cy="417587"/>
+          </a:xfrm>
+          <a:prstGeom prst="line">
+            <a:avLst/>
+          </a:prstGeom>
+        </p:spPr>
+        <p:style>
+          <a:lnRef idx="1">
+            <a:schemeClr val="dk1"/>
+          </a:lnRef>
+          <a:fillRef idx="0">
+            <a:schemeClr val="dk1"/>
+          </a:fillRef>
+          <a:effectRef idx="0">
+            <a:schemeClr val="dk1"/>
+          </a:effectRef>
+          <a:fontRef idx="minor">
+            <a:schemeClr val="tx1"/>
+          </a:fontRef>
+        </p:style>
+      </p:cxnSp>
       <p:sp>
         <p:nvSpPr>
-          <p:cNvPr id="9" name="Oval 8">
-            <a:extLst>
-              <a:ext uri="{FF2B5EF4-FFF2-40B4-BE49-F238E27FC236}">
-                <a16:creationId xmlns="" xmlns:a16="http://schemas.microsoft.com/office/drawing/2014/main" id="{39C548D5-2D23-4238-82DF-921D2E3334F9}"/>
+          <p:cNvPr id="38" name="Oval 37">
+            <a:extLst>
+              <a:ext uri="{FF2B5EF4-FFF2-40B4-BE49-F238E27FC236}">
+                <a16:creationId xmlns="" xmlns:a16="http://schemas.microsoft.com/office/drawing/2014/main" id="{6790BD35-3A48-4FA4-A1DD-25EAA7D259C1}"/>
               </a:ext>
             </a:extLst>
           </p:cNvPr>
@@ -6374,8 +7008,8 @@
         </p:nvSpPr>
         <p:spPr>
           <a:xfrm>
-            <a:off x="6269620" y="3680381"/>
-            <a:ext cx="741648" cy="741648"/>
+            <a:off x="7698212" y="1898452"/>
+            <a:ext cx="741647" cy="741647"/>
           </a:xfrm>
           <a:prstGeom prst="ellipse">
             <a:avLst/>
@@ -6414,7 +7048,15 @@
                   <a:schemeClr val="tx1"/>
                 </a:solidFill>
               </a:rPr>
-              <a:t>E: 1</a:t>
+              <a:t>B: </a:t>
+            </a:r>
+            <a:r>
+              <a:rPr lang="en-US" sz="1600" dirty="0" smtClean="0">
+                <a:solidFill>
+                  <a:schemeClr val="tx1"/>
+                </a:solidFill>
+              </a:rPr>
+              <a:t>2</a:t>
             </a:r>
             <a:endParaRPr lang="en-PH" sz="1600" dirty="0">
               <a:solidFill>
@@ -6426,10 +7068,10 @@
       </p:sp>
       <p:sp>
         <p:nvSpPr>
-          <p:cNvPr id="10" name="Oval 9">
-            <a:extLst>
-              <a:ext uri="{FF2B5EF4-FFF2-40B4-BE49-F238E27FC236}">
-                <a16:creationId xmlns="" xmlns:a16="http://schemas.microsoft.com/office/drawing/2014/main" id="{D370CE05-94D0-4DB6-BE29-980F92475FAA}"/>
+          <p:cNvPr id="39" name="Oval 38">
+            <a:extLst>
+              <a:ext uri="{FF2B5EF4-FFF2-40B4-BE49-F238E27FC236}">
+                <a16:creationId xmlns="" xmlns:a16="http://schemas.microsoft.com/office/drawing/2014/main" id="{FF465D5F-EE40-4CF1-B973-7087C70611E4}"/>
               </a:ext>
             </a:extLst>
           </p:cNvPr>
@@ -6438,8 +7080,8 @@
         </p:nvSpPr>
         <p:spPr>
           <a:xfrm>
-            <a:off x="5573505" y="4538710"/>
-            <a:ext cx="741648" cy="741648"/>
+            <a:off x="6869587" y="2676377"/>
+            <a:ext cx="730518" cy="730518"/>
           </a:xfrm>
           <a:prstGeom prst="ellipse">
             <a:avLst/>
@@ -6447,7 +7089,7 @@
           <a:noFill/>
           <a:ln>
             <a:solidFill>
-              <a:srgbClr val="FF0000"/>
+              <a:schemeClr val="tx1"/>
             </a:solidFill>
           </a:ln>
         </p:spPr>
@@ -6478,7 +7120,7 @@
                   <a:schemeClr val="tx1"/>
                 </a:solidFill>
               </a:rPr>
-              <a:t>D: 1</a:t>
+              <a:t>A: 1</a:t>
             </a:r>
             <a:endParaRPr lang="en-PH" sz="1600" dirty="0">
               <a:solidFill>
@@ -6488,9 +7130,137 @@
           </a:p>
         </p:txBody>
       </p:sp>
+      <p:sp>
+        <p:nvSpPr>
+          <p:cNvPr id="40" name="Oval 39">
+            <a:extLst>
+              <a:ext uri="{FF2B5EF4-FFF2-40B4-BE49-F238E27FC236}">
+                <a16:creationId xmlns="" xmlns:a16="http://schemas.microsoft.com/office/drawing/2014/main" id="{39C548D5-2D23-4238-82DF-921D2E3334F9}"/>
+              </a:ext>
+            </a:extLst>
+          </p:cNvPr>
+          <p:cNvSpPr/>
+          <p:nvPr/>
+        </p:nvSpPr>
+        <p:spPr>
+          <a:xfrm>
+            <a:off x="6269620" y="3680381"/>
+            <a:ext cx="741648" cy="741648"/>
+          </a:xfrm>
+          <a:prstGeom prst="ellipse">
+            <a:avLst/>
+          </a:prstGeom>
+          <a:noFill/>
+          <a:ln>
+            <a:solidFill>
+              <a:schemeClr val="tx1"/>
+            </a:solidFill>
+          </a:ln>
+        </p:spPr>
+        <p:style>
+          <a:lnRef idx="2">
+            <a:schemeClr val="accent1">
+              <a:shade val="50000"/>
+            </a:schemeClr>
+          </a:lnRef>
+          <a:fillRef idx="1">
+            <a:schemeClr val="accent1"/>
+          </a:fillRef>
+          <a:effectRef idx="0">
+            <a:schemeClr val="accent1"/>
+          </a:effectRef>
+          <a:fontRef idx="minor">
+            <a:schemeClr val="lt1"/>
+          </a:fontRef>
+        </p:style>
+        <p:txBody>
+          <a:bodyPr rtlCol="0" anchor="ctr"/>
+          <a:lstStyle/>
+          <a:p>
+            <a:pPr algn="ctr"/>
+            <a:r>
+              <a:rPr lang="en-US" sz="1600" dirty="0">
+                <a:solidFill>
+                  <a:schemeClr val="tx1"/>
+                </a:solidFill>
+              </a:rPr>
+              <a:t>E: 1</a:t>
+            </a:r>
+            <a:endParaRPr lang="en-PH" sz="1600" dirty="0">
+              <a:solidFill>
+                <a:schemeClr val="tx1"/>
+              </a:solidFill>
+            </a:endParaRPr>
+          </a:p>
+        </p:txBody>
+      </p:sp>
+      <p:sp>
+        <p:nvSpPr>
+          <p:cNvPr id="41" name="Oval 40">
+            <a:extLst>
+              <a:ext uri="{FF2B5EF4-FFF2-40B4-BE49-F238E27FC236}">
+                <a16:creationId xmlns="" xmlns:a16="http://schemas.microsoft.com/office/drawing/2014/main" id="{D370CE05-94D0-4DB6-BE29-980F92475FAA}"/>
+              </a:ext>
+            </a:extLst>
+          </p:cNvPr>
+          <p:cNvSpPr/>
+          <p:nvPr/>
+        </p:nvSpPr>
+        <p:spPr>
+          <a:xfrm>
+            <a:off x="5573505" y="4538710"/>
+            <a:ext cx="741648" cy="741648"/>
+          </a:xfrm>
+          <a:prstGeom prst="ellipse">
+            <a:avLst/>
+          </a:prstGeom>
+          <a:noFill/>
+          <a:ln>
+            <a:solidFill>
+              <a:schemeClr val="tx1"/>
+            </a:solidFill>
+          </a:ln>
+        </p:spPr>
+        <p:style>
+          <a:lnRef idx="2">
+            <a:schemeClr val="accent1">
+              <a:shade val="50000"/>
+            </a:schemeClr>
+          </a:lnRef>
+          <a:fillRef idx="1">
+            <a:schemeClr val="accent1"/>
+          </a:fillRef>
+          <a:effectRef idx="0">
+            <a:schemeClr val="accent1"/>
+          </a:effectRef>
+          <a:fontRef idx="minor">
+            <a:schemeClr val="lt1"/>
+          </a:fontRef>
+        </p:style>
+        <p:txBody>
+          <a:bodyPr rtlCol="0" anchor="ctr"/>
+          <a:lstStyle/>
+          <a:p>
+            <a:pPr algn="ctr"/>
+            <a:r>
+              <a:rPr lang="en-US" sz="1600" dirty="0">
+                <a:solidFill>
+                  <a:schemeClr val="tx1"/>
+                </a:solidFill>
+              </a:rPr>
+              <a:t>D: 1</a:t>
+            </a:r>
+            <a:endParaRPr lang="en-PH" sz="1600" dirty="0">
+              <a:solidFill>
+                <a:schemeClr val="tx1"/>
+              </a:solidFill>
+            </a:endParaRPr>
+          </a:p>
+        </p:txBody>
+      </p:sp>
       <p:cxnSp>
         <p:nvCxnSpPr>
-          <p:cNvPr id="7" name="Straight Connector 6">
+          <p:cNvPr id="42" name="Straight Connector 41">
             <a:extLst>
               <a:ext uri="{FF2B5EF4-FFF2-40B4-BE49-F238E27FC236}">
                 <a16:creationId xmlns="" xmlns:a16="http://schemas.microsoft.com/office/drawing/2014/main" id="{D5CBC4E2-B7D8-4BA4-91B1-1439F1E66A5D}"/>
@@ -6498,8 +7268,8 @@
             </a:extLst>
           </p:cNvPr>
           <p:cNvCxnSpPr>
-            <a:stCxn id="2" idx="3"/>
-            <a:endCxn id="8" idx="7"/>
+            <a:stCxn id="38" idx="3"/>
+            <a:endCxn id="39" idx="7"/>
           </p:cNvCxnSpPr>
           <p:nvPr/>
         </p:nvCxnSpPr>
@@ -6529,7 +7299,7 @@
       </p:cxnSp>
       <p:cxnSp>
         <p:nvCxnSpPr>
-          <p:cNvPr id="12" name="Straight Connector 11">
+          <p:cNvPr id="43" name="Straight Connector 42">
             <a:extLst>
               <a:ext uri="{FF2B5EF4-FFF2-40B4-BE49-F238E27FC236}">
                 <a16:creationId xmlns="" xmlns:a16="http://schemas.microsoft.com/office/drawing/2014/main" id="{3671F84C-43EB-4E83-B34F-C5EA539A58EC}"/>
@@ -6538,7 +7308,7 @@
           </p:cNvPr>
           <p:cNvCxnSpPr>
             <a:cxnSpLocks/>
-            <a:endCxn id="8" idx="3"/>
+            <a:endCxn id="39" idx="3"/>
           </p:cNvCxnSpPr>
           <p:nvPr/>
         </p:nvCxnSpPr>
@@ -6568,7 +7338,7 @@
       </p:cxnSp>
       <p:cxnSp>
         <p:nvCxnSpPr>
-          <p:cNvPr id="17" name="Straight Connector 16">
+          <p:cNvPr id="44" name="Straight Connector 43">
             <a:extLst>
               <a:ext uri="{FF2B5EF4-FFF2-40B4-BE49-F238E27FC236}">
                 <a16:creationId xmlns="" xmlns:a16="http://schemas.microsoft.com/office/drawing/2014/main" id="{61E9DF07-49B0-4931-B28A-3220297F1ADF}"/>
@@ -6577,8 +7347,8 @@
           </p:cNvPr>
           <p:cNvCxnSpPr>
             <a:cxnSpLocks/>
-            <a:stCxn id="10" idx="7"/>
-            <a:endCxn id="9" idx="3"/>
+            <a:stCxn id="41" idx="7"/>
+            <a:endCxn id="40" idx="3"/>
           </p:cNvCxnSpPr>
           <p:nvPr/>
         </p:nvCxnSpPr>
@@ -6609,7 +7379,7 @@
     </p:spTree>
     <p:extLst>
       <p:ext uri="{BB962C8B-B14F-4D97-AF65-F5344CB8AC3E}">
-        <p14:creationId xmlns:p14="http://schemas.microsoft.com/office/powerpoint/2010/main" val="825562872"/>
+        <p14:creationId xmlns:p14="http://schemas.microsoft.com/office/powerpoint/2010/main" val="2149237413"/>
       </p:ext>
     </p:extLst>
   </p:cSld>
@@ -6667,10 +7437,10 @@
       </p:sp>
       <p:sp>
         <p:nvSpPr>
-          <p:cNvPr id="27" name="TextBox 26">
-            <a:extLst>
-              <a:ext uri="{FF2B5EF4-FFF2-40B4-BE49-F238E27FC236}">
-                <a16:creationId xmlns="" xmlns:a16="http://schemas.microsoft.com/office/drawing/2014/main" id="{250E3094-EF97-4726-A444-FDFC8EAD4410}"/>
+          <p:cNvPr id="11" name="TextBox 10">
+            <a:extLst>
+              <a:ext uri="{FF2B5EF4-FFF2-40B4-BE49-F238E27FC236}">
+                <a16:creationId xmlns="" xmlns:a16="http://schemas.microsoft.com/office/drawing/2014/main" id="{EF22747B-4BA2-49BB-8FCA-013B956D6605}"/>
               </a:ext>
             </a:extLst>
           </p:cNvPr>
@@ -6679,8 +7449,8 @@
         </p:nvSpPr>
         <p:spPr>
           <a:xfrm>
-            <a:off x="683177" y="1601565"/>
-            <a:ext cx="6252756" cy="1723549"/>
+            <a:off x="821920" y="1752079"/>
+            <a:ext cx="5600651" cy="2339102"/>
           </a:xfrm>
           <a:prstGeom prst="rect">
             <a:avLst/>
@@ -6695,7 +7465,7 @@
           <a:p>
             <a:r>
               <a:rPr lang="en-US" sz="2400" dirty="0"/>
-              <a:t>Transaction T2</a:t>
+              <a:t>Transaction T3</a:t>
             </a:r>
             <a:r>
               <a:rPr lang="en-US" sz="2400" b="1" dirty="0"/>
@@ -6711,7 +7481,39 @@
                   <a:srgbClr val="FF0000"/>
                 </a:solidFill>
               </a:rPr>
-              <a:t>B, C, E</a:t>
+              <a:t>B, </a:t>
+            </a:r>
+            <a:r>
+              <a:rPr lang="en-US" sz="2400" dirty="0" smtClean="0">
+                <a:solidFill>
+                  <a:srgbClr val="FF0000"/>
+                </a:solidFill>
+              </a:rPr>
+              <a:t>C, </a:t>
+            </a:r>
+            <a:r>
+              <a:rPr lang="en-US" sz="2400" dirty="0">
+                <a:solidFill>
+                  <a:srgbClr val="FF0000"/>
+                </a:solidFill>
+              </a:rPr>
+              <a:t>A</a:t>
+            </a:r>
+            <a:r>
+              <a:rPr lang="en-US" sz="2400" dirty="0" smtClean="0">
+                <a:solidFill>
+                  <a:srgbClr val="FF0000"/>
+                </a:solidFill>
+              </a:rPr>
+              <a:t>, </a:t>
+            </a:r>
+            <a:r>
+              <a:rPr lang="en-US" sz="2400" dirty="0">
+                <a:solidFill>
+                  <a:srgbClr val="FF0000"/>
+                </a:solidFill>
+              </a:rPr>
+              <a:t>E</a:t>
             </a:r>
             <a:r>
               <a:rPr lang="en-US" sz="2400" dirty="0"/>
@@ -6724,21 +7526,95 @@
           <a:p>
             <a:r>
               <a:rPr lang="en-US" sz="2400" dirty="0"/>
-              <a:t>Insert path B </a:t>
+              <a:t>B &amp; </a:t>
+            </a:r>
+            <a:r>
+              <a:rPr lang="en-US" sz="2400" dirty="0" smtClean="0"/>
+              <a:t>C </a:t>
+            </a:r>
+            <a:r>
+              <a:rPr lang="en-US" sz="2400" dirty="0"/>
+              <a:t>already exists in this branch, so increment </a:t>
+            </a:r>
+            <a:r>
+              <a:rPr lang="en-US" sz="2400" dirty="0">
+                <a:solidFill>
+                  <a:srgbClr val="002060"/>
+                </a:solidFill>
+              </a:rPr>
+              <a:t>B to 3 </a:t>
+            </a:r>
+            <a:r>
+              <a:rPr lang="en-US" sz="2400" dirty="0"/>
+              <a:t>and </a:t>
+            </a:r>
+            <a:r>
+              <a:rPr lang="en-US" sz="2400" dirty="0" smtClean="0">
+                <a:solidFill>
+                  <a:srgbClr val="002060"/>
+                </a:solidFill>
+              </a:rPr>
+              <a:t>C </a:t>
+            </a:r>
+            <a:r>
+              <a:rPr lang="en-US" sz="2400" dirty="0">
+                <a:solidFill>
+                  <a:srgbClr val="002060"/>
+                </a:solidFill>
+              </a:rPr>
+              <a:t>to 2</a:t>
+            </a:r>
+          </a:p>
+          <a:p>
+            <a:endParaRPr lang="en-US" sz="1200" dirty="0">
+              <a:sym typeface="Wingdings" panose="05000000000000000000" pitchFamily="2" charset="2"/>
+            </a:endParaRPr>
+          </a:p>
+          <a:p>
+            <a:r>
+              <a:rPr lang="en-US" sz="2400" dirty="0" smtClean="0">
+                <a:solidFill>
+                  <a:srgbClr val="FF0000"/>
+                </a:solidFill>
+                <a:sym typeface="Wingdings" panose="05000000000000000000" pitchFamily="2" charset="2"/>
+              </a:rPr>
+              <a:t>A</a:t>
+            </a:r>
+            <a:r>
+              <a:rPr lang="en-US" sz="2400" dirty="0" smtClean="0">
+                <a:sym typeface="Wingdings" panose="05000000000000000000" pitchFamily="2" charset="2"/>
+              </a:rPr>
+              <a:t> </a:t>
             </a:r>
             <a:r>
               <a:rPr lang="en-US" sz="2400" dirty="0">
                 <a:sym typeface="Wingdings" panose="05000000000000000000" pitchFamily="2" charset="2"/>
               </a:rPr>
-              <a:t> C  E</a:t>
-            </a:r>
-          </a:p>
-          <a:p>
+              <a:t>and </a:t>
+            </a:r>
+            <a:r>
+              <a:rPr lang="en-US" sz="2400" dirty="0">
+                <a:solidFill>
+                  <a:srgbClr val="FF0000"/>
+                </a:solidFill>
+                <a:sym typeface="Wingdings" panose="05000000000000000000" pitchFamily="2" charset="2"/>
+              </a:rPr>
+              <a:t>E</a:t>
+            </a:r>
             <a:r>
               <a:rPr lang="en-US" sz="2400" dirty="0">
                 <a:sym typeface="Wingdings" panose="05000000000000000000" pitchFamily="2" charset="2"/>
               </a:rPr>
-              <a:t>B exists already, so increment </a:t>
+              <a:t> are new in this branch, so add </a:t>
+            </a:r>
+            <a:r>
+              <a:rPr lang="en-US" sz="2400" dirty="0" smtClean="0">
+                <a:solidFill>
+                  <a:srgbClr val="FF0000"/>
+                </a:solidFill>
+                <a:sym typeface="Wingdings" panose="05000000000000000000" pitchFamily="2" charset="2"/>
+              </a:rPr>
+              <a:t>A: </a:t>
             </a:r>
             <a:r>
               <a:rPr lang="en-US" sz="2400" dirty="0">
@@ -6747,48 +7623,7 @@
                 </a:solidFill>
                 <a:sym typeface="Wingdings" panose="05000000000000000000" pitchFamily="2" charset="2"/>
               </a:rPr>
-              <a:t>B to 2</a:t>
-            </a:r>
-          </a:p>
-          <a:p>
-            <a:r>
-              <a:rPr lang="en-US" sz="2400" dirty="0">
-                <a:solidFill>
-                  <a:srgbClr val="FF0000"/>
-                </a:solidFill>
-                <a:sym typeface="Wingdings" panose="05000000000000000000" pitchFamily="2" charset="2"/>
-              </a:rPr>
-              <a:t>C </a:t>
-            </a:r>
-            <a:r>
-              <a:rPr lang="en-US" sz="2400" dirty="0">
-                <a:sym typeface="Wingdings" panose="05000000000000000000" pitchFamily="2" charset="2"/>
-              </a:rPr>
-              <a:t>and </a:t>
-            </a:r>
-            <a:r>
-              <a:rPr lang="en-US" sz="2400" dirty="0">
-                <a:solidFill>
-                  <a:srgbClr val="FF0000"/>
-                </a:solidFill>
-                <a:sym typeface="Wingdings" panose="05000000000000000000" pitchFamily="2" charset="2"/>
-              </a:rPr>
-              <a:t>E</a:t>
-            </a:r>
-            <a:r>
-              <a:rPr lang="en-US" sz="2400" dirty="0">
-                <a:sym typeface="Wingdings" panose="05000000000000000000" pitchFamily="2" charset="2"/>
-              </a:rPr>
-              <a:t> are new in this branch, add </a:t>
-            </a:r>
-            <a:r>
-              <a:rPr lang="en-US" sz="2400" dirty="0">
-                <a:solidFill>
-                  <a:srgbClr val="FF0000"/>
-                </a:solidFill>
-                <a:sym typeface="Wingdings" panose="05000000000000000000" pitchFamily="2" charset="2"/>
-              </a:rPr>
-              <a:t>C: 1 </a:t>
+              <a:t>1 </a:t>
             </a:r>
             <a:r>
               <a:rPr lang="en-US" sz="2400" dirty="0">
@@ -6810,7 +7645,7 @@
       </p:sp>
       <p:sp>
         <p:nvSpPr>
-          <p:cNvPr id="31" name="Oval 30">
+          <p:cNvPr id="47" name="Oval 46">
             <a:extLst>
               <a:ext uri="{FF2B5EF4-FFF2-40B4-BE49-F238E27FC236}">
                 <a16:creationId xmlns="" xmlns:a16="http://schemas.microsoft.com/office/drawing/2014/main" id="{6790BD35-3A48-4FA4-A1DD-25EAA7D259C1}"/>
@@ -6865,12 +7700,12 @@
               <a:t>C: </a:t>
             </a:r>
             <a:r>
-              <a:rPr lang="en-US" sz="1600" dirty="0">
+              <a:rPr lang="en-US" sz="1600" dirty="0" smtClean="0">
                 <a:solidFill>
                   <a:schemeClr val="tx1"/>
                 </a:solidFill>
               </a:rPr>
-              <a:t>1</a:t>
+              <a:t>2</a:t>
             </a:r>
             <a:endParaRPr lang="en-PH" sz="1600" dirty="0">
               <a:solidFill>
@@ -6882,7 +7717,7 @@
       </p:sp>
       <p:sp>
         <p:nvSpPr>
-          <p:cNvPr id="32" name="Oval 31">
+          <p:cNvPr id="48" name="Oval 47">
             <a:extLst>
               <a:ext uri="{FF2B5EF4-FFF2-40B4-BE49-F238E27FC236}">
                 <a16:creationId xmlns="" xmlns:a16="http://schemas.microsoft.com/office/drawing/2014/main" id="{6790BD35-3A48-4FA4-A1DD-25EAA7D259C1}"/>
@@ -6895,6 +7730,464 @@
         <p:spPr>
           <a:xfrm>
             <a:off x="8548471" y="3877989"/>
+            <a:ext cx="741647" cy="741647"/>
+          </a:xfrm>
+          <a:prstGeom prst="ellipse">
+            <a:avLst/>
+          </a:prstGeom>
+          <a:noFill/>
+          <a:ln>
+            <a:solidFill>
+              <a:schemeClr val="tx1"/>
+            </a:solidFill>
+          </a:ln>
+        </p:spPr>
+        <p:style>
+          <a:lnRef idx="2">
+            <a:schemeClr val="accent1">
+              <a:shade val="50000"/>
+            </a:schemeClr>
+          </a:lnRef>
+          <a:fillRef idx="1">
+            <a:schemeClr val="accent1"/>
+          </a:fillRef>
+          <a:effectRef idx="0">
+            <a:schemeClr val="accent1"/>
+          </a:effectRef>
+          <a:fontRef idx="minor">
+            <a:schemeClr val="lt1"/>
+          </a:fontRef>
+        </p:style>
+        <p:txBody>
+          <a:bodyPr rtlCol="0" anchor="ctr"/>
+          <a:lstStyle/>
+          <a:p>
+            <a:pPr algn="ctr"/>
+            <a:r>
+              <a:rPr lang="en-US" sz="1600" dirty="0" smtClean="0">
+                <a:solidFill>
+                  <a:schemeClr val="tx1"/>
+                </a:solidFill>
+              </a:rPr>
+              <a:t>E: </a:t>
+            </a:r>
+            <a:r>
+              <a:rPr lang="en-US" sz="1600" dirty="0">
+                <a:solidFill>
+                  <a:schemeClr val="tx1"/>
+                </a:solidFill>
+              </a:rPr>
+              <a:t>1</a:t>
+            </a:r>
+            <a:endParaRPr lang="en-PH" sz="1600" dirty="0">
+              <a:solidFill>
+                <a:schemeClr val="tx1"/>
+              </a:solidFill>
+            </a:endParaRPr>
+          </a:p>
+        </p:txBody>
+      </p:sp>
+      <p:cxnSp>
+        <p:nvCxnSpPr>
+          <p:cNvPr id="49" name="Straight Connector 48">
+            <a:extLst>
+              <a:ext uri="{FF2B5EF4-FFF2-40B4-BE49-F238E27FC236}">
+                <a16:creationId xmlns="" xmlns:a16="http://schemas.microsoft.com/office/drawing/2014/main" id="{D5CBC4E2-B7D8-4BA4-91B1-1439F1E66A5D}"/>
+              </a:ext>
+            </a:extLst>
+          </p:cNvPr>
+          <p:cNvCxnSpPr>
+            <a:endCxn id="47" idx="1"/>
+          </p:cNvCxnSpPr>
+          <p:nvPr/>
+        </p:nvCxnSpPr>
+        <p:spPr>
+          <a:xfrm>
+            <a:off x="8331247" y="2531487"/>
+            <a:ext cx="217224" cy="295880"/>
+          </a:xfrm>
+          <a:prstGeom prst="line">
+            <a:avLst/>
+          </a:prstGeom>
+        </p:spPr>
+        <p:style>
+          <a:lnRef idx="1">
+            <a:schemeClr val="dk1"/>
+          </a:lnRef>
+          <a:fillRef idx="0">
+            <a:schemeClr val="dk1"/>
+          </a:fillRef>
+          <a:effectRef idx="0">
+            <a:schemeClr val="dk1"/>
+          </a:effectRef>
+          <a:fontRef idx="minor">
+            <a:schemeClr val="tx1"/>
+          </a:fontRef>
+        </p:style>
+      </p:cxnSp>
+      <p:cxnSp>
+        <p:nvCxnSpPr>
+          <p:cNvPr id="50" name="Straight Connector 49">
+            <a:extLst>
+              <a:ext uri="{FF2B5EF4-FFF2-40B4-BE49-F238E27FC236}">
+                <a16:creationId xmlns="" xmlns:a16="http://schemas.microsoft.com/office/drawing/2014/main" id="{D5CBC4E2-B7D8-4BA4-91B1-1439F1E66A5D}"/>
+              </a:ext>
+            </a:extLst>
+          </p:cNvPr>
+          <p:cNvCxnSpPr>
+            <a:stCxn id="48" idx="0"/>
+            <a:endCxn id="47" idx="4"/>
+          </p:cNvCxnSpPr>
+          <p:nvPr/>
+        </p:nvCxnSpPr>
+        <p:spPr>
+          <a:xfrm flipH="1" flipV="1">
+            <a:off x="8810683" y="3460402"/>
+            <a:ext cx="108612" cy="417587"/>
+          </a:xfrm>
+          <a:prstGeom prst="line">
+            <a:avLst/>
+          </a:prstGeom>
+        </p:spPr>
+        <p:style>
+          <a:lnRef idx="1">
+            <a:schemeClr val="dk1"/>
+          </a:lnRef>
+          <a:fillRef idx="0">
+            <a:schemeClr val="dk1"/>
+          </a:fillRef>
+          <a:effectRef idx="0">
+            <a:schemeClr val="dk1"/>
+          </a:effectRef>
+          <a:fontRef idx="minor">
+            <a:schemeClr val="tx1"/>
+          </a:fontRef>
+        </p:style>
+      </p:cxnSp>
+      <p:sp>
+        <p:nvSpPr>
+          <p:cNvPr id="51" name="Oval 50">
+            <a:extLst>
+              <a:ext uri="{FF2B5EF4-FFF2-40B4-BE49-F238E27FC236}">
+                <a16:creationId xmlns="" xmlns:a16="http://schemas.microsoft.com/office/drawing/2014/main" id="{FF465D5F-EE40-4CF1-B973-7087C70611E4}"/>
+              </a:ext>
+            </a:extLst>
+          </p:cNvPr>
+          <p:cNvSpPr/>
+          <p:nvPr/>
+        </p:nvSpPr>
+        <p:spPr>
+          <a:xfrm>
+            <a:off x="6869587" y="2676377"/>
+            <a:ext cx="730518" cy="730518"/>
+          </a:xfrm>
+          <a:prstGeom prst="ellipse">
+            <a:avLst/>
+          </a:prstGeom>
+          <a:noFill/>
+          <a:ln>
+            <a:solidFill>
+              <a:schemeClr val="tx1"/>
+            </a:solidFill>
+          </a:ln>
+        </p:spPr>
+        <p:style>
+          <a:lnRef idx="2">
+            <a:schemeClr val="accent1">
+              <a:shade val="50000"/>
+            </a:schemeClr>
+          </a:lnRef>
+          <a:fillRef idx="1">
+            <a:schemeClr val="accent1"/>
+          </a:fillRef>
+          <a:effectRef idx="0">
+            <a:schemeClr val="accent1"/>
+          </a:effectRef>
+          <a:fontRef idx="minor">
+            <a:schemeClr val="lt1"/>
+          </a:fontRef>
+        </p:style>
+        <p:txBody>
+          <a:bodyPr rtlCol="0" anchor="ctr"/>
+          <a:lstStyle/>
+          <a:p>
+            <a:pPr algn="ctr"/>
+            <a:r>
+              <a:rPr lang="en-US" sz="1600" dirty="0">
+                <a:solidFill>
+                  <a:schemeClr val="tx1"/>
+                </a:solidFill>
+              </a:rPr>
+              <a:t>A: 1</a:t>
+            </a:r>
+            <a:endParaRPr lang="en-PH" sz="1600" dirty="0">
+              <a:solidFill>
+                <a:schemeClr val="tx1"/>
+              </a:solidFill>
+            </a:endParaRPr>
+          </a:p>
+        </p:txBody>
+      </p:sp>
+      <p:sp>
+        <p:nvSpPr>
+          <p:cNvPr id="52" name="Oval 51">
+            <a:extLst>
+              <a:ext uri="{FF2B5EF4-FFF2-40B4-BE49-F238E27FC236}">
+                <a16:creationId xmlns="" xmlns:a16="http://schemas.microsoft.com/office/drawing/2014/main" id="{39C548D5-2D23-4238-82DF-921D2E3334F9}"/>
+              </a:ext>
+            </a:extLst>
+          </p:cNvPr>
+          <p:cNvSpPr/>
+          <p:nvPr/>
+        </p:nvSpPr>
+        <p:spPr>
+          <a:xfrm>
+            <a:off x="6269620" y="3680381"/>
+            <a:ext cx="741648" cy="741648"/>
+          </a:xfrm>
+          <a:prstGeom prst="ellipse">
+            <a:avLst/>
+          </a:prstGeom>
+          <a:noFill/>
+          <a:ln>
+            <a:solidFill>
+              <a:schemeClr val="tx1"/>
+            </a:solidFill>
+          </a:ln>
+        </p:spPr>
+        <p:style>
+          <a:lnRef idx="2">
+            <a:schemeClr val="accent1">
+              <a:shade val="50000"/>
+            </a:schemeClr>
+          </a:lnRef>
+          <a:fillRef idx="1">
+            <a:schemeClr val="accent1"/>
+          </a:fillRef>
+          <a:effectRef idx="0">
+            <a:schemeClr val="accent1"/>
+          </a:effectRef>
+          <a:fontRef idx="minor">
+            <a:schemeClr val="lt1"/>
+          </a:fontRef>
+        </p:style>
+        <p:txBody>
+          <a:bodyPr rtlCol="0" anchor="ctr"/>
+          <a:lstStyle/>
+          <a:p>
+            <a:pPr algn="ctr"/>
+            <a:r>
+              <a:rPr lang="en-US" sz="1600" dirty="0">
+                <a:solidFill>
+                  <a:schemeClr val="tx1"/>
+                </a:solidFill>
+              </a:rPr>
+              <a:t>E: 1</a:t>
+            </a:r>
+            <a:endParaRPr lang="en-PH" sz="1600" dirty="0">
+              <a:solidFill>
+                <a:schemeClr val="tx1"/>
+              </a:solidFill>
+            </a:endParaRPr>
+          </a:p>
+        </p:txBody>
+      </p:sp>
+      <p:sp>
+        <p:nvSpPr>
+          <p:cNvPr id="53" name="Oval 52">
+            <a:extLst>
+              <a:ext uri="{FF2B5EF4-FFF2-40B4-BE49-F238E27FC236}">
+                <a16:creationId xmlns="" xmlns:a16="http://schemas.microsoft.com/office/drawing/2014/main" id="{D370CE05-94D0-4DB6-BE29-980F92475FAA}"/>
+              </a:ext>
+            </a:extLst>
+          </p:cNvPr>
+          <p:cNvSpPr/>
+          <p:nvPr/>
+        </p:nvSpPr>
+        <p:spPr>
+          <a:xfrm>
+            <a:off x="5573505" y="4538710"/>
+            <a:ext cx="741648" cy="741648"/>
+          </a:xfrm>
+          <a:prstGeom prst="ellipse">
+            <a:avLst/>
+          </a:prstGeom>
+          <a:noFill/>
+          <a:ln>
+            <a:solidFill>
+              <a:schemeClr val="tx1"/>
+            </a:solidFill>
+          </a:ln>
+        </p:spPr>
+        <p:style>
+          <a:lnRef idx="2">
+            <a:schemeClr val="accent1">
+              <a:shade val="50000"/>
+            </a:schemeClr>
+          </a:lnRef>
+          <a:fillRef idx="1">
+            <a:schemeClr val="accent1"/>
+          </a:fillRef>
+          <a:effectRef idx="0">
+            <a:schemeClr val="accent1"/>
+          </a:effectRef>
+          <a:fontRef idx="minor">
+            <a:schemeClr val="lt1"/>
+          </a:fontRef>
+        </p:style>
+        <p:txBody>
+          <a:bodyPr rtlCol="0" anchor="ctr"/>
+          <a:lstStyle/>
+          <a:p>
+            <a:pPr algn="ctr"/>
+            <a:r>
+              <a:rPr lang="en-US" sz="1600" dirty="0">
+                <a:solidFill>
+                  <a:schemeClr val="tx1"/>
+                </a:solidFill>
+              </a:rPr>
+              <a:t>D: 1</a:t>
+            </a:r>
+            <a:endParaRPr lang="en-PH" sz="1600" dirty="0">
+              <a:solidFill>
+                <a:schemeClr val="tx1"/>
+              </a:solidFill>
+            </a:endParaRPr>
+          </a:p>
+        </p:txBody>
+      </p:sp>
+      <p:cxnSp>
+        <p:nvCxnSpPr>
+          <p:cNvPr id="54" name="Straight Connector 53">
+            <a:extLst>
+              <a:ext uri="{FF2B5EF4-FFF2-40B4-BE49-F238E27FC236}">
+                <a16:creationId xmlns="" xmlns:a16="http://schemas.microsoft.com/office/drawing/2014/main" id="{D5CBC4E2-B7D8-4BA4-91B1-1439F1E66A5D}"/>
+              </a:ext>
+            </a:extLst>
+          </p:cNvPr>
+          <p:cNvCxnSpPr>
+            <a:endCxn id="51" idx="7"/>
+          </p:cNvCxnSpPr>
+          <p:nvPr/>
+        </p:nvCxnSpPr>
+        <p:spPr>
+          <a:xfrm flipH="1">
+            <a:off x="7493123" y="2531487"/>
+            <a:ext cx="313701" cy="251872"/>
+          </a:xfrm>
+          <a:prstGeom prst="line">
+            <a:avLst/>
+          </a:prstGeom>
+        </p:spPr>
+        <p:style>
+          <a:lnRef idx="1">
+            <a:schemeClr val="dk1"/>
+          </a:lnRef>
+          <a:fillRef idx="0">
+            <a:schemeClr val="dk1"/>
+          </a:fillRef>
+          <a:effectRef idx="0">
+            <a:schemeClr val="dk1"/>
+          </a:effectRef>
+          <a:fontRef idx="minor">
+            <a:schemeClr val="tx1"/>
+          </a:fontRef>
+        </p:style>
+      </p:cxnSp>
+      <p:cxnSp>
+        <p:nvCxnSpPr>
+          <p:cNvPr id="55" name="Straight Connector 54">
+            <a:extLst>
+              <a:ext uri="{FF2B5EF4-FFF2-40B4-BE49-F238E27FC236}">
+                <a16:creationId xmlns="" xmlns:a16="http://schemas.microsoft.com/office/drawing/2014/main" id="{3671F84C-43EB-4E83-B34F-C5EA539A58EC}"/>
+              </a:ext>
+            </a:extLst>
+          </p:cNvPr>
+          <p:cNvCxnSpPr>
+            <a:cxnSpLocks/>
+            <a:endCxn id="51" idx="3"/>
+          </p:cNvCxnSpPr>
+          <p:nvPr/>
+        </p:nvCxnSpPr>
+        <p:spPr>
+          <a:xfrm flipV="1">
+            <a:off x="6763880" y="3299913"/>
+            <a:ext cx="212689" cy="380468"/>
+          </a:xfrm>
+          <a:prstGeom prst="line">
+            <a:avLst/>
+          </a:prstGeom>
+        </p:spPr>
+        <p:style>
+          <a:lnRef idx="1">
+            <a:schemeClr val="dk1"/>
+          </a:lnRef>
+          <a:fillRef idx="0">
+            <a:schemeClr val="dk1"/>
+          </a:fillRef>
+          <a:effectRef idx="0">
+            <a:schemeClr val="dk1"/>
+          </a:effectRef>
+          <a:fontRef idx="minor">
+            <a:schemeClr val="tx1"/>
+          </a:fontRef>
+        </p:style>
+      </p:cxnSp>
+      <p:cxnSp>
+        <p:nvCxnSpPr>
+          <p:cNvPr id="56" name="Straight Connector 55">
+            <a:extLst>
+              <a:ext uri="{FF2B5EF4-FFF2-40B4-BE49-F238E27FC236}">
+                <a16:creationId xmlns="" xmlns:a16="http://schemas.microsoft.com/office/drawing/2014/main" id="{61E9DF07-49B0-4931-B28A-3220297F1ADF}"/>
+              </a:ext>
+            </a:extLst>
+          </p:cNvPr>
+          <p:cNvCxnSpPr>
+            <a:cxnSpLocks/>
+            <a:stCxn id="53" idx="7"/>
+            <a:endCxn id="52" idx="3"/>
+          </p:cNvCxnSpPr>
+          <p:nvPr/>
+        </p:nvCxnSpPr>
+        <p:spPr>
+          <a:xfrm flipV="1">
+            <a:off x="6206541" y="4313417"/>
+            <a:ext cx="171691" cy="333905"/>
+          </a:xfrm>
+          <a:prstGeom prst="line">
+            <a:avLst/>
+          </a:prstGeom>
+        </p:spPr>
+        <p:style>
+          <a:lnRef idx="1">
+            <a:schemeClr val="dk1"/>
+          </a:lnRef>
+          <a:fillRef idx="0">
+            <a:schemeClr val="dk1"/>
+          </a:fillRef>
+          <a:effectRef idx="0">
+            <a:schemeClr val="dk1"/>
+          </a:effectRef>
+          <a:fontRef idx="minor">
+            <a:schemeClr val="tx1"/>
+          </a:fontRef>
+        </p:style>
+      </p:cxnSp>
+      <p:sp>
+        <p:nvSpPr>
+          <p:cNvPr id="57" name="Oval 56">
+            <a:extLst>
+              <a:ext uri="{FF2B5EF4-FFF2-40B4-BE49-F238E27FC236}">
+                <a16:creationId xmlns="" xmlns:a16="http://schemas.microsoft.com/office/drawing/2014/main" id="{6790BD35-3A48-4FA4-A1DD-25EAA7D259C1}"/>
+              </a:ext>
+            </a:extLst>
+          </p:cNvPr>
+          <p:cNvSpPr/>
+          <p:nvPr/>
+        </p:nvSpPr>
+        <p:spPr>
+          <a:xfrm>
+            <a:off x="7698212" y="1898452"/>
             <a:ext cx="741647" cy="741647"/>
           </a:xfrm>
           <a:prstGeom prst="ellipse">
@@ -6929,20 +8222,20 @@
           <a:p>
             <a:pPr algn="ctr"/>
             <a:r>
+              <a:rPr lang="en-US" sz="1600" dirty="0">
+                <a:solidFill>
+                  <a:schemeClr val="tx1"/>
+                </a:solidFill>
+              </a:rPr>
+              <a:t>B: </a:t>
+            </a:r>
+            <a:r>
               <a:rPr lang="en-US" sz="1600" dirty="0" smtClean="0">
                 <a:solidFill>
                   <a:schemeClr val="tx1"/>
                 </a:solidFill>
               </a:rPr>
-              <a:t>E: </a:t>
-            </a:r>
-            <a:r>
-              <a:rPr lang="en-US" sz="1600" dirty="0">
-                <a:solidFill>
-                  <a:schemeClr val="tx1"/>
-                </a:solidFill>
-              </a:rPr>
-              <a:t>1</a:t>
+              <a:t>3</a:t>
             </a:r>
             <a:endParaRPr lang="en-PH" sz="1600" dirty="0">
               <a:solidFill>
@@ -6952,87 +8245,9 @@
           </a:p>
         </p:txBody>
       </p:sp>
-      <p:cxnSp>
-        <p:nvCxnSpPr>
-          <p:cNvPr id="33" name="Straight Connector 32">
-            <a:extLst>
-              <a:ext uri="{FF2B5EF4-FFF2-40B4-BE49-F238E27FC236}">
-                <a16:creationId xmlns="" xmlns:a16="http://schemas.microsoft.com/office/drawing/2014/main" id="{D5CBC4E2-B7D8-4BA4-91B1-1439F1E66A5D}"/>
-              </a:ext>
-            </a:extLst>
-          </p:cNvPr>
-          <p:cNvCxnSpPr>
-            <a:stCxn id="38" idx="5"/>
-            <a:endCxn id="31" idx="1"/>
-          </p:cNvCxnSpPr>
-          <p:nvPr/>
-        </p:nvCxnSpPr>
-        <p:spPr>
-          <a:xfrm>
-            <a:off x="8331247" y="2531487"/>
-            <a:ext cx="217224" cy="295880"/>
-          </a:xfrm>
-          <a:prstGeom prst="line">
-            <a:avLst/>
-          </a:prstGeom>
-        </p:spPr>
-        <p:style>
-          <a:lnRef idx="1">
-            <a:schemeClr val="dk1"/>
-          </a:lnRef>
-          <a:fillRef idx="0">
-            <a:schemeClr val="dk1"/>
-          </a:fillRef>
-          <a:effectRef idx="0">
-            <a:schemeClr val="dk1"/>
-          </a:effectRef>
-          <a:fontRef idx="minor">
-            <a:schemeClr val="tx1"/>
-          </a:fontRef>
-        </p:style>
-      </p:cxnSp>
-      <p:cxnSp>
-        <p:nvCxnSpPr>
-          <p:cNvPr id="34" name="Straight Connector 33">
-            <a:extLst>
-              <a:ext uri="{FF2B5EF4-FFF2-40B4-BE49-F238E27FC236}">
-                <a16:creationId xmlns="" xmlns:a16="http://schemas.microsoft.com/office/drawing/2014/main" id="{D5CBC4E2-B7D8-4BA4-91B1-1439F1E66A5D}"/>
-              </a:ext>
-            </a:extLst>
-          </p:cNvPr>
-          <p:cNvCxnSpPr>
-            <a:stCxn id="32" idx="0"/>
-            <a:endCxn id="31" idx="4"/>
-          </p:cNvCxnSpPr>
-          <p:nvPr/>
-        </p:nvCxnSpPr>
-        <p:spPr>
-          <a:xfrm flipH="1" flipV="1">
-            <a:off x="8810683" y="3460402"/>
-            <a:ext cx="108612" cy="417587"/>
-          </a:xfrm>
-          <a:prstGeom prst="line">
-            <a:avLst/>
-          </a:prstGeom>
-        </p:spPr>
-        <p:style>
-          <a:lnRef idx="1">
-            <a:schemeClr val="dk1"/>
-          </a:lnRef>
-          <a:fillRef idx="0">
-            <a:schemeClr val="dk1"/>
-          </a:fillRef>
-          <a:effectRef idx="0">
-            <a:schemeClr val="dk1"/>
-          </a:effectRef>
-          <a:fontRef idx="minor">
-            <a:schemeClr val="tx1"/>
-          </a:fontRef>
-        </p:style>
-      </p:cxnSp>
       <p:sp>
         <p:nvSpPr>
-          <p:cNvPr id="38" name="Oval 37">
+          <p:cNvPr id="58" name="Oval 57">
             <a:extLst>
               <a:ext uri="{FF2B5EF4-FFF2-40B4-BE49-F238E27FC236}">
                 <a16:creationId xmlns="" xmlns:a16="http://schemas.microsoft.com/office/drawing/2014/main" id="{6790BD35-3A48-4FA4-A1DD-25EAA7D259C1}"/>
@@ -7044,7 +8259,7 @@
         </p:nvSpPr>
         <p:spPr>
           <a:xfrm>
-            <a:off x="7698212" y="1898452"/>
+            <a:off x="9366317" y="3251546"/>
             <a:ext cx="741647" cy="741647"/>
           </a:xfrm>
           <a:prstGeom prst="ellipse">
@@ -7079,20 +8294,20 @@
           <a:p>
             <a:pPr algn="ctr"/>
             <a:r>
+              <a:rPr lang="en-US" sz="1600" dirty="0" smtClean="0">
+                <a:solidFill>
+                  <a:schemeClr val="tx1"/>
+                </a:solidFill>
+              </a:rPr>
+              <a:t>A: </a:t>
+            </a:r>
+            <a:r>
               <a:rPr lang="en-US" sz="1600" dirty="0">
                 <a:solidFill>
                   <a:schemeClr val="tx1"/>
                 </a:solidFill>
               </a:rPr>
-              <a:t>B: </a:t>
-            </a:r>
-            <a:r>
-              <a:rPr lang="en-US" sz="1600" dirty="0" smtClean="0">
-                <a:solidFill>
-                  <a:schemeClr val="tx1"/>
-                </a:solidFill>
-              </a:rPr>
-              <a:t>2</a:t>
+              <a:t>1</a:t>
             </a:r>
             <a:endParaRPr lang="en-PH" sz="1600" dirty="0">
               <a:solidFill>
@@ -7104,10 +8319,10 @@
       </p:sp>
       <p:sp>
         <p:nvSpPr>
-          <p:cNvPr id="39" name="Oval 38">
-            <a:extLst>
-              <a:ext uri="{FF2B5EF4-FFF2-40B4-BE49-F238E27FC236}">
-                <a16:creationId xmlns="" xmlns:a16="http://schemas.microsoft.com/office/drawing/2014/main" id="{FF465D5F-EE40-4CF1-B973-7087C70611E4}"/>
+          <p:cNvPr id="59" name="Oval 58">
+            <a:extLst>
+              <a:ext uri="{FF2B5EF4-FFF2-40B4-BE49-F238E27FC236}">
+                <a16:creationId xmlns="" xmlns:a16="http://schemas.microsoft.com/office/drawing/2014/main" id="{6790BD35-3A48-4FA4-A1DD-25EAA7D259C1}"/>
               </a:ext>
             </a:extLst>
           </p:cNvPr>
@@ -7116,8 +8331,8 @@
         </p:nvSpPr>
         <p:spPr>
           <a:xfrm>
-            <a:off x="6869587" y="2676377"/>
-            <a:ext cx="730518" cy="730518"/>
+            <a:off x="9737140" y="4313417"/>
+            <a:ext cx="741647" cy="741647"/>
           </a:xfrm>
           <a:prstGeom prst="ellipse">
             <a:avLst/>
@@ -7125,7 +8340,7 @@
           <a:noFill/>
           <a:ln>
             <a:solidFill>
-              <a:schemeClr val="tx1"/>
+              <a:srgbClr val="FF0000"/>
             </a:solidFill>
           </a:ln>
         </p:spPr>
@@ -7151,12 +8366,20 @@
           <a:p>
             <a:pPr algn="ctr"/>
             <a:r>
+              <a:rPr lang="en-US" sz="1600" dirty="0" smtClean="0">
+                <a:solidFill>
+                  <a:schemeClr val="tx1"/>
+                </a:solidFill>
+              </a:rPr>
+              <a:t>E: </a:t>
+            </a:r>
+            <a:r>
               <a:rPr lang="en-US" sz="1600" dirty="0">
                 <a:solidFill>
                   <a:schemeClr val="tx1"/>
                 </a:solidFill>
               </a:rPr>
-              <a:t>A: 1</a:t>
+              <a:t>1</a:t>
             </a:r>
             <a:endParaRPr lang="en-PH" sz="1600" dirty="0">
               <a:solidFill>
@@ -7166,137 +8389,9 @@
           </a:p>
         </p:txBody>
       </p:sp>
-      <p:sp>
-        <p:nvSpPr>
-          <p:cNvPr id="40" name="Oval 39">
-            <a:extLst>
-              <a:ext uri="{FF2B5EF4-FFF2-40B4-BE49-F238E27FC236}">
-                <a16:creationId xmlns="" xmlns:a16="http://schemas.microsoft.com/office/drawing/2014/main" id="{39C548D5-2D23-4238-82DF-921D2E3334F9}"/>
-              </a:ext>
-            </a:extLst>
-          </p:cNvPr>
-          <p:cNvSpPr/>
-          <p:nvPr/>
-        </p:nvSpPr>
-        <p:spPr>
-          <a:xfrm>
-            <a:off x="6269620" y="3680381"/>
-            <a:ext cx="741648" cy="741648"/>
-          </a:xfrm>
-          <a:prstGeom prst="ellipse">
-            <a:avLst/>
-          </a:prstGeom>
-          <a:noFill/>
-          <a:ln>
-            <a:solidFill>
-              <a:schemeClr val="tx1"/>
-            </a:solidFill>
-          </a:ln>
-        </p:spPr>
-        <p:style>
-          <a:lnRef idx="2">
-            <a:schemeClr val="accent1">
-              <a:shade val="50000"/>
-            </a:schemeClr>
-          </a:lnRef>
-          <a:fillRef idx="1">
-            <a:schemeClr val="accent1"/>
-          </a:fillRef>
-          <a:effectRef idx="0">
-            <a:schemeClr val="accent1"/>
-          </a:effectRef>
-          <a:fontRef idx="minor">
-            <a:schemeClr val="lt1"/>
-          </a:fontRef>
-        </p:style>
-        <p:txBody>
-          <a:bodyPr rtlCol="0" anchor="ctr"/>
-          <a:lstStyle/>
-          <a:p>
-            <a:pPr algn="ctr"/>
-            <a:r>
-              <a:rPr lang="en-US" sz="1600" dirty="0">
-                <a:solidFill>
-                  <a:schemeClr val="tx1"/>
-                </a:solidFill>
-              </a:rPr>
-              <a:t>E: 1</a:t>
-            </a:r>
-            <a:endParaRPr lang="en-PH" sz="1600" dirty="0">
-              <a:solidFill>
-                <a:schemeClr val="tx1"/>
-              </a:solidFill>
-            </a:endParaRPr>
-          </a:p>
-        </p:txBody>
-      </p:sp>
-      <p:sp>
-        <p:nvSpPr>
-          <p:cNvPr id="41" name="Oval 40">
-            <a:extLst>
-              <a:ext uri="{FF2B5EF4-FFF2-40B4-BE49-F238E27FC236}">
-                <a16:creationId xmlns="" xmlns:a16="http://schemas.microsoft.com/office/drawing/2014/main" id="{D370CE05-94D0-4DB6-BE29-980F92475FAA}"/>
-              </a:ext>
-            </a:extLst>
-          </p:cNvPr>
-          <p:cNvSpPr/>
-          <p:nvPr/>
-        </p:nvSpPr>
-        <p:spPr>
-          <a:xfrm>
-            <a:off x="5573505" y="4538710"/>
-            <a:ext cx="741648" cy="741648"/>
-          </a:xfrm>
-          <a:prstGeom prst="ellipse">
-            <a:avLst/>
-          </a:prstGeom>
-          <a:noFill/>
-          <a:ln>
-            <a:solidFill>
-              <a:schemeClr val="tx1"/>
-            </a:solidFill>
-          </a:ln>
-        </p:spPr>
-        <p:style>
-          <a:lnRef idx="2">
-            <a:schemeClr val="accent1">
-              <a:shade val="50000"/>
-            </a:schemeClr>
-          </a:lnRef>
-          <a:fillRef idx="1">
-            <a:schemeClr val="accent1"/>
-          </a:fillRef>
-          <a:effectRef idx="0">
-            <a:schemeClr val="accent1"/>
-          </a:effectRef>
-          <a:fontRef idx="minor">
-            <a:schemeClr val="lt1"/>
-          </a:fontRef>
-        </p:style>
-        <p:txBody>
-          <a:bodyPr rtlCol="0" anchor="ctr"/>
-          <a:lstStyle/>
-          <a:p>
-            <a:pPr algn="ctr"/>
-            <a:r>
-              <a:rPr lang="en-US" sz="1600" dirty="0">
-                <a:solidFill>
-                  <a:schemeClr val="tx1"/>
-                </a:solidFill>
-              </a:rPr>
-              <a:t>D: 1</a:t>
-            </a:r>
-            <a:endParaRPr lang="en-PH" sz="1600" dirty="0">
-              <a:solidFill>
-                <a:schemeClr val="tx1"/>
-              </a:solidFill>
-            </a:endParaRPr>
-          </a:p>
-        </p:txBody>
-      </p:sp>
       <p:cxnSp>
         <p:nvCxnSpPr>
-          <p:cNvPr id="42" name="Straight Connector 41">
+          <p:cNvPr id="60" name="Straight Connector 59">
             <a:extLst>
               <a:ext uri="{FF2B5EF4-FFF2-40B4-BE49-F238E27FC236}">
                 <a16:creationId xmlns="" xmlns:a16="http://schemas.microsoft.com/office/drawing/2014/main" id="{D5CBC4E2-B7D8-4BA4-91B1-1439F1E66A5D}"/>
@@ -7304,15 +8399,15 @@
             </a:extLst>
           </p:cNvPr>
           <p:cNvCxnSpPr>
-            <a:stCxn id="38" idx="3"/>
-            <a:endCxn id="39" idx="7"/>
+            <a:stCxn id="58" idx="1"/>
+            <a:endCxn id="47" idx="6"/>
           </p:cNvCxnSpPr>
           <p:nvPr/>
         </p:nvCxnSpPr>
         <p:spPr>
-          <a:xfrm flipH="1">
-            <a:off x="7493123" y="2531487"/>
-            <a:ext cx="313701" cy="251872"/>
+          <a:xfrm flipH="1" flipV="1">
+            <a:off x="9181506" y="3089579"/>
+            <a:ext cx="293423" cy="270579"/>
           </a:xfrm>
           <a:prstGeom prst="line">
             <a:avLst/>
@@ -7335,63 +8430,23 @@
       </p:cxnSp>
       <p:cxnSp>
         <p:nvCxnSpPr>
-          <p:cNvPr id="43" name="Straight Connector 42">
-            <a:extLst>
-              <a:ext uri="{FF2B5EF4-FFF2-40B4-BE49-F238E27FC236}">
-                <a16:creationId xmlns="" xmlns:a16="http://schemas.microsoft.com/office/drawing/2014/main" id="{3671F84C-43EB-4E83-B34F-C5EA539A58EC}"/>
+          <p:cNvPr id="66" name="Straight Connector 65">
+            <a:extLst>
+              <a:ext uri="{FF2B5EF4-FFF2-40B4-BE49-F238E27FC236}">
+                <a16:creationId xmlns="" xmlns:a16="http://schemas.microsoft.com/office/drawing/2014/main" id="{D5CBC4E2-B7D8-4BA4-91B1-1439F1E66A5D}"/>
               </a:ext>
             </a:extLst>
           </p:cNvPr>
           <p:cNvCxnSpPr>
-            <a:cxnSpLocks/>
-            <a:endCxn id="39" idx="3"/>
+            <a:stCxn id="58" idx="5"/>
+            <a:endCxn id="59" idx="0"/>
           </p:cNvCxnSpPr>
           <p:nvPr/>
         </p:nvCxnSpPr>
         <p:spPr>
-          <a:xfrm flipV="1">
-            <a:off x="6763880" y="3299913"/>
-            <a:ext cx="212689" cy="380468"/>
-          </a:xfrm>
-          <a:prstGeom prst="line">
-            <a:avLst/>
-          </a:prstGeom>
-        </p:spPr>
-        <p:style>
-          <a:lnRef idx="1">
-            <a:schemeClr val="dk1"/>
-          </a:lnRef>
-          <a:fillRef idx="0">
-            <a:schemeClr val="dk1"/>
-          </a:fillRef>
-          <a:effectRef idx="0">
-            <a:schemeClr val="dk1"/>
-          </a:effectRef>
-          <a:fontRef idx="minor">
-            <a:schemeClr val="tx1"/>
-          </a:fontRef>
-        </p:style>
-      </p:cxnSp>
-      <p:cxnSp>
-        <p:nvCxnSpPr>
-          <p:cNvPr id="44" name="Straight Connector 43">
-            <a:extLst>
-              <a:ext uri="{FF2B5EF4-FFF2-40B4-BE49-F238E27FC236}">
-                <a16:creationId xmlns="" xmlns:a16="http://schemas.microsoft.com/office/drawing/2014/main" id="{61E9DF07-49B0-4931-B28A-3220297F1ADF}"/>
-              </a:ext>
-            </a:extLst>
-          </p:cNvPr>
-          <p:cNvCxnSpPr>
-            <a:cxnSpLocks/>
-            <a:stCxn id="41" idx="7"/>
-            <a:endCxn id="40" idx="3"/>
-          </p:cNvCxnSpPr>
-          <p:nvPr/>
-        </p:nvCxnSpPr>
-        <p:spPr>
-          <a:xfrm flipV="1">
-            <a:off x="6206541" y="4313417"/>
-            <a:ext cx="171691" cy="333905"/>
+          <a:xfrm>
+            <a:off x="9999352" y="3884581"/>
+            <a:ext cx="108612" cy="428836"/>
           </a:xfrm>
           <a:prstGeom prst="line">
             <a:avLst/>
@@ -7415,7 +8470,7 @@
     </p:spTree>
     <p:extLst>
       <p:ext uri="{BB962C8B-B14F-4D97-AF65-F5344CB8AC3E}">
-        <p14:creationId xmlns:p14="http://schemas.microsoft.com/office/powerpoint/2010/main" val="2149237413"/>
+        <p14:creationId xmlns:p14="http://schemas.microsoft.com/office/powerpoint/2010/main" val="3088216555"/>
       </p:ext>
     </p:extLst>
   </p:cSld>
@@ -7542,6 +8597,13 @@
   <p:clrMapOvr>
     <a:masterClrMapping/>
   </p:clrMapOvr>
+  <p:timing>
+    <p:tnLst>
+      <p:par>
+        <p:cTn id="1" dur="indefinite" restart="never" nodeType="tmRoot"/>
+      </p:par>
+    </p:tnLst>
+  </p:timing>
 </p:sld>
 </file>
 
@@ -7606,7 +8668,7 @@
         <p:spPr>
           <a:xfrm>
             <a:off x="821920" y="1752079"/>
-            <a:ext cx="5600651" cy="2339102"/>
+            <a:ext cx="5600651" cy="1723549"/>
           </a:xfrm>
           <a:prstGeom prst="rect">
             <a:avLst/>
@@ -7621,7 +8683,7 @@
           <a:p>
             <a:r>
               <a:rPr lang="en-US" sz="2400" dirty="0"/>
-              <a:t>Transaction T3</a:t>
+              <a:t>Transaction T4</a:t>
             </a:r>
             <a:r>
               <a:rPr lang="en-US" sz="2400" b="1" dirty="0"/>
@@ -7637,39 +8699,7 @@
                   <a:srgbClr val="FF0000"/>
                 </a:solidFill>
               </a:rPr>
-              <a:t>B, </a:t>
-            </a:r>
-            <a:r>
-              <a:rPr lang="en-US" sz="2400" dirty="0" smtClean="0">
-                <a:solidFill>
-                  <a:srgbClr val="FF0000"/>
-                </a:solidFill>
-              </a:rPr>
-              <a:t>C, </a:t>
-            </a:r>
-            <a:r>
-              <a:rPr lang="en-US" sz="2400" dirty="0">
-                <a:solidFill>
-                  <a:srgbClr val="FF0000"/>
-                </a:solidFill>
-              </a:rPr>
-              <a:t>A</a:t>
-            </a:r>
-            <a:r>
-              <a:rPr lang="en-US" sz="2400" dirty="0" smtClean="0">
-                <a:solidFill>
-                  <a:srgbClr val="FF0000"/>
-                </a:solidFill>
-              </a:rPr>
-              <a:t>, </a:t>
-            </a:r>
-            <a:r>
-              <a:rPr lang="en-US" sz="2400" dirty="0">
-                <a:solidFill>
-                  <a:srgbClr val="FF0000"/>
-                </a:solidFill>
-              </a:rPr>
-              <a:t>E</a:t>
+              <a:t>B, C</a:t>
             </a:r>
             <a:r>
               <a:rPr lang="en-US" sz="2400" dirty="0"/>
@@ -7682,126 +8712,76 @@
           <a:p>
             <a:r>
               <a:rPr lang="en-US" sz="2400" dirty="0"/>
-              <a:t>B &amp; </a:t>
-            </a:r>
-            <a:r>
-              <a:rPr lang="en-US" sz="2400" dirty="0" smtClean="0"/>
-              <a:t>C </a:t>
-            </a:r>
-            <a:r>
-              <a:rPr lang="en-US" sz="2400" dirty="0"/>
-              <a:t>already exists in this branch, so increment </a:t>
+              <a:t>Insert path B </a:t>
             </a:r>
             <a:r>
               <a:rPr lang="en-US" sz="2400" dirty="0">
+                <a:sym typeface="Wingdings" panose="05000000000000000000" pitchFamily="2" charset="2"/>
+              </a:rPr>
+              <a:t> C</a:t>
+            </a:r>
+          </a:p>
+          <a:p>
+            <a:r>
+              <a:rPr lang="en-US" sz="2400" dirty="0">
+                <a:sym typeface="Wingdings" panose="05000000000000000000" pitchFamily="2" charset="2"/>
+              </a:rPr>
+              <a:t>B already exists, so increment </a:t>
+            </a:r>
+            <a:r>
+              <a:rPr lang="en-US" sz="2400" b="1" dirty="0">
+                <a:solidFill>
+                  <a:srgbClr val="FF0000"/>
+                </a:solidFill>
+                <a:sym typeface="Wingdings" panose="05000000000000000000" pitchFamily="2" charset="2"/>
+              </a:rPr>
+              <a:t>B to 4</a:t>
+            </a:r>
+            <a:r>
+              <a:rPr lang="en-US" sz="2400" dirty="0">
                 <a:solidFill>
                   <a:srgbClr val="002060"/>
                 </a:solidFill>
-              </a:rPr>
-              <a:t>B to 3 </a:t>
-            </a:r>
-            <a:r>
-              <a:rPr lang="en-US" sz="2400" dirty="0"/>
-              <a:t>and </a:t>
-            </a:r>
-            <a:r>
-              <a:rPr lang="en-US" sz="2400" dirty="0" smtClean="0">
-                <a:solidFill>
-                  <a:srgbClr val="002060"/>
-                </a:solidFill>
-              </a:rPr>
-              <a:t>C </a:t>
+                <a:sym typeface="Wingdings" panose="05000000000000000000" pitchFamily="2" charset="2"/>
+              </a:rPr>
+              <a:t>, </a:t>
             </a:r>
             <a:r>
               <a:rPr lang="en-US" sz="2400" dirty="0">
-                <a:solidFill>
-                  <a:srgbClr val="002060"/>
-                </a:solidFill>
-              </a:rPr>
-              <a:t>to 2</a:t>
-            </a:r>
-          </a:p>
-          <a:p>
-            <a:endParaRPr lang="en-US" sz="1200" dirty="0">
+                <a:sym typeface="Wingdings" panose="05000000000000000000" pitchFamily="2" charset="2"/>
+              </a:rPr>
+              <a:t>increment </a:t>
+            </a:r>
+            <a:r>
+              <a:rPr lang="en-US" sz="2400" b="1" dirty="0">
+                <a:solidFill>
+                  <a:srgbClr val="FF0000"/>
+                </a:solidFill>
+                <a:sym typeface="Wingdings" panose="05000000000000000000" pitchFamily="2" charset="2"/>
+              </a:rPr>
+              <a:t>C to </a:t>
+            </a:r>
+            <a:r>
+              <a:rPr lang="en-US" sz="2400" b="1" dirty="0" smtClean="0">
+                <a:solidFill>
+                  <a:srgbClr val="FF0000"/>
+                </a:solidFill>
+                <a:sym typeface="Wingdings" panose="05000000000000000000" pitchFamily="2" charset="2"/>
+              </a:rPr>
+              <a:t>3</a:t>
+            </a:r>
+            <a:endParaRPr lang="en-US" sz="2400" b="1" dirty="0">
+              <a:solidFill>
+                <a:srgbClr val="FF0000"/>
+              </a:solidFill>
               <a:sym typeface="Wingdings" panose="05000000000000000000" pitchFamily="2" charset="2"/>
             </a:endParaRPr>
-          </a:p>
-          <a:p>
-            <a:r>
-              <a:rPr lang="en-US" sz="2400" dirty="0" smtClean="0">
-                <a:solidFill>
-                  <a:srgbClr val="FF0000"/>
-                </a:solidFill>
-                <a:sym typeface="Wingdings" panose="05000000000000000000" pitchFamily="2" charset="2"/>
-              </a:rPr>
-              <a:t>A</a:t>
-            </a:r>
-            <a:r>
-              <a:rPr lang="en-US" sz="2400" dirty="0" smtClean="0">
-                <a:sym typeface="Wingdings" panose="05000000000000000000" pitchFamily="2" charset="2"/>
-              </a:rPr>
-              <a:t> </a:t>
-            </a:r>
-            <a:r>
-              <a:rPr lang="en-US" sz="2400" dirty="0">
-                <a:sym typeface="Wingdings" panose="05000000000000000000" pitchFamily="2" charset="2"/>
-              </a:rPr>
-              <a:t>and </a:t>
-            </a:r>
-            <a:r>
-              <a:rPr lang="en-US" sz="2400" dirty="0">
-                <a:solidFill>
-                  <a:srgbClr val="FF0000"/>
-                </a:solidFill>
-                <a:sym typeface="Wingdings" panose="05000000000000000000" pitchFamily="2" charset="2"/>
-              </a:rPr>
-              <a:t>E</a:t>
-            </a:r>
-            <a:r>
-              <a:rPr lang="en-US" sz="2400" dirty="0">
-                <a:sym typeface="Wingdings" panose="05000000000000000000" pitchFamily="2" charset="2"/>
-              </a:rPr>
-              <a:t> are new in this branch, so add </a:t>
-            </a:r>
-            <a:r>
-              <a:rPr lang="en-US" sz="2400" dirty="0" smtClean="0">
-                <a:solidFill>
-                  <a:srgbClr val="FF0000"/>
-                </a:solidFill>
-                <a:sym typeface="Wingdings" panose="05000000000000000000" pitchFamily="2" charset="2"/>
-              </a:rPr>
-              <a:t>A: </a:t>
-            </a:r>
-            <a:r>
-              <a:rPr lang="en-US" sz="2400" dirty="0">
-                <a:solidFill>
-                  <a:srgbClr val="FF0000"/>
-                </a:solidFill>
-                <a:sym typeface="Wingdings" panose="05000000000000000000" pitchFamily="2" charset="2"/>
-              </a:rPr>
-              <a:t>1 </a:t>
-            </a:r>
-            <a:r>
-              <a:rPr lang="en-US" sz="2400" dirty="0">
-                <a:sym typeface="Wingdings" panose="05000000000000000000" pitchFamily="2" charset="2"/>
-              </a:rPr>
-              <a:t>and </a:t>
-            </a:r>
-            <a:r>
-              <a:rPr lang="en-US" sz="2400" dirty="0">
-                <a:solidFill>
-                  <a:srgbClr val="FF0000"/>
-                </a:solidFill>
-                <a:sym typeface="Wingdings" panose="05000000000000000000" pitchFamily="2" charset="2"/>
-              </a:rPr>
-              <a:t>E: 1</a:t>
-            </a:r>
           </a:p>
         </p:txBody>
       </p:sp>
       <p:sp>
         <p:nvSpPr>
-          <p:cNvPr id="47" name="Oval 46">
+          <p:cNvPr id="55" name="Oval 54">
             <a:extLst>
               <a:ext uri="{FF2B5EF4-FFF2-40B4-BE49-F238E27FC236}">
                 <a16:creationId xmlns="" xmlns:a16="http://schemas.microsoft.com/office/drawing/2014/main" id="{6790BD35-3A48-4FA4-A1DD-25EAA7D259C1}"/>
@@ -7853,15 +8833,7 @@
                   <a:schemeClr val="tx1"/>
                 </a:solidFill>
               </a:rPr>
-              <a:t>C: </a:t>
-            </a:r>
-            <a:r>
-              <a:rPr lang="en-US" sz="1600" dirty="0">
-                <a:solidFill>
-                  <a:schemeClr val="tx1"/>
-                </a:solidFill>
-              </a:rPr>
-              <a:t>1</a:t>
+              <a:t>C: 3</a:t>
             </a:r>
             <a:endParaRPr lang="en-PH" sz="1600" dirty="0">
               <a:solidFill>
@@ -7873,7 +8845,7 @@
       </p:sp>
       <p:sp>
         <p:nvSpPr>
-          <p:cNvPr id="48" name="Oval 47">
+          <p:cNvPr id="56" name="Oval 55">
             <a:extLst>
               <a:ext uri="{FF2B5EF4-FFF2-40B4-BE49-F238E27FC236}">
                 <a16:creationId xmlns="" xmlns:a16="http://schemas.microsoft.com/office/drawing/2014/main" id="{6790BD35-3A48-4FA4-A1DD-25EAA7D259C1}"/>
@@ -7945,7 +8917,7 @@
       </p:sp>
       <p:cxnSp>
         <p:nvCxnSpPr>
-          <p:cNvPr id="49" name="Straight Connector 48">
+          <p:cNvPr id="57" name="Straight Connector 56">
             <a:extLst>
               <a:ext uri="{FF2B5EF4-FFF2-40B4-BE49-F238E27FC236}">
                 <a16:creationId xmlns="" xmlns:a16="http://schemas.microsoft.com/office/drawing/2014/main" id="{D5CBC4E2-B7D8-4BA4-91B1-1439F1E66A5D}"/>
@@ -7953,7 +8925,7 @@
             </a:extLst>
           </p:cNvPr>
           <p:cNvCxnSpPr>
-            <a:endCxn id="47" idx="1"/>
+            <a:endCxn id="55" idx="1"/>
           </p:cNvCxnSpPr>
           <p:nvPr/>
         </p:nvCxnSpPr>
@@ -7983,7 +8955,7 @@
       </p:cxnSp>
       <p:cxnSp>
         <p:nvCxnSpPr>
-          <p:cNvPr id="50" name="Straight Connector 49">
+          <p:cNvPr id="58" name="Straight Connector 57">
             <a:extLst>
               <a:ext uri="{FF2B5EF4-FFF2-40B4-BE49-F238E27FC236}">
                 <a16:creationId xmlns="" xmlns:a16="http://schemas.microsoft.com/office/drawing/2014/main" id="{D5CBC4E2-B7D8-4BA4-91B1-1439F1E66A5D}"/>
@@ -7991,8 +8963,8 @@
             </a:extLst>
           </p:cNvPr>
           <p:cNvCxnSpPr>
-            <a:stCxn id="48" idx="0"/>
-            <a:endCxn id="47" idx="4"/>
+            <a:stCxn id="56" idx="0"/>
+            <a:endCxn id="55" idx="4"/>
           </p:cNvCxnSpPr>
           <p:nvPr/>
         </p:nvCxnSpPr>
@@ -8022,7 +8994,7 @@
       </p:cxnSp>
       <p:sp>
         <p:nvSpPr>
-          <p:cNvPr id="51" name="Oval 50">
+          <p:cNvPr id="59" name="Oval 58">
             <a:extLst>
               <a:ext uri="{FF2B5EF4-FFF2-40B4-BE49-F238E27FC236}">
                 <a16:creationId xmlns="" xmlns:a16="http://schemas.microsoft.com/office/drawing/2014/main" id="{FF465D5F-EE40-4CF1-B973-7087C70611E4}"/>
@@ -8086,7 +9058,7 @@
       </p:sp>
       <p:sp>
         <p:nvSpPr>
-          <p:cNvPr id="52" name="Oval 51">
+          <p:cNvPr id="60" name="Oval 59">
             <a:extLst>
               <a:ext uri="{FF2B5EF4-FFF2-40B4-BE49-F238E27FC236}">
                 <a16:creationId xmlns="" xmlns:a16="http://schemas.microsoft.com/office/drawing/2014/main" id="{39C548D5-2D23-4238-82DF-921D2E3334F9}"/>
@@ -8150,7 +9122,7 @@
       </p:sp>
       <p:sp>
         <p:nvSpPr>
-          <p:cNvPr id="53" name="Oval 52">
+          <p:cNvPr id="61" name="Oval 60">
             <a:extLst>
               <a:ext uri="{FF2B5EF4-FFF2-40B4-BE49-F238E27FC236}">
                 <a16:creationId xmlns="" xmlns:a16="http://schemas.microsoft.com/office/drawing/2014/main" id="{D370CE05-94D0-4DB6-BE29-980F92475FAA}"/>
@@ -8214,7 +9186,7 @@
       </p:sp>
       <p:cxnSp>
         <p:nvCxnSpPr>
-          <p:cNvPr id="54" name="Straight Connector 53">
+          <p:cNvPr id="62" name="Straight Connector 61">
             <a:extLst>
               <a:ext uri="{FF2B5EF4-FFF2-40B4-BE49-F238E27FC236}">
                 <a16:creationId xmlns="" xmlns:a16="http://schemas.microsoft.com/office/drawing/2014/main" id="{D5CBC4E2-B7D8-4BA4-91B1-1439F1E66A5D}"/>
@@ -8222,7 +9194,7 @@
             </a:extLst>
           </p:cNvPr>
           <p:cNvCxnSpPr>
-            <a:endCxn id="51" idx="7"/>
+            <a:endCxn id="59" idx="7"/>
           </p:cNvCxnSpPr>
           <p:nvPr/>
         </p:nvCxnSpPr>
@@ -8252,7 +9224,7 @@
       </p:cxnSp>
       <p:cxnSp>
         <p:nvCxnSpPr>
-          <p:cNvPr id="55" name="Straight Connector 54">
+          <p:cNvPr id="63" name="Straight Connector 62">
             <a:extLst>
               <a:ext uri="{FF2B5EF4-FFF2-40B4-BE49-F238E27FC236}">
                 <a16:creationId xmlns="" xmlns:a16="http://schemas.microsoft.com/office/drawing/2014/main" id="{3671F84C-43EB-4E83-B34F-C5EA539A58EC}"/>
@@ -8261,7 +9233,7 @@
           </p:cNvPr>
           <p:cNvCxnSpPr>
             <a:cxnSpLocks/>
-            <a:endCxn id="51" idx="3"/>
+            <a:endCxn id="59" idx="3"/>
           </p:cNvCxnSpPr>
           <p:nvPr/>
         </p:nvCxnSpPr>
@@ -8291,7 +9263,7 @@
       </p:cxnSp>
       <p:cxnSp>
         <p:nvCxnSpPr>
-          <p:cNvPr id="56" name="Straight Connector 55">
+          <p:cNvPr id="64" name="Straight Connector 63">
             <a:extLst>
               <a:ext uri="{FF2B5EF4-FFF2-40B4-BE49-F238E27FC236}">
                 <a16:creationId xmlns="" xmlns:a16="http://schemas.microsoft.com/office/drawing/2014/main" id="{61E9DF07-49B0-4931-B28A-3220297F1ADF}"/>
@@ -8300,8 +9272,8 @@
           </p:cNvPr>
           <p:cNvCxnSpPr>
             <a:cxnSpLocks/>
-            <a:stCxn id="53" idx="7"/>
-            <a:endCxn id="52" idx="3"/>
+            <a:stCxn id="61" idx="7"/>
+            <a:endCxn id="60" idx="3"/>
           </p:cNvCxnSpPr>
           <p:nvPr/>
         </p:nvCxnSpPr>
@@ -8331,7 +9303,7 @@
       </p:cxnSp>
       <p:sp>
         <p:nvSpPr>
-          <p:cNvPr id="57" name="Oval 56">
+          <p:cNvPr id="65" name="Oval 64">
             <a:extLst>
               <a:ext uri="{FF2B5EF4-FFF2-40B4-BE49-F238E27FC236}">
                 <a16:creationId xmlns="" xmlns:a16="http://schemas.microsoft.com/office/drawing/2014/main" id="{6790BD35-3A48-4FA4-A1DD-25EAA7D259C1}"/>
@@ -8391,7 +9363,7 @@
                   <a:schemeClr val="tx1"/>
                 </a:solidFill>
               </a:rPr>
-              <a:t>2</a:t>
+              <a:t>4</a:t>
             </a:r>
             <a:endParaRPr lang="en-PH" sz="1600" dirty="0">
               <a:solidFill>
@@ -8403,7 +9375,7 @@
       </p:sp>
       <p:sp>
         <p:nvSpPr>
-          <p:cNvPr id="58" name="Oval 57">
+          <p:cNvPr id="66" name="Oval 65">
             <a:extLst>
               <a:ext uri="{FF2B5EF4-FFF2-40B4-BE49-F238E27FC236}">
                 <a16:creationId xmlns="" xmlns:a16="http://schemas.microsoft.com/office/drawing/2014/main" id="{6790BD35-3A48-4FA4-A1DD-25EAA7D259C1}"/>
@@ -8424,7 +9396,7 @@
           <a:noFill/>
           <a:ln>
             <a:solidFill>
-              <a:srgbClr val="FF0000"/>
+              <a:schemeClr val="tx1"/>
             </a:solidFill>
           </a:ln>
         </p:spPr>
@@ -8475,7 +9447,7 @@
       </p:sp>
       <p:sp>
         <p:nvSpPr>
-          <p:cNvPr id="59" name="Oval 58">
+          <p:cNvPr id="67" name="Oval 66">
             <a:extLst>
               <a:ext uri="{FF2B5EF4-FFF2-40B4-BE49-F238E27FC236}">
                 <a16:creationId xmlns="" xmlns:a16="http://schemas.microsoft.com/office/drawing/2014/main" id="{6790BD35-3A48-4FA4-A1DD-25EAA7D259C1}"/>
@@ -8496,7 +9468,7 @@
           <a:noFill/>
           <a:ln>
             <a:solidFill>
-              <a:srgbClr val="FF0000"/>
+              <a:schemeClr val="tx1"/>
             </a:solidFill>
           </a:ln>
         </p:spPr>
@@ -8547,7 +9519,7 @@
       </p:sp>
       <p:cxnSp>
         <p:nvCxnSpPr>
-          <p:cNvPr id="60" name="Straight Connector 59">
+          <p:cNvPr id="68" name="Straight Connector 67">
             <a:extLst>
               <a:ext uri="{FF2B5EF4-FFF2-40B4-BE49-F238E27FC236}">
                 <a16:creationId xmlns="" xmlns:a16="http://schemas.microsoft.com/office/drawing/2014/main" id="{D5CBC4E2-B7D8-4BA4-91B1-1439F1E66A5D}"/>
@@ -8555,8 +9527,8 @@
             </a:extLst>
           </p:cNvPr>
           <p:cNvCxnSpPr>
-            <a:stCxn id="58" idx="1"/>
-            <a:endCxn id="47" idx="6"/>
+            <a:stCxn id="66" idx="1"/>
+            <a:endCxn id="55" idx="6"/>
           </p:cNvCxnSpPr>
           <p:nvPr/>
         </p:nvCxnSpPr>
@@ -8586,7 +9558,7 @@
       </p:cxnSp>
       <p:cxnSp>
         <p:nvCxnSpPr>
-          <p:cNvPr id="66" name="Straight Connector 65">
+          <p:cNvPr id="69" name="Straight Connector 68">
             <a:extLst>
               <a:ext uri="{FF2B5EF4-FFF2-40B4-BE49-F238E27FC236}">
                 <a16:creationId xmlns="" xmlns:a16="http://schemas.microsoft.com/office/drawing/2014/main" id="{D5CBC4E2-B7D8-4BA4-91B1-1439F1E66A5D}"/>
@@ -8594,8 +9566,8 @@
             </a:extLst>
           </p:cNvPr>
           <p:cNvCxnSpPr>
-            <a:stCxn id="58" idx="5"/>
-            <a:endCxn id="59" idx="0"/>
+            <a:stCxn id="66" idx="5"/>
+            <a:endCxn id="67" idx="0"/>
           </p:cNvCxnSpPr>
           <p:nvPr/>
         </p:nvCxnSpPr>
@@ -8626,7 +9598,7 @@
     </p:spTree>
     <p:extLst>
       <p:ext uri="{BB962C8B-B14F-4D97-AF65-F5344CB8AC3E}">
-        <p14:creationId xmlns:p14="http://schemas.microsoft.com/office/powerpoint/2010/main" val="3088216555"/>
+        <p14:creationId xmlns:p14="http://schemas.microsoft.com/office/powerpoint/2010/main" val="3971249236"/>
       </p:ext>
     </p:extLst>
   </p:cSld>
@@ -8697,1007 +9669,6 @@
         <p:spPr>
           <a:xfrm>
             <a:off x="821920" y="1752079"/>
-            <a:ext cx="5600651" cy="1723549"/>
-          </a:xfrm>
-          <a:prstGeom prst="rect">
-            <a:avLst/>
-          </a:prstGeom>
-          <a:noFill/>
-        </p:spPr>
-        <p:txBody>
-          <a:bodyPr wrap="square" rtlCol="0">
-            <a:spAutoFit/>
-          </a:bodyPr>
-          <a:lstStyle/>
-          <a:p>
-            <a:r>
-              <a:rPr lang="en-US" sz="2400" dirty="0"/>
-              <a:t>Transaction T4</a:t>
-            </a:r>
-            <a:r>
-              <a:rPr lang="en-US" sz="2400" b="1" dirty="0"/>
-              <a:t>: </a:t>
-            </a:r>
-            <a:r>
-              <a:rPr lang="en-US" sz="2400" dirty="0"/>
-              <a:t>({</a:t>
-            </a:r>
-            <a:r>
-              <a:rPr lang="en-US" sz="2400" dirty="0">
-                <a:solidFill>
-                  <a:srgbClr val="FF0000"/>
-                </a:solidFill>
-              </a:rPr>
-              <a:t>B, C</a:t>
-            </a:r>
-            <a:r>
-              <a:rPr lang="en-US" sz="2400" dirty="0"/>
-              <a:t>})</a:t>
-            </a:r>
-          </a:p>
-          <a:p>
-            <a:endParaRPr lang="en-US" sz="1000" dirty="0"/>
-          </a:p>
-          <a:p>
-            <a:r>
-              <a:rPr lang="en-US" sz="2400" dirty="0"/>
-              <a:t>Insert path B </a:t>
-            </a:r>
-            <a:r>
-              <a:rPr lang="en-US" sz="2400" dirty="0">
-                <a:sym typeface="Wingdings" panose="05000000000000000000" pitchFamily="2" charset="2"/>
-              </a:rPr>
-              <a:t> C</a:t>
-            </a:r>
-          </a:p>
-          <a:p>
-            <a:r>
-              <a:rPr lang="en-US" sz="2400" dirty="0">
-                <a:sym typeface="Wingdings" panose="05000000000000000000" pitchFamily="2" charset="2"/>
-              </a:rPr>
-              <a:t>B already exists, so increment </a:t>
-            </a:r>
-            <a:r>
-              <a:rPr lang="en-US" sz="2400" b="1" dirty="0">
-                <a:solidFill>
-                  <a:srgbClr val="FF0000"/>
-                </a:solidFill>
-                <a:sym typeface="Wingdings" panose="05000000000000000000" pitchFamily="2" charset="2"/>
-              </a:rPr>
-              <a:t>B to 4</a:t>
-            </a:r>
-            <a:r>
-              <a:rPr lang="en-US" sz="2400" dirty="0">
-                <a:solidFill>
-                  <a:srgbClr val="002060"/>
-                </a:solidFill>
-                <a:sym typeface="Wingdings" panose="05000000000000000000" pitchFamily="2" charset="2"/>
-              </a:rPr>
-              <a:t>, </a:t>
-            </a:r>
-            <a:r>
-              <a:rPr lang="en-US" sz="2400" dirty="0">
-                <a:sym typeface="Wingdings" panose="05000000000000000000" pitchFamily="2" charset="2"/>
-              </a:rPr>
-              <a:t>increment </a:t>
-            </a:r>
-            <a:r>
-              <a:rPr lang="en-US" sz="2400" b="1" dirty="0">
-                <a:solidFill>
-                  <a:srgbClr val="FF0000"/>
-                </a:solidFill>
-                <a:sym typeface="Wingdings" panose="05000000000000000000" pitchFamily="2" charset="2"/>
-              </a:rPr>
-              <a:t>C to </a:t>
-            </a:r>
-            <a:r>
-              <a:rPr lang="en-US" sz="2400" b="1" dirty="0" smtClean="0">
-                <a:solidFill>
-                  <a:srgbClr val="FF0000"/>
-                </a:solidFill>
-                <a:sym typeface="Wingdings" panose="05000000000000000000" pitchFamily="2" charset="2"/>
-              </a:rPr>
-              <a:t>3</a:t>
-            </a:r>
-            <a:endParaRPr lang="en-US" sz="2400" b="1" dirty="0">
-              <a:solidFill>
-                <a:srgbClr val="FF0000"/>
-              </a:solidFill>
-              <a:sym typeface="Wingdings" panose="05000000000000000000" pitchFamily="2" charset="2"/>
-            </a:endParaRPr>
-          </a:p>
-        </p:txBody>
-      </p:sp>
-      <p:sp>
-        <p:nvSpPr>
-          <p:cNvPr id="55" name="Oval 54">
-            <a:extLst>
-              <a:ext uri="{FF2B5EF4-FFF2-40B4-BE49-F238E27FC236}">
-                <a16:creationId xmlns="" xmlns:a16="http://schemas.microsoft.com/office/drawing/2014/main" id="{6790BD35-3A48-4FA4-A1DD-25EAA7D259C1}"/>
-              </a:ext>
-            </a:extLst>
-          </p:cNvPr>
-          <p:cNvSpPr/>
-          <p:nvPr/>
-        </p:nvSpPr>
-        <p:spPr>
-          <a:xfrm>
-            <a:off x="8439859" y="2718755"/>
-            <a:ext cx="741647" cy="741647"/>
-          </a:xfrm>
-          <a:prstGeom prst="ellipse">
-            <a:avLst/>
-          </a:prstGeom>
-          <a:noFill/>
-          <a:ln>
-            <a:solidFill>
-              <a:srgbClr val="FF0000"/>
-            </a:solidFill>
-          </a:ln>
-        </p:spPr>
-        <p:style>
-          <a:lnRef idx="2">
-            <a:schemeClr val="accent1">
-              <a:shade val="50000"/>
-            </a:schemeClr>
-          </a:lnRef>
-          <a:fillRef idx="1">
-            <a:schemeClr val="accent1"/>
-          </a:fillRef>
-          <a:effectRef idx="0">
-            <a:schemeClr val="accent1"/>
-          </a:effectRef>
-          <a:fontRef idx="minor">
-            <a:schemeClr val="lt1"/>
-          </a:fontRef>
-        </p:style>
-        <p:txBody>
-          <a:bodyPr rtlCol="0" anchor="ctr"/>
-          <a:lstStyle/>
-          <a:p>
-            <a:pPr algn="ctr"/>
-            <a:r>
-              <a:rPr lang="en-US" sz="1600" dirty="0" smtClean="0">
-                <a:solidFill>
-                  <a:schemeClr val="tx1"/>
-                </a:solidFill>
-              </a:rPr>
-              <a:t>C: 3</a:t>
-            </a:r>
-            <a:endParaRPr lang="en-PH" sz="1600" dirty="0">
-              <a:solidFill>
-                <a:schemeClr val="tx1"/>
-              </a:solidFill>
-            </a:endParaRPr>
-          </a:p>
-        </p:txBody>
-      </p:sp>
-      <p:sp>
-        <p:nvSpPr>
-          <p:cNvPr id="56" name="Oval 55">
-            <a:extLst>
-              <a:ext uri="{FF2B5EF4-FFF2-40B4-BE49-F238E27FC236}">
-                <a16:creationId xmlns="" xmlns:a16="http://schemas.microsoft.com/office/drawing/2014/main" id="{6790BD35-3A48-4FA4-A1DD-25EAA7D259C1}"/>
-              </a:ext>
-            </a:extLst>
-          </p:cNvPr>
-          <p:cNvSpPr/>
-          <p:nvPr/>
-        </p:nvSpPr>
-        <p:spPr>
-          <a:xfrm>
-            <a:off x="8548471" y="3877989"/>
-            <a:ext cx="741647" cy="741647"/>
-          </a:xfrm>
-          <a:prstGeom prst="ellipse">
-            <a:avLst/>
-          </a:prstGeom>
-          <a:noFill/>
-          <a:ln>
-            <a:solidFill>
-              <a:schemeClr val="tx1"/>
-            </a:solidFill>
-          </a:ln>
-        </p:spPr>
-        <p:style>
-          <a:lnRef idx="2">
-            <a:schemeClr val="accent1">
-              <a:shade val="50000"/>
-            </a:schemeClr>
-          </a:lnRef>
-          <a:fillRef idx="1">
-            <a:schemeClr val="accent1"/>
-          </a:fillRef>
-          <a:effectRef idx="0">
-            <a:schemeClr val="accent1"/>
-          </a:effectRef>
-          <a:fontRef idx="minor">
-            <a:schemeClr val="lt1"/>
-          </a:fontRef>
-        </p:style>
-        <p:txBody>
-          <a:bodyPr rtlCol="0" anchor="ctr"/>
-          <a:lstStyle/>
-          <a:p>
-            <a:pPr algn="ctr"/>
-            <a:r>
-              <a:rPr lang="en-US" sz="1600" dirty="0" smtClean="0">
-                <a:solidFill>
-                  <a:schemeClr val="tx1"/>
-                </a:solidFill>
-              </a:rPr>
-              <a:t>E: </a:t>
-            </a:r>
-            <a:r>
-              <a:rPr lang="en-US" sz="1600" dirty="0">
-                <a:solidFill>
-                  <a:schemeClr val="tx1"/>
-                </a:solidFill>
-              </a:rPr>
-              <a:t>1</a:t>
-            </a:r>
-            <a:endParaRPr lang="en-PH" sz="1600" dirty="0">
-              <a:solidFill>
-                <a:schemeClr val="tx1"/>
-              </a:solidFill>
-            </a:endParaRPr>
-          </a:p>
-        </p:txBody>
-      </p:sp>
-      <p:cxnSp>
-        <p:nvCxnSpPr>
-          <p:cNvPr id="57" name="Straight Connector 56">
-            <a:extLst>
-              <a:ext uri="{FF2B5EF4-FFF2-40B4-BE49-F238E27FC236}">
-                <a16:creationId xmlns="" xmlns:a16="http://schemas.microsoft.com/office/drawing/2014/main" id="{D5CBC4E2-B7D8-4BA4-91B1-1439F1E66A5D}"/>
-              </a:ext>
-            </a:extLst>
-          </p:cNvPr>
-          <p:cNvCxnSpPr>
-            <a:endCxn id="55" idx="1"/>
-          </p:cNvCxnSpPr>
-          <p:nvPr/>
-        </p:nvCxnSpPr>
-        <p:spPr>
-          <a:xfrm>
-            <a:off x="8331247" y="2531487"/>
-            <a:ext cx="217224" cy="295880"/>
-          </a:xfrm>
-          <a:prstGeom prst="line">
-            <a:avLst/>
-          </a:prstGeom>
-        </p:spPr>
-        <p:style>
-          <a:lnRef idx="1">
-            <a:schemeClr val="dk1"/>
-          </a:lnRef>
-          <a:fillRef idx="0">
-            <a:schemeClr val="dk1"/>
-          </a:fillRef>
-          <a:effectRef idx="0">
-            <a:schemeClr val="dk1"/>
-          </a:effectRef>
-          <a:fontRef idx="minor">
-            <a:schemeClr val="tx1"/>
-          </a:fontRef>
-        </p:style>
-      </p:cxnSp>
-      <p:cxnSp>
-        <p:nvCxnSpPr>
-          <p:cNvPr id="58" name="Straight Connector 57">
-            <a:extLst>
-              <a:ext uri="{FF2B5EF4-FFF2-40B4-BE49-F238E27FC236}">
-                <a16:creationId xmlns="" xmlns:a16="http://schemas.microsoft.com/office/drawing/2014/main" id="{D5CBC4E2-B7D8-4BA4-91B1-1439F1E66A5D}"/>
-              </a:ext>
-            </a:extLst>
-          </p:cNvPr>
-          <p:cNvCxnSpPr>
-            <a:stCxn id="56" idx="0"/>
-            <a:endCxn id="55" idx="4"/>
-          </p:cNvCxnSpPr>
-          <p:nvPr/>
-        </p:nvCxnSpPr>
-        <p:spPr>
-          <a:xfrm flipH="1" flipV="1">
-            <a:off x="8810683" y="3460402"/>
-            <a:ext cx="108612" cy="417587"/>
-          </a:xfrm>
-          <a:prstGeom prst="line">
-            <a:avLst/>
-          </a:prstGeom>
-        </p:spPr>
-        <p:style>
-          <a:lnRef idx="1">
-            <a:schemeClr val="dk1"/>
-          </a:lnRef>
-          <a:fillRef idx="0">
-            <a:schemeClr val="dk1"/>
-          </a:fillRef>
-          <a:effectRef idx="0">
-            <a:schemeClr val="dk1"/>
-          </a:effectRef>
-          <a:fontRef idx="minor">
-            <a:schemeClr val="tx1"/>
-          </a:fontRef>
-        </p:style>
-      </p:cxnSp>
-      <p:sp>
-        <p:nvSpPr>
-          <p:cNvPr id="59" name="Oval 58">
-            <a:extLst>
-              <a:ext uri="{FF2B5EF4-FFF2-40B4-BE49-F238E27FC236}">
-                <a16:creationId xmlns="" xmlns:a16="http://schemas.microsoft.com/office/drawing/2014/main" id="{FF465D5F-EE40-4CF1-B973-7087C70611E4}"/>
-              </a:ext>
-            </a:extLst>
-          </p:cNvPr>
-          <p:cNvSpPr/>
-          <p:nvPr/>
-        </p:nvSpPr>
-        <p:spPr>
-          <a:xfrm>
-            <a:off x="6869587" y="2676377"/>
-            <a:ext cx="730518" cy="730518"/>
-          </a:xfrm>
-          <a:prstGeom prst="ellipse">
-            <a:avLst/>
-          </a:prstGeom>
-          <a:noFill/>
-          <a:ln>
-            <a:solidFill>
-              <a:schemeClr val="tx1"/>
-            </a:solidFill>
-          </a:ln>
-        </p:spPr>
-        <p:style>
-          <a:lnRef idx="2">
-            <a:schemeClr val="accent1">
-              <a:shade val="50000"/>
-            </a:schemeClr>
-          </a:lnRef>
-          <a:fillRef idx="1">
-            <a:schemeClr val="accent1"/>
-          </a:fillRef>
-          <a:effectRef idx="0">
-            <a:schemeClr val="accent1"/>
-          </a:effectRef>
-          <a:fontRef idx="minor">
-            <a:schemeClr val="lt1"/>
-          </a:fontRef>
-        </p:style>
-        <p:txBody>
-          <a:bodyPr rtlCol="0" anchor="ctr"/>
-          <a:lstStyle/>
-          <a:p>
-            <a:pPr algn="ctr"/>
-            <a:r>
-              <a:rPr lang="en-US" sz="1600" dirty="0">
-                <a:solidFill>
-                  <a:schemeClr val="tx1"/>
-                </a:solidFill>
-              </a:rPr>
-              <a:t>A: 1</a:t>
-            </a:r>
-            <a:endParaRPr lang="en-PH" sz="1600" dirty="0">
-              <a:solidFill>
-                <a:schemeClr val="tx1"/>
-              </a:solidFill>
-            </a:endParaRPr>
-          </a:p>
-        </p:txBody>
-      </p:sp>
-      <p:sp>
-        <p:nvSpPr>
-          <p:cNvPr id="60" name="Oval 59">
-            <a:extLst>
-              <a:ext uri="{FF2B5EF4-FFF2-40B4-BE49-F238E27FC236}">
-                <a16:creationId xmlns="" xmlns:a16="http://schemas.microsoft.com/office/drawing/2014/main" id="{39C548D5-2D23-4238-82DF-921D2E3334F9}"/>
-              </a:ext>
-            </a:extLst>
-          </p:cNvPr>
-          <p:cNvSpPr/>
-          <p:nvPr/>
-        </p:nvSpPr>
-        <p:spPr>
-          <a:xfrm>
-            <a:off x="6269620" y="3680381"/>
-            <a:ext cx="741648" cy="741648"/>
-          </a:xfrm>
-          <a:prstGeom prst="ellipse">
-            <a:avLst/>
-          </a:prstGeom>
-          <a:noFill/>
-          <a:ln>
-            <a:solidFill>
-              <a:schemeClr val="tx1"/>
-            </a:solidFill>
-          </a:ln>
-        </p:spPr>
-        <p:style>
-          <a:lnRef idx="2">
-            <a:schemeClr val="accent1">
-              <a:shade val="50000"/>
-            </a:schemeClr>
-          </a:lnRef>
-          <a:fillRef idx="1">
-            <a:schemeClr val="accent1"/>
-          </a:fillRef>
-          <a:effectRef idx="0">
-            <a:schemeClr val="accent1"/>
-          </a:effectRef>
-          <a:fontRef idx="minor">
-            <a:schemeClr val="lt1"/>
-          </a:fontRef>
-        </p:style>
-        <p:txBody>
-          <a:bodyPr rtlCol="0" anchor="ctr"/>
-          <a:lstStyle/>
-          <a:p>
-            <a:pPr algn="ctr"/>
-            <a:r>
-              <a:rPr lang="en-US" sz="1600" dirty="0">
-                <a:solidFill>
-                  <a:schemeClr val="tx1"/>
-                </a:solidFill>
-              </a:rPr>
-              <a:t>E: 1</a:t>
-            </a:r>
-            <a:endParaRPr lang="en-PH" sz="1600" dirty="0">
-              <a:solidFill>
-                <a:schemeClr val="tx1"/>
-              </a:solidFill>
-            </a:endParaRPr>
-          </a:p>
-        </p:txBody>
-      </p:sp>
-      <p:sp>
-        <p:nvSpPr>
-          <p:cNvPr id="61" name="Oval 60">
-            <a:extLst>
-              <a:ext uri="{FF2B5EF4-FFF2-40B4-BE49-F238E27FC236}">
-                <a16:creationId xmlns="" xmlns:a16="http://schemas.microsoft.com/office/drawing/2014/main" id="{D370CE05-94D0-4DB6-BE29-980F92475FAA}"/>
-              </a:ext>
-            </a:extLst>
-          </p:cNvPr>
-          <p:cNvSpPr/>
-          <p:nvPr/>
-        </p:nvSpPr>
-        <p:spPr>
-          <a:xfrm>
-            <a:off x="5573505" y="4538710"/>
-            <a:ext cx="741648" cy="741648"/>
-          </a:xfrm>
-          <a:prstGeom prst="ellipse">
-            <a:avLst/>
-          </a:prstGeom>
-          <a:noFill/>
-          <a:ln>
-            <a:solidFill>
-              <a:schemeClr val="tx1"/>
-            </a:solidFill>
-          </a:ln>
-        </p:spPr>
-        <p:style>
-          <a:lnRef idx="2">
-            <a:schemeClr val="accent1">
-              <a:shade val="50000"/>
-            </a:schemeClr>
-          </a:lnRef>
-          <a:fillRef idx="1">
-            <a:schemeClr val="accent1"/>
-          </a:fillRef>
-          <a:effectRef idx="0">
-            <a:schemeClr val="accent1"/>
-          </a:effectRef>
-          <a:fontRef idx="minor">
-            <a:schemeClr val="lt1"/>
-          </a:fontRef>
-        </p:style>
-        <p:txBody>
-          <a:bodyPr rtlCol="0" anchor="ctr"/>
-          <a:lstStyle/>
-          <a:p>
-            <a:pPr algn="ctr"/>
-            <a:r>
-              <a:rPr lang="en-US" sz="1600" dirty="0">
-                <a:solidFill>
-                  <a:schemeClr val="tx1"/>
-                </a:solidFill>
-              </a:rPr>
-              <a:t>D: 1</a:t>
-            </a:r>
-            <a:endParaRPr lang="en-PH" sz="1600" dirty="0">
-              <a:solidFill>
-                <a:schemeClr val="tx1"/>
-              </a:solidFill>
-            </a:endParaRPr>
-          </a:p>
-        </p:txBody>
-      </p:sp>
-      <p:cxnSp>
-        <p:nvCxnSpPr>
-          <p:cNvPr id="62" name="Straight Connector 61">
-            <a:extLst>
-              <a:ext uri="{FF2B5EF4-FFF2-40B4-BE49-F238E27FC236}">
-                <a16:creationId xmlns="" xmlns:a16="http://schemas.microsoft.com/office/drawing/2014/main" id="{D5CBC4E2-B7D8-4BA4-91B1-1439F1E66A5D}"/>
-              </a:ext>
-            </a:extLst>
-          </p:cNvPr>
-          <p:cNvCxnSpPr>
-            <a:endCxn id="59" idx="7"/>
-          </p:cNvCxnSpPr>
-          <p:nvPr/>
-        </p:nvCxnSpPr>
-        <p:spPr>
-          <a:xfrm flipH="1">
-            <a:off x="7493123" y="2531487"/>
-            <a:ext cx="313701" cy="251872"/>
-          </a:xfrm>
-          <a:prstGeom prst="line">
-            <a:avLst/>
-          </a:prstGeom>
-        </p:spPr>
-        <p:style>
-          <a:lnRef idx="1">
-            <a:schemeClr val="dk1"/>
-          </a:lnRef>
-          <a:fillRef idx="0">
-            <a:schemeClr val="dk1"/>
-          </a:fillRef>
-          <a:effectRef idx="0">
-            <a:schemeClr val="dk1"/>
-          </a:effectRef>
-          <a:fontRef idx="minor">
-            <a:schemeClr val="tx1"/>
-          </a:fontRef>
-        </p:style>
-      </p:cxnSp>
-      <p:cxnSp>
-        <p:nvCxnSpPr>
-          <p:cNvPr id="63" name="Straight Connector 62">
-            <a:extLst>
-              <a:ext uri="{FF2B5EF4-FFF2-40B4-BE49-F238E27FC236}">
-                <a16:creationId xmlns="" xmlns:a16="http://schemas.microsoft.com/office/drawing/2014/main" id="{3671F84C-43EB-4E83-B34F-C5EA539A58EC}"/>
-              </a:ext>
-            </a:extLst>
-          </p:cNvPr>
-          <p:cNvCxnSpPr>
-            <a:cxnSpLocks/>
-            <a:endCxn id="59" idx="3"/>
-          </p:cNvCxnSpPr>
-          <p:nvPr/>
-        </p:nvCxnSpPr>
-        <p:spPr>
-          <a:xfrm flipV="1">
-            <a:off x="6763880" y="3299913"/>
-            <a:ext cx="212689" cy="380468"/>
-          </a:xfrm>
-          <a:prstGeom prst="line">
-            <a:avLst/>
-          </a:prstGeom>
-        </p:spPr>
-        <p:style>
-          <a:lnRef idx="1">
-            <a:schemeClr val="dk1"/>
-          </a:lnRef>
-          <a:fillRef idx="0">
-            <a:schemeClr val="dk1"/>
-          </a:fillRef>
-          <a:effectRef idx="0">
-            <a:schemeClr val="dk1"/>
-          </a:effectRef>
-          <a:fontRef idx="minor">
-            <a:schemeClr val="tx1"/>
-          </a:fontRef>
-        </p:style>
-      </p:cxnSp>
-      <p:cxnSp>
-        <p:nvCxnSpPr>
-          <p:cNvPr id="64" name="Straight Connector 63">
-            <a:extLst>
-              <a:ext uri="{FF2B5EF4-FFF2-40B4-BE49-F238E27FC236}">
-                <a16:creationId xmlns="" xmlns:a16="http://schemas.microsoft.com/office/drawing/2014/main" id="{61E9DF07-49B0-4931-B28A-3220297F1ADF}"/>
-              </a:ext>
-            </a:extLst>
-          </p:cNvPr>
-          <p:cNvCxnSpPr>
-            <a:cxnSpLocks/>
-            <a:stCxn id="61" idx="7"/>
-            <a:endCxn id="60" idx="3"/>
-          </p:cNvCxnSpPr>
-          <p:nvPr/>
-        </p:nvCxnSpPr>
-        <p:spPr>
-          <a:xfrm flipV="1">
-            <a:off x="6206541" y="4313417"/>
-            <a:ext cx="171691" cy="333905"/>
-          </a:xfrm>
-          <a:prstGeom prst="line">
-            <a:avLst/>
-          </a:prstGeom>
-        </p:spPr>
-        <p:style>
-          <a:lnRef idx="1">
-            <a:schemeClr val="dk1"/>
-          </a:lnRef>
-          <a:fillRef idx="0">
-            <a:schemeClr val="dk1"/>
-          </a:fillRef>
-          <a:effectRef idx="0">
-            <a:schemeClr val="dk1"/>
-          </a:effectRef>
-          <a:fontRef idx="minor">
-            <a:schemeClr val="tx1"/>
-          </a:fontRef>
-        </p:style>
-      </p:cxnSp>
-      <p:sp>
-        <p:nvSpPr>
-          <p:cNvPr id="65" name="Oval 64">
-            <a:extLst>
-              <a:ext uri="{FF2B5EF4-FFF2-40B4-BE49-F238E27FC236}">
-                <a16:creationId xmlns="" xmlns:a16="http://schemas.microsoft.com/office/drawing/2014/main" id="{6790BD35-3A48-4FA4-A1DD-25EAA7D259C1}"/>
-              </a:ext>
-            </a:extLst>
-          </p:cNvPr>
-          <p:cNvSpPr/>
-          <p:nvPr/>
-        </p:nvSpPr>
-        <p:spPr>
-          <a:xfrm>
-            <a:off x="7698212" y="1898452"/>
-            <a:ext cx="741647" cy="741647"/>
-          </a:xfrm>
-          <a:prstGeom prst="ellipse">
-            <a:avLst/>
-          </a:prstGeom>
-          <a:noFill/>
-          <a:ln>
-            <a:solidFill>
-              <a:srgbClr val="FF0000"/>
-            </a:solidFill>
-          </a:ln>
-        </p:spPr>
-        <p:style>
-          <a:lnRef idx="2">
-            <a:schemeClr val="accent1">
-              <a:shade val="50000"/>
-            </a:schemeClr>
-          </a:lnRef>
-          <a:fillRef idx="1">
-            <a:schemeClr val="accent1"/>
-          </a:fillRef>
-          <a:effectRef idx="0">
-            <a:schemeClr val="accent1"/>
-          </a:effectRef>
-          <a:fontRef idx="minor">
-            <a:schemeClr val="lt1"/>
-          </a:fontRef>
-        </p:style>
-        <p:txBody>
-          <a:bodyPr rtlCol="0" anchor="ctr"/>
-          <a:lstStyle/>
-          <a:p>
-            <a:pPr algn="ctr"/>
-            <a:r>
-              <a:rPr lang="en-US" sz="1600" dirty="0">
-                <a:solidFill>
-                  <a:schemeClr val="tx1"/>
-                </a:solidFill>
-              </a:rPr>
-              <a:t>B: </a:t>
-            </a:r>
-            <a:r>
-              <a:rPr lang="en-US" sz="1600" dirty="0" smtClean="0">
-                <a:solidFill>
-                  <a:schemeClr val="tx1"/>
-                </a:solidFill>
-              </a:rPr>
-              <a:t>4</a:t>
-            </a:r>
-            <a:endParaRPr lang="en-PH" sz="1600" dirty="0">
-              <a:solidFill>
-                <a:schemeClr val="tx1"/>
-              </a:solidFill>
-            </a:endParaRPr>
-          </a:p>
-        </p:txBody>
-      </p:sp>
-      <p:sp>
-        <p:nvSpPr>
-          <p:cNvPr id="66" name="Oval 65">
-            <a:extLst>
-              <a:ext uri="{FF2B5EF4-FFF2-40B4-BE49-F238E27FC236}">
-                <a16:creationId xmlns="" xmlns:a16="http://schemas.microsoft.com/office/drawing/2014/main" id="{6790BD35-3A48-4FA4-A1DD-25EAA7D259C1}"/>
-              </a:ext>
-            </a:extLst>
-          </p:cNvPr>
-          <p:cNvSpPr/>
-          <p:nvPr/>
-        </p:nvSpPr>
-        <p:spPr>
-          <a:xfrm>
-            <a:off x="9366317" y="3251546"/>
-            <a:ext cx="741647" cy="741647"/>
-          </a:xfrm>
-          <a:prstGeom prst="ellipse">
-            <a:avLst/>
-          </a:prstGeom>
-          <a:noFill/>
-          <a:ln>
-            <a:solidFill>
-              <a:schemeClr val="tx1"/>
-            </a:solidFill>
-          </a:ln>
-        </p:spPr>
-        <p:style>
-          <a:lnRef idx="2">
-            <a:schemeClr val="accent1">
-              <a:shade val="50000"/>
-            </a:schemeClr>
-          </a:lnRef>
-          <a:fillRef idx="1">
-            <a:schemeClr val="accent1"/>
-          </a:fillRef>
-          <a:effectRef idx="0">
-            <a:schemeClr val="accent1"/>
-          </a:effectRef>
-          <a:fontRef idx="minor">
-            <a:schemeClr val="lt1"/>
-          </a:fontRef>
-        </p:style>
-        <p:txBody>
-          <a:bodyPr rtlCol="0" anchor="ctr"/>
-          <a:lstStyle/>
-          <a:p>
-            <a:pPr algn="ctr"/>
-            <a:r>
-              <a:rPr lang="en-US" sz="1600" dirty="0" smtClean="0">
-                <a:solidFill>
-                  <a:schemeClr val="tx1"/>
-                </a:solidFill>
-              </a:rPr>
-              <a:t>A: </a:t>
-            </a:r>
-            <a:r>
-              <a:rPr lang="en-US" sz="1600" dirty="0">
-                <a:solidFill>
-                  <a:schemeClr val="tx1"/>
-                </a:solidFill>
-              </a:rPr>
-              <a:t>1</a:t>
-            </a:r>
-            <a:endParaRPr lang="en-PH" sz="1600" dirty="0">
-              <a:solidFill>
-                <a:schemeClr val="tx1"/>
-              </a:solidFill>
-            </a:endParaRPr>
-          </a:p>
-        </p:txBody>
-      </p:sp>
-      <p:sp>
-        <p:nvSpPr>
-          <p:cNvPr id="67" name="Oval 66">
-            <a:extLst>
-              <a:ext uri="{FF2B5EF4-FFF2-40B4-BE49-F238E27FC236}">
-                <a16:creationId xmlns="" xmlns:a16="http://schemas.microsoft.com/office/drawing/2014/main" id="{6790BD35-3A48-4FA4-A1DD-25EAA7D259C1}"/>
-              </a:ext>
-            </a:extLst>
-          </p:cNvPr>
-          <p:cNvSpPr/>
-          <p:nvPr/>
-        </p:nvSpPr>
-        <p:spPr>
-          <a:xfrm>
-            <a:off x="9737140" y="4313417"/>
-            <a:ext cx="741647" cy="741647"/>
-          </a:xfrm>
-          <a:prstGeom prst="ellipse">
-            <a:avLst/>
-          </a:prstGeom>
-          <a:noFill/>
-          <a:ln>
-            <a:solidFill>
-              <a:schemeClr val="tx1"/>
-            </a:solidFill>
-          </a:ln>
-        </p:spPr>
-        <p:style>
-          <a:lnRef idx="2">
-            <a:schemeClr val="accent1">
-              <a:shade val="50000"/>
-            </a:schemeClr>
-          </a:lnRef>
-          <a:fillRef idx="1">
-            <a:schemeClr val="accent1"/>
-          </a:fillRef>
-          <a:effectRef idx="0">
-            <a:schemeClr val="accent1"/>
-          </a:effectRef>
-          <a:fontRef idx="minor">
-            <a:schemeClr val="lt1"/>
-          </a:fontRef>
-        </p:style>
-        <p:txBody>
-          <a:bodyPr rtlCol="0" anchor="ctr"/>
-          <a:lstStyle/>
-          <a:p>
-            <a:pPr algn="ctr"/>
-            <a:r>
-              <a:rPr lang="en-US" sz="1600" dirty="0" smtClean="0">
-                <a:solidFill>
-                  <a:schemeClr val="tx1"/>
-                </a:solidFill>
-              </a:rPr>
-              <a:t>E: </a:t>
-            </a:r>
-            <a:r>
-              <a:rPr lang="en-US" sz="1600" dirty="0">
-                <a:solidFill>
-                  <a:schemeClr val="tx1"/>
-                </a:solidFill>
-              </a:rPr>
-              <a:t>1</a:t>
-            </a:r>
-            <a:endParaRPr lang="en-PH" sz="1600" dirty="0">
-              <a:solidFill>
-                <a:schemeClr val="tx1"/>
-              </a:solidFill>
-            </a:endParaRPr>
-          </a:p>
-        </p:txBody>
-      </p:sp>
-      <p:cxnSp>
-        <p:nvCxnSpPr>
-          <p:cNvPr id="68" name="Straight Connector 67">
-            <a:extLst>
-              <a:ext uri="{FF2B5EF4-FFF2-40B4-BE49-F238E27FC236}">
-                <a16:creationId xmlns="" xmlns:a16="http://schemas.microsoft.com/office/drawing/2014/main" id="{D5CBC4E2-B7D8-4BA4-91B1-1439F1E66A5D}"/>
-              </a:ext>
-            </a:extLst>
-          </p:cNvPr>
-          <p:cNvCxnSpPr>
-            <a:stCxn id="66" idx="1"/>
-            <a:endCxn id="55" idx="6"/>
-          </p:cNvCxnSpPr>
-          <p:nvPr/>
-        </p:nvCxnSpPr>
-        <p:spPr>
-          <a:xfrm flipH="1" flipV="1">
-            <a:off x="9181506" y="3089579"/>
-            <a:ext cx="293423" cy="270579"/>
-          </a:xfrm>
-          <a:prstGeom prst="line">
-            <a:avLst/>
-          </a:prstGeom>
-        </p:spPr>
-        <p:style>
-          <a:lnRef idx="1">
-            <a:schemeClr val="dk1"/>
-          </a:lnRef>
-          <a:fillRef idx="0">
-            <a:schemeClr val="dk1"/>
-          </a:fillRef>
-          <a:effectRef idx="0">
-            <a:schemeClr val="dk1"/>
-          </a:effectRef>
-          <a:fontRef idx="minor">
-            <a:schemeClr val="tx1"/>
-          </a:fontRef>
-        </p:style>
-      </p:cxnSp>
-      <p:cxnSp>
-        <p:nvCxnSpPr>
-          <p:cNvPr id="69" name="Straight Connector 68">
-            <a:extLst>
-              <a:ext uri="{FF2B5EF4-FFF2-40B4-BE49-F238E27FC236}">
-                <a16:creationId xmlns="" xmlns:a16="http://schemas.microsoft.com/office/drawing/2014/main" id="{D5CBC4E2-B7D8-4BA4-91B1-1439F1E66A5D}"/>
-              </a:ext>
-            </a:extLst>
-          </p:cNvPr>
-          <p:cNvCxnSpPr>
-            <a:stCxn id="66" idx="5"/>
-            <a:endCxn id="67" idx="0"/>
-          </p:cNvCxnSpPr>
-          <p:nvPr/>
-        </p:nvCxnSpPr>
-        <p:spPr>
-          <a:xfrm>
-            <a:off x="9999352" y="3884581"/>
-            <a:ext cx="108612" cy="428836"/>
-          </a:xfrm>
-          <a:prstGeom prst="line">
-            <a:avLst/>
-          </a:prstGeom>
-        </p:spPr>
-        <p:style>
-          <a:lnRef idx="1">
-            <a:schemeClr val="dk1"/>
-          </a:lnRef>
-          <a:fillRef idx="0">
-            <a:schemeClr val="dk1"/>
-          </a:fillRef>
-          <a:effectRef idx="0">
-            <a:schemeClr val="dk1"/>
-          </a:effectRef>
-          <a:fontRef idx="minor">
-            <a:schemeClr val="tx1"/>
-          </a:fontRef>
-        </p:style>
-      </p:cxnSp>
-    </p:spTree>
-    <p:extLst>
-      <p:ext uri="{BB962C8B-B14F-4D97-AF65-F5344CB8AC3E}">
-        <p14:creationId xmlns:p14="http://schemas.microsoft.com/office/powerpoint/2010/main" val="3971249236"/>
-      </p:ext>
-    </p:extLst>
-  </p:cSld>
-  <p:clrMapOvr>
-    <a:masterClrMapping/>
-  </p:clrMapOvr>
-</p:sld>
-</file>
-
-<file path=ppt/slides/slide22.xml><?xml version="1.0" encoding="utf-8"?>
-<p:sld xmlns:a="http://schemas.openxmlformats.org/drawingml/2006/main" xmlns:r="http://schemas.openxmlformats.org/officeDocument/2006/relationships" xmlns:p="http://schemas.openxmlformats.org/presentationml/2006/main">
-  <p:cSld>
-    <p:spTree>
-      <p:nvGrpSpPr>
-        <p:cNvPr id="1" name=""/>
-        <p:cNvGrpSpPr/>
-        <p:nvPr/>
-      </p:nvGrpSpPr>
-      <p:grpSpPr>
-        <a:xfrm>
-          <a:off x="0" y="0"/>
-          <a:ext cx="0" cy="0"/>
-          <a:chOff x="0" y="0"/>
-          <a:chExt cx="0" cy="0"/>
-        </a:xfrm>
-      </p:grpSpPr>
-      <p:sp>
-        <p:nvSpPr>
-          <p:cNvPr id="4" name="TextBox 3"/>
-          <p:cNvSpPr txBox="1"/>
-          <p:nvPr/>
-        </p:nvSpPr>
-        <p:spPr>
-          <a:xfrm>
-            <a:off x="669520" y="838525"/>
-            <a:ext cx="10558668" cy="707886"/>
-          </a:xfrm>
-          <a:prstGeom prst="rect">
-            <a:avLst/>
-          </a:prstGeom>
-          <a:noFill/>
-        </p:spPr>
-        <p:txBody>
-          <a:bodyPr wrap="square" rtlCol="0">
-            <a:spAutoFit/>
-          </a:bodyPr>
-          <a:lstStyle/>
-          <a:p>
-            <a:r>
-              <a:rPr lang="en-US" sz="4000" b="1" dirty="0"/>
-              <a:t>3. Insert Transactions into the FP-Tree</a:t>
-            </a:r>
-          </a:p>
-        </p:txBody>
-      </p:sp>
-      <p:sp>
-        <p:nvSpPr>
-          <p:cNvPr id="11" name="TextBox 10">
-            <a:extLst>
-              <a:ext uri="{FF2B5EF4-FFF2-40B4-BE49-F238E27FC236}">
-                <a16:creationId xmlns="" xmlns:a16="http://schemas.microsoft.com/office/drawing/2014/main" id="{EF22747B-4BA2-49BB-8FCA-013B956D6605}"/>
-              </a:ext>
-            </a:extLst>
-          </p:cNvPr>
-          <p:cNvSpPr txBox="1"/>
-          <p:nvPr/>
-        </p:nvSpPr>
-        <p:spPr>
-          <a:xfrm>
-            <a:off x="821920" y="1752079"/>
             <a:ext cx="5600651" cy="1538883"/>
           </a:xfrm>
           <a:prstGeom prst="rect">
@@ -10872,7 +10843,7 @@
 </p:sld>
 </file>
 
-<file path=ppt/slides/slide23.xml><?xml version="1.0" encoding="utf-8"?>
+<file path=ppt/slides/slide22.xml><?xml version="1.0" encoding="utf-8"?>
 <p:sld xmlns:a="http://schemas.openxmlformats.org/drawingml/2006/main" xmlns:r="http://schemas.openxmlformats.org/officeDocument/2006/relationships" xmlns:p="http://schemas.openxmlformats.org/presentationml/2006/main">
   <p:cSld>
     <p:spTree>
@@ -12365,7 +12336,7 @@
 </p:sld>
 </file>
 
-<file path=ppt/slides/slide24.xml><?xml version="1.0" encoding="utf-8"?>
+<file path=ppt/slides/slide23.xml><?xml version="1.0" encoding="utf-8"?>
 <p:sld xmlns:a="http://schemas.openxmlformats.org/drawingml/2006/main" xmlns:r="http://schemas.openxmlformats.org/officeDocument/2006/relationships" xmlns:p="http://schemas.openxmlformats.org/presentationml/2006/main">
   <p:cSld>
     <p:spTree>
@@ -13771,7 +13742,7 @@
 </p:sld>
 </file>
 
-<file path=ppt/slides/slide25.xml><?xml version="1.0" encoding="utf-8"?>
+<file path=ppt/slides/slide24.xml><?xml version="1.0" encoding="utf-8"?>
 <p:sld xmlns:a="http://schemas.openxmlformats.org/drawingml/2006/main" xmlns:r="http://schemas.openxmlformats.org/officeDocument/2006/relationships" xmlns:p="http://schemas.openxmlformats.org/presentationml/2006/main">
   <p:cSld>
     <p:spTree>
@@ -15223,7 +15194,7 @@
 </p:sld>
 </file>
 
-<file path=ppt/slides/slide26.xml><?xml version="1.0" encoding="utf-8"?>
+<file path=ppt/slides/slide25.xml><?xml version="1.0" encoding="utf-8"?>
 <p:sld xmlns:a="http://schemas.openxmlformats.org/drawingml/2006/main" xmlns:r="http://schemas.openxmlformats.org/officeDocument/2006/relationships" xmlns:p="http://schemas.openxmlformats.org/presentationml/2006/main">
   <p:cSld>
     <p:spTree>
@@ -16776,7 +16747,7 @@
 </p:sld>
 </file>
 
-<file path=ppt/slides/slide27.xml><?xml version="1.0" encoding="utf-8"?>
+<file path=ppt/slides/slide26.xml><?xml version="1.0" encoding="utf-8"?>
 <p:sld xmlns:a="http://schemas.openxmlformats.org/drawingml/2006/main" xmlns:r="http://schemas.openxmlformats.org/officeDocument/2006/relationships" xmlns:p="http://schemas.openxmlformats.org/presentationml/2006/main">
   <p:cSld>
     <p:spTree>
@@ -18198,7 +18169,7 @@
 </p:sld>
 </file>
 
-<file path=ppt/slides/slide28.xml><?xml version="1.0" encoding="utf-8"?>
+<file path=ppt/slides/slide27.xml><?xml version="1.0" encoding="utf-8"?>
 <p:sld xmlns:a="http://schemas.openxmlformats.org/drawingml/2006/main" xmlns:r="http://schemas.openxmlformats.org/officeDocument/2006/relationships" xmlns:p="http://schemas.openxmlformats.org/presentationml/2006/main">
   <p:cSld>
     <p:spTree>
@@ -19719,7 +19690,7 @@
 </p:sld>
 </file>
 
-<file path=ppt/slides/slide29.xml><?xml version="1.0" encoding="utf-8"?>
+<file path=ppt/slides/slide28.xml><?xml version="1.0" encoding="utf-8"?>
 <p:sld xmlns:a="http://schemas.openxmlformats.org/drawingml/2006/main" xmlns:r="http://schemas.openxmlformats.org/officeDocument/2006/relationships" xmlns:p="http://schemas.openxmlformats.org/presentationml/2006/main">
   <p:cSld>
     <p:spTree>
@@ -21098,6 +21069,1385 @@
 </p:sld>
 </file>
 
+<file path=ppt/slides/slide29.xml><?xml version="1.0" encoding="utf-8"?>
+<p:sld xmlns:a="http://schemas.openxmlformats.org/drawingml/2006/main" xmlns:r="http://schemas.openxmlformats.org/officeDocument/2006/relationships" xmlns:p="http://schemas.openxmlformats.org/presentationml/2006/main">
+  <p:cSld>
+    <p:spTree>
+      <p:nvGrpSpPr>
+        <p:cNvPr id="1" name=""/>
+        <p:cNvGrpSpPr/>
+        <p:nvPr/>
+      </p:nvGrpSpPr>
+      <p:grpSpPr>
+        <a:xfrm>
+          <a:off x="0" y="0"/>
+          <a:ext cx="0" cy="0"/>
+          <a:chOff x="0" y="0"/>
+          <a:chExt cx="0" cy="0"/>
+        </a:xfrm>
+      </p:grpSpPr>
+      <p:sp>
+        <p:nvSpPr>
+          <p:cNvPr id="4" name="TextBox 3"/>
+          <p:cNvSpPr txBox="1"/>
+          <p:nvPr/>
+        </p:nvSpPr>
+        <p:spPr>
+          <a:xfrm>
+            <a:off x="669520" y="838525"/>
+            <a:ext cx="10558668" cy="707886"/>
+          </a:xfrm>
+          <a:prstGeom prst="rect">
+            <a:avLst/>
+          </a:prstGeom>
+          <a:noFill/>
+        </p:spPr>
+        <p:txBody>
+          <a:bodyPr wrap="square" rtlCol="0">
+            <a:spAutoFit/>
+          </a:bodyPr>
+          <a:lstStyle/>
+          <a:p>
+            <a:r>
+              <a:rPr lang="en-US" sz="4000" b="1" dirty="0" smtClean="0"/>
+              <a:t>5.4 </a:t>
+            </a:r>
+            <a:r>
+              <a:rPr lang="en-US" sz="4000" b="1" dirty="0"/>
+              <a:t>Mining the FP-Tree for Frequent Patterns</a:t>
+            </a:r>
+          </a:p>
+        </p:txBody>
+      </p:sp>
+      <p:sp>
+        <p:nvSpPr>
+          <p:cNvPr id="29" name="TextBox 28">
+            <a:extLst>
+              <a:ext uri="{FF2B5EF4-FFF2-40B4-BE49-F238E27FC236}">
+                <a16:creationId xmlns="" xmlns:a16="http://schemas.microsoft.com/office/drawing/2014/main" id="{DE6FFCD5-DA91-4170-905E-45E8EB9BEBE5}"/>
+              </a:ext>
+            </a:extLst>
+          </p:cNvPr>
+          <p:cNvSpPr txBox="1"/>
+          <p:nvPr/>
+        </p:nvSpPr>
+        <p:spPr>
+          <a:xfrm>
+            <a:off x="746727" y="1763740"/>
+            <a:ext cx="5600651" cy="3262432"/>
+          </a:xfrm>
+          <a:prstGeom prst="rect">
+            <a:avLst/>
+          </a:prstGeom>
+          <a:noFill/>
+        </p:spPr>
+        <p:txBody>
+          <a:bodyPr wrap="square" rtlCol="0">
+            <a:spAutoFit/>
+          </a:bodyPr>
+          <a:lstStyle/>
+          <a:p>
+            <a:r>
+              <a:rPr lang="en-US" sz="2000" b="1" dirty="0" smtClean="0"/>
+              <a:t>Paths </a:t>
+            </a:r>
+            <a:r>
+              <a:rPr lang="en-US" sz="2000" b="1" dirty="0"/>
+              <a:t>Leading to </a:t>
+            </a:r>
+            <a:r>
+              <a:rPr lang="en-US" sz="2000" b="1" dirty="0" smtClean="0"/>
+              <a:t>C </a:t>
+            </a:r>
+            <a:r>
+              <a:rPr lang="en-US" sz="2000" b="1" dirty="0"/>
+              <a:t>Nodes</a:t>
+            </a:r>
+            <a:r>
+              <a:rPr lang="en-US" sz="2000" b="1" dirty="0" smtClean="0"/>
+              <a:t>:</a:t>
+            </a:r>
+          </a:p>
+          <a:p>
+            <a:endParaRPr lang="en-US" sz="900" b="1" dirty="0" smtClean="0"/>
+          </a:p>
+          <a:p>
+            <a:pPr marL="457200" indent="-457200">
+              <a:buAutoNum type="arabicPeriod"/>
+            </a:pPr>
+            <a:r>
+              <a:rPr lang="en-US" sz="2000" dirty="0" smtClean="0"/>
+              <a:t>Path 1 </a:t>
+            </a:r>
+            <a:r>
+              <a:rPr lang="en-US" sz="2000" dirty="0"/>
+              <a:t>containing </a:t>
+            </a:r>
+            <a:r>
+              <a:rPr lang="en-US" sz="2000" dirty="0" smtClean="0"/>
+              <a:t>C:</a:t>
+            </a:r>
+            <a:endParaRPr lang="en-US" sz="2000" dirty="0"/>
+          </a:p>
+          <a:p>
+            <a:r>
+              <a:rPr lang="en-US" sz="2000" dirty="0"/>
+              <a:t>      </a:t>
+            </a:r>
+            <a:r>
+              <a:rPr lang="en-US" dirty="0"/>
+              <a:t>- </a:t>
+            </a:r>
+            <a:r>
+              <a:rPr lang="en-US" b="1" dirty="0">
+                <a:solidFill>
+                  <a:srgbClr val="FF0000"/>
+                </a:solidFill>
+              </a:rPr>
+              <a:t>B </a:t>
+            </a:r>
+            <a:r>
+              <a:rPr lang="en-US" b="1" dirty="0">
+                <a:sym typeface="Wingdings" panose="05000000000000000000" pitchFamily="2" charset="2"/>
+              </a:rPr>
+              <a:t> </a:t>
+            </a:r>
+            <a:r>
+              <a:rPr lang="en-US" b="1" dirty="0" smtClean="0">
+                <a:solidFill>
+                  <a:srgbClr val="7030A0"/>
+                </a:solidFill>
+                <a:sym typeface="Wingdings" panose="05000000000000000000" pitchFamily="2" charset="2"/>
+              </a:rPr>
+              <a:t>C </a:t>
+            </a:r>
+            <a:r>
+              <a:rPr lang="en-US" b="1" dirty="0" smtClean="0">
+                <a:sym typeface="Wingdings" panose="05000000000000000000" pitchFamily="2" charset="2"/>
+              </a:rPr>
+              <a:t>(support count = 1)</a:t>
+            </a:r>
+          </a:p>
+          <a:p>
+            <a:endParaRPr lang="en-US" sz="800" b="1" dirty="0">
+              <a:sym typeface="Wingdings" panose="05000000000000000000" pitchFamily="2" charset="2"/>
+            </a:endParaRPr>
+          </a:p>
+          <a:p>
+            <a:r>
+              <a:rPr lang="en-US" sz="2000" dirty="0" smtClean="0"/>
+              <a:t>2.   Path 2 </a:t>
+            </a:r>
+            <a:r>
+              <a:rPr lang="en-US" sz="2000" dirty="0"/>
+              <a:t>containing </a:t>
+            </a:r>
+            <a:r>
+              <a:rPr lang="en-US" sz="2000" dirty="0" smtClean="0"/>
+              <a:t>C:</a:t>
+            </a:r>
+            <a:endParaRPr lang="en-US" sz="2000" dirty="0"/>
+          </a:p>
+          <a:p>
+            <a:r>
+              <a:rPr lang="en-US" sz="2000" dirty="0"/>
+              <a:t>      </a:t>
+            </a:r>
+            <a:r>
+              <a:rPr lang="en-US" dirty="0"/>
+              <a:t>- </a:t>
+            </a:r>
+            <a:r>
+              <a:rPr lang="en-US" b="1" dirty="0" smtClean="0">
+                <a:solidFill>
+                  <a:srgbClr val="FF0000"/>
+                </a:solidFill>
+              </a:rPr>
+              <a:t>Root</a:t>
+            </a:r>
+            <a:r>
+              <a:rPr lang="en-US" b="1" dirty="0" smtClean="0">
+                <a:sym typeface="Wingdings" panose="05000000000000000000" pitchFamily="2" charset="2"/>
+              </a:rPr>
+              <a:t> </a:t>
+            </a:r>
+            <a:r>
+              <a:rPr lang="en-US" b="1" dirty="0" smtClean="0">
+                <a:solidFill>
+                  <a:srgbClr val="FF0000"/>
+                </a:solidFill>
+                <a:sym typeface="Wingdings" panose="05000000000000000000" pitchFamily="2" charset="2"/>
+              </a:rPr>
+              <a:t>C</a:t>
+            </a:r>
+            <a:r>
+              <a:rPr lang="en-US" b="1" dirty="0" smtClean="0">
+                <a:sym typeface="Wingdings" panose="05000000000000000000" pitchFamily="2" charset="2"/>
+              </a:rPr>
+              <a:t> (</a:t>
+            </a:r>
+            <a:r>
+              <a:rPr lang="en-US" b="1" dirty="0">
+                <a:sym typeface="Wingdings" panose="05000000000000000000" pitchFamily="2" charset="2"/>
+              </a:rPr>
+              <a:t>support count = </a:t>
+            </a:r>
+            <a:r>
+              <a:rPr lang="en-US" b="1" dirty="0" smtClean="0">
+                <a:sym typeface="Wingdings" panose="05000000000000000000" pitchFamily="2" charset="2"/>
+              </a:rPr>
+              <a:t>1)</a:t>
+            </a:r>
+          </a:p>
+          <a:p>
+            <a:endParaRPr lang="en-US" sz="800" b="1" dirty="0">
+              <a:sym typeface="Wingdings" panose="05000000000000000000" pitchFamily="2" charset="2"/>
+            </a:endParaRPr>
+          </a:p>
+          <a:p>
+            <a:endParaRPr lang="en-US" sz="1200" b="1" dirty="0">
+              <a:sym typeface="Wingdings" panose="05000000000000000000" pitchFamily="2" charset="2"/>
+            </a:endParaRPr>
+          </a:p>
+          <a:p>
+            <a:r>
+              <a:rPr lang="en-US" sz="2000" b="1" dirty="0" smtClean="0"/>
+              <a:t>Conditional Pattern Base on C:</a:t>
+            </a:r>
+          </a:p>
+          <a:p>
+            <a:endParaRPr lang="en-US" sz="900" b="1" dirty="0" smtClean="0"/>
+          </a:p>
+          <a:p>
+            <a:r>
+              <a:rPr lang="en-US" sz="2000" dirty="0" smtClean="0">
+                <a:solidFill>
+                  <a:srgbClr val="FF0000"/>
+                </a:solidFill>
+              </a:rPr>
+              <a:t>B </a:t>
+            </a:r>
+            <a:r>
+              <a:rPr lang="en-US" sz="2000" dirty="0" smtClean="0"/>
+              <a:t>		(3)</a:t>
+            </a:r>
+          </a:p>
+          <a:p>
+            <a:r>
+              <a:rPr lang="en-US" sz="2000" dirty="0" smtClean="0">
+                <a:solidFill>
+                  <a:srgbClr val="FF0000"/>
+                </a:solidFill>
+              </a:rPr>
+              <a:t>C (root)</a:t>
+            </a:r>
+            <a:r>
+              <a:rPr lang="en-US" sz="2000" dirty="0" smtClean="0"/>
+              <a:t>		(1)</a:t>
+            </a:r>
+            <a:endParaRPr lang="en-US" sz="2000" dirty="0"/>
+          </a:p>
+        </p:txBody>
+      </p:sp>
+      <p:sp>
+        <p:nvSpPr>
+          <p:cNvPr id="30" name="Oval 29">
+            <a:extLst>
+              <a:ext uri="{FF2B5EF4-FFF2-40B4-BE49-F238E27FC236}">
+                <a16:creationId xmlns="" xmlns:a16="http://schemas.microsoft.com/office/drawing/2014/main" id="{6790BD35-3A48-4FA4-A1DD-25EAA7D259C1}"/>
+              </a:ext>
+            </a:extLst>
+          </p:cNvPr>
+          <p:cNvSpPr/>
+          <p:nvPr/>
+        </p:nvSpPr>
+        <p:spPr>
+          <a:xfrm>
+            <a:off x="8439859" y="2718755"/>
+            <a:ext cx="741647" cy="741647"/>
+          </a:xfrm>
+          <a:prstGeom prst="ellipse">
+            <a:avLst/>
+          </a:prstGeom>
+          <a:noFill/>
+          <a:ln>
+            <a:solidFill>
+              <a:srgbClr val="7030A0"/>
+            </a:solidFill>
+          </a:ln>
+        </p:spPr>
+        <p:style>
+          <a:lnRef idx="2">
+            <a:schemeClr val="accent1">
+              <a:shade val="50000"/>
+            </a:schemeClr>
+          </a:lnRef>
+          <a:fillRef idx="1">
+            <a:schemeClr val="accent1"/>
+          </a:fillRef>
+          <a:effectRef idx="0">
+            <a:schemeClr val="accent1"/>
+          </a:effectRef>
+          <a:fontRef idx="minor">
+            <a:schemeClr val="lt1"/>
+          </a:fontRef>
+        </p:style>
+        <p:txBody>
+          <a:bodyPr rtlCol="0" anchor="ctr"/>
+          <a:lstStyle/>
+          <a:p>
+            <a:pPr algn="ctr"/>
+            <a:r>
+              <a:rPr lang="en-US" sz="1600" dirty="0" smtClean="0">
+                <a:solidFill>
+                  <a:schemeClr val="tx1"/>
+                </a:solidFill>
+              </a:rPr>
+              <a:t>C: 3</a:t>
+            </a:r>
+            <a:endParaRPr lang="en-PH" sz="1600" dirty="0">
+              <a:solidFill>
+                <a:schemeClr val="tx1"/>
+              </a:solidFill>
+            </a:endParaRPr>
+          </a:p>
+        </p:txBody>
+      </p:sp>
+      <p:sp>
+        <p:nvSpPr>
+          <p:cNvPr id="31" name="Oval 30">
+            <a:extLst>
+              <a:ext uri="{FF2B5EF4-FFF2-40B4-BE49-F238E27FC236}">
+                <a16:creationId xmlns="" xmlns:a16="http://schemas.microsoft.com/office/drawing/2014/main" id="{6790BD35-3A48-4FA4-A1DD-25EAA7D259C1}"/>
+              </a:ext>
+            </a:extLst>
+          </p:cNvPr>
+          <p:cNvSpPr/>
+          <p:nvPr/>
+        </p:nvSpPr>
+        <p:spPr>
+          <a:xfrm>
+            <a:off x="8548471" y="3877989"/>
+            <a:ext cx="741647" cy="741647"/>
+          </a:xfrm>
+          <a:prstGeom prst="ellipse">
+            <a:avLst/>
+          </a:prstGeom>
+          <a:noFill/>
+          <a:ln>
+            <a:solidFill>
+              <a:schemeClr val="tx1"/>
+            </a:solidFill>
+          </a:ln>
+        </p:spPr>
+        <p:style>
+          <a:lnRef idx="2">
+            <a:schemeClr val="accent1">
+              <a:shade val="50000"/>
+            </a:schemeClr>
+          </a:lnRef>
+          <a:fillRef idx="1">
+            <a:schemeClr val="accent1"/>
+          </a:fillRef>
+          <a:effectRef idx="0">
+            <a:schemeClr val="accent1"/>
+          </a:effectRef>
+          <a:fontRef idx="minor">
+            <a:schemeClr val="lt1"/>
+          </a:fontRef>
+        </p:style>
+        <p:txBody>
+          <a:bodyPr rtlCol="0" anchor="ctr"/>
+          <a:lstStyle/>
+          <a:p>
+            <a:pPr algn="ctr"/>
+            <a:r>
+              <a:rPr lang="en-US" sz="1600" dirty="0" smtClean="0">
+                <a:solidFill>
+                  <a:schemeClr val="tx1"/>
+                </a:solidFill>
+              </a:rPr>
+              <a:t>E: </a:t>
+            </a:r>
+            <a:r>
+              <a:rPr lang="en-US" sz="1600" dirty="0">
+                <a:solidFill>
+                  <a:schemeClr val="tx1"/>
+                </a:solidFill>
+              </a:rPr>
+              <a:t>1</a:t>
+            </a:r>
+            <a:endParaRPr lang="en-PH" sz="1600" dirty="0">
+              <a:solidFill>
+                <a:schemeClr val="tx1"/>
+              </a:solidFill>
+            </a:endParaRPr>
+          </a:p>
+        </p:txBody>
+      </p:sp>
+      <p:cxnSp>
+        <p:nvCxnSpPr>
+          <p:cNvPr id="32" name="Straight Connector 31">
+            <a:extLst>
+              <a:ext uri="{FF2B5EF4-FFF2-40B4-BE49-F238E27FC236}">
+                <a16:creationId xmlns="" xmlns:a16="http://schemas.microsoft.com/office/drawing/2014/main" id="{D5CBC4E2-B7D8-4BA4-91B1-1439F1E66A5D}"/>
+              </a:ext>
+            </a:extLst>
+          </p:cNvPr>
+          <p:cNvCxnSpPr>
+            <a:endCxn id="30" idx="1"/>
+          </p:cNvCxnSpPr>
+          <p:nvPr/>
+        </p:nvCxnSpPr>
+        <p:spPr>
+          <a:xfrm>
+            <a:off x="8331247" y="2531487"/>
+            <a:ext cx="217224" cy="295880"/>
+          </a:xfrm>
+          <a:prstGeom prst="line">
+            <a:avLst/>
+          </a:prstGeom>
+        </p:spPr>
+        <p:style>
+          <a:lnRef idx="1">
+            <a:schemeClr val="dk1"/>
+          </a:lnRef>
+          <a:fillRef idx="0">
+            <a:schemeClr val="dk1"/>
+          </a:fillRef>
+          <a:effectRef idx="0">
+            <a:schemeClr val="dk1"/>
+          </a:effectRef>
+          <a:fontRef idx="minor">
+            <a:schemeClr val="tx1"/>
+          </a:fontRef>
+        </p:style>
+      </p:cxnSp>
+      <p:cxnSp>
+        <p:nvCxnSpPr>
+          <p:cNvPr id="33" name="Straight Connector 32">
+            <a:extLst>
+              <a:ext uri="{FF2B5EF4-FFF2-40B4-BE49-F238E27FC236}">
+                <a16:creationId xmlns="" xmlns:a16="http://schemas.microsoft.com/office/drawing/2014/main" id="{D5CBC4E2-B7D8-4BA4-91B1-1439F1E66A5D}"/>
+              </a:ext>
+            </a:extLst>
+          </p:cNvPr>
+          <p:cNvCxnSpPr>
+            <a:stCxn id="31" idx="0"/>
+            <a:endCxn id="30" idx="4"/>
+          </p:cNvCxnSpPr>
+          <p:nvPr/>
+        </p:nvCxnSpPr>
+        <p:spPr>
+          <a:xfrm flipH="1" flipV="1">
+            <a:off x="8810683" y="3460402"/>
+            <a:ext cx="108612" cy="417587"/>
+          </a:xfrm>
+          <a:prstGeom prst="line">
+            <a:avLst/>
+          </a:prstGeom>
+        </p:spPr>
+        <p:style>
+          <a:lnRef idx="1">
+            <a:schemeClr val="dk1"/>
+          </a:lnRef>
+          <a:fillRef idx="0">
+            <a:schemeClr val="dk1"/>
+          </a:fillRef>
+          <a:effectRef idx="0">
+            <a:schemeClr val="dk1"/>
+          </a:effectRef>
+          <a:fontRef idx="minor">
+            <a:schemeClr val="tx1"/>
+          </a:fontRef>
+        </p:style>
+      </p:cxnSp>
+      <p:sp>
+        <p:nvSpPr>
+          <p:cNvPr id="34" name="Oval 33">
+            <a:extLst>
+              <a:ext uri="{FF2B5EF4-FFF2-40B4-BE49-F238E27FC236}">
+                <a16:creationId xmlns="" xmlns:a16="http://schemas.microsoft.com/office/drawing/2014/main" id="{FF465D5F-EE40-4CF1-B973-7087C70611E4}"/>
+              </a:ext>
+            </a:extLst>
+          </p:cNvPr>
+          <p:cNvSpPr/>
+          <p:nvPr/>
+        </p:nvSpPr>
+        <p:spPr>
+          <a:xfrm>
+            <a:off x="6869587" y="2676377"/>
+            <a:ext cx="730518" cy="730518"/>
+          </a:xfrm>
+          <a:prstGeom prst="ellipse">
+            <a:avLst/>
+          </a:prstGeom>
+          <a:noFill/>
+          <a:ln>
+            <a:solidFill>
+              <a:schemeClr val="tx1"/>
+            </a:solidFill>
+          </a:ln>
+        </p:spPr>
+        <p:style>
+          <a:lnRef idx="2">
+            <a:schemeClr val="accent1">
+              <a:shade val="50000"/>
+            </a:schemeClr>
+          </a:lnRef>
+          <a:fillRef idx="1">
+            <a:schemeClr val="accent1"/>
+          </a:fillRef>
+          <a:effectRef idx="0">
+            <a:schemeClr val="accent1"/>
+          </a:effectRef>
+          <a:fontRef idx="minor">
+            <a:schemeClr val="lt1"/>
+          </a:fontRef>
+        </p:style>
+        <p:txBody>
+          <a:bodyPr rtlCol="0" anchor="ctr"/>
+          <a:lstStyle/>
+          <a:p>
+            <a:pPr algn="ctr"/>
+            <a:r>
+              <a:rPr lang="en-US" sz="1600" dirty="0">
+                <a:solidFill>
+                  <a:schemeClr val="tx1"/>
+                </a:solidFill>
+              </a:rPr>
+              <a:t>A: 1</a:t>
+            </a:r>
+            <a:endParaRPr lang="en-PH" sz="1600" dirty="0">
+              <a:solidFill>
+                <a:schemeClr val="tx1"/>
+              </a:solidFill>
+            </a:endParaRPr>
+          </a:p>
+        </p:txBody>
+      </p:sp>
+      <p:sp>
+        <p:nvSpPr>
+          <p:cNvPr id="35" name="Oval 34">
+            <a:extLst>
+              <a:ext uri="{FF2B5EF4-FFF2-40B4-BE49-F238E27FC236}">
+                <a16:creationId xmlns="" xmlns:a16="http://schemas.microsoft.com/office/drawing/2014/main" id="{39C548D5-2D23-4238-82DF-921D2E3334F9}"/>
+              </a:ext>
+            </a:extLst>
+          </p:cNvPr>
+          <p:cNvSpPr/>
+          <p:nvPr/>
+        </p:nvSpPr>
+        <p:spPr>
+          <a:xfrm>
+            <a:off x="6269620" y="3680381"/>
+            <a:ext cx="741648" cy="741648"/>
+          </a:xfrm>
+          <a:prstGeom prst="ellipse">
+            <a:avLst/>
+          </a:prstGeom>
+          <a:noFill/>
+          <a:ln>
+            <a:solidFill>
+              <a:schemeClr val="tx1"/>
+            </a:solidFill>
+          </a:ln>
+        </p:spPr>
+        <p:style>
+          <a:lnRef idx="2">
+            <a:schemeClr val="accent1">
+              <a:shade val="50000"/>
+            </a:schemeClr>
+          </a:lnRef>
+          <a:fillRef idx="1">
+            <a:schemeClr val="accent1"/>
+          </a:fillRef>
+          <a:effectRef idx="0">
+            <a:schemeClr val="accent1"/>
+          </a:effectRef>
+          <a:fontRef idx="minor">
+            <a:schemeClr val="lt1"/>
+          </a:fontRef>
+        </p:style>
+        <p:txBody>
+          <a:bodyPr rtlCol="0" anchor="ctr"/>
+          <a:lstStyle/>
+          <a:p>
+            <a:pPr algn="ctr"/>
+            <a:r>
+              <a:rPr lang="en-US" sz="1600" dirty="0">
+                <a:solidFill>
+                  <a:schemeClr val="tx1"/>
+                </a:solidFill>
+              </a:rPr>
+              <a:t>E: 1</a:t>
+            </a:r>
+            <a:endParaRPr lang="en-PH" sz="1600" dirty="0">
+              <a:solidFill>
+                <a:schemeClr val="tx1"/>
+              </a:solidFill>
+            </a:endParaRPr>
+          </a:p>
+        </p:txBody>
+      </p:sp>
+      <p:sp>
+        <p:nvSpPr>
+          <p:cNvPr id="36" name="Oval 35">
+            <a:extLst>
+              <a:ext uri="{FF2B5EF4-FFF2-40B4-BE49-F238E27FC236}">
+                <a16:creationId xmlns="" xmlns:a16="http://schemas.microsoft.com/office/drawing/2014/main" id="{D370CE05-94D0-4DB6-BE29-980F92475FAA}"/>
+              </a:ext>
+            </a:extLst>
+          </p:cNvPr>
+          <p:cNvSpPr/>
+          <p:nvPr/>
+        </p:nvSpPr>
+        <p:spPr>
+          <a:xfrm>
+            <a:off x="5573505" y="4538710"/>
+            <a:ext cx="741648" cy="741648"/>
+          </a:xfrm>
+          <a:prstGeom prst="ellipse">
+            <a:avLst/>
+          </a:prstGeom>
+          <a:noFill/>
+          <a:ln>
+            <a:solidFill>
+              <a:schemeClr val="tx1"/>
+            </a:solidFill>
+          </a:ln>
+        </p:spPr>
+        <p:style>
+          <a:lnRef idx="2">
+            <a:schemeClr val="accent1">
+              <a:shade val="50000"/>
+            </a:schemeClr>
+          </a:lnRef>
+          <a:fillRef idx="1">
+            <a:schemeClr val="accent1"/>
+          </a:fillRef>
+          <a:effectRef idx="0">
+            <a:schemeClr val="accent1"/>
+          </a:effectRef>
+          <a:fontRef idx="minor">
+            <a:schemeClr val="lt1"/>
+          </a:fontRef>
+        </p:style>
+        <p:txBody>
+          <a:bodyPr rtlCol="0" anchor="ctr"/>
+          <a:lstStyle/>
+          <a:p>
+            <a:pPr algn="ctr"/>
+            <a:r>
+              <a:rPr lang="en-US" sz="1600" dirty="0">
+                <a:solidFill>
+                  <a:schemeClr val="tx1"/>
+                </a:solidFill>
+              </a:rPr>
+              <a:t>D: 1</a:t>
+            </a:r>
+            <a:endParaRPr lang="en-PH" sz="1600" dirty="0">
+              <a:solidFill>
+                <a:schemeClr val="tx1"/>
+              </a:solidFill>
+            </a:endParaRPr>
+          </a:p>
+        </p:txBody>
+      </p:sp>
+      <p:cxnSp>
+        <p:nvCxnSpPr>
+          <p:cNvPr id="37" name="Straight Connector 36">
+            <a:extLst>
+              <a:ext uri="{FF2B5EF4-FFF2-40B4-BE49-F238E27FC236}">
+                <a16:creationId xmlns="" xmlns:a16="http://schemas.microsoft.com/office/drawing/2014/main" id="{D5CBC4E2-B7D8-4BA4-91B1-1439F1E66A5D}"/>
+              </a:ext>
+            </a:extLst>
+          </p:cNvPr>
+          <p:cNvCxnSpPr>
+            <a:endCxn id="34" idx="7"/>
+          </p:cNvCxnSpPr>
+          <p:nvPr/>
+        </p:nvCxnSpPr>
+        <p:spPr>
+          <a:xfrm flipH="1">
+            <a:off x="7493123" y="2531487"/>
+            <a:ext cx="313701" cy="251872"/>
+          </a:xfrm>
+          <a:prstGeom prst="line">
+            <a:avLst/>
+          </a:prstGeom>
+        </p:spPr>
+        <p:style>
+          <a:lnRef idx="1">
+            <a:schemeClr val="dk1"/>
+          </a:lnRef>
+          <a:fillRef idx="0">
+            <a:schemeClr val="dk1"/>
+          </a:fillRef>
+          <a:effectRef idx="0">
+            <a:schemeClr val="dk1"/>
+          </a:effectRef>
+          <a:fontRef idx="minor">
+            <a:schemeClr val="tx1"/>
+          </a:fontRef>
+        </p:style>
+      </p:cxnSp>
+      <p:cxnSp>
+        <p:nvCxnSpPr>
+          <p:cNvPr id="38" name="Straight Connector 37">
+            <a:extLst>
+              <a:ext uri="{FF2B5EF4-FFF2-40B4-BE49-F238E27FC236}">
+                <a16:creationId xmlns="" xmlns:a16="http://schemas.microsoft.com/office/drawing/2014/main" id="{3671F84C-43EB-4E83-B34F-C5EA539A58EC}"/>
+              </a:ext>
+            </a:extLst>
+          </p:cNvPr>
+          <p:cNvCxnSpPr>
+            <a:cxnSpLocks/>
+            <a:endCxn id="34" idx="3"/>
+          </p:cNvCxnSpPr>
+          <p:nvPr/>
+        </p:nvCxnSpPr>
+        <p:spPr>
+          <a:xfrm flipV="1">
+            <a:off x="6763880" y="3299913"/>
+            <a:ext cx="212689" cy="380468"/>
+          </a:xfrm>
+          <a:prstGeom prst="line">
+            <a:avLst/>
+          </a:prstGeom>
+        </p:spPr>
+        <p:style>
+          <a:lnRef idx="1">
+            <a:schemeClr val="dk1"/>
+          </a:lnRef>
+          <a:fillRef idx="0">
+            <a:schemeClr val="dk1"/>
+          </a:fillRef>
+          <a:effectRef idx="0">
+            <a:schemeClr val="dk1"/>
+          </a:effectRef>
+          <a:fontRef idx="minor">
+            <a:schemeClr val="tx1"/>
+          </a:fontRef>
+        </p:style>
+      </p:cxnSp>
+      <p:cxnSp>
+        <p:nvCxnSpPr>
+          <p:cNvPr id="39" name="Straight Connector 38">
+            <a:extLst>
+              <a:ext uri="{FF2B5EF4-FFF2-40B4-BE49-F238E27FC236}">
+                <a16:creationId xmlns="" xmlns:a16="http://schemas.microsoft.com/office/drawing/2014/main" id="{61E9DF07-49B0-4931-B28A-3220297F1ADF}"/>
+              </a:ext>
+            </a:extLst>
+          </p:cNvPr>
+          <p:cNvCxnSpPr>
+            <a:cxnSpLocks/>
+            <a:stCxn id="36" idx="7"/>
+            <a:endCxn id="35" idx="3"/>
+          </p:cNvCxnSpPr>
+          <p:nvPr/>
+        </p:nvCxnSpPr>
+        <p:spPr>
+          <a:xfrm flipV="1">
+            <a:off x="6206541" y="4313417"/>
+            <a:ext cx="171691" cy="333905"/>
+          </a:xfrm>
+          <a:prstGeom prst="line">
+            <a:avLst/>
+          </a:prstGeom>
+        </p:spPr>
+        <p:style>
+          <a:lnRef idx="1">
+            <a:schemeClr val="dk1"/>
+          </a:lnRef>
+          <a:fillRef idx="0">
+            <a:schemeClr val="dk1"/>
+          </a:fillRef>
+          <a:effectRef idx="0">
+            <a:schemeClr val="dk1"/>
+          </a:effectRef>
+          <a:fontRef idx="minor">
+            <a:schemeClr val="tx1"/>
+          </a:fontRef>
+        </p:style>
+      </p:cxnSp>
+      <p:sp>
+        <p:nvSpPr>
+          <p:cNvPr id="40" name="Oval 39">
+            <a:extLst>
+              <a:ext uri="{FF2B5EF4-FFF2-40B4-BE49-F238E27FC236}">
+                <a16:creationId xmlns="" xmlns:a16="http://schemas.microsoft.com/office/drawing/2014/main" id="{6790BD35-3A48-4FA4-A1DD-25EAA7D259C1}"/>
+              </a:ext>
+            </a:extLst>
+          </p:cNvPr>
+          <p:cNvSpPr/>
+          <p:nvPr/>
+        </p:nvSpPr>
+        <p:spPr>
+          <a:xfrm>
+            <a:off x="7698212" y="1898452"/>
+            <a:ext cx="741647" cy="741647"/>
+          </a:xfrm>
+          <a:prstGeom prst="ellipse">
+            <a:avLst/>
+          </a:prstGeom>
+          <a:noFill/>
+          <a:ln>
+            <a:solidFill>
+              <a:srgbClr val="FF0000"/>
+            </a:solidFill>
+          </a:ln>
+        </p:spPr>
+        <p:style>
+          <a:lnRef idx="2">
+            <a:schemeClr val="accent1">
+              <a:shade val="50000"/>
+            </a:schemeClr>
+          </a:lnRef>
+          <a:fillRef idx="1">
+            <a:schemeClr val="accent1"/>
+          </a:fillRef>
+          <a:effectRef idx="0">
+            <a:schemeClr val="accent1"/>
+          </a:effectRef>
+          <a:fontRef idx="minor">
+            <a:schemeClr val="lt1"/>
+          </a:fontRef>
+        </p:style>
+        <p:txBody>
+          <a:bodyPr rtlCol="0" anchor="ctr"/>
+          <a:lstStyle/>
+          <a:p>
+            <a:pPr algn="ctr"/>
+            <a:r>
+              <a:rPr lang="en-US" sz="1600" dirty="0">
+                <a:solidFill>
+                  <a:schemeClr val="tx1"/>
+                </a:solidFill>
+              </a:rPr>
+              <a:t>B: </a:t>
+            </a:r>
+            <a:r>
+              <a:rPr lang="en-US" sz="1600" dirty="0" smtClean="0">
+                <a:solidFill>
+                  <a:schemeClr val="tx1"/>
+                </a:solidFill>
+              </a:rPr>
+              <a:t>4</a:t>
+            </a:r>
+            <a:endParaRPr lang="en-PH" sz="1600" dirty="0">
+              <a:solidFill>
+                <a:schemeClr val="tx1"/>
+              </a:solidFill>
+            </a:endParaRPr>
+          </a:p>
+        </p:txBody>
+      </p:sp>
+      <p:sp>
+        <p:nvSpPr>
+          <p:cNvPr id="41" name="Oval 40">
+            <a:extLst>
+              <a:ext uri="{FF2B5EF4-FFF2-40B4-BE49-F238E27FC236}">
+                <a16:creationId xmlns="" xmlns:a16="http://schemas.microsoft.com/office/drawing/2014/main" id="{6790BD35-3A48-4FA4-A1DD-25EAA7D259C1}"/>
+              </a:ext>
+            </a:extLst>
+          </p:cNvPr>
+          <p:cNvSpPr/>
+          <p:nvPr/>
+        </p:nvSpPr>
+        <p:spPr>
+          <a:xfrm>
+            <a:off x="9366317" y="3251546"/>
+            <a:ext cx="741647" cy="741647"/>
+          </a:xfrm>
+          <a:prstGeom prst="ellipse">
+            <a:avLst/>
+          </a:prstGeom>
+          <a:noFill/>
+          <a:ln>
+            <a:solidFill>
+              <a:schemeClr val="tx1"/>
+            </a:solidFill>
+          </a:ln>
+        </p:spPr>
+        <p:style>
+          <a:lnRef idx="2">
+            <a:schemeClr val="accent1">
+              <a:shade val="50000"/>
+            </a:schemeClr>
+          </a:lnRef>
+          <a:fillRef idx="1">
+            <a:schemeClr val="accent1"/>
+          </a:fillRef>
+          <a:effectRef idx="0">
+            <a:schemeClr val="accent1"/>
+          </a:effectRef>
+          <a:fontRef idx="minor">
+            <a:schemeClr val="lt1"/>
+          </a:fontRef>
+        </p:style>
+        <p:txBody>
+          <a:bodyPr rtlCol="0" anchor="ctr"/>
+          <a:lstStyle/>
+          <a:p>
+            <a:pPr algn="ctr"/>
+            <a:r>
+              <a:rPr lang="en-US" sz="1600" dirty="0" smtClean="0">
+                <a:solidFill>
+                  <a:schemeClr val="tx1"/>
+                </a:solidFill>
+              </a:rPr>
+              <a:t>A: </a:t>
+            </a:r>
+            <a:r>
+              <a:rPr lang="en-US" sz="1600" dirty="0">
+                <a:solidFill>
+                  <a:schemeClr val="tx1"/>
+                </a:solidFill>
+              </a:rPr>
+              <a:t>1</a:t>
+            </a:r>
+            <a:endParaRPr lang="en-PH" sz="1600" dirty="0">
+              <a:solidFill>
+                <a:schemeClr val="tx1"/>
+              </a:solidFill>
+            </a:endParaRPr>
+          </a:p>
+        </p:txBody>
+      </p:sp>
+      <p:sp>
+        <p:nvSpPr>
+          <p:cNvPr id="42" name="Oval 41">
+            <a:extLst>
+              <a:ext uri="{FF2B5EF4-FFF2-40B4-BE49-F238E27FC236}">
+                <a16:creationId xmlns="" xmlns:a16="http://schemas.microsoft.com/office/drawing/2014/main" id="{6790BD35-3A48-4FA4-A1DD-25EAA7D259C1}"/>
+              </a:ext>
+            </a:extLst>
+          </p:cNvPr>
+          <p:cNvSpPr/>
+          <p:nvPr/>
+        </p:nvSpPr>
+        <p:spPr>
+          <a:xfrm>
+            <a:off x="9737140" y="4313417"/>
+            <a:ext cx="741647" cy="741647"/>
+          </a:xfrm>
+          <a:prstGeom prst="ellipse">
+            <a:avLst/>
+          </a:prstGeom>
+          <a:noFill/>
+          <a:ln>
+            <a:solidFill>
+              <a:schemeClr val="tx1"/>
+            </a:solidFill>
+          </a:ln>
+        </p:spPr>
+        <p:style>
+          <a:lnRef idx="2">
+            <a:schemeClr val="accent1">
+              <a:shade val="50000"/>
+            </a:schemeClr>
+          </a:lnRef>
+          <a:fillRef idx="1">
+            <a:schemeClr val="accent1"/>
+          </a:fillRef>
+          <a:effectRef idx="0">
+            <a:schemeClr val="accent1"/>
+          </a:effectRef>
+          <a:fontRef idx="minor">
+            <a:schemeClr val="lt1"/>
+          </a:fontRef>
+        </p:style>
+        <p:txBody>
+          <a:bodyPr rtlCol="0" anchor="ctr"/>
+          <a:lstStyle/>
+          <a:p>
+            <a:pPr algn="ctr"/>
+            <a:r>
+              <a:rPr lang="en-US" sz="1600" dirty="0" smtClean="0">
+                <a:solidFill>
+                  <a:schemeClr val="tx1"/>
+                </a:solidFill>
+              </a:rPr>
+              <a:t>E: </a:t>
+            </a:r>
+            <a:r>
+              <a:rPr lang="en-US" sz="1600" dirty="0">
+                <a:solidFill>
+                  <a:schemeClr val="tx1"/>
+                </a:solidFill>
+              </a:rPr>
+              <a:t>1</a:t>
+            </a:r>
+            <a:endParaRPr lang="en-PH" sz="1600" dirty="0">
+              <a:solidFill>
+                <a:schemeClr val="tx1"/>
+              </a:solidFill>
+            </a:endParaRPr>
+          </a:p>
+        </p:txBody>
+      </p:sp>
+      <p:cxnSp>
+        <p:nvCxnSpPr>
+          <p:cNvPr id="43" name="Straight Connector 42">
+            <a:extLst>
+              <a:ext uri="{FF2B5EF4-FFF2-40B4-BE49-F238E27FC236}">
+                <a16:creationId xmlns="" xmlns:a16="http://schemas.microsoft.com/office/drawing/2014/main" id="{D5CBC4E2-B7D8-4BA4-91B1-1439F1E66A5D}"/>
+              </a:ext>
+            </a:extLst>
+          </p:cNvPr>
+          <p:cNvCxnSpPr>
+            <a:stCxn id="41" idx="1"/>
+            <a:endCxn id="30" idx="6"/>
+          </p:cNvCxnSpPr>
+          <p:nvPr/>
+        </p:nvCxnSpPr>
+        <p:spPr>
+          <a:xfrm flipH="1" flipV="1">
+            <a:off x="9181506" y="3089579"/>
+            <a:ext cx="293423" cy="270579"/>
+          </a:xfrm>
+          <a:prstGeom prst="line">
+            <a:avLst/>
+          </a:prstGeom>
+        </p:spPr>
+        <p:style>
+          <a:lnRef idx="1">
+            <a:schemeClr val="dk1"/>
+          </a:lnRef>
+          <a:fillRef idx="0">
+            <a:schemeClr val="dk1"/>
+          </a:fillRef>
+          <a:effectRef idx="0">
+            <a:schemeClr val="dk1"/>
+          </a:effectRef>
+          <a:fontRef idx="minor">
+            <a:schemeClr val="tx1"/>
+          </a:fontRef>
+        </p:style>
+      </p:cxnSp>
+      <p:cxnSp>
+        <p:nvCxnSpPr>
+          <p:cNvPr id="44" name="Straight Connector 43">
+            <a:extLst>
+              <a:ext uri="{FF2B5EF4-FFF2-40B4-BE49-F238E27FC236}">
+                <a16:creationId xmlns="" xmlns:a16="http://schemas.microsoft.com/office/drawing/2014/main" id="{D5CBC4E2-B7D8-4BA4-91B1-1439F1E66A5D}"/>
+              </a:ext>
+            </a:extLst>
+          </p:cNvPr>
+          <p:cNvCxnSpPr>
+            <a:stCxn id="41" idx="5"/>
+            <a:endCxn id="42" idx="0"/>
+          </p:cNvCxnSpPr>
+          <p:nvPr/>
+        </p:nvCxnSpPr>
+        <p:spPr>
+          <a:xfrm>
+            <a:off x="9999352" y="3884581"/>
+            <a:ext cx="108612" cy="428836"/>
+          </a:xfrm>
+          <a:prstGeom prst="line">
+            <a:avLst/>
+          </a:prstGeom>
+        </p:spPr>
+        <p:style>
+          <a:lnRef idx="1">
+            <a:schemeClr val="dk1"/>
+          </a:lnRef>
+          <a:fillRef idx="0">
+            <a:schemeClr val="dk1"/>
+          </a:fillRef>
+          <a:effectRef idx="0">
+            <a:schemeClr val="dk1"/>
+          </a:effectRef>
+          <a:fontRef idx="minor">
+            <a:schemeClr val="tx1"/>
+          </a:fontRef>
+        </p:style>
+      </p:cxnSp>
+      <p:sp>
+        <p:nvSpPr>
+          <p:cNvPr id="45" name="Oval 44">
+            <a:extLst>
+              <a:ext uri="{FF2B5EF4-FFF2-40B4-BE49-F238E27FC236}">
+                <a16:creationId xmlns="" xmlns:a16="http://schemas.microsoft.com/office/drawing/2014/main" id="{6790BD35-3A48-4FA4-A1DD-25EAA7D259C1}"/>
+              </a:ext>
+            </a:extLst>
+          </p:cNvPr>
+          <p:cNvSpPr/>
+          <p:nvPr/>
+        </p:nvSpPr>
+        <p:spPr>
+          <a:xfrm>
+            <a:off x="10775494" y="1872852"/>
+            <a:ext cx="741647" cy="741647"/>
+          </a:xfrm>
+          <a:prstGeom prst="ellipse">
+            <a:avLst/>
+          </a:prstGeom>
+          <a:noFill/>
+          <a:ln>
+            <a:solidFill>
+              <a:srgbClr val="7030A0"/>
+            </a:solidFill>
+          </a:ln>
+        </p:spPr>
+        <p:style>
+          <a:lnRef idx="2">
+            <a:schemeClr val="accent1">
+              <a:shade val="50000"/>
+            </a:schemeClr>
+          </a:lnRef>
+          <a:fillRef idx="1">
+            <a:schemeClr val="accent1"/>
+          </a:fillRef>
+          <a:effectRef idx="0">
+            <a:schemeClr val="accent1"/>
+          </a:effectRef>
+          <a:fontRef idx="minor">
+            <a:schemeClr val="lt1"/>
+          </a:fontRef>
+        </p:style>
+        <p:txBody>
+          <a:bodyPr rtlCol="0" anchor="ctr"/>
+          <a:lstStyle/>
+          <a:p>
+            <a:pPr algn="ctr"/>
+            <a:r>
+              <a:rPr lang="en-US" sz="1600" dirty="0" smtClean="0">
+                <a:solidFill>
+                  <a:schemeClr val="tx1"/>
+                </a:solidFill>
+              </a:rPr>
+              <a:t>C: 1</a:t>
+            </a:r>
+            <a:endParaRPr lang="en-PH" sz="1600" dirty="0">
+              <a:solidFill>
+                <a:schemeClr val="tx1"/>
+              </a:solidFill>
+            </a:endParaRPr>
+          </a:p>
+        </p:txBody>
+      </p:sp>
+      <p:sp>
+        <p:nvSpPr>
+          <p:cNvPr id="46" name="Oval 45">
+            <a:extLst>
+              <a:ext uri="{FF2B5EF4-FFF2-40B4-BE49-F238E27FC236}">
+                <a16:creationId xmlns="" xmlns:a16="http://schemas.microsoft.com/office/drawing/2014/main" id="{6790BD35-3A48-4FA4-A1DD-25EAA7D259C1}"/>
+              </a:ext>
+            </a:extLst>
+          </p:cNvPr>
+          <p:cNvSpPr/>
+          <p:nvPr/>
+        </p:nvSpPr>
+        <p:spPr>
+          <a:xfrm>
+            <a:off x="10775494" y="2941057"/>
+            <a:ext cx="741647" cy="741647"/>
+          </a:xfrm>
+          <a:prstGeom prst="ellipse">
+            <a:avLst/>
+          </a:prstGeom>
+          <a:noFill/>
+          <a:ln>
+            <a:solidFill>
+              <a:schemeClr val="tx1"/>
+            </a:solidFill>
+          </a:ln>
+        </p:spPr>
+        <p:style>
+          <a:lnRef idx="2">
+            <a:schemeClr val="accent1">
+              <a:shade val="50000"/>
+            </a:schemeClr>
+          </a:lnRef>
+          <a:fillRef idx="1">
+            <a:schemeClr val="accent1"/>
+          </a:fillRef>
+          <a:effectRef idx="0">
+            <a:schemeClr val="accent1"/>
+          </a:effectRef>
+          <a:fontRef idx="minor">
+            <a:schemeClr val="lt1"/>
+          </a:fontRef>
+        </p:style>
+        <p:txBody>
+          <a:bodyPr rtlCol="0" anchor="ctr"/>
+          <a:lstStyle/>
+          <a:p>
+            <a:pPr algn="ctr"/>
+            <a:r>
+              <a:rPr lang="en-US" sz="1600" dirty="0" smtClean="0">
+                <a:solidFill>
+                  <a:schemeClr val="tx1"/>
+                </a:solidFill>
+              </a:rPr>
+              <a:t>A: 1</a:t>
+            </a:r>
+            <a:endParaRPr lang="en-PH" sz="1600" dirty="0">
+              <a:solidFill>
+                <a:schemeClr val="tx1"/>
+              </a:solidFill>
+            </a:endParaRPr>
+          </a:p>
+        </p:txBody>
+      </p:sp>
+      <p:sp>
+        <p:nvSpPr>
+          <p:cNvPr id="47" name="Oval 46">
+            <a:extLst>
+              <a:ext uri="{FF2B5EF4-FFF2-40B4-BE49-F238E27FC236}">
+                <a16:creationId xmlns="" xmlns:a16="http://schemas.microsoft.com/office/drawing/2014/main" id="{6790BD35-3A48-4FA4-A1DD-25EAA7D259C1}"/>
+              </a:ext>
+            </a:extLst>
+          </p:cNvPr>
+          <p:cNvSpPr/>
+          <p:nvPr/>
+        </p:nvSpPr>
+        <p:spPr>
+          <a:xfrm>
+            <a:off x="10775494" y="3993193"/>
+            <a:ext cx="741647" cy="741647"/>
+          </a:xfrm>
+          <a:prstGeom prst="ellipse">
+            <a:avLst/>
+          </a:prstGeom>
+          <a:noFill/>
+          <a:ln>
+            <a:solidFill>
+              <a:schemeClr val="tx1"/>
+            </a:solidFill>
+          </a:ln>
+        </p:spPr>
+        <p:style>
+          <a:lnRef idx="2">
+            <a:schemeClr val="accent1">
+              <a:shade val="50000"/>
+            </a:schemeClr>
+          </a:lnRef>
+          <a:fillRef idx="1">
+            <a:schemeClr val="accent1"/>
+          </a:fillRef>
+          <a:effectRef idx="0">
+            <a:schemeClr val="accent1"/>
+          </a:effectRef>
+          <a:fontRef idx="minor">
+            <a:schemeClr val="lt1"/>
+          </a:fontRef>
+        </p:style>
+        <p:txBody>
+          <a:bodyPr rtlCol="0" anchor="ctr"/>
+          <a:lstStyle/>
+          <a:p>
+            <a:pPr algn="ctr"/>
+            <a:r>
+              <a:rPr lang="en-US" sz="1600" dirty="0" smtClean="0">
+                <a:solidFill>
+                  <a:schemeClr val="tx1"/>
+                </a:solidFill>
+              </a:rPr>
+              <a:t>D: 1</a:t>
+            </a:r>
+            <a:endParaRPr lang="en-PH" sz="1600" dirty="0">
+              <a:solidFill>
+                <a:schemeClr val="tx1"/>
+              </a:solidFill>
+            </a:endParaRPr>
+          </a:p>
+        </p:txBody>
+      </p:sp>
+      <p:cxnSp>
+        <p:nvCxnSpPr>
+          <p:cNvPr id="48" name="Straight Connector 47">
+            <a:extLst>
+              <a:ext uri="{FF2B5EF4-FFF2-40B4-BE49-F238E27FC236}">
+                <a16:creationId xmlns="" xmlns:a16="http://schemas.microsoft.com/office/drawing/2014/main" id="{D5CBC4E2-B7D8-4BA4-91B1-1439F1E66A5D}"/>
+              </a:ext>
+            </a:extLst>
+          </p:cNvPr>
+          <p:cNvCxnSpPr>
+            <a:stCxn id="46" idx="0"/>
+            <a:endCxn id="45" idx="4"/>
+          </p:cNvCxnSpPr>
+          <p:nvPr/>
+        </p:nvCxnSpPr>
+        <p:spPr>
+          <a:xfrm flipV="1">
+            <a:off x="11146318" y="2614499"/>
+            <a:ext cx="0" cy="326558"/>
+          </a:xfrm>
+          <a:prstGeom prst="line">
+            <a:avLst/>
+          </a:prstGeom>
+        </p:spPr>
+        <p:style>
+          <a:lnRef idx="1">
+            <a:schemeClr val="dk1"/>
+          </a:lnRef>
+          <a:fillRef idx="0">
+            <a:schemeClr val="dk1"/>
+          </a:fillRef>
+          <a:effectRef idx="0">
+            <a:schemeClr val="dk1"/>
+          </a:effectRef>
+          <a:fontRef idx="minor">
+            <a:schemeClr val="tx1"/>
+          </a:fontRef>
+        </p:style>
+      </p:cxnSp>
+      <p:cxnSp>
+        <p:nvCxnSpPr>
+          <p:cNvPr id="49" name="Straight Connector 48">
+            <a:extLst>
+              <a:ext uri="{FF2B5EF4-FFF2-40B4-BE49-F238E27FC236}">
+                <a16:creationId xmlns="" xmlns:a16="http://schemas.microsoft.com/office/drawing/2014/main" id="{D5CBC4E2-B7D8-4BA4-91B1-1439F1E66A5D}"/>
+              </a:ext>
+            </a:extLst>
+          </p:cNvPr>
+          <p:cNvCxnSpPr>
+            <a:stCxn id="47" idx="0"/>
+            <a:endCxn id="46" idx="4"/>
+          </p:cNvCxnSpPr>
+          <p:nvPr/>
+        </p:nvCxnSpPr>
+        <p:spPr>
+          <a:xfrm flipV="1">
+            <a:off x="11146318" y="3682704"/>
+            <a:ext cx="0" cy="310489"/>
+          </a:xfrm>
+          <a:prstGeom prst="line">
+            <a:avLst/>
+          </a:prstGeom>
+        </p:spPr>
+        <p:style>
+          <a:lnRef idx="1">
+            <a:schemeClr val="dk1"/>
+          </a:lnRef>
+          <a:fillRef idx="0">
+            <a:schemeClr val="dk1"/>
+          </a:fillRef>
+          <a:effectRef idx="0">
+            <a:schemeClr val="dk1"/>
+          </a:effectRef>
+          <a:fontRef idx="minor">
+            <a:schemeClr val="tx1"/>
+          </a:fontRef>
+        </p:style>
+      </p:cxnSp>
+    </p:spTree>
+    <p:extLst>
+      <p:ext uri="{BB962C8B-B14F-4D97-AF65-F5344CB8AC3E}">
+        <p14:creationId xmlns:p14="http://schemas.microsoft.com/office/powerpoint/2010/main" val="1498300316"/>
+      </p:ext>
+    </p:extLst>
+  </p:cSld>
+  <p:clrMapOvr>
+    <a:masterClrMapping/>
+  </p:clrMapOvr>
+</p:sld>
+</file>
+
 <file path=ppt/slides/slide3.xml><?xml version="1.0" encoding="utf-8"?>
 <p:sld xmlns:a="http://schemas.openxmlformats.org/drawingml/2006/main" xmlns:r="http://schemas.openxmlformats.org/officeDocument/2006/relationships" xmlns:p="http://schemas.openxmlformats.org/presentationml/2006/main">
   <p:cSld>
@@ -21196,1389 +22546,17 @@
   <p:clrMapOvr>
     <a:masterClrMapping/>
   </p:clrMapOvr>
+  <p:timing>
+    <p:tnLst>
+      <p:par>
+        <p:cTn id="1" dur="indefinite" restart="never" nodeType="tmRoot"/>
+      </p:par>
+    </p:tnLst>
+  </p:timing>
 </p:sld>
 </file>
 
 <file path=ppt/slides/slide30.xml><?xml version="1.0" encoding="utf-8"?>
-<p:sld xmlns:a="http://schemas.openxmlformats.org/drawingml/2006/main" xmlns:r="http://schemas.openxmlformats.org/officeDocument/2006/relationships" xmlns:p="http://schemas.openxmlformats.org/presentationml/2006/main">
-  <p:cSld>
-    <p:spTree>
-      <p:nvGrpSpPr>
-        <p:cNvPr id="1" name=""/>
-        <p:cNvGrpSpPr/>
-        <p:nvPr/>
-      </p:nvGrpSpPr>
-      <p:grpSpPr>
-        <a:xfrm>
-          <a:off x="0" y="0"/>
-          <a:ext cx="0" cy="0"/>
-          <a:chOff x="0" y="0"/>
-          <a:chExt cx="0" cy="0"/>
-        </a:xfrm>
-      </p:grpSpPr>
-      <p:sp>
-        <p:nvSpPr>
-          <p:cNvPr id="4" name="TextBox 3"/>
-          <p:cNvSpPr txBox="1"/>
-          <p:nvPr/>
-        </p:nvSpPr>
-        <p:spPr>
-          <a:xfrm>
-            <a:off x="669520" y="838525"/>
-            <a:ext cx="10558668" cy="707886"/>
-          </a:xfrm>
-          <a:prstGeom prst="rect">
-            <a:avLst/>
-          </a:prstGeom>
-          <a:noFill/>
-        </p:spPr>
-        <p:txBody>
-          <a:bodyPr wrap="square" rtlCol="0">
-            <a:spAutoFit/>
-          </a:bodyPr>
-          <a:lstStyle/>
-          <a:p>
-            <a:r>
-              <a:rPr lang="en-US" sz="4000" b="1" dirty="0" smtClean="0"/>
-              <a:t>5.4 </a:t>
-            </a:r>
-            <a:r>
-              <a:rPr lang="en-US" sz="4000" b="1" dirty="0"/>
-              <a:t>Mining the FP-Tree for Frequent Patterns</a:t>
-            </a:r>
-          </a:p>
-        </p:txBody>
-      </p:sp>
-      <p:sp>
-        <p:nvSpPr>
-          <p:cNvPr id="29" name="TextBox 28">
-            <a:extLst>
-              <a:ext uri="{FF2B5EF4-FFF2-40B4-BE49-F238E27FC236}">
-                <a16:creationId xmlns="" xmlns:a16="http://schemas.microsoft.com/office/drawing/2014/main" id="{DE6FFCD5-DA91-4170-905E-45E8EB9BEBE5}"/>
-              </a:ext>
-            </a:extLst>
-          </p:cNvPr>
-          <p:cNvSpPr txBox="1"/>
-          <p:nvPr/>
-        </p:nvSpPr>
-        <p:spPr>
-          <a:xfrm>
-            <a:off x="746727" y="1763740"/>
-            <a:ext cx="5600651" cy="3262432"/>
-          </a:xfrm>
-          <a:prstGeom prst="rect">
-            <a:avLst/>
-          </a:prstGeom>
-          <a:noFill/>
-        </p:spPr>
-        <p:txBody>
-          <a:bodyPr wrap="square" rtlCol="0">
-            <a:spAutoFit/>
-          </a:bodyPr>
-          <a:lstStyle/>
-          <a:p>
-            <a:r>
-              <a:rPr lang="en-US" sz="2000" b="1" dirty="0" smtClean="0"/>
-              <a:t>Paths </a:t>
-            </a:r>
-            <a:r>
-              <a:rPr lang="en-US" sz="2000" b="1" dirty="0"/>
-              <a:t>Leading to </a:t>
-            </a:r>
-            <a:r>
-              <a:rPr lang="en-US" sz="2000" b="1" dirty="0" smtClean="0"/>
-              <a:t>C </a:t>
-            </a:r>
-            <a:r>
-              <a:rPr lang="en-US" sz="2000" b="1" dirty="0"/>
-              <a:t>Nodes</a:t>
-            </a:r>
-            <a:r>
-              <a:rPr lang="en-US" sz="2000" b="1" dirty="0" smtClean="0"/>
-              <a:t>:</a:t>
-            </a:r>
-          </a:p>
-          <a:p>
-            <a:endParaRPr lang="en-US" sz="900" b="1" dirty="0" smtClean="0"/>
-          </a:p>
-          <a:p>
-            <a:pPr marL="457200" indent="-457200">
-              <a:buAutoNum type="arabicPeriod"/>
-            </a:pPr>
-            <a:r>
-              <a:rPr lang="en-US" sz="2000" dirty="0" smtClean="0"/>
-              <a:t>Path 1 </a:t>
-            </a:r>
-            <a:r>
-              <a:rPr lang="en-US" sz="2000" dirty="0"/>
-              <a:t>containing </a:t>
-            </a:r>
-            <a:r>
-              <a:rPr lang="en-US" sz="2000" dirty="0" smtClean="0"/>
-              <a:t>C:</a:t>
-            </a:r>
-            <a:endParaRPr lang="en-US" sz="2000" dirty="0"/>
-          </a:p>
-          <a:p>
-            <a:r>
-              <a:rPr lang="en-US" sz="2000" dirty="0"/>
-              <a:t>      </a:t>
-            </a:r>
-            <a:r>
-              <a:rPr lang="en-US" dirty="0"/>
-              <a:t>- </a:t>
-            </a:r>
-            <a:r>
-              <a:rPr lang="en-US" b="1" dirty="0">
-                <a:solidFill>
-                  <a:srgbClr val="FF0000"/>
-                </a:solidFill>
-              </a:rPr>
-              <a:t>B </a:t>
-            </a:r>
-            <a:r>
-              <a:rPr lang="en-US" b="1" dirty="0">
-                <a:sym typeface="Wingdings" panose="05000000000000000000" pitchFamily="2" charset="2"/>
-              </a:rPr>
-              <a:t> </a:t>
-            </a:r>
-            <a:r>
-              <a:rPr lang="en-US" b="1" dirty="0" smtClean="0">
-                <a:solidFill>
-                  <a:srgbClr val="7030A0"/>
-                </a:solidFill>
-                <a:sym typeface="Wingdings" panose="05000000000000000000" pitchFamily="2" charset="2"/>
-              </a:rPr>
-              <a:t>C </a:t>
-            </a:r>
-            <a:r>
-              <a:rPr lang="en-US" b="1" dirty="0" smtClean="0">
-                <a:sym typeface="Wingdings" panose="05000000000000000000" pitchFamily="2" charset="2"/>
-              </a:rPr>
-              <a:t>(support count = 1)</a:t>
-            </a:r>
-          </a:p>
-          <a:p>
-            <a:endParaRPr lang="en-US" sz="800" b="1" dirty="0">
-              <a:sym typeface="Wingdings" panose="05000000000000000000" pitchFamily="2" charset="2"/>
-            </a:endParaRPr>
-          </a:p>
-          <a:p>
-            <a:r>
-              <a:rPr lang="en-US" sz="2000" dirty="0" smtClean="0"/>
-              <a:t>2.   Path 2 </a:t>
-            </a:r>
-            <a:r>
-              <a:rPr lang="en-US" sz="2000" dirty="0"/>
-              <a:t>containing </a:t>
-            </a:r>
-            <a:r>
-              <a:rPr lang="en-US" sz="2000" dirty="0" smtClean="0"/>
-              <a:t>C:</a:t>
-            </a:r>
-            <a:endParaRPr lang="en-US" sz="2000" dirty="0"/>
-          </a:p>
-          <a:p>
-            <a:r>
-              <a:rPr lang="en-US" sz="2000" dirty="0"/>
-              <a:t>      </a:t>
-            </a:r>
-            <a:r>
-              <a:rPr lang="en-US" dirty="0"/>
-              <a:t>- </a:t>
-            </a:r>
-            <a:r>
-              <a:rPr lang="en-US" b="1" dirty="0" smtClean="0">
-                <a:solidFill>
-                  <a:srgbClr val="FF0000"/>
-                </a:solidFill>
-              </a:rPr>
-              <a:t>Root</a:t>
-            </a:r>
-            <a:r>
-              <a:rPr lang="en-US" b="1" dirty="0" smtClean="0">
-                <a:sym typeface="Wingdings" panose="05000000000000000000" pitchFamily="2" charset="2"/>
-              </a:rPr>
-              <a:t> </a:t>
-            </a:r>
-            <a:r>
-              <a:rPr lang="en-US" b="1" dirty="0" smtClean="0">
-                <a:solidFill>
-                  <a:srgbClr val="FF0000"/>
-                </a:solidFill>
-                <a:sym typeface="Wingdings" panose="05000000000000000000" pitchFamily="2" charset="2"/>
-              </a:rPr>
-              <a:t>C</a:t>
-            </a:r>
-            <a:r>
-              <a:rPr lang="en-US" b="1" dirty="0" smtClean="0">
-                <a:sym typeface="Wingdings" panose="05000000000000000000" pitchFamily="2" charset="2"/>
-              </a:rPr>
-              <a:t> (</a:t>
-            </a:r>
-            <a:r>
-              <a:rPr lang="en-US" b="1" dirty="0">
-                <a:sym typeface="Wingdings" panose="05000000000000000000" pitchFamily="2" charset="2"/>
-              </a:rPr>
-              <a:t>support count = </a:t>
-            </a:r>
-            <a:r>
-              <a:rPr lang="en-US" b="1" dirty="0" smtClean="0">
-                <a:sym typeface="Wingdings" panose="05000000000000000000" pitchFamily="2" charset="2"/>
-              </a:rPr>
-              <a:t>1)</a:t>
-            </a:r>
-          </a:p>
-          <a:p>
-            <a:endParaRPr lang="en-US" sz="800" b="1" dirty="0">
-              <a:sym typeface="Wingdings" panose="05000000000000000000" pitchFamily="2" charset="2"/>
-            </a:endParaRPr>
-          </a:p>
-          <a:p>
-            <a:endParaRPr lang="en-US" sz="1200" b="1" dirty="0">
-              <a:sym typeface="Wingdings" panose="05000000000000000000" pitchFamily="2" charset="2"/>
-            </a:endParaRPr>
-          </a:p>
-          <a:p>
-            <a:r>
-              <a:rPr lang="en-US" sz="2000" b="1" dirty="0" smtClean="0"/>
-              <a:t>Conditional Pattern Base on C:</a:t>
-            </a:r>
-          </a:p>
-          <a:p>
-            <a:endParaRPr lang="en-US" sz="900" b="1" dirty="0" smtClean="0"/>
-          </a:p>
-          <a:p>
-            <a:r>
-              <a:rPr lang="en-US" sz="2000" dirty="0" smtClean="0">
-                <a:solidFill>
-                  <a:srgbClr val="FF0000"/>
-                </a:solidFill>
-              </a:rPr>
-              <a:t>B </a:t>
-            </a:r>
-            <a:r>
-              <a:rPr lang="en-US" sz="2000" dirty="0" smtClean="0"/>
-              <a:t>		(3)</a:t>
-            </a:r>
-          </a:p>
-          <a:p>
-            <a:r>
-              <a:rPr lang="en-US" sz="2000" dirty="0" smtClean="0">
-                <a:solidFill>
-                  <a:srgbClr val="FF0000"/>
-                </a:solidFill>
-              </a:rPr>
-              <a:t>C (root)</a:t>
-            </a:r>
-            <a:r>
-              <a:rPr lang="en-US" sz="2000" dirty="0" smtClean="0"/>
-              <a:t>		(1)</a:t>
-            </a:r>
-            <a:endParaRPr lang="en-US" sz="2000" dirty="0"/>
-          </a:p>
-        </p:txBody>
-      </p:sp>
-      <p:sp>
-        <p:nvSpPr>
-          <p:cNvPr id="30" name="Oval 29">
-            <a:extLst>
-              <a:ext uri="{FF2B5EF4-FFF2-40B4-BE49-F238E27FC236}">
-                <a16:creationId xmlns="" xmlns:a16="http://schemas.microsoft.com/office/drawing/2014/main" id="{6790BD35-3A48-4FA4-A1DD-25EAA7D259C1}"/>
-              </a:ext>
-            </a:extLst>
-          </p:cNvPr>
-          <p:cNvSpPr/>
-          <p:nvPr/>
-        </p:nvSpPr>
-        <p:spPr>
-          <a:xfrm>
-            <a:off x="8439859" y="2718755"/>
-            <a:ext cx="741647" cy="741647"/>
-          </a:xfrm>
-          <a:prstGeom prst="ellipse">
-            <a:avLst/>
-          </a:prstGeom>
-          <a:noFill/>
-          <a:ln>
-            <a:solidFill>
-              <a:srgbClr val="7030A0"/>
-            </a:solidFill>
-          </a:ln>
-        </p:spPr>
-        <p:style>
-          <a:lnRef idx="2">
-            <a:schemeClr val="accent1">
-              <a:shade val="50000"/>
-            </a:schemeClr>
-          </a:lnRef>
-          <a:fillRef idx="1">
-            <a:schemeClr val="accent1"/>
-          </a:fillRef>
-          <a:effectRef idx="0">
-            <a:schemeClr val="accent1"/>
-          </a:effectRef>
-          <a:fontRef idx="minor">
-            <a:schemeClr val="lt1"/>
-          </a:fontRef>
-        </p:style>
-        <p:txBody>
-          <a:bodyPr rtlCol="0" anchor="ctr"/>
-          <a:lstStyle/>
-          <a:p>
-            <a:pPr algn="ctr"/>
-            <a:r>
-              <a:rPr lang="en-US" sz="1600" dirty="0" smtClean="0">
-                <a:solidFill>
-                  <a:schemeClr val="tx1"/>
-                </a:solidFill>
-              </a:rPr>
-              <a:t>C: 3</a:t>
-            </a:r>
-            <a:endParaRPr lang="en-PH" sz="1600" dirty="0">
-              <a:solidFill>
-                <a:schemeClr val="tx1"/>
-              </a:solidFill>
-            </a:endParaRPr>
-          </a:p>
-        </p:txBody>
-      </p:sp>
-      <p:sp>
-        <p:nvSpPr>
-          <p:cNvPr id="31" name="Oval 30">
-            <a:extLst>
-              <a:ext uri="{FF2B5EF4-FFF2-40B4-BE49-F238E27FC236}">
-                <a16:creationId xmlns="" xmlns:a16="http://schemas.microsoft.com/office/drawing/2014/main" id="{6790BD35-3A48-4FA4-A1DD-25EAA7D259C1}"/>
-              </a:ext>
-            </a:extLst>
-          </p:cNvPr>
-          <p:cNvSpPr/>
-          <p:nvPr/>
-        </p:nvSpPr>
-        <p:spPr>
-          <a:xfrm>
-            <a:off x="8548471" y="3877989"/>
-            <a:ext cx="741647" cy="741647"/>
-          </a:xfrm>
-          <a:prstGeom prst="ellipse">
-            <a:avLst/>
-          </a:prstGeom>
-          <a:noFill/>
-          <a:ln>
-            <a:solidFill>
-              <a:schemeClr val="tx1"/>
-            </a:solidFill>
-          </a:ln>
-        </p:spPr>
-        <p:style>
-          <a:lnRef idx="2">
-            <a:schemeClr val="accent1">
-              <a:shade val="50000"/>
-            </a:schemeClr>
-          </a:lnRef>
-          <a:fillRef idx="1">
-            <a:schemeClr val="accent1"/>
-          </a:fillRef>
-          <a:effectRef idx="0">
-            <a:schemeClr val="accent1"/>
-          </a:effectRef>
-          <a:fontRef idx="minor">
-            <a:schemeClr val="lt1"/>
-          </a:fontRef>
-        </p:style>
-        <p:txBody>
-          <a:bodyPr rtlCol="0" anchor="ctr"/>
-          <a:lstStyle/>
-          <a:p>
-            <a:pPr algn="ctr"/>
-            <a:r>
-              <a:rPr lang="en-US" sz="1600" dirty="0" smtClean="0">
-                <a:solidFill>
-                  <a:schemeClr val="tx1"/>
-                </a:solidFill>
-              </a:rPr>
-              <a:t>E: </a:t>
-            </a:r>
-            <a:r>
-              <a:rPr lang="en-US" sz="1600" dirty="0">
-                <a:solidFill>
-                  <a:schemeClr val="tx1"/>
-                </a:solidFill>
-              </a:rPr>
-              <a:t>1</a:t>
-            </a:r>
-            <a:endParaRPr lang="en-PH" sz="1600" dirty="0">
-              <a:solidFill>
-                <a:schemeClr val="tx1"/>
-              </a:solidFill>
-            </a:endParaRPr>
-          </a:p>
-        </p:txBody>
-      </p:sp>
-      <p:cxnSp>
-        <p:nvCxnSpPr>
-          <p:cNvPr id="32" name="Straight Connector 31">
-            <a:extLst>
-              <a:ext uri="{FF2B5EF4-FFF2-40B4-BE49-F238E27FC236}">
-                <a16:creationId xmlns="" xmlns:a16="http://schemas.microsoft.com/office/drawing/2014/main" id="{D5CBC4E2-B7D8-4BA4-91B1-1439F1E66A5D}"/>
-              </a:ext>
-            </a:extLst>
-          </p:cNvPr>
-          <p:cNvCxnSpPr>
-            <a:endCxn id="30" idx="1"/>
-          </p:cNvCxnSpPr>
-          <p:nvPr/>
-        </p:nvCxnSpPr>
-        <p:spPr>
-          <a:xfrm>
-            <a:off x="8331247" y="2531487"/>
-            <a:ext cx="217224" cy="295880"/>
-          </a:xfrm>
-          <a:prstGeom prst="line">
-            <a:avLst/>
-          </a:prstGeom>
-        </p:spPr>
-        <p:style>
-          <a:lnRef idx="1">
-            <a:schemeClr val="dk1"/>
-          </a:lnRef>
-          <a:fillRef idx="0">
-            <a:schemeClr val="dk1"/>
-          </a:fillRef>
-          <a:effectRef idx="0">
-            <a:schemeClr val="dk1"/>
-          </a:effectRef>
-          <a:fontRef idx="minor">
-            <a:schemeClr val="tx1"/>
-          </a:fontRef>
-        </p:style>
-      </p:cxnSp>
-      <p:cxnSp>
-        <p:nvCxnSpPr>
-          <p:cNvPr id="33" name="Straight Connector 32">
-            <a:extLst>
-              <a:ext uri="{FF2B5EF4-FFF2-40B4-BE49-F238E27FC236}">
-                <a16:creationId xmlns="" xmlns:a16="http://schemas.microsoft.com/office/drawing/2014/main" id="{D5CBC4E2-B7D8-4BA4-91B1-1439F1E66A5D}"/>
-              </a:ext>
-            </a:extLst>
-          </p:cNvPr>
-          <p:cNvCxnSpPr>
-            <a:stCxn id="31" idx="0"/>
-            <a:endCxn id="30" idx="4"/>
-          </p:cNvCxnSpPr>
-          <p:nvPr/>
-        </p:nvCxnSpPr>
-        <p:spPr>
-          <a:xfrm flipH="1" flipV="1">
-            <a:off x="8810683" y="3460402"/>
-            <a:ext cx="108612" cy="417587"/>
-          </a:xfrm>
-          <a:prstGeom prst="line">
-            <a:avLst/>
-          </a:prstGeom>
-        </p:spPr>
-        <p:style>
-          <a:lnRef idx="1">
-            <a:schemeClr val="dk1"/>
-          </a:lnRef>
-          <a:fillRef idx="0">
-            <a:schemeClr val="dk1"/>
-          </a:fillRef>
-          <a:effectRef idx="0">
-            <a:schemeClr val="dk1"/>
-          </a:effectRef>
-          <a:fontRef idx="minor">
-            <a:schemeClr val="tx1"/>
-          </a:fontRef>
-        </p:style>
-      </p:cxnSp>
-      <p:sp>
-        <p:nvSpPr>
-          <p:cNvPr id="34" name="Oval 33">
-            <a:extLst>
-              <a:ext uri="{FF2B5EF4-FFF2-40B4-BE49-F238E27FC236}">
-                <a16:creationId xmlns="" xmlns:a16="http://schemas.microsoft.com/office/drawing/2014/main" id="{FF465D5F-EE40-4CF1-B973-7087C70611E4}"/>
-              </a:ext>
-            </a:extLst>
-          </p:cNvPr>
-          <p:cNvSpPr/>
-          <p:nvPr/>
-        </p:nvSpPr>
-        <p:spPr>
-          <a:xfrm>
-            <a:off x="6869587" y="2676377"/>
-            <a:ext cx="730518" cy="730518"/>
-          </a:xfrm>
-          <a:prstGeom prst="ellipse">
-            <a:avLst/>
-          </a:prstGeom>
-          <a:noFill/>
-          <a:ln>
-            <a:solidFill>
-              <a:schemeClr val="tx1"/>
-            </a:solidFill>
-          </a:ln>
-        </p:spPr>
-        <p:style>
-          <a:lnRef idx="2">
-            <a:schemeClr val="accent1">
-              <a:shade val="50000"/>
-            </a:schemeClr>
-          </a:lnRef>
-          <a:fillRef idx="1">
-            <a:schemeClr val="accent1"/>
-          </a:fillRef>
-          <a:effectRef idx="0">
-            <a:schemeClr val="accent1"/>
-          </a:effectRef>
-          <a:fontRef idx="minor">
-            <a:schemeClr val="lt1"/>
-          </a:fontRef>
-        </p:style>
-        <p:txBody>
-          <a:bodyPr rtlCol="0" anchor="ctr"/>
-          <a:lstStyle/>
-          <a:p>
-            <a:pPr algn="ctr"/>
-            <a:r>
-              <a:rPr lang="en-US" sz="1600" dirty="0">
-                <a:solidFill>
-                  <a:schemeClr val="tx1"/>
-                </a:solidFill>
-              </a:rPr>
-              <a:t>A: 1</a:t>
-            </a:r>
-            <a:endParaRPr lang="en-PH" sz="1600" dirty="0">
-              <a:solidFill>
-                <a:schemeClr val="tx1"/>
-              </a:solidFill>
-            </a:endParaRPr>
-          </a:p>
-        </p:txBody>
-      </p:sp>
-      <p:sp>
-        <p:nvSpPr>
-          <p:cNvPr id="35" name="Oval 34">
-            <a:extLst>
-              <a:ext uri="{FF2B5EF4-FFF2-40B4-BE49-F238E27FC236}">
-                <a16:creationId xmlns="" xmlns:a16="http://schemas.microsoft.com/office/drawing/2014/main" id="{39C548D5-2D23-4238-82DF-921D2E3334F9}"/>
-              </a:ext>
-            </a:extLst>
-          </p:cNvPr>
-          <p:cNvSpPr/>
-          <p:nvPr/>
-        </p:nvSpPr>
-        <p:spPr>
-          <a:xfrm>
-            <a:off x="6269620" y="3680381"/>
-            <a:ext cx="741648" cy="741648"/>
-          </a:xfrm>
-          <a:prstGeom prst="ellipse">
-            <a:avLst/>
-          </a:prstGeom>
-          <a:noFill/>
-          <a:ln>
-            <a:solidFill>
-              <a:schemeClr val="tx1"/>
-            </a:solidFill>
-          </a:ln>
-        </p:spPr>
-        <p:style>
-          <a:lnRef idx="2">
-            <a:schemeClr val="accent1">
-              <a:shade val="50000"/>
-            </a:schemeClr>
-          </a:lnRef>
-          <a:fillRef idx="1">
-            <a:schemeClr val="accent1"/>
-          </a:fillRef>
-          <a:effectRef idx="0">
-            <a:schemeClr val="accent1"/>
-          </a:effectRef>
-          <a:fontRef idx="minor">
-            <a:schemeClr val="lt1"/>
-          </a:fontRef>
-        </p:style>
-        <p:txBody>
-          <a:bodyPr rtlCol="0" anchor="ctr"/>
-          <a:lstStyle/>
-          <a:p>
-            <a:pPr algn="ctr"/>
-            <a:r>
-              <a:rPr lang="en-US" sz="1600" dirty="0">
-                <a:solidFill>
-                  <a:schemeClr val="tx1"/>
-                </a:solidFill>
-              </a:rPr>
-              <a:t>E: 1</a:t>
-            </a:r>
-            <a:endParaRPr lang="en-PH" sz="1600" dirty="0">
-              <a:solidFill>
-                <a:schemeClr val="tx1"/>
-              </a:solidFill>
-            </a:endParaRPr>
-          </a:p>
-        </p:txBody>
-      </p:sp>
-      <p:sp>
-        <p:nvSpPr>
-          <p:cNvPr id="36" name="Oval 35">
-            <a:extLst>
-              <a:ext uri="{FF2B5EF4-FFF2-40B4-BE49-F238E27FC236}">
-                <a16:creationId xmlns="" xmlns:a16="http://schemas.microsoft.com/office/drawing/2014/main" id="{D370CE05-94D0-4DB6-BE29-980F92475FAA}"/>
-              </a:ext>
-            </a:extLst>
-          </p:cNvPr>
-          <p:cNvSpPr/>
-          <p:nvPr/>
-        </p:nvSpPr>
-        <p:spPr>
-          <a:xfrm>
-            <a:off x="5573505" y="4538710"/>
-            <a:ext cx="741648" cy="741648"/>
-          </a:xfrm>
-          <a:prstGeom prst="ellipse">
-            <a:avLst/>
-          </a:prstGeom>
-          <a:noFill/>
-          <a:ln>
-            <a:solidFill>
-              <a:schemeClr val="tx1"/>
-            </a:solidFill>
-          </a:ln>
-        </p:spPr>
-        <p:style>
-          <a:lnRef idx="2">
-            <a:schemeClr val="accent1">
-              <a:shade val="50000"/>
-            </a:schemeClr>
-          </a:lnRef>
-          <a:fillRef idx="1">
-            <a:schemeClr val="accent1"/>
-          </a:fillRef>
-          <a:effectRef idx="0">
-            <a:schemeClr val="accent1"/>
-          </a:effectRef>
-          <a:fontRef idx="minor">
-            <a:schemeClr val="lt1"/>
-          </a:fontRef>
-        </p:style>
-        <p:txBody>
-          <a:bodyPr rtlCol="0" anchor="ctr"/>
-          <a:lstStyle/>
-          <a:p>
-            <a:pPr algn="ctr"/>
-            <a:r>
-              <a:rPr lang="en-US" sz="1600" dirty="0">
-                <a:solidFill>
-                  <a:schemeClr val="tx1"/>
-                </a:solidFill>
-              </a:rPr>
-              <a:t>D: 1</a:t>
-            </a:r>
-            <a:endParaRPr lang="en-PH" sz="1600" dirty="0">
-              <a:solidFill>
-                <a:schemeClr val="tx1"/>
-              </a:solidFill>
-            </a:endParaRPr>
-          </a:p>
-        </p:txBody>
-      </p:sp>
-      <p:cxnSp>
-        <p:nvCxnSpPr>
-          <p:cNvPr id="37" name="Straight Connector 36">
-            <a:extLst>
-              <a:ext uri="{FF2B5EF4-FFF2-40B4-BE49-F238E27FC236}">
-                <a16:creationId xmlns="" xmlns:a16="http://schemas.microsoft.com/office/drawing/2014/main" id="{D5CBC4E2-B7D8-4BA4-91B1-1439F1E66A5D}"/>
-              </a:ext>
-            </a:extLst>
-          </p:cNvPr>
-          <p:cNvCxnSpPr>
-            <a:endCxn id="34" idx="7"/>
-          </p:cNvCxnSpPr>
-          <p:nvPr/>
-        </p:nvCxnSpPr>
-        <p:spPr>
-          <a:xfrm flipH="1">
-            <a:off x="7493123" y="2531487"/>
-            <a:ext cx="313701" cy="251872"/>
-          </a:xfrm>
-          <a:prstGeom prst="line">
-            <a:avLst/>
-          </a:prstGeom>
-        </p:spPr>
-        <p:style>
-          <a:lnRef idx="1">
-            <a:schemeClr val="dk1"/>
-          </a:lnRef>
-          <a:fillRef idx="0">
-            <a:schemeClr val="dk1"/>
-          </a:fillRef>
-          <a:effectRef idx="0">
-            <a:schemeClr val="dk1"/>
-          </a:effectRef>
-          <a:fontRef idx="minor">
-            <a:schemeClr val="tx1"/>
-          </a:fontRef>
-        </p:style>
-      </p:cxnSp>
-      <p:cxnSp>
-        <p:nvCxnSpPr>
-          <p:cNvPr id="38" name="Straight Connector 37">
-            <a:extLst>
-              <a:ext uri="{FF2B5EF4-FFF2-40B4-BE49-F238E27FC236}">
-                <a16:creationId xmlns="" xmlns:a16="http://schemas.microsoft.com/office/drawing/2014/main" id="{3671F84C-43EB-4E83-B34F-C5EA539A58EC}"/>
-              </a:ext>
-            </a:extLst>
-          </p:cNvPr>
-          <p:cNvCxnSpPr>
-            <a:cxnSpLocks/>
-            <a:endCxn id="34" idx="3"/>
-          </p:cNvCxnSpPr>
-          <p:nvPr/>
-        </p:nvCxnSpPr>
-        <p:spPr>
-          <a:xfrm flipV="1">
-            <a:off x="6763880" y="3299913"/>
-            <a:ext cx="212689" cy="380468"/>
-          </a:xfrm>
-          <a:prstGeom prst="line">
-            <a:avLst/>
-          </a:prstGeom>
-        </p:spPr>
-        <p:style>
-          <a:lnRef idx="1">
-            <a:schemeClr val="dk1"/>
-          </a:lnRef>
-          <a:fillRef idx="0">
-            <a:schemeClr val="dk1"/>
-          </a:fillRef>
-          <a:effectRef idx="0">
-            <a:schemeClr val="dk1"/>
-          </a:effectRef>
-          <a:fontRef idx="minor">
-            <a:schemeClr val="tx1"/>
-          </a:fontRef>
-        </p:style>
-      </p:cxnSp>
-      <p:cxnSp>
-        <p:nvCxnSpPr>
-          <p:cNvPr id="39" name="Straight Connector 38">
-            <a:extLst>
-              <a:ext uri="{FF2B5EF4-FFF2-40B4-BE49-F238E27FC236}">
-                <a16:creationId xmlns="" xmlns:a16="http://schemas.microsoft.com/office/drawing/2014/main" id="{61E9DF07-49B0-4931-B28A-3220297F1ADF}"/>
-              </a:ext>
-            </a:extLst>
-          </p:cNvPr>
-          <p:cNvCxnSpPr>
-            <a:cxnSpLocks/>
-            <a:stCxn id="36" idx="7"/>
-            <a:endCxn id="35" idx="3"/>
-          </p:cNvCxnSpPr>
-          <p:nvPr/>
-        </p:nvCxnSpPr>
-        <p:spPr>
-          <a:xfrm flipV="1">
-            <a:off x="6206541" y="4313417"/>
-            <a:ext cx="171691" cy="333905"/>
-          </a:xfrm>
-          <a:prstGeom prst="line">
-            <a:avLst/>
-          </a:prstGeom>
-        </p:spPr>
-        <p:style>
-          <a:lnRef idx="1">
-            <a:schemeClr val="dk1"/>
-          </a:lnRef>
-          <a:fillRef idx="0">
-            <a:schemeClr val="dk1"/>
-          </a:fillRef>
-          <a:effectRef idx="0">
-            <a:schemeClr val="dk1"/>
-          </a:effectRef>
-          <a:fontRef idx="minor">
-            <a:schemeClr val="tx1"/>
-          </a:fontRef>
-        </p:style>
-      </p:cxnSp>
-      <p:sp>
-        <p:nvSpPr>
-          <p:cNvPr id="40" name="Oval 39">
-            <a:extLst>
-              <a:ext uri="{FF2B5EF4-FFF2-40B4-BE49-F238E27FC236}">
-                <a16:creationId xmlns="" xmlns:a16="http://schemas.microsoft.com/office/drawing/2014/main" id="{6790BD35-3A48-4FA4-A1DD-25EAA7D259C1}"/>
-              </a:ext>
-            </a:extLst>
-          </p:cNvPr>
-          <p:cNvSpPr/>
-          <p:nvPr/>
-        </p:nvSpPr>
-        <p:spPr>
-          <a:xfrm>
-            <a:off x="7698212" y="1898452"/>
-            <a:ext cx="741647" cy="741647"/>
-          </a:xfrm>
-          <a:prstGeom prst="ellipse">
-            <a:avLst/>
-          </a:prstGeom>
-          <a:noFill/>
-          <a:ln>
-            <a:solidFill>
-              <a:srgbClr val="FF0000"/>
-            </a:solidFill>
-          </a:ln>
-        </p:spPr>
-        <p:style>
-          <a:lnRef idx="2">
-            <a:schemeClr val="accent1">
-              <a:shade val="50000"/>
-            </a:schemeClr>
-          </a:lnRef>
-          <a:fillRef idx="1">
-            <a:schemeClr val="accent1"/>
-          </a:fillRef>
-          <a:effectRef idx="0">
-            <a:schemeClr val="accent1"/>
-          </a:effectRef>
-          <a:fontRef idx="minor">
-            <a:schemeClr val="lt1"/>
-          </a:fontRef>
-        </p:style>
-        <p:txBody>
-          <a:bodyPr rtlCol="0" anchor="ctr"/>
-          <a:lstStyle/>
-          <a:p>
-            <a:pPr algn="ctr"/>
-            <a:r>
-              <a:rPr lang="en-US" sz="1600" dirty="0">
-                <a:solidFill>
-                  <a:schemeClr val="tx1"/>
-                </a:solidFill>
-              </a:rPr>
-              <a:t>B: </a:t>
-            </a:r>
-            <a:r>
-              <a:rPr lang="en-US" sz="1600" dirty="0" smtClean="0">
-                <a:solidFill>
-                  <a:schemeClr val="tx1"/>
-                </a:solidFill>
-              </a:rPr>
-              <a:t>4</a:t>
-            </a:r>
-            <a:endParaRPr lang="en-PH" sz="1600" dirty="0">
-              <a:solidFill>
-                <a:schemeClr val="tx1"/>
-              </a:solidFill>
-            </a:endParaRPr>
-          </a:p>
-        </p:txBody>
-      </p:sp>
-      <p:sp>
-        <p:nvSpPr>
-          <p:cNvPr id="41" name="Oval 40">
-            <a:extLst>
-              <a:ext uri="{FF2B5EF4-FFF2-40B4-BE49-F238E27FC236}">
-                <a16:creationId xmlns="" xmlns:a16="http://schemas.microsoft.com/office/drawing/2014/main" id="{6790BD35-3A48-4FA4-A1DD-25EAA7D259C1}"/>
-              </a:ext>
-            </a:extLst>
-          </p:cNvPr>
-          <p:cNvSpPr/>
-          <p:nvPr/>
-        </p:nvSpPr>
-        <p:spPr>
-          <a:xfrm>
-            <a:off x="9366317" y="3251546"/>
-            <a:ext cx="741647" cy="741647"/>
-          </a:xfrm>
-          <a:prstGeom prst="ellipse">
-            <a:avLst/>
-          </a:prstGeom>
-          <a:noFill/>
-          <a:ln>
-            <a:solidFill>
-              <a:schemeClr val="tx1"/>
-            </a:solidFill>
-          </a:ln>
-        </p:spPr>
-        <p:style>
-          <a:lnRef idx="2">
-            <a:schemeClr val="accent1">
-              <a:shade val="50000"/>
-            </a:schemeClr>
-          </a:lnRef>
-          <a:fillRef idx="1">
-            <a:schemeClr val="accent1"/>
-          </a:fillRef>
-          <a:effectRef idx="0">
-            <a:schemeClr val="accent1"/>
-          </a:effectRef>
-          <a:fontRef idx="minor">
-            <a:schemeClr val="lt1"/>
-          </a:fontRef>
-        </p:style>
-        <p:txBody>
-          <a:bodyPr rtlCol="0" anchor="ctr"/>
-          <a:lstStyle/>
-          <a:p>
-            <a:pPr algn="ctr"/>
-            <a:r>
-              <a:rPr lang="en-US" sz="1600" dirty="0" smtClean="0">
-                <a:solidFill>
-                  <a:schemeClr val="tx1"/>
-                </a:solidFill>
-              </a:rPr>
-              <a:t>A: </a:t>
-            </a:r>
-            <a:r>
-              <a:rPr lang="en-US" sz="1600" dirty="0">
-                <a:solidFill>
-                  <a:schemeClr val="tx1"/>
-                </a:solidFill>
-              </a:rPr>
-              <a:t>1</a:t>
-            </a:r>
-            <a:endParaRPr lang="en-PH" sz="1600" dirty="0">
-              <a:solidFill>
-                <a:schemeClr val="tx1"/>
-              </a:solidFill>
-            </a:endParaRPr>
-          </a:p>
-        </p:txBody>
-      </p:sp>
-      <p:sp>
-        <p:nvSpPr>
-          <p:cNvPr id="42" name="Oval 41">
-            <a:extLst>
-              <a:ext uri="{FF2B5EF4-FFF2-40B4-BE49-F238E27FC236}">
-                <a16:creationId xmlns="" xmlns:a16="http://schemas.microsoft.com/office/drawing/2014/main" id="{6790BD35-3A48-4FA4-A1DD-25EAA7D259C1}"/>
-              </a:ext>
-            </a:extLst>
-          </p:cNvPr>
-          <p:cNvSpPr/>
-          <p:nvPr/>
-        </p:nvSpPr>
-        <p:spPr>
-          <a:xfrm>
-            <a:off x="9737140" y="4313417"/>
-            <a:ext cx="741647" cy="741647"/>
-          </a:xfrm>
-          <a:prstGeom prst="ellipse">
-            <a:avLst/>
-          </a:prstGeom>
-          <a:noFill/>
-          <a:ln>
-            <a:solidFill>
-              <a:schemeClr val="tx1"/>
-            </a:solidFill>
-          </a:ln>
-        </p:spPr>
-        <p:style>
-          <a:lnRef idx="2">
-            <a:schemeClr val="accent1">
-              <a:shade val="50000"/>
-            </a:schemeClr>
-          </a:lnRef>
-          <a:fillRef idx="1">
-            <a:schemeClr val="accent1"/>
-          </a:fillRef>
-          <a:effectRef idx="0">
-            <a:schemeClr val="accent1"/>
-          </a:effectRef>
-          <a:fontRef idx="minor">
-            <a:schemeClr val="lt1"/>
-          </a:fontRef>
-        </p:style>
-        <p:txBody>
-          <a:bodyPr rtlCol="0" anchor="ctr"/>
-          <a:lstStyle/>
-          <a:p>
-            <a:pPr algn="ctr"/>
-            <a:r>
-              <a:rPr lang="en-US" sz="1600" dirty="0" smtClean="0">
-                <a:solidFill>
-                  <a:schemeClr val="tx1"/>
-                </a:solidFill>
-              </a:rPr>
-              <a:t>E: </a:t>
-            </a:r>
-            <a:r>
-              <a:rPr lang="en-US" sz="1600" dirty="0">
-                <a:solidFill>
-                  <a:schemeClr val="tx1"/>
-                </a:solidFill>
-              </a:rPr>
-              <a:t>1</a:t>
-            </a:r>
-            <a:endParaRPr lang="en-PH" sz="1600" dirty="0">
-              <a:solidFill>
-                <a:schemeClr val="tx1"/>
-              </a:solidFill>
-            </a:endParaRPr>
-          </a:p>
-        </p:txBody>
-      </p:sp>
-      <p:cxnSp>
-        <p:nvCxnSpPr>
-          <p:cNvPr id="43" name="Straight Connector 42">
-            <a:extLst>
-              <a:ext uri="{FF2B5EF4-FFF2-40B4-BE49-F238E27FC236}">
-                <a16:creationId xmlns="" xmlns:a16="http://schemas.microsoft.com/office/drawing/2014/main" id="{D5CBC4E2-B7D8-4BA4-91B1-1439F1E66A5D}"/>
-              </a:ext>
-            </a:extLst>
-          </p:cNvPr>
-          <p:cNvCxnSpPr>
-            <a:stCxn id="41" idx="1"/>
-            <a:endCxn id="30" idx="6"/>
-          </p:cNvCxnSpPr>
-          <p:nvPr/>
-        </p:nvCxnSpPr>
-        <p:spPr>
-          <a:xfrm flipH="1" flipV="1">
-            <a:off x="9181506" y="3089579"/>
-            <a:ext cx="293423" cy="270579"/>
-          </a:xfrm>
-          <a:prstGeom prst="line">
-            <a:avLst/>
-          </a:prstGeom>
-        </p:spPr>
-        <p:style>
-          <a:lnRef idx="1">
-            <a:schemeClr val="dk1"/>
-          </a:lnRef>
-          <a:fillRef idx="0">
-            <a:schemeClr val="dk1"/>
-          </a:fillRef>
-          <a:effectRef idx="0">
-            <a:schemeClr val="dk1"/>
-          </a:effectRef>
-          <a:fontRef idx="minor">
-            <a:schemeClr val="tx1"/>
-          </a:fontRef>
-        </p:style>
-      </p:cxnSp>
-      <p:cxnSp>
-        <p:nvCxnSpPr>
-          <p:cNvPr id="44" name="Straight Connector 43">
-            <a:extLst>
-              <a:ext uri="{FF2B5EF4-FFF2-40B4-BE49-F238E27FC236}">
-                <a16:creationId xmlns="" xmlns:a16="http://schemas.microsoft.com/office/drawing/2014/main" id="{D5CBC4E2-B7D8-4BA4-91B1-1439F1E66A5D}"/>
-              </a:ext>
-            </a:extLst>
-          </p:cNvPr>
-          <p:cNvCxnSpPr>
-            <a:stCxn id="41" idx="5"/>
-            <a:endCxn id="42" idx="0"/>
-          </p:cNvCxnSpPr>
-          <p:nvPr/>
-        </p:nvCxnSpPr>
-        <p:spPr>
-          <a:xfrm>
-            <a:off x="9999352" y="3884581"/>
-            <a:ext cx="108612" cy="428836"/>
-          </a:xfrm>
-          <a:prstGeom prst="line">
-            <a:avLst/>
-          </a:prstGeom>
-        </p:spPr>
-        <p:style>
-          <a:lnRef idx="1">
-            <a:schemeClr val="dk1"/>
-          </a:lnRef>
-          <a:fillRef idx="0">
-            <a:schemeClr val="dk1"/>
-          </a:fillRef>
-          <a:effectRef idx="0">
-            <a:schemeClr val="dk1"/>
-          </a:effectRef>
-          <a:fontRef idx="minor">
-            <a:schemeClr val="tx1"/>
-          </a:fontRef>
-        </p:style>
-      </p:cxnSp>
-      <p:sp>
-        <p:nvSpPr>
-          <p:cNvPr id="45" name="Oval 44">
-            <a:extLst>
-              <a:ext uri="{FF2B5EF4-FFF2-40B4-BE49-F238E27FC236}">
-                <a16:creationId xmlns="" xmlns:a16="http://schemas.microsoft.com/office/drawing/2014/main" id="{6790BD35-3A48-4FA4-A1DD-25EAA7D259C1}"/>
-              </a:ext>
-            </a:extLst>
-          </p:cNvPr>
-          <p:cNvSpPr/>
-          <p:nvPr/>
-        </p:nvSpPr>
-        <p:spPr>
-          <a:xfrm>
-            <a:off x="10775494" y="1872852"/>
-            <a:ext cx="741647" cy="741647"/>
-          </a:xfrm>
-          <a:prstGeom prst="ellipse">
-            <a:avLst/>
-          </a:prstGeom>
-          <a:noFill/>
-          <a:ln>
-            <a:solidFill>
-              <a:srgbClr val="7030A0"/>
-            </a:solidFill>
-          </a:ln>
-        </p:spPr>
-        <p:style>
-          <a:lnRef idx="2">
-            <a:schemeClr val="accent1">
-              <a:shade val="50000"/>
-            </a:schemeClr>
-          </a:lnRef>
-          <a:fillRef idx="1">
-            <a:schemeClr val="accent1"/>
-          </a:fillRef>
-          <a:effectRef idx="0">
-            <a:schemeClr val="accent1"/>
-          </a:effectRef>
-          <a:fontRef idx="minor">
-            <a:schemeClr val="lt1"/>
-          </a:fontRef>
-        </p:style>
-        <p:txBody>
-          <a:bodyPr rtlCol="0" anchor="ctr"/>
-          <a:lstStyle/>
-          <a:p>
-            <a:pPr algn="ctr"/>
-            <a:r>
-              <a:rPr lang="en-US" sz="1600" dirty="0" smtClean="0">
-                <a:solidFill>
-                  <a:schemeClr val="tx1"/>
-                </a:solidFill>
-              </a:rPr>
-              <a:t>C: 1</a:t>
-            </a:r>
-            <a:endParaRPr lang="en-PH" sz="1600" dirty="0">
-              <a:solidFill>
-                <a:schemeClr val="tx1"/>
-              </a:solidFill>
-            </a:endParaRPr>
-          </a:p>
-        </p:txBody>
-      </p:sp>
-      <p:sp>
-        <p:nvSpPr>
-          <p:cNvPr id="46" name="Oval 45">
-            <a:extLst>
-              <a:ext uri="{FF2B5EF4-FFF2-40B4-BE49-F238E27FC236}">
-                <a16:creationId xmlns="" xmlns:a16="http://schemas.microsoft.com/office/drawing/2014/main" id="{6790BD35-3A48-4FA4-A1DD-25EAA7D259C1}"/>
-              </a:ext>
-            </a:extLst>
-          </p:cNvPr>
-          <p:cNvSpPr/>
-          <p:nvPr/>
-        </p:nvSpPr>
-        <p:spPr>
-          <a:xfrm>
-            <a:off x="10775494" y="2941057"/>
-            <a:ext cx="741647" cy="741647"/>
-          </a:xfrm>
-          <a:prstGeom prst="ellipse">
-            <a:avLst/>
-          </a:prstGeom>
-          <a:noFill/>
-          <a:ln>
-            <a:solidFill>
-              <a:schemeClr val="tx1"/>
-            </a:solidFill>
-          </a:ln>
-        </p:spPr>
-        <p:style>
-          <a:lnRef idx="2">
-            <a:schemeClr val="accent1">
-              <a:shade val="50000"/>
-            </a:schemeClr>
-          </a:lnRef>
-          <a:fillRef idx="1">
-            <a:schemeClr val="accent1"/>
-          </a:fillRef>
-          <a:effectRef idx="0">
-            <a:schemeClr val="accent1"/>
-          </a:effectRef>
-          <a:fontRef idx="minor">
-            <a:schemeClr val="lt1"/>
-          </a:fontRef>
-        </p:style>
-        <p:txBody>
-          <a:bodyPr rtlCol="0" anchor="ctr"/>
-          <a:lstStyle/>
-          <a:p>
-            <a:pPr algn="ctr"/>
-            <a:r>
-              <a:rPr lang="en-US" sz="1600" dirty="0" smtClean="0">
-                <a:solidFill>
-                  <a:schemeClr val="tx1"/>
-                </a:solidFill>
-              </a:rPr>
-              <a:t>A: 1</a:t>
-            </a:r>
-            <a:endParaRPr lang="en-PH" sz="1600" dirty="0">
-              <a:solidFill>
-                <a:schemeClr val="tx1"/>
-              </a:solidFill>
-            </a:endParaRPr>
-          </a:p>
-        </p:txBody>
-      </p:sp>
-      <p:sp>
-        <p:nvSpPr>
-          <p:cNvPr id="47" name="Oval 46">
-            <a:extLst>
-              <a:ext uri="{FF2B5EF4-FFF2-40B4-BE49-F238E27FC236}">
-                <a16:creationId xmlns="" xmlns:a16="http://schemas.microsoft.com/office/drawing/2014/main" id="{6790BD35-3A48-4FA4-A1DD-25EAA7D259C1}"/>
-              </a:ext>
-            </a:extLst>
-          </p:cNvPr>
-          <p:cNvSpPr/>
-          <p:nvPr/>
-        </p:nvSpPr>
-        <p:spPr>
-          <a:xfrm>
-            <a:off x="10775494" y="3993193"/>
-            <a:ext cx="741647" cy="741647"/>
-          </a:xfrm>
-          <a:prstGeom prst="ellipse">
-            <a:avLst/>
-          </a:prstGeom>
-          <a:noFill/>
-          <a:ln>
-            <a:solidFill>
-              <a:schemeClr val="tx1"/>
-            </a:solidFill>
-          </a:ln>
-        </p:spPr>
-        <p:style>
-          <a:lnRef idx="2">
-            <a:schemeClr val="accent1">
-              <a:shade val="50000"/>
-            </a:schemeClr>
-          </a:lnRef>
-          <a:fillRef idx="1">
-            <a:schemeClr val="accent1"/>
-          </a:fillRef>
-          <a:effectRef idx="0">
-            <a:schemeClr val="accent1"/>
-          </a:effectRef>
-          <a:fontRef idx="minor">
-            <a:schemeClr val="lt1"/>
-          </a:fontRef>
-        </p:style>
-        <p:txBody>
-          <a:bodyPr rtlCol="0" anchor="ctr"/>
-          <a:lstStyle/>
-          <a:p>
-            <a:pPr algn="ctr"/>
-            <a:r>
-              <a:rPr lang="en-US" sz="1600" dirty="0" smtClean="0">
-                <a:solidFill>
-                  <a:schemeClr val="tx1"/>
-                </a:solidFill>
-              </a:rPr>
-              <a:t>D: 1</a:t>
-            </a:r>
-            <a:endParaRPr lang="en-PH" sz="1600" dirty="0">
-              <a:solidFill>
-                <a:schemeClr val="tx1"/>
-              </a:solidFill>
-            </a:endParaRPr>
-          </a:p>
-        </p:txBody>
-      </p:sp>
-      <p:cxnSp>
-        <p:nvCxnSpPr>
-          <p:cNvPr id="48" name="Straight Connector 47">
-            <a:extLst>
-              <a:ext uri="{FF2B5EF4-FFF2-40B4-BE49-F238E27FC236}">
-                <a16:creationId xmlns="" xmlns:a16="http://schemas.microsoft.com/office/drawing/2014/main" id="{D5CBC4E2-B7D8-4BA4-91B1-1439F1E66A5D}"/>
-              </a:ext>
-            </a:extLst>
-          </p:cNvPr>
-          <p:cNvCxnSpPr>
-            <a:stCxn id="46" idx="0"/>
-            <a:endCxn id="45" idx="4"/>
-          </p:cNvCxnSpPr>
-          <p:nvPr/>
-        </p:nvCxnSpPr>
-        <p:spPr>
-          <a:xfrm flipV="1">
-            <a:off x="11146318" y="2614499"/>
-            <a:ext cx="0" cy="326558"/>
-          </a:xfrm>
-          <a:prstGeom prst="line">
-            <a:avLst/>
-          </a:prstGeom>
-        </p:spPr>
-        <p:style>
-          <a:lnRef idx="1">
-            <a:schemeClr val="dk1"/>
-          </a:lnRef>
-          <a:fillRef idx="0">
-            <a:schemeClr val="dk1"/>
-          </a:fillRef>
-          <a:effectRef idx="0">
-            <a:schemeClr val="dk1"/>
-          </a:effectRef>
-          <a:fontRef idx="minor">
-            <a:schemeClr val="tx1"/>
-          </a:fontRef>
-        </p:style>
-      </p:cxnSp>
-      <p:cxnSp>
-        <p:nvCxnSpPr>
-          <p:cNvPr id="49" name="Straight Connector 48">
-            <a:extLst>
-              <a:ext uri="{FF2B5EF4-FFF2-40B4-BE49-F238E27FC236}">
-                <a16:creationId xmlns="" xmlns:a16="http://schemas.microsoft.com/office/drawing/2014/main" id="{D5CBC4E2-B7D8-4BA4-91B1-1439F1E66A5D}"/>
-              </a:ext>
-            </a:extLst>
-          </p:cNvPr>
-          <p:cNvCxnSpPr>
-            <a:stCxn id="47" idx="0"/>
-            <a:endCxn id="46" idx="4"/>
-          </p:cNvCxnSpPr>
-          <p:nvPr/>
-        </p:nvCxnSpPr>
-        <p:spPr>
-          <a:xfrm flipV="1">
-            <a:off x="11146318" y="3682704"/>
-            <a:ext cx="0" cy="310489"/>
-          </a:xfrm>
-          <a:prstGeom prst="line">
-            <a:avLst/>
-          </a:prstGeom>
-        </p:spPr>
-        <p:style>
-          <a:lnRef idx="1">
-            <a:schemeClr val="dk1"/>
-          </a:lnRef>
-          <a:fillRef idx="0">
-            <a:schemeClr val="dk1"/>
-          </a:fillRef>
-          <a:effectRef idx="0">
-            <a:schemeClr val="dk1"/>
-          </a:effectRef>
-          <a:fontRef idx="minor">
-            <a:schemeClr val="tx1"/>
-          </a:fontRef>
-        </p:style>
-      </p:cxnSp>
-    </p:spTree>
-    <p:extLst>
-      <p:ext uri="{BB962C8B-B14F-4D97-AF65-F5344CB8AC3E}">
-        <p14:creationId xmlns:p14="http://schemas.microsoft.com/office/powerpoint/2010/main" val="1498300316"/>
-      </p:ext>
-    </p:extLst>
-  </p:cSld>
-  <p:clrMapOvr>
-    <a:masterClrMapping/>
-  </p:clrMapOvr>
-</p:sld>
-</file>
-
-<file path=ppt/slides/slide31.xml><?xml version="1.0" encoding="utf-8"?>
 <p:sld xmlns:a="http://schemas.openxmlformats.org/drawingml/2006/main" xmlns:r="http://schemas.openxmlformats.org/officeDocument/2006/relationships" xmlns:p="http://schemas.openxmlformats.org/presentationml/2006/main">
   <p:cSld>
     <p:spTree>
@@ -23883,7 +23861,7 @@
 </p:sld>
 </file>
 
-<file path=ppt/slides/slide32.xml><?xml version="1.0" encoding="utf-8"?>
+<file path=ppt/slides/slide31.xml><?xml version="1.0" encoding="utf-8"?>
 <p:sld xmlns:a="http://schemas.openxmlformats.org/drawingml/2006/main" xmlns:r="http://schemas.openxmlformats.org/officeDocument/2006/relationships" xmlns:p="http://schemas.openxmlformats.org/presentationml/2006/main">
   <p:cSld>
     <p:spTree>
@@ -25226,7 +25204,7 @@
 </p:sld>
 </file>
 
-<file path=ppt/slides/slide33.xml><?xml version="1.0" encoding="utf-8"?>
+<file path=ppt/slides/slide32.xml><?xml version="1.0" encoding="utf-8"?>
 <p:sld xmlns:a="http://schemas.openxmlformats.org/drawingml/2006/main" xmlns:r="http://schemas.openxmlformats.org/officeDocument/2006/relationships" xmlns:p="http://schemas.openxmlformats.org/presentationml/2006/main">
   <p:cSld>
     <p:spTree>
@@ -26711,7 +26689,7 @@
 </p:sld>
 </file>
 
-<file path=ppt/slides/slide34.xml><?xml version="1.0" encoding="utf-8"?>
+<file path=ppt/slides/slide33.xml><?xml version="1.0" encoding="utf-8"?>
 <p:sld xmlns:a="http://schemas.openxmlformats.org/drawingml/2006/main" xmlns:r="http://schemas.openxmlformats.org/officeDocument/2006/relationships" xmlns:p="http://schemas.openxmlformats.org/presentationml/2006/main">
   <p:cSld>
     <p:spTree>
@@ -26877,6 +26855,13 @@
   <p:clrMapOvr>
     <a:masterClrMapping/>
   </p:clrMapOvr>
+  <p:timing>
+    <p:tnLst>
+      <p:par>
+        <p:cTn id="1" dur="indefinite" restart="never" nodeType="tmRoot"/>
+      </p:par>
+    </p:tnLst>
+  </p:timing>
 </p:sld>
 </file>
 
@@ -26967,6 +26952,13 @@
   <p:clrMapOvr>
     <a:masterClrMapping/>
   </p:clrMapOvr>
+  <p:timing>
+    <p:tnLst>
+      <p:par>
+        <p:cTn id="1" dur="indefinite" restart="never" nodeType="tmRoot"/>
+      </p:par>
+    </p:tnLst>
+  </p:timing>
 </p:sld>
 </file>
 
@@ -27045,6 +27037,13 @@
   <p:clrMapOvr>
     <a:masterClrMapping/>
   </p:clrMapOvr>
+  <p:timing>
+    <p:tnLst>
+      <p:par>
+        <p:cTn id="1" dur="indefinite" restart="never" nodeType="tmRoot"/>
+      </p:par>
+    </p:tnLst>
+  </p:timing>
 </p:sld>
 </file>
 
@@ -27123,6 +27122,13 @@
   <p:clrMapOvr>
     <a:masterClrMapping/>
   </p:clrMapOvr>
+  <p:timing>
+    <p:tnLst>
+      <p:par>
+        <p:cTn id="1" dur="indefinite" restart="never" nodeType="tmRoot"/>
+      </p:par>
+    </p:tnLst>
+  </p:timing>
 </p:sld>
 </file>
 
@@ -27237,6 +27243,13 @@
   <p:clrMapOvr>
     <a:masterClrMapping/>
   </p:clrMapOvr>
+  <p:timing>
+    <p:tnLst>
+      <p:par>
+        <p:cTn id="1" dur="indefinite" restart="never" nodeType="tmRoot"/>
+      </p:par>
+    </p:tnLst>
+  </p:timing>
 </p:sld>
 </file>
 
@@ -27323,6 +27336,13 @@
   <p:clrMapOvr>
     <a:masterClrMapping/>
   </p:clrMapOvr>
+  <p:timing>
+    <p:tnLst>
+      <p:par>
+        <p:cTn id="1" dur="indefinite" restart="never" nodeType="tmRoot"/>
+      </p:par>
+    </p:tnLst>
+  </p:timing>
 </p:sld>
 </file>
 

--- a/CPE Electives (1 - 3)/01. Lectures Notebook/00. Presentations & Text Books/01. Electives 1 to 3/31. Assocation Rule Mining - FP-Growth.pptx
+++ b/CPE Electives (1 - 3)/01. Lectures Notebook/00. Presentations & Text Books/01. Electives 1 to 3/31. Assocation Rule Mining - FP-Growth.pptx
@@ -144,7 +144,7 @@
   </p:defaultTextStyle>
   <p:extLst>
     <p:ext uri="{EFAFB233-063F-42B5-8137-9DF3F51BA10A}">
-      <p15:sldGuideLst xmlns="" xmlns:p15="http://schemas.microsoft.com/office/powerpoint/2012/main">
+      <p15:sldGuideLst xmlns:p15="http://schemas.microsoft.com/office/powerpoint/2012/main">
         <p15:guide id="1" orient="horz" pos="2160">
           <p15:clr>
             <a:srgbClr val="A4A3A4"/>
@@ -158,7 +158,7 @@
       </p15:sldGuideLst>
     </p:ext>
     <p:ext uri="{2D200454-40CA-4A62-9FC3-DE9A4176ACB9}">
-      <p15:notesGuideLst xmlns="" xmlns:p15="http://schemas.microsoft.com/office/powerpoint/2012/main">
+      <p15:notesGuideLst xmlns:p15="http://schemas.microsoft.com/office/powerpoint/2012/main">
         <p15:guide id="1" orient="horz" pos="2880">
           <p15:clr>
             <a:srgbClr val="A4A3A4"/>
@@ -257,7 +257,7 @@
           <a:p>
             <a:fld id="{3B6B94FD-5702-4F25-9A4D-07294FF3292C}" type="datetimeFigureOut">
               <a:rPr lang="en-PH" smtClean="0"/>
-              <a:t>11/11/2024</a:t>
+              <a:t>20 Nov 2024</a:t>
             </a:fld>
             <a:endParaRPr lang="en-PH"/>
           </a:p>
@@ -422,7 +422,7 @@
           <a:p>
             <a:fld id="{8365AC51-C568-4371-A28D-D14CF2BCF8BA}" type="datetimeFigureOut">
               <a:rPr lang="en-US" smtClean="0"/>
-              <a:t>11/11/2024</a:t>
+              <a:t>11/20/2024</a:t>
             </a:fld>
             <a:endParaRPr lang="en-US"/>
           </a:p>
@@ -1239,7 +1239,7 @@
           <p:cNvPr id="7" name="Footer Placeholder 4">
             <a:extLst>
               <a:ext uri="{FF2B5EF4-FFF2-40B4-BE49-F238E27FC236}">
-                <a16:creationId xmlns="" xmlns:a16="http://schemas.microsoft.com/office/drawing/2014/main" id="{D057E4A9-8BC1-4D03-B0CD-00353C3D487D}"/>
+                <a16:creationId xmlns:a16="http://schemas.microsoft.com/office/drawing/2014/main" id="{D057E4A9-8BC1-4D03-B0CD-00353C3D487D}"/>
               </a:ext>
             </a:extLst>
           </p:cNvPr>
@@ -3806,20 +3806,16 @@
           <a:p>
             <a:pPr algn="ctr"/>
             <a:r>
-              <a:rPr lang="en-US" sz="1400" b="1" dirty="0" smtClean="0"/>
+              <a:rPr lang="en-US" sz="1400" b="1" dirty="0"/>
               <a:t>ASSOCIATION</a:t>
             </a:r>
             <a:r>
-              <a:rPr lang="en-US" sz="1400" b="1" baseline="0" dirty="0" smtClean="0"/>
+              <a:rPr lang="en-US" sz="1400" b="1" baseline="0" dirty="0"/>
               <a:t> RULE MINING - </a:t>
             </a:r>
             <a:r>
-              <a:rPr lang="en-US" sz="1400" b="1" dirty="0" smtClean="0"/>
-              <a:t>FREQUENT </a:t>
-            </a:r>
-            <a:r>
               <a:rPr lang="en-US" sz="1400" b="1" dirty="0"/>
-              <a:t>PATTERN GROWTH</a:t>
+              <a:t>FREQUENT PATTERN GROWTH</a:t>
             </a:r>
             <a:endParaRPr lang="en-PH" sz="1400" b="1" dirty="0"/>
           </a:p>
@@ -4287,13 +4283,6 @@
   <p:clrMapOvr>
     <a:masterClrMapping/>
   </p:clrMapOvr>
-  <p:timing>
-    <p:tnLst>
-      <p:par>
-        <p:cTn id="1" dur="indefinite" restart="never" nodeType="tmRoot"/>
-      </p:par>
-    </p:tnLst>
-  </p:timing>
 </p:sld>
 </file>
 
@@ -4388,13 +4377,6 @@
   <p:clrMapOvr>
     <a:masterClrMapping/>
   </p:clrMapOvr>
-  <p:timing>
-    <p:tnLst>
-      <p:par>
-        <p:cTn id="1" dur="indefinite" restart="never" nodeType="tmRoot"/>
-      </p:par>
-    </p:tnLst>
-  </p:timing>
 </p:sld>
 </file>
 
@@ -4497,13 +4479,6 @@
   <p:clrMapOvr>
     <a:masterClrMapping/>
   </p:clrMapOvr>
-  <p:timing>
-    <p:tnLst>
-      <p:par>
-        <p:cTn id="1" dur="indefinite" restart="never" nodeType="tmRoot"/>
-      </p:par>
-    </p:tnLst>
-  </p:timing>
 </p:sld>
 </file>
 
@@ -4594,13 +4569,6 @@
   <p:clrMapOvr>
     <a:masterClrMapping/>
   </p:clrMapOvr>
-  <p:timing>
-    <p:tnLst>
-      <p:par>
-        <p:cTn id="1" dur="indefinite" restart="never" nodeType="tmRoot"/>
-      </p:par>
-    </p:tnLst>
-  </p:timing>
 </p:sld>
 </file>
 
@@ -4691,13 +4659,6 @@
   <p:clrMapOvr>
     <a:masterClrMapping/>
   </p:clrMapOvr>
-  <p:timing>
-    <p:tnLst>
-      <p:par>
-        <p:cTn id="1" dur="indefinite" restart="never" nodeType="tmRoot"/>
-      </p:par>
-    </p:tnLst>
-  </p:timing>
 </p:sld>
 </file>
 
@@ -4723,7 +4684,7 @@
           <p:cNvPr id="2" name="Table 1">
             <a:extLst>
               <a:ext uri="{FF2B5EF4-FFF2-40B4-BE49-F238E27FC236}">
-                <a16:creationId xmlns="" xmlns:a16="http://schemas.microsoft.com/office/drawing/2014/main" id="{892BDE47-316D-427B-93C9-9DD0B86B810E}"/>
+                <a16:creationId xmlns:a16="http://schemas.microsoft.com/office/drawing/2014/main" id="{892BDE47-316D-427B-93C9-9DD0B86B810E}"/>
               </a:ext>
             </a:extLst>
           </p:cNvPr>
@@ -4752,21 +4713,21 @@
                 <a:gridCol w="3475027">
                   <a:extLst>
                     <a:ext uri="{9D8B030D-6E8A-4147-A177-3AD203B41FA5}">
-                      <a16:colId xmlns="" xmlns:a16="http://schemas.microsoft.com/office/drawing/2014/main" val="181439252"/>
+                      <a16:colId xmlns:a16="http://schemas.microsoft.com/office/drawing/2014/main" val="181439252"/>
                     </a:ext>
                   </a:extLst>
                 </a:gridCol>
                 <a:gridCol w="3475027">
                   <a:extLst>
                     <a:ext uri="{9D8B030D-6E8A-4147-A177-3AD203B41FA5}">
-                      <a16:colId xmlns="" xmlns:a16="http://schemas.microsoft.com/office/drawing/2014/main" val="906303518"/>
+                      <a16:colId xmlns:a16="http://schemas.microsoft.com/office/drawing/2014/main" val="906303518"/>
                     </a:ext>
                   </a:extLst>
                 </a:gridCol>
                 <a:gridCol w="3475027">
                   <a:extLst>
                     <a:ext uri="{9D8B030D-6E8A-4147-A177-3AD203B41FA5}">
-                      <a16:colId xmlns="" xmlns:a16="http://schemas.microsoft.com/office/drawing/2014/main" val="1515334915"/>
+                      <a16:colId xmlns:a16="http://schemas.microsoft.com/office/drawing/2014/main" val="1515334915"/>
                     </a:ext>
                   </a:extLst>
                 </a:gridCol>
@@ -4814,7 +4775,7 @@
                 </a:tc>
                 <a:extLst>
                   <a:ext uri="{0D108BD9-81ED-4DB2-BD59-A6C34878D82A}">
-                    <a16:rowId xmlns="" xmlns:a16="http://schemas.microsoft.com/office/drawing/2014/main" val="2954134539"/>
+                    <a16:rowId xmlns:a16="http://schemas.microsoft.com/office/drawing/2014/main" val="2954134539"/>
                   </a:ext>
                 </a:extLst>
               </a:tr>
@@ -4860,7 +4821,7 @@
                 </a:tc>
                 <a:extLst>
                   <a:ext uri="{0D108BD9-81ED-4DB2-BD59-A6C34878D82A}">
-                    <a16:rowId xmlns="" xmlns:a16="http://schemas.microsoft.com/office/drawing/2014/main" val="115539080"/>
+                    <a16:rowId xmlns:a16="http://schemas.microsoft.com/office/drawing/2014/main" val="115539080"/>
                   </a:ext>
                 </a:extLst>
               </a:tr>
@@ -4906,7 +4867,7 @@
                 </a:tc>
                 <a:extLst>
                   <a:ext uri="{0D108BD9-81ED-4DB2-BD59-A6C34878D82A}">
-                    <a16:rowId xmlns="" xmlns:a16="http://schemas.microsoft.com/office/drawing/2014/main" val="529001585"/>
+                    <a16:rowId xmlns:a16="http://schemas.microsoft.com/office/drawing/2014/main" val="529001585"/>
                   </a:ext>
                 </a:extLst>
               </a:tr>
@@ -4952,7 +4913,7 @@
                 </a:tc>
                 <a:extLst>
                   <a:ext uri="{0D108BD9-81ED-4DB2-BD59-A6C34878D82A}">
-                    <a16:rowId xmlns="" xmlns:a16="http://schemas.microsoft.com/office/drawing/2014/main" val="3594714282"/>
+                    <a16:rowId xmlns:a16="http://schemas.microsoft.com/office/drawing/2014/main" val="3594714282"/>
                   </a:ext>
                 </a:extLst>
               </a:tr>
@@ -4998,7 +4959,7 @@
                 </a:tc>
                 <a:extLst>
                   <a:ext uri="{0D108BD9-81ED-4DB2-BD59-A6C34878D82A}">
-                    <a16:rowId xmlns="" xmlns:a16="http://schemas.microsoft.com/office/drawing/2014/main" val="995428735"/>
+                    <a16:rowId xmlns:a16="http://schemas.microsoft.com/office/drawing/2014/main" val="995428735"/>
                   </a:ext>
                 </a:extLst>
               </a:tr>
@@ -5044,7 +5005,7 @@
                 </a:tc>
                 <a:extLst>
                   <a:ext uri="{0D108BD9-81ED-4DB2-BD59-A6C34878D82A}">
-                    <a16:rowId xmlns="" xmlns:a16="http://schemas.microsoft.com/office/drawing/2014/main" val="1131115641"/>
+                    <a16:rowId xmlns:a16="http://schemas.microsoft.com/office/drawing/2014/main" val="1131115641"/>
                   </a:ext>
                 </a:extLst>
               </a:tr>
@@ -5062,13 +5023,6 @@
   <p:clrMapOvr>
     <a:masterClrMapping/>
   </p:clrMapOvr>
-  <p:timing>
-    <p:tnLst>
-      <p:par>
-        <p:cTn id="1" dur="indefinite" restart="never" nodeType="tmRoot"/>
-      </p:par>
-    </p:tnLst>
-  </p:timing>
 </p:sld>
 </file>
 
@@ -5123,7 +5077,7 @@
           <p:cNvPr id="24" name="Table 23">
             <a:extLst>
               <a:ext uri="{FF2B5EF4-FFF2-40B4-BE49-F238E27FC236}">
-                <a16:creationId xmlns="" xmlns:a16="http://schemas.microsoft.com/office/drawing/2014/main" id="{5EC11D1B-B1E4-4656-9967-F8B4B4227EEC}"/>
+                <a16:creationId xmlns:a16="http://schemas.microsoft.com/office/drawing/2014/main" id="{5EC11D1B-B1E4-4656-9967-F8B4B4227EEC}"/>
               </a:ext>
             </a:extLst>
           </p:cNvPr>
@@ -5152,14 +5106,14 @@
                 <a:gridCol w="5257800">
                   <a:extLst>
                     <a:ext uri="{9D8B030D-6E8A-4147-A177-3AD203B41FA5}">
-                      <a16:colId xmlns="" xmlns:a16="http://schemas.microsoft.com/office/drawing/2014/main" val="176537152"/>
+                      <a16:colId xmlns:a16="http://schemas.microsoft.com/office/drawing/2014/main" val="176537152"/>
                     </a:ext>
                   </a:extLst>
                 </a:gridCol>
                 <a:gridCol w="5257800">
                   <a:extLst>
                     <a:ext uri="{9D8B030D-6E8A-4147-A177-3AD203B41FA5}">
-                      <a16:colId xmlns="" xmlns:a16="http://schemas.microsoft.com/office/drawing/2014/main" val="468214683"/>
+                      <a16:colId xmlns:a16="http://schemas.microsoft.com/office/drawing/2014/main" val="468214683"/>
                     </a:ext>
                   </a:extLst>
                 </a:gridCol>
@@ -5193,7 +5147,7 @@
                 </a:tc>
                 <a:extLst>
                   <a:ext uri="{0D108BD9-81ED-4DB2-BD59-A6C34878D82A}">
-                    <a16:rowId xmlns="" xmlns:a16="http://schemas.microsoft.com/office/drawing/2014/main" val="433550499"/>
+                    <a16:rowId xmlns:a16="http://schemas.microsoft.com/office/drawing/2014/main" val="433550499"/>
                   </a:ext>
                 </a:extLst>
               </a:tr>
@@ -5226,7 +5180,7 @@
                 </a:tc>
                 <a:extLst>
                   <a:ext uri="{0D108BD9-81ED-4DB2-BD59-A6C34878D82A}">
-                    <a16:rowId xmlns="" xmlns:a16="http://schemas.microsoft.com/office/drawing/2014/main" val="48181471"/>
+                    <a16:rowId xmlns:a16="http://schemas.microsoft.com/office/drawing/2014/main" val="48181471"/>
                   </a:ext>
                 </a:extLst>
               </a:tr>
@@ -5259,7 +5213,7 @@
                 </a:tc>
                 <a:extLst>
                   <a:ext uri="{0D108BD9-81ED-4DB2-BD59-A6C34878D82A}">
-                    <a16:rowId xmlns="" xmlns:a16="http://schemas.microsoft.com/office/drawing/2014/main" val="2604222317"/>
+                    <a16:rowId xmlns:a16="http://schemas.microsoft.com/office/drawing/2014/main" val="2604222317"/>
                   </a:ext>
                 </a:extLst>
               </a:tr>
@@ -5292,7 +5246,7 @@
                 </a:tc>
                 <a:extLst>
                   <a:ext uri="{0D108BD9-81ED-4DB2-BD59-A6C34878D82A}">
-                    <a16:rowId xmlns="" xmlns:a16="http://schemas.microsoft.com/office/drawing/2014/main" val="2678337579"/>
+                    <a16:rowId xmlns:a16="http://schemas.microsoft.com/office/drawing/2014/main" val="2678337579"/>
                   </a:ext>
                 </a:extLst>
               </a:tr>
@@ -5325,7 +5279,7 @@
                 </a:tc>
                 <a:extLst>
                   <a:ext uri="{0D108BD9-81ED-4DB2-BD59-A6C34878D82A}">
-                    <a16:rowId xmlns="" xmlns:a16="http://schemas.microsoft.com/office/drawing/2014/main" val="1760849785"/>
+                    <a16:rowId xmlns:a16="http://schemas.microsoft.com/office/drawing/2014/main" val="1760849785"/>
                   </a:ext>
                 </a:extLst>
               </a:tr>
@@ -5358,7 +5312,7 @@
                 </a:tc>
                 <a:extLst>
                   <a:ext uri="{0D108BD9-81ED-4DB2-BD59-A6C34878D82A}">
-                    <a16:rowId xmlns="" xmlns:a16="http://schemas.microsoft.com/office/drawing/2014/main" val="2223284257"/>
+                    <a16:rowId xmlns:a16="http://schemas.microsoft.com/office/drawing/2014/main" val="2223284257"/>
                   </a:ext>
                 </a:extLst>
               </a:tr>
@@ -5371,7 +5325,7 @@
           <p:cNvPr id="25" name="Rectangle 15">
             <a:extLst>
               <a:ext uri="{FF2B5EF4-FFF2-40B4-BE49-F238E27FC236}">
-                <a16:creationId xmlns="" xmlns:a16="http://schemas.microsoft.com/office/drawing/2014/main" id="{1D6AA419-6831-4164-BA48-6A64F8D3113F}"/>
+                <a16:creationId xmlns:a16="http://schemas.microsoft.com/office/drawing/2014/main" id="{1D6AA419-6831-4164-BA48-6A64F8D3113F}"/>
               </a:ext>
             </a:extLst>
           </p:cNvPr>
@@ -5468,7 +5422,7 @@
           <p:cNvPr id="27" name="TextBox 26">
             <a:extLst>
               <a:ext uri="{FF2B5EF4-FFF2-40B4-BE49-F238E27FC236}">
-                <a16:creationId xmlns="" xmlns:a16="http://schemas.microsoft.com/office/drawing/2014/main" id="{250E3094-EF97-4726-A444-FDFC8EAD4410}"/>
+                <a16:creationId xmlns:a16="http://schemas.microsoft.com/office/drawing/2014/main" id="{250E3094-EF97-4726-A444-FDFC8EAD4410}"/>
               </a:ext>
             </a:extLst>
           </p:cNvPr>
@@ -5559,13 +5513,6 @@
   <p:clrMapOvr>
     <a:masterClrMapping/>
   </p:clrMapOvr>
-  <p:timing>
-    <p:tnLst>
-      <p:par>
-        <p:cTn id="1" dur="indefinite" restart="never" nodeType="tmRoot"/>
-      </p:par>
-    </p:tnLst>
-  </p:timing>
 </p:sld>
 </file>
 
@@ -5620,7 +5567,7 @@
           <p:cNvPr id="24" name="Table 23">
             <a:extLst>
               <a:ext uri="{FF2B5EF4-FFF2-40B4-BE49-F238E27FC236}">
-                <a16:creationId xmlns="" xmlns:a16="http://schemas.microsoft.com/office/drawing/2014/main" id="{5EC11D1B-B1E4-4656-9967-F8B4B4227EEC}"/>
+                <a16:creationId xmlns:a16="http://schemas.microsoft.com/office/drawing/2014/main" id="{5EC11D1B-B1E4-4656-9967-F8B4B4227EEC}"/>
               </a:ext>
             </a:extLst>
           </p:cNvPr>
@@ -5649,14 +5596,14 @@
                 <a:gridCol w="5257800">
                   <a:extLst>
                     <a:ext uri="{9D8B030D-6E8A-4147-A177-3AD203B41FA5}">
-                      <a16:colId xmlns="" xmlns:a16="http://schemas.microsoft.com/office/drawing/2014/main" val="176537152"/>
+                      <a16:colId xmlns:a16="http://schemas.microsoft.com/office/drawing/2014/main" val="176537152"/>
                     </a:ext>
                   </a:extLst>
                 </a:gridCol>
                 <a:gridCol w="5257800">
                   <a:extLst>
                     <a:ext uri="{9D8B030D-6E8A-4147-A177-3AD203B41FA5}">
-                      <a16:colId xmlns="" xmlns:a16="http://schemas.microsoft.com/office/drawing/2014/main" val="468214683"/>
+                      <a16:colId xmlns:a16="http://schemas.microsoft.com/office/drawing/2014/main" val="468214683"/>
                     </a:ext>
                   </a:extLst>
                 </a:gridCol>
@@ -5690,7 +5637,7 @@
                 </a:tc>
                 <a:extLst>
                   <a:ext uri="{0D108BD9-81ED-4DB2-BD59-A6C34878D82A}">
-                    <a16:rowId xmlns="" xmlns:a16="http://schemas.microsoft.com/office/drawing/2014/main" val="433550499"/>
+                    <a16:rowId xmlns:a16="http://schemas.microsoft.com/office/drawing/2014/main" val="433550499"/>
                   </a:ext>
                 </a:extLst>
               </a:tr>
@@ -5723,7 +5670,7 @@
                 </a:tc>
                 <a:extLst>
                   <a:ext uri="{0D108BD9-81ED-4DB2-BD59-A6C34878D82A}">
-                    <a16:rowId xmlns="" xmlns:a16="http://schemas.microsoft.com/office/drawing/2014/main" val="48181471"/>
+                    <a16:rowId xmlns:a16="http://schemas.microsoft.com/office/drawing/2014/main" val="48181471"/>
                   </a:ext>
                 </a:extLst>
               </a:tr>
@@ -5756,7 +5703,7 @@
                 </a:tc>
                 <a:extLst>
                   <a:ext uri="{0D108BD9-81ED-4DB2-BD59-A6C34878D82A}">
-                    <a16:rowId xmlns="" xmlns:a16="http://schemas.microsoft.com/office/drawing/2014/main" val="2604222317"/>
+                    <a16:rowId xmlns:a16="http://schemas.microsoft.com/office/drawing/2014/main" val="2604222317"/>
                   </a:ext>
                 </a:extLst>
               </a:tr>
@@ -5781,23 +5728,15 @@
                     <a:p>
                       <a:r>
                         <a:rPr lang="en-PH" dirty="0"/>
-                        <a:t>{B, </a:t>
+                        <a:t>{B, C,</a:t>
                       </a:r>
                       <a:r>
-                        <a:rPr lang="en-PH" dirty="0" smtClean="0"/>
-                        <a:t>C,</a:t>
-                      </a:r>
-                      <a:r>
-                        <a:rPr lang="en-PH" baseline="0" dirty="0" smtClean="0"/>
+                        <a:rPr lang="en-PH" baseline="0" dirty="0"/>
                         <a:t> A</a:t>
                       </a:r>
                       <a:r>
-                        <a:rPr lang="en-PH" dirty="0" smtClean="0"/>
-                        <a:t>, </a:t>
-                      </a:r>
-                      <a:r>
                         <a:rPr lang="en-PH" dirty="0"/>
-                        <a:t>E}</a:t>
+                        <a:t>, E}</a:t>
                       </a:r>
                     </a:p>
                   </a:txBody>
@@ -5805,7 +5744,7 @@
                 </a:tc>
                 <a:extLst>
                   <a:ext uri="{0D108BD9-81ED-4DB2-BD59-A6C34878D82A}">
-                    <a16:rowId xmlns="" xmlns:a16="http://schemas.microsoft.com/office/drawing/2014/main" val="2678337579"/>
+                    <a16:rowId xmlns:a16="http://schemas.microsoft.com/office/drawing/2014/main" val="2678337579"/>
                   </a:ext>
                 </a:extLst>
               </a:tr>
@@ -5838,7 +5777,7 @@
                 </a:tc>
                 <a:extLst>
                   <a:ext uri="{0D108BD9-81ED-4DB2-BD59-A6C34878D82A}">
-                    <a16:rowId xmlns="" xmlns:a16="http://schemas.microsoft.com/office/drawing/2014/main" val="1760849785"/>
+                    <a16:rowId xmlns:a16="http://schemas.microsoft.com/office/drawing/2014/main" val="1760849785"/>
                   </a:ext>
                 </a:extLst>
               </a:tr>
@@ -5862,20 +5801,8 @@
                     <a:lstStyle/>
                     <a:p>
                       <a:r>
-                        <a:rPr lang="en-PH" dirty="0" smtClean="0"/>
-                        <a:t>{C, </a:t>
-                      </a:r>
-                      <a:r>
                         <a:rPr lang="en-PH" dirty="0"/>
-                        <a:t>A</a:t>
-                      </a:r>
-                      <a:r>
-                        <a:rPr lang="en-PH" dirty="0" smtClean="0"/>
-                        <a:t>, </a:t>
-                      </a:r>
-                      <a:r>
-                        <a:rPr lang="en-PH" dirty="0"/>
-                        <a:t>D}</a:t>
+                        <a:t>{C, A, D}</a:t>
                       </a:r>
                     </a:p>
                   </a:txBody>
@@ -5883,7 +5810,7 @@
                 </a:tc>
                 <a:extLst>
                   <a:ext uri="{0D108BD9-81ED-4DB2-BD59-A6C34878D82A}">
-                    <a16:rowId xmlns="" xmlns:a16="http://schemas.microsoft.com/office/drawing/2014/main" val="2223284257"/>
+                    <a16:rowId xmlns:a16="http://schemas.microsoft.com/office/drawing/2014/main" val="2223284257"/>
                   </a:ext>
                 </a:extLst>
               </a:tr>
@@ -5896,7 +5823,7 @@
           <p:cNvPr id="25" name="Rectangle 15">
             <a:extLst>
               <a:ext uri="{FF2B5EF4-FFF2-40B4-BE49-F238E27FC236}">
-                <a16:creationId xmlns="" xmlns:a16="http://schemas.microsoft.com/office/drawing/2014/main" id="{1D6AA419-6831-4164-BA48-6A64F8D3113F}"/>
+                <a16:creationId xmlns:a16="http://schemas.microsoft.com/office/drawing/2014/main" id="{1D6AA419-6831-4164-BA48-6A64F8D3113F}"/>
               </a:ext>
             </a:extLst>
           </p:cNvPr>
@@ -5993,7 +5920,7 @@
           <p:cNvPr id="27" name="TextBox 26">
             <a:extLst>
               <a:ext uri="{FF2B5EF4-FFF2-40B4-BE49-F238E27FC236}">
-                <a16:creationId xmlns="" xmlns:a16="http://schemas.microsoft.com/office/drawing/2014/main" id="{250E3094-EF97-4726-A444-FDFC8EAD4410}"/>
+                <a16:creationId xmlns:a16="http://schemas.microsoft.com/office/drawing/2014/main" id="{250E3094-EF97-4726-A444-FDFC8EAD4410}"/>
               </a:ext>
             </a:extLst>
           </p:cNvPr>
@@ -6111,7 +6038,7 @@
           <p:cNvPr id="27" name="TextBox 26">
             <a:extLst>
               <a:ext uri="{FF2B5EF4-FFF2-40B4-BE49-F238E27FC236}">
-                <a16:creationId xmlns="" xmlns:a16="http://schemas.microsoft.com/office/drawing/2014/main" id="{250E3094-EF97-4726-A444-FDFC8EAD4410}"/>
+                <a16:creationId xmlns:a16="http://schemas.microsoft.com/office/drawing/2014/main" id="{250E3094-EF97-4726-A444-FDFC8EAD4410}"/>
               </a:ext>
             </a:extLst>
           </p:cNvPr>
@@ -6201,7 +6128,7 @@
           <p:cNvPr id="2" name="Oval 1">
             <a:extLst>
               <a:ext uri="{FF2B5EF4-FFF2-40B4-BE49-F238E27FC236}">
-                <a16:creationId xmlns="" xmlns:a16="http://schemas.microsoft.com/office/drawing/2014/main" id="{6790BD35-3A48-4FA4-A1DD-25EAA7D259C1}"/>
+                <a16:creationId xmlns:a16="http://schemas.microsoft.com/office/drawing/2014/main" id="{6790BD35-3A48-4FA4-A1DD-25EAA7D259C1}"/>
               </a:ext>
             </a:extLst>
           </p:cNvPr>
@@ -6265,7 +6192,7 @@
           <p:cNvPr id="8" name="Oval 7">
             <a:extLst>
               <a:ext uri="{FF2B5EF4-FFF2-40B4-BE49-F238E27FC236}">
-                <a16:creationId xmlns="" xmlns:a16="http://schemas.microsoft.com/office/drawing/2014/main" id="{FF465D5F-EE40-4CF1-B973-7087C70611E4}"/>
+                <a16:creationId xmlns:a16="http://schemas.microsoft.com/office/drawing/2014/main" id="{FF465D5F-EE40-4CF1-B973-7087C70611E4}"/>
               </a:ext>
             </a:extLst>
           </p:cNvPr>
@@ -6329,7 +6256,7 @@
           <p:cNvPr id="9" name="Oval 8">
             <a:extLst>
               <a:ext uri="{FF2B5EF4-FFF2-40B4-BE49-F238E27FC236}">
-                <a16:creationId xmlns="" xmlns:a16="http://schemas.microsoft.com/office/drawing/2014/main" id="{39C548D5-2D23-4238-82DF-921D2E3334F9}"/>
+                <a16:creationId xmlns:a16="http://schemas.microsoft.com/office/drawing/2014/main" id="{39C548D5-2D23-4238-82DF-921D2E3334F9}"/>
               </a:ext>
             </a:extLst>
           </p:cNvPr>
@@ -6393,7 +6320,7 @@
           <p:cNvPr id="10" name="Oval 9">
             <a:extLst>
               <a:ext uri="{FF2B5EF4-FFF2-40B4-BE49-F238E27FC236}">
-                <a16:creationId xmlns="" xmlns:a16="http://schemas.microsoft.com/office/drawing/2014/main" id="{D370CE05-94D0-4DB6-BE29-980F92475FAA}"/>
+                <a16:creationId xmlns:a16="http://schemas.microsoft.com/office/drawing/2014/main" id="{D370CE05-94D0-4DB6-BE29-980F92475FAA}"/>
               </a:ext>
             </a:extLst>
           </p:cNvPr>
@@ -6457,7 +6384,7 @@
           <p:cNvPr id="7" name="Straight Connector 6">
             <a:extLst>
               <a:ext uri="{FF2B5EF4-FFF2-40B4-BE49-F238E27FC236}">
-                <a16:creationId xmlns="" xmlns:a16="http://schemas.microsoft.com/office/drawing/2014/main" id="{D5CBC4E2-B7D8-4BA4-91B1-1439F1E66A5D}"/>
+                <a16:creationId xmlns:a16="http://schemas.microsoft.com/office/drawing/2014/main" id="{D5CBC4E2-B7D8-4BA4-91B1-1439F1E66A5D}"/>
               </a:ext>
             </a:extLst>
           </p:cNvPr>
@@ -6496,7 +6423,7 @@
           <p:cNvPr id="12" name="Straight Connector 11">
             <a:extLst>
               <a:ext uri="{FF2B5EF4-FFF2-40B4-BE49-F238E27FC236}">
-                <a16:creationId xmlns="" xmlns:a16="http://schemas.microsoft.com/office/drawing/2014/main" id="{3671F84C-43EB-4E83-B34F-C5EA539A58EC}"/>
+                <a16:creationId xmlns:a16="http://schemas.microsoft.com/office/drawing/2014/main" id="{3671F84C-43EB-4E83-B34F-C5EA539A58EC}"/>
               </a:ext>
             </a:extLst>
           </p:cNvPr>
@@ -6535,7 +6462,7 @@
           <p:cNvPr id="17" name="Straight Connector 16">
             <a:extLst>
               <a:ext uri="{FF2B5EF4-FFF2-40B4-BE49-F238E27FC236}">
-                <a16:creationId xmlns="" xmlns:a16="http://schemas.microsoft.com/office/drawing/2014/main" id="{61E9DF07-49B0-4931-B28A-3220297F1ADF}"/>
+                <a16:creationId xmlns:a16="http://schemas.microsoft.com/office/drawing/2014/main" id="{61E9DF07-49B0-4931-B28A-3220297F1ADF}"/>
               </a:ext>
             </a:extLst>
           </p:cNvPr>
@@ -6634,7 +6561,7 @@
           <p:cNvPr id="27" name="TextBox 26">
             <a:extLst>
               <a:ext uri="{FF2B5EF4-FFF2-40B4-BE49-F238E27FC236}">
-                <a16:creationId xmlns="" xmlns:a16="http://schemas.microsoft.com/office/drawing/2014/main" id="{250E3094-EF97-4726-A444-FDFC8EAD4410}"/>
+                <a16:creationId xmlns:a16="http://schemas.microsoft.com/office/drawing/2014/main" id="{250E3094-EF97-4726-A444-FDFC8EAD4410}"/>
               </a:ext>
             </a:extLst>
           </p:cNvPr>
@@ -6777,7 +6704,7 @@
           <p:cNvPr id="31" name="Oval 30">
             <a:extLst>
               <a:ext uri="{FF2B5EF4-FFF2-40B4-BE49-F238E27FC236}">
-                <a16:creationId xmlns="" xmlns:a16="http://schemas.microsoft.com/office/drawing/2014/main" id="{6790BD35-3A48-4FA4-A1DD-25EAA7D259C1}"/>
+                <a16:creationId xmlns:a16="http://schemas.microsoft.com/office/drawing/2014/main" id="{6790BD35-3A48-4FA4-A1DD-25EAA7D259C1}"/>
               </a:ext>
             </a:extLst>
           </p:cNvPr>
@@ -6821,20 +6748,12 @@
           <a:p>
             <a:pPr algn="ctr"/>
             <a:r>
-              <a:rPr lang="en-US" sz="1600" dirty="0" smtClean="0">
+              <a:rPr lang="en-US" sz="1600" dirty="0">
                 <a:solidFill>
                   <a:schemeClr val="tx1"/>
                 </a:solidFill>
               </a:rPr>
-              <a:t>C: </a:t>
-            </a:r>
-            <a:r>
-              <a:rPr lang="en-US" sz="1600" dirty="0">
-                <a:solidFill>
-                  <a:schemeClr val="tx1"/>
-                </a:solidFill>
-              </a:rPr>
-              <a:t>1</a:t>
+              <a:t>C: 1</a:t>
             </a:r>
             <a:endParaRPr lang="en-PH" sz="1600" dirty="0">
               <a:solidFill>
@@ -6849,7 +6768,7 @@
           <p:cNvPr id="32" name="Oval 31">
             <a:extLst>
               <a:ext uri="{FF2B5EF4-FFF2-40B4-BE49-F238E27FC236}">
-                <a16:creationId xmlns="" xmlns:a16="http://schemas.microsoft.com/office/drawing/2014/main" id="{6790BD35-3A48-4FA4-A1DD-25EAA7D259C1}"/>
+                <a16:creationId xmlns:a16="http://schemas.microsoft.com/office/drawing/2014/main" id="{6790BD35-3A48-4FA4-A1DD-25EAA7D259C1}"/>
               </a:ext>
             </a:extLst>
           </p:cNvPr>
@@ -6893,20 +6812,12 @@
           <a:p>
             <a:pPr algn="ctr"/>
             <a:r>
-              <a:rPr lang="en-US" sz="1600" dirty="0" smtClean="0">
+              <a:rPr lang="en-US" sz="1600" dirty="0">
                 <a:solidFill>
                   <a:schemeClr val="tx1"/>
                 </a:solidFill>
               </a:rPr>
-              <a:t>E: </a:t>
-            </a:r>
-            <a:r>
-              <a:rPr lang="en-US" sz="1600" dirty="0">
-                <a:solidFill>
-                  <a:schemeClr val="tx1"/>
-                </a:solidFill>
-              </a:rPr>
-              <a:t>1</a:t>
+              <a:t>E: 1</a:t>
             </a:r>
             <a:endParaRPr lang="en-PH" sz="1600" dirty="0">
               <a:solidFill>
@@ -6921,7 +6832,7 @@
           <p:cNvPr id="33" name="Straight Connector 32">
             <a:extLst>
               <a:ext uri="{FF2B5EF4-FFF2-40B4-BE49-F238E27FC236}">
-                <a16:creationId xmlns="" xmlns:a16="http://schemas.microsoft.com/office/drawing/2014/main" id="{D5CBC4E2-B7D8-4BA4-91B1-1439F1E66A5D}"/>
+                <a16:creationId xmlns:a16="http://schemas.microsoft.com/office/drawing/2014/main" id="{D5CBC4E2-B7D8-4BA4-91B1-1439F1E66A5D}"/>
               </a:ext>
             </a:extLst>
           </p:cNvPr>
@@ -6960,7 +6871,7 @@
           <p:cNvPr id="34" name="Straight Connector 33">
             <a:extLst>
               <a:ext uri="{FF2B5EF4-FFF2-40B4-BE49-F238E27FC236}">
-                <a16:creationId xmlns="" xmlns:a16="http://schemas.microsoft.com/office/drawing/2014/main" id="{D5CBC4E2-B7D8-4BA4-91B1-1439F1E66A5D}"/>
+                <a16:creationId xmlns:a16="http://schemas.microsoft.com/office/drawing/2014/main" id="{D5CBC4E2-B7D8-4BA4-91B1-1439F1E66A5D}"/>
               </a:ext>
             </a:extLst>
           </p:cNvPr>
@@ -6999,7 +6910,7 @@
           <p:cNvPr id="38" name="Oval 37">
             <a:extLst>
               <a:ext uri="{FF2B5EF4-FFF2-40B4-BE49-F238E27FC236}">
-                <a16:creationId xmlns="" xmlns:a16="http://schemas.microsoft.com/office/drawing/2014/main" id="{6790BD35-3A48-4FA4-A1DD-25EAA7D259C1}"/>
+                <a16:creationId xmlns:a16="http://schemas.microsoft.com/office/drawing/2014/main" id="{6790BD35-3A48-4FA4-A1DD-25EAA7D259C1}"/>
               </a:ext>
             </a:extLst>
           </p:cNvPr>
@@ -7048,15 +6959,7 @@
                   <a:schemeClr val="tx1"/>
                 </a:solidFill>
               </a:rPr>
-              <a:t>B: </a:t>
-            </a:r>
-            <a:r>
-              <a:rPr lang="en-US" sz="1600" dirty="0" smtClean="0">
-                <a:solidFill>
-                  <a:schemeClr val="tx1"/>
-                </a:solidFill>
-              </a:rPr>
-              <a:t>2</a:t>
+              <a:t>B: 2</a:t>
             </a:r>
             <a:endParaRPr lang="en-PH" sz="1600" dirty="0">
               <a:solidFill>
@@ -7071,7 +6974,7 @@
           <p:cNvPr id="39" name="Oval 38">
             <a:extLst>
               <a:ext uri="{FF2B5EF4-FFF2-40B4-BE49-F238E27FC236}">
-                <a16:creationId xmlns="" xmlns:a16="http://schemas.microsoft.com/office/drawing/2014/main" id="{FF465D5F-EE40-4CF1-B973-7087C70611E4}"/>
+                <a16:creationId xmlns:a16="http://schemas.microsoft.com/office/drawing/2014/main" id="{FF465D5F-EE40-4CF1-B973-7087C70611E4}"/>
               </a:ext>
             </a:extLst>
           </p:cNvPr>
@@ -7135,7 +7038,7 @@
           <p:cNvPr id="40" name="Oval 39">
             <a:extLst>
               <a:ext uri="{FF2B5EF4-FFF2-40B4-BE49-F238E27FC236}">
-                <a16:creationId xmlns="" xmlns:a16="http://schemas.microsoft.com/office/drawing/2014/main" id="{39C548D5-2D23-4238-82DF-921D2E3334F9}"/>
+                <a16:creationId xmlns:a16="http://schemas.microsoft.com/office/drawing/2014/main" id="{39C548D5-2D23-4238-82DF-921D2E3334F9}"/>
               </a:ext>
             </a:extLst>
           </p:cNvPr>
@@ -7199,7 +7102,7 @@
           <p:cNvPr id="41" name="Oval 40">
             <a:extLst>
               <a:ext uri="{FF2B5EF4-FFF2-40B4-BE49-F238E27FC236}">
-                <a16:creationId xmlns="" xmlns:a16="http://schemas.microsoft.com/office/drawing/2014/main" id="{D370CE05-94D0-4DB6-BE29-980F92475FAA}"/>
+                <a16:creationId xmlns:a16="http://schemas.microsoft.com/office/drawing/2014/main" id="{D370CE05-94D0-4DB6-BE29-980F92475FAA}"/>
               </a:ext>
             </a:extLst>
           </p:cNvPr>
@@ -7263,7 +7166,7 @@
           <p:cNvPr id="42" name="Straight Connector 41">
             <a:extLst>
               <a:ext uri="{FF2B5EF4-FFF2-40B4-BE49-F238E27FC236}">
-                <a16:creationId xmlns="" xmlns:a16="http://schemas.microsoft.com/office/drawing/2014/main" id="{D5CBC4E2-B7D8-4BA4-91B1-1439F1E66A5D}"/>
+                <a16:creationId xmlns:a16="http://schemas.microsoft.com/office/drawing/2014/main" id="{D5CBC4E2-B7D8-4BA4-91B1-1439F1E66A5D}"/>
               </a:ext>
             </a:extLst>
           </p:cNvPr>
@@ -7302,7 +7205,7 @@
           <p:cNvPr id="43" name="Straight Connector 42">
             <a:extLst>
               <a:ext uri="{FF2B5EF4-FFF2-40B4-BE49-F238E27FC236}">
-                <a16:creationId xmlns="" xmlns:a16="http://schemas.microsoft.com/office/drawing/2014/main" id="{3671F84C-43EB-4E83-B34F-C5EA539A58EC}"/>
+                <a16:creationId xmlns:a16="http://schemas.microsoft.com/office/drawing/2014/main" id="{3671F84C-43EB-4E83-B34F-C5EA539A58EC}"/>
               </a:ext>
             </a:extLst>
           </p:cNvPr>
@@ -7341,7 +7244,7 @@
           <p:cNvPr id="44" name="Straight Connector 43">
             <a:extLst>
               <a:ext uri="{FF2B5EF4-FFF2-40B4-BE49-F238E27FC236}">
-                <a16:creationId xmlns="" xmlns:a16="http://schemas.microsoft.com/office/drawing/2014/main" id="{61E9DF07-49B0-4931-B28A-3220297F1ADF}"/>
+                <a16:creationId xmlns:a16="http://schemas.microsoft.com/office/drawing/2014/main" id="{61E9DF07-49B0-4931-B28A-3220297F1ADF}"/>
               </a:ext>
             </a:extLst>
           </p:cNvPr>
@@ -7440,7 +7343,7 @@
           <p:cNvPr id="11" name="TextBox 10">
             <a:extLst>
               <a:ext uri="{FF2B5EF4-FFF2-40B4-BE49-F238E27FC236}">
-                <a16:creationId xmlns="" xmlns:a16="http://schemas.microsoft.com/office/drawing/2014/main" id="{EF22747B-4BA2-49BB-8FCA-013B956D6605}"/>
+                <a16:creationId xmlns:a16="http://schemas.microsoft.com/office/drawing/2014/main" id="{EF22747B-4BA2-49BB-8FCA-013B956D6605}"/>
               </a:ext>
             </a:extLst>
           </p:cNvPr>
@@ -7481,39 +7384,7 @@
                   <a:srgbClr val="FF0000"/>
                 </a:solidFill>
               </a:rPr>
-              <a:t>B, </a:t>
-            </a:r>
-            <a:r>
-              <a:rPr lang="en-US" sz="2400" dirty="0" smtClean="0">
-                <a:solidFill>
-                  <a:srgbClr val="FF0000"/>
-                </a:solidFill>
-              </a:rPr>
-              <a:t>C, </a:t>
-            </a:r>
-            <a:r>
-              <a:rPr lang="en-US" sz="2400" dirty="0">
-                <a:solidFill>
-                  <a:srgbClr val="FF0000"/>
-                </a:solidFill>
-              </a:rPr>
-              <a:t>A</a:t>
-            </a:r>
-            <a:r>
-              <a:rPr lang="en-US" sz="2400" dirty="0" smtClean="0">
-                <a:solidFill>
-                  <a:srgbClr val="FF0000"/>
-                </a:solidFill>
-              </a:rPr>
-              <a:t>, </a:t>
-            </a:r>
-            <a:r>
-              <a:rPr lang="en-US" sz="2400" dirty="0">
-                <a:solidFill>
-                  <a:srgbClr val="FF0000"/>
-                </a:solidFill>
-              </a:rPr>
-              <a:t>E</a:t>
+              <a:t>B, C, A, E</a:t>
             </a:r>
             <a:r>
               <a:rPr lang="en-US" sz="2400" dirty="0"/>
@@ -7526,15 +7397,7 @@
           <a:p>
             <a:r>
               <a:rPr lang="en-US" sz="2400" dirty="0"/>
-              <a:t>B &amp; </a:t>
-            </a:r>
-            <a:r>
-              <a:rPr lang="en-US" sz="2400" dirty="0" smtClean="0"/>
-              <a:t>C </a:t>
-            </a:r>
-            <a:r>
-              <a:rPr lang="en-US" sz="2400" dirty="0"/>
-              <a:t>already exists in this branch, so increment </a:t>
+              <a:t>B &amp; C already exists in this branch, so increment </a:t>
             </a:r>
             <a:r>
               <a:rPr lang="en-US" sz="2400" dirty="0">
@@ -7549,20 +7412,12 @@
               <a:t>and </a:t>
             </a:r>
             <a:r>
-              <a:rPr lang="en-US" sz="2400" dirty="0" smtClean="0">
+              <a:rPr lang="en-US" sz="2400" dirty="0">
                 <a:solidFill>
                   <a:srgbClr val="002060"/>
                 </a:solidFill>
               </a:rPr>
-              <a:t>C </a:t>
-            </a:r>
-            <a:r>
-              <a:rPr lang="en-US" sz="2400" dirty="0">
-                <a:solidFill>
-                  <a:srgbClr val="002060"/>
-                </a:solidFill>
-              </a:rPr>
-              <a:t>to 2</a:t>
+              <a:t>C to 2</a:t>
             </a:r>
           </a:p>
           <a:p>
@@ -7572,25 +7427,19 @@
           </a:p>
           <a:p>
             <a:r>
-              <a:rPr lang="en-US" sz="2400" dirty="0" smtClean="0">
+              <a:rPr lang="en-US" sz="2400" dirty="0">
                 <a:solidFill>
                   <a:srgbClr val="FF0000"/>
                 </a:solidFill>
                 <a:sym typeface="Wingdings" panose="05000000000000000000" pitchFamily="2" charset="2"/>
               </a:rPr>
               <a:t>A</a:t>
-            </a:r>
-            <a:r>
-              <a:rPr lang="en-US" sz="2400" dirty="0" smtClean="0">
-                <a:sym typeface="Wingdings" panose="05000000000000000000" pitchFamily="2" charset="2"/>
-              </a:rPr>
-              <a:t> </a:t>
             </a:r>
             <a:r>
               <a:rPr lang="en-US" sz="2400" dirty="0">
                 <a:sym typeface="Wingdings" panose="05000000000000000000" pitchFamily="2" charset="2"/>
               </a:rPr>
-              <a:t>and </a:t>
+              <a:t> and </a:t>
             </a:r>
             <a:r>
               <a:rPr lang="en-US" sz="2400" dirty="0">
@@ -7608,22 +7457,13 @@
               <a:t> are new in this branch, so add </a:t>
             </a:r>
             <a:r>
-              <a:rPr lang="en-US" sz="2400" dirty="0" smtClean="0">
+              <a:rPr lang="en-US" sz="2400" dirty="0">
                 <a:solidFill>
                   <a:srgbClr val="FF0000"/>
                 </a:solidFill>
                 <a:sym typeface="Wingdings" panose="05000000000000000000" pitchFamily="2" charset="2"/>
               </a:rPr>
-              <a:t>A: </a:t>
-            </a:r>
-            <a:r>
-              <a:rPr lang="en-US" sz="2400" dirty="0">
-                <a:solidFill>
-                  <a:srgbClr val="FF0000"/>
-                </a:solidFill>
-                <a:sym typeface="Wingdings" panose="05000000000000000000" pitchFamily="2" charset="2"/>
-              </a:rPr>
-              <a:t>1 </a:t>
+              <a:t>A: 1 </a:t>
             </a:r>
             <a:r>
               <a:rPr lang="en-US" sz="2400" dirty="0">
@@ -7648,7 +7488,7 @@
           <p:cNvPr id="47" name="Oval 46">
             <a:extLst>
               <a:ext uri="{FF2B5EF4-FFF2-40B4-BE49-F238E27FC236}">
-                <a16:creationId xmlns="" xmlns:a16="http://schemas.microsoft.com/office/drawing/2014/main" id="{6790BD35-3A48-4FA4-A1DD-25EAA7D259C1}"/>
+                <a16:creationId xmlns:a16="http://schemas.microsoft.com/office/drawing/2014/main" id="{6790BD35-3A48-4FA4-A1DD-25EAA7D259C1}"/>
               </a:ext>
             </a:extLst>
           </p:cNvPr>
@@ -7692,20 +7532,12 @@
           <a:p>
             <a:pPr algn="ctr"/>
             <a:r>
-              <a:rPr lang="en-US" sz="1600" dirty="0" smtClean="0">
+              <a:rPr lang="en-US" sz="1600" dirty="0">
                 <a:solidFill>
                   <a:schemeClr val="tx1"/>
                 </a:solidFill>
               </a:rPr>
-              <a:t>C: </a:t>
-            </a:r>
-            <a:r>
-              <a:rPr lang="en-US" sz="1600" dirty="0" smtClean="0">
-                <a:solidFill>
-                  <a:schemeClr val="tx1"/>
-                </a:solidFill>
-              </a:rPr>
-              <a:t>2</a:t>
+              <a:t>C: 2</a:t>
             </a:r>
             <a:endParaRPr lang="en-PH" sz="1600" dirty="0">
               <a:solidFill>
@@ -7720,7 +7552,7 @@
           <p:cNvPr id="48" name="Oval 47">
             <a:extLst>
               <a:ext uri="{FF2B5EF4-FFF2-40B4-BE49-F238E27FC236}">
-                <a16:creationId xmlns="" xmlns:a16="http://schemas.microsoft.com/office/drawing/2014/main" id="{6790BD35-3A48-4FA4-A1DD-25EAA7D259C1}"/>
+                <a16:creationId xmlns:a16="http://schemas.microsoft.com/office/drawing/2014/main" id="{6790BD35-3A48-4FA4-A1DD-25EAA7D259C1}"/>
               </a:ext>
             </a:extLst>
           </p:cNvPr>
@@ -7764,20 +7596,12 @@
           <a:p>
             <a:pPr algn="ctr"/>
             <a:r>
-              <a:rPr lang="en-US" sz="1600" dirty="0" smtClean="0">
+              <a:rPr lang="en-US" sz="1600" dirty="0">
                 <a:solidFill>
                   <a:schemeClr val="tx1"/>
                 </a:solidFill>
               </a:rPr>
-              <a:t>E: </a:t>
-            </a:r>
-            <a:r>
-              <a:rPr lang="en-US" sz="1600" dirty="0">
-                <a:solidFill>
-                  <a:schemeClr val="tx1"/>
-                </a:solidFill>
-              </a:rPr>
-              <a:t>1</a:t>
+              <a:t>E: 1</a:t>
             </a:r>
             <a:endParaRPr lang="en-PH" sz="1600" dirty="0">
               <a:solidFill>
@@ -7792,7 +7616,7 @@
           <p:cNvPr id="49" name="Straight Connector 48">
             <a:extLst>
               <a:ext uri="{FF2B5EF4-FFF2-40B4-BE49-F238E27FC236}">
-                <a16:creationId xmlns="" xmlns:a16="http://schemas.microsoft.com/office/drawing/2014/main" id="{D5CBC4E2-B7D8-4BA4-91B1-1439F1E66A5D}"/>
+                <a16:creationId xmlns:a16="http://schemas.microsoft.com/office/drawing/2014/main" id="{D5CBC4E2-B7D8-4BA4-91B1-1439F1E66A5D}"/>
               </a:ext>
             </a:extLst>
           </p:cNvPr>
@@ -7830,7 +7654,7 @@
           <p:cNvPr id="50" name="Straight Connector 49">
             <a:extLst>
               <a:ext uri="{FF2B5EF4-FFF2-40B4-BE49-F238E27FC236}">
-                <a16:creationId xmlns="" xmlns:a16="http://schemas.microsoft.com/office/drawing/2014/main" id="{D5CBC4E2-B7D8-4BA4-91B1-1439F1E66A5D}"/>
+                <a16:creationId xmlns:a16="http://schemas.microsoft.com/office/drawing/2014/main" id="{D5CBC4E2-B7D8-4BA4-91B1-1439F1E66A5D}"/>
               </a:ext>
             </a:extLst>
           </p:cNvPr>
@@ -7869,7 +7693,7 @@
           <p:cNvPr id="51" name="Oval 50">
             <a:extLst>
               <a:ext uri="{FF2B5EF4-FFF2-40B4-BE49-F238E27FC236}">
-                <a16:creationId xmlns="" xmlns:a16="http://schemas.microsoft.com/office/drawing/2014/main" id="{FF465D5F-EE40-4CF1-B973-7087C70611E4}"/>
+                <a16:creationId xmlns:a16="http://schemas.microsoft.com/office/drawing/2014/main" id="{FF465D5F-EE40-4CF1-B973-7087C70611E4}"/>
               </a:ext>
             </a:extLst>
           </p:cNvPr>
@@ -7933,7 +7757,7 @@
           <p:cNvPr id="52" name="Oval 51">
             <a:extLst>
               <a:ext uri="{FF2B5EF4-FFF2-40B4-BE49-F238E27FC236}">
-                <a16:creationId xmlns="" xmlns:a16="http://schemas.microsoft.com/office/drawing/2014/main" id="{39C548D5-2D23-4238-82DF-921D2E3334F9}"/>
+                <a16:creationId xmlns:a16="http://schemas.microsoft.com/office/drawing/2014/main" id="{39C548D5-2D23-4238-82DF-921D2E3334F9}"/>
               </a:ext>
             </a:extLst>
           </p:cNvPr>
@@ -7997,7 +7821,7 @@
           <p:cNvPr id="53" name="Oval 52">
             <a:extLst>
               <a:ext uri="{FF2B5EF4-FFF2-40B4-BE49-F238E27FC236}">
-                <a16:creationId xmlns="" xmlns:a16="http://schemas.microsoft.com/office/drawing/2014/main" id="{D370CE05-94D0-4DB6-BE29-980F92475FAA}"/>
+                <a16:creationId xmlns:a16="http://schemas.microsoft.com/office/drawing/2014/main" id="{D370CE05-94D0-4DB6-BE29-980F92475FAA}"/>
               </a:ext>
             </a:extLst>
           </p:cNvPr>
@@ -8061,7 +7885,7 @@
           <p:cNvPr id="54" name="Straight Connector 53">
             <a:extLst>
               <a:ext uri="{FF2B5EF4-FFF2-40B4-BE49-F238E27FC236}">
-                <a16:creationId xmlns="" xmlns:a16="http://schemas.microsoft.com/office/drawing/2014/main" id="{D5CBC4E2-B7D8-4BA4-91B1-1439F1E66A5D}"/>
+                <a16:creationId xmlns:a16="http://schemas.microsoft.com/office/drawing/2014/main" id="{D5CBC4E2-B7D8-4BA4-91B1-1439F1E66A5D}"/>
               </a:ext>
             </a:extLst>
           </p:cNvPr>
@@ -8099,7 +7923,7 @@
           <p:cNvPr id="55" name="Straight Connector 54">
             <a:extLst>
               <a:ext uri="{FF2B5EF4-FFF2-40B4-BE49-F238E27FC236}">
-                <a16:creationId xmlns="" xmlns:a16="http://schemas.microsoft.com/office/drawing/2014/main" id="{3671F84C-43EB-4E83-B34F-C5EA539A58EC}"/>
+                <a16:creationId xmlns:a16="http://schemas.microsoft.com/office/drawing/2014/main" id="{3671F84C-43EB-4E83-B34F-C5EA539A58EC}"/>
               </a:ext>
             </a:extLst>
           </p:cNvPr>
@@ -8138,7 +7962,7 @@
           <p:cNvPr id="56" name="Straight Connector 55">
             <a:extLst>
               <a:ext uri="{FF2B5EF4-FFF2-40B4-BE49-F238E27FC236}">
-                <a16:creationId xmlns="" xmlns:a16="http://schemas.microsoft.com/office/drawing/2014/main" id="{61E9DF07-49B0-4931-B28A-3220297F1ADF}"/>
+                <a16:creationId xmlns:a16="http://schemas.microsoft.com/office/drawing/2014/main" id="{61E9DF07-49B0-4931-B28A-3220297F1ADF}"/>
               </a:ext>
             </a:extLst>
           </p:cNvPr>
@@ -8178,7 +8002,7 @@
           <p:cNvPr id="57" name="Oval 56">
             <a:extLst>
               <a:ext uri="{FF2B5EF4-FFF2-40B4-BE49-F238E27FC236}">
-                <a16:creationId xmlns="" xmlns:a16="http://schemas.microsoft.com/office/drawing/2014/main" id="{6790BD35-3A48-4FA4-A1DD-25EAA7D259C1}"/>
+                <a16:creationId xmlns:a16="http://schemas.microsoft.com/office/drawing/2014/main" id="{6790BD35-3A48-4FA4-A1DD-25EAA7D259C1}"/>
               </a:ext>
             </a:extLst>
           </p:cNvPr>
@@ -8227,15 +8051,7 @@
                   <a:schemeClr val="tx1"/>
                 </a:solidFill>
               </a:rPr>
-              <a:t>B: </a:t>
-            </a:r>
-            <a:r>
-              <a:rPr lang="en-US" sz="1600" dirty="0" smtClean="0">
-                <a:solidFill>
-                  <a:schemeClr val="tx1"/>
-                </a:solidFill>
-              </a:rPr>
-              <a:t>3</a:t>
+              <a:t>B: 3</a:t>
             </a:r>
             <a:endParaRPr lang="en-PH" sz="1600" dirty="0">
               <a:solidFill>
@@ -8250,7 +8066,7 @@
           <p:cNvPr id="58" name="Oval 57">
             <a:extLst>
               <a:ext uri="{FF2B5EF4-FFF2-40B4-BE49-F238E27FC236}">
-                <a16:creationId xmlns="" xmlns:a16="http://schemas.microsoft.com/office/drawing/2014/main" id="{6790BD35-3A48-4FA4-A1DD-25EAA7D259C1}"/>
+                <a16:creationId xmlns:a16="http://schemas.microsoft.com/office/drawing/2014/main" id="{6790BD35-3A48-4FA4-A1DD-25EAA7D259C1}"/>
               </a:ext>
             </a:extLst>
           </p:cNvPr>
@@ -8294,20 +8110,12 @@
           <a:p>
             <a:pPr algn="ctr"/>
             <a:r>
-              <a:rPr lang="en-US" sz="1600" dirty="0" smtClean="0">
+              <a:rPr lang="en-US" sz="1600" dirty="0">
                 <a:solidFill>
                   <a:schemeClr val="tx1"/>
                 </a:solidFill>
               </a:rPr>
-              <a:t>A: </a:t>
-            </a:r>
-            <a:r>
-              <a:rPr lang="en-US" sz="1600" dirty="0">
-                <a:solidFill>
-                  <a:schemeClr val="tx1"/>
-                </a:solidFill>
-              </a:rPr>
-              <a:t>1</a:t>
+              <a:t>A: 1</a:t>
             </a:r>
             <a:endParaRPr lang="en-PH" sz="1600" dirty="0">
               <a:solidFill>
@@ -8322,7 +8130,7 @@
           <p:cNvPr id="59" name="Oval 58">
             <a:extLst>
               <a:ext uri="{FF2B5EF4-FFF2-40B4-BE49-F238E27FC236}">
-                <a16:creationId xmlns="" xmlns:a16="http://schemas.microsoft.com/office/drawing/2014/main" id="{6790BD35-3A48-4FA4-A1DD-25EAA7D259C1}"/>
+                <a16:creationId xmlns:a16="http://schemas.microsoft.com/office/drawing/2014/main" id="{6790BD35-3A48-4FA4-A1DD-25EAA7D259C1}"/>
               </a:ext>
             </a:extLst>
           </p:cNvPr>
@@ -8366,20 +8174,12 @@
           <a:p>
             <a:pPr algn="ctr"/>
             <a:r>
-              <a:rPr lang="en-US" sz="1600" dirty="0" smtClean="0">
+              <a:rPr lang="en-US" sz="1600" dirty="0">
                 <a:solidFill>
                   <a:schemeClr val="tx1"/>
                 </a:solidFill>
               </a:rPr>
-              <a:t>E: </a:t>
-            </a:r>
-            <a:r>
-              <a:rPr lang="en-US" sz="1600" dirty="0">
-                <a:solidFill>
-                  <a:schemeClr val="tx1"/>
-                </a:solidFill>
-              </a:rPr>
-              <a:t>1</a:t>
+              <a:t>E: 1</a:t>
             </a:r>
             <a:endParaRPr lang="en-PH" sz="1600" dirty="0">
               <a:solidFill>
@@ -8394,7 +8194,7 @@
           <p:cNvPr id="60" name="Straight Connector 59">
             <a:extLst>
               <a:ext uri="{FF2B5EF4-FFF2-40B4-BE49-F238E27FC236}">
-                <a16:creationId xmlns="" xmlns:a16="http://schemas.microsoft.com/office/drawing/2014/main" id="{D5CBC4E2-B7D8-4BA4-91B1-1439F1E66A5D}"/>
+                <a16:creationId xmlns:a16="http://schemas.microsoft.com/office/drawing/2014/main" id="{D5CBC4E2-B7D8-4BA4-91B1-1439F1E66A5D}"/>
               </a:ext>
             </a:extLst>
           </p:cNvPr>
@@ -8433,7 +8233,7 @@
           <p:cNvPr id="66" name="Straight Connector 65">
             <a:extLst>
               <a:ext uri="{FF2B5EF4-FFF2-40B4-BE49-F238E27FC236}">
-                <a16:creationId xmlns="" xmlns:a16="http://schemas.microsoft.com/office/drawing/2014/main" id="{D5CBC4E2-B7D8-4BA4-91B1-1439F1E66A5D}"/>
+                <a16:creationId xmlns:a16="http://schemas.microsoft.com/office/drawing/2014/main" id="{D5CBC4E2-B7D8-4BA4-91B1-1439F1E66A5D}"/>
               </a:ext>
             </a:extLst>
           </p:cNvPr>
@@ -8597,13 +8397,6 @@
   <p:clrMapOvr>
     <a:masterClrMapping/>
   </p:clrMapOvr>
-  <p:timing>
-    <p:tnLst>
-      <p:par>
-        <p:cTn id="1" dur="indefinite" restart="never" nodeType="tmRoot"/>
-      </p:par>
-    </p:tnLst>
-  </p:timing>
 </p:sld>
 </file>
 
@@ -8658,7 +8451,7 @@
           <p:cNvPr id="11" name="TextBox 10">
             <a:extLst>
               <a:ext uri="{FF2B5EF4-FFF2-40B4-BE49-F238E27FC236}">
-                <a16:creationId xmlns="" xmlns:a16="http://schemas.microsoft.com/office/drawing/2014/main" id="{EF22747B-4BA2-49BB-8FCA-013B956D6605}"/>
+                <a16:creationId xmlns:a16="http://schemas.microsoft.com/office/drawing/2014/main" id="{EF22747B-4BA2-49BB-8FCA-013B956D6605}"/>
               </a:ext>
             </a:extLst>
           </p:cNvPr>
@@ -8759,23 +8552,8 @@
                 </a:solidFill>
                 <a:sym typeface="Wingdings" panose="05000000000000000000" pitchFamily="2" charset="2"/>
               </a:rPr>
-              <a:t>C to </a:t>
-            </a:r>
-            <a:r>
-              <a:rPr lang="en-US" sz="2400" b="1" dirty="0" smtClean="0">
-                <a:solidFill>
-                  <a:srgbClr val="FF0000"/>
-                </a:solidFill>
-                <a:sym typeface="Wingdings" panose="05000000000000000000" pitchFamily="2" charset="2"/>
-              </a:rPr>
-              <a:t>3</a:t>
-            </a:r>
-            <a:endParaRPr lang="en-US" sz="2400" b="1" dirty="0">
-              <a:solidFill>
-                <a:srgbClr val="FF0000"/>
-              </a:solidFill>
-              <a:sym typeface="Wingdings" panose="05000000000000000000" pitchFamily="2" charset="2"/>
-            </a:endParaRPr>
+              <a:t>C to 3</a:t>
+            </a:r>
           </a:p>
         </p:txBody>
       </p:sp>
@@ -8784,7 +8562,7 @@
           <p:cNvPr id="55" name="Oval 54">
             <a:extLst>
               <a:ext uri="{FF2B5EF4-FFF2-40B4-BE49-F238E27FC236}">
-                <a16:creationId xmlns="" xmlns:a16="http://schemas.microsoft.com/office/drawing/2014/main" id="{6790BD35-3A48-4FA4-A1DD-25EAA7D259C1}"/>
+                <a16:creationId xmlns:a16="http://schemas.microsoft.com/office/drawing/2014/main" id="{6790BD35-3A48-4FA4-A1DD-25EAA7D259C1}"/>
               </a:ext>
             </a:extLst>
           </p:cNvPr>
@@ -8828,7 +8606,7 @@
           <a:p>
             <a:pPr algn="ctr"/>
             <a:r>
-              <a:rPr lang="en-US" sz="1600" dirty="0" smtClean="0">
+              <a:rPr lang="en-US" sz="1600" dirty="0">
                 <a:solidFill>
                   <a:schemeClr val="tx1"/>
                 </a:solidFill>
@@ -8848,7 +8626,7 @@
           <p:cNvPr id="56" name="Oval 55">
             <a:extLst>
               <a:ext uri="{FF2B5EF4-FFF2-40B4-BE49-F238E27FC236}">
-                <a16:creationId xmlns="" xmlns:a16="http://schemas.microsoft.com/office/drawing/2014/main" id="{6790BD35-3A48-4FA4-A1DD-25EAA7D259C1}"/>
+                <a16:creationId xmlns:a16="http://schemas.microsoft.com/office/drawing/2014/main" id="{6790BD35-3A48-4FA4-A1DD-25EAA7D259C1}"/>
               </a:ext>
             </a:extLst>
           </p:cNvPr>
@@ -8892,20 +8670,12 @@
           <a:p>
             <a:pPr algn="ctr"/>
             <a:r>
-              <a:rPr lang="en-US" sz="1600" dirty="0" smtClean="0">
+              <a:rPr lang="en-US" sz="1600" dirty="0">
                 <a:solidFill>
                   <a:schemeClr val="tx1"/>
                 </a:solidFill>
               </a:rPr>
-              <a:t>E: </a:t>
-            </a:r>
-            <a:r>
-              <a:rPr lang="en-US" sz="1600" dirty="0">
-                <a:solidFill>
-                  <a:schemeClr val="tx1"/>
-                </a:solidFill>
-              </a:rPr>
-              <a:t>1</a:t>
+              <a:t>E: 1</a:t>
             </a:r>
             <a:endParaRPr lang="en-PH" sz="1600" dirty="0">
               <a:solidFill>
@@ -8920,7 +8690,7 @@
           <p:cNvPr id="57" name="Straight Connector 56">
             <a:extLst>
               <a:ext uri="{FF2B5EF4-FFF2-40B4-BE49-F238E27FC236}">
-                <a16:creationId xmlns="" xmlns:a16="http://schemas.microsoft.com/office/drawing/2014/main" id="{D5CBC4E2-B7D8-4BA4-91B1-1439F1E66A5D}"/>
+                <a16:creationId xmlns:a16="http://schemas.microsoft.com/office/drawing/2014/main" id="{D5CBC4E2-B7D8-4BA4-91B1-1439F1E66A5D}"/>
               </a:ext>
             </a:extLst>
           </p:cNvPr>
@@ -8958,7 +8728,7 @@
           <p:cNvPr id="58" name="Straight Connector 57">
             <a:extLst>
               <a:ext uri="{FF2B5EF4-FFF2-40B4-BE49-F238E27FC236}">
-                <a16:creationId xmlns="" xmlns:a16="http://schemas.microsoft.com/office/drawing/2014/main" id="{D5CBC4E2-B7D8-4BA4-91B1-1439F1E66A5D}"/>
+                <a16:creationId xmlns:a16="http://schemas.microsoft.com/office/drawing/2014/main" id="{D5CBC4E2-B7D8-4BA4-91B1-1439F1E66A5D}"/>
               </a:ext>
             </a:extLst>
           </p:cNvPr>
@@ -8997,7 +8767,7 @@
           <p:cNvPr id="59" name="Oval 58">
             <a:extLst>
               <a:ext uri="{FF2B5EF4-FFF2-40B4-BE49-F238E27FC236}">
-                <a16:creationId xmlns="" xmlns:a16="http://schemas.microsoft.com/office/drawing/2014/main" id="{FF465D5F-EE40-4CF1-B973-7087C70611E4}"/>
+                <a16:creationId xmlns:a16="http://schemas.microsoft.com/office/drawing/2014/main" id="{FF465D5F-EE40-4CF1-B973-7087C70611E4}"/>
               </a:ext>
             </a:extLst>
           </p:cNvPr>
@@ -9061,7 +8831,7 @@
           <p:cNvPr id="60" name="Oval 59">
             <a:extLst>
               <a:ext uri="{FF2B5EF4-FFF2-40B4-BE49-F238E27FC236}">
-                <a16:creationId xmlns="" xmlns:a16="http://schemas.microsoft.com/office/drawing/2014/main" id="{39C548D5-2D23-4238-82DF-921D2E3334F9}"/>
+                <a16:creationId xmlns:a16="http://schemas.microsoft.com/office/drawing/2014/main" id="{39C548D5-2D23-4238-82DF-921D2E3334F9}"/>
               </a:ext>
             </a:extLst>
           </p:cNvPr>
@@ -9125,7 +8895,7 @@
           <p:cNvPr id="61" name="Oval 60">
             <a:extLst>
               <a:ext uri="{FF2B5EF4-FFF2-40B4-BE49-F238E27FC236}">
-                <a16:creationId xmlns="" xmlns:a16="http://schemas.microsoft.com/office/drawing/2014/main" id="{D370CE05-94D0-4DB6-BE29-980F92475FAA}"/>
+                <a16:creationId xmlns:a16="http://schemas.microsoft.com/office/drawing/2014/main" id="{D370CE05-94D0-4DB6-BE29-980F92475FAA}"/>
               </a:ext>
             </a:extLst>
           </p:cNvPr>
@@ -9189,7 +8959,7 @@
           <p:cNvPr id="62" name="Straight Connector 61">
             <a:extLst>
               <a:ext uri="{FF2B5EF4-FFF2-40B4-BE49-F238E27FC236}">
-                <a16:creationId xmlns="" xmlns:a16="http://schemas.microsoft.com/office/drawing/2014/main" id="{D5CBC4E2-B7D8-4BA4-91B1-1439F1E66A5D}"/>
+                <a16:creationId xmlns:a16="http://schemas.microsoft.com/office/drawing/2014/main" id="{D5CBC4E2-B7D8-4BA4-91B1-1439F1E66A5D}"/>
               </a:ext>
             </a:extLst>
           </p:cNvPr>
@@ -9227,7 +8997,7 @@
           <p:cNvPr id="63" name="Straight Connector 62">
             <a:extLst>
               <a:ext uri="{FF2B5EF4-FFF2-40B4-BE49-F238E27FC236}">
-                <a16:creationId xmlns="" xmlns:a16="http://schemas.microsoft.com/office/drawing/2014/main" id="{3671F84C-43EB-4E83-B34F-C5EA539A58EC}"/>
+                <a16:creationId xmlns:a16="http://schemas.microsoft.com/office/drawing/2014/main" id="{3671F84C-43EB-4E83-B34F-C5EA539A58EC}"/>
               </a:ext>
             </a:extLst>
           </p:cNvPr>
@@ -9266,7 +9036,7 @@
           <p:cNvPr id="64" name="Straight Connector 63">
             <a:extLst>
               <a:ext uri="{FF2B5EF4-FFF2-40B4-BE49-F238E27FC236}">
-                <a16:creationId xmlns="" xmlns:a16="http://schemas.microsoft.com/office/drawing/2014/main" id="{61E9DF07-49B0-4931-B28A-3220297F1ADF}"/>
+                <a16:creationId xmlns:a16="http://schemas.microsoft.com/office/drawing/2014/main" id="{61E9DF07-49B0-4931-B28A-3220297F1ADF}"/>
               </a:ext>
             </a:extLst>
           </p:cNvPr>
@@ -9306,7 +9076,7 @@
           <p:cNvPr id="65" name="Oval 64">
             <a:extLst>
               <a:ext uri="{FF2B5EF4-FFF2-40B4-BE49-F238E27FC236}">
-                <a16:creationId xmlns="" xmlns:a16="http://schemas.microsoft.com/office/drawing/2014/main" id="{6790BD35-3A48-4FA4-A1DD-25EAA7D259C1}"/>
+                <a16:creationId xmlns:a16="http://schemas.microsoft.com/office/drawing/2014/main" id="{6790BD35-3A48-4FA4-A1DD-25EAA7D259C1}"/>
               </a:ext>
             </a:extLst>
           </p:cNvPr>
@@ -9355,15 +9125,7 @@
                   <a:schemeClr val="tx1"/>
                 </a:solidFill>
               </a:rPr>
-              <a:t>B: </a:t>
-            </a:r>
-            <a:r>
-              <a:rPr lang="en-US" sz="1600" dirty="0" smtClean="0">
-                <a:solidFill>
-                  <a:schemeClr val="tx1"/>
-                </a:solidFill>
-              </a:rPr>
-              <a:t>4</a:t>
+              <a:t>B: 4</a:t>
             </a:r>
             <a:endParaRPr lang="en-PH" sz="1600" dirty="0">
               <a:solidFill>
@@ -9378,7 +9140,7 @@
           <p:cNvPr id="66" name="Oval 65">
             <a:extLst>
               <a:ext uri="{FF2B5EF4-FFF2-40B4-BE49-F238E27FC236}">
-                <a16:creationId xmlns="" xmlns:a16="http://schemas.microsoft.com/office/drawing/2014/main" id="{6790BD35-3A48-4FA4-A1DD-25EAA7D259C1}"/>
+                <a16:creationId xmlns:a16="http://schemas.microsoft.com/office/drawing/2014/main" id="{6790BD35-3A48-4FA4-A1DD-25EAA7D259C1}"/>
               </a:ext>
             </a:extLst>
           </p:cNvPr>
@@ -9422,20 +9184,12 @@
           <a:p>
             <a:pPr algn="ctr"/>
             <a:r>
-              <a:rPr lang="en-US" sz="1600" dirty="0" smtClean="0">
+              <a:rPr lang="en-US" sz="1600" dirty="0">
                 <a:solidFill>
                   <a:schemeClr val="tx1"/>
                 </a:solidFill>
               </a:rPr>
-              <a:t>A: </a:t>
-            </a:r>
-            <a:r>
-              <a:rPr lang="en-US" sz="1600" dirty="0">
-                <a:solidFill>
-                  <a:schemeClr val="tx1"/>
-                </a:solidFill>
-              </a:rPr>
-              <a:t>1</a:t>
+              <a:t>A: 1</a:t>
             </a:r>
             <a:endParaRPr lang="en-PH" sz="1600" dirty="0">
               <a:solidFill>
@@ -9450,7 +9204,7 @@
           <p:cNvPr id="67" name="Oval 66">
             <a:extLst>
               <a:ext uri="{FF2B5EF4-FFF2-40B4-BE49-F238E27FC236}">
-                <a16:creationId xmlns="" xmlns:a16="http://schemas.microsoft.com/office/drawing/2014/main" id="{6790BD35-3A48-4FA4-A1DD-25EAA7D259C1}"/>
+                <a16:creationId xmlns:a16="http://schemas.microsoft.com/office/drawing/2014/main" id="{6790BD35-3A48-4FA4-A1DD-25EAA7D259C1}"/>
               </a:ext>
             </a:extLst>
           </p:cNvPr>
@@ -9494,20 +9248,12 @@
           <a:p>
             <a:pPr algn="ctr"/>
             <a:r>
-              <a:rPr lang="en-US" sz="1600" dirty="0" smtClean="0">
+              <a:rPr lang="en-US" sz="1600" dirty="0">
                 <a:solidFill>
                   <a:schemeClr val="tx1"/>
                 </a:solidFill>
               </a:rPr>
-              <a:t>E: </a:t>
-            </a:r>
-            <a:r>
-              <a:rPr lang="en-US" sz="1600" dirty="0">
-                <a:solidFill>
-                  <a:schemeClr val="tx1"/>
-                </a:solidFill>
-              </a:rPr>
-              <a:t>1</a:t>
+              <a:t>E: 1</a:t>
             </a:r>
             <a:endParaRPr lang="en-PH" sz="1600" dirty="0">
               <a:solidFill>
@@ -9522,7 +9268,7 @@
           <p:cNvPr id="68" name="Straight Connector 67">
             <a:extLst>
               <a:ext uri="{FF2B5EF4-FFF2-40B4-BE49-F238E27FC236}">
-                <a16:creationId xmlns="" xmlns:a16="http://schemas.microsoft.com/office/drawing/2014/main" id="{D5CBC4E2-B7D8-4BA4-91B1-1439F1E66A5D}"/>
+                <a16:creationId xmlns:a16="http://schemas.microsoft.com/office/drawing/2014/main" id="{D5CBC4E2-B7D8-4BA4-91B1-1439F1E66A5D}"/>
               </a:ext>
             </a:extLst>
           </p:cNvPr>
@@ -9561,7 +9307,7 @@
           <p:cNvPr id="69" name="Straight Connector 68">
             <a:extLst>
               <a:ext uri="{FF2B5EF4-FFF2-40B4-BE49-F238E27FC236}">
-                <a16:creationId xmlns="" xmlns:a16="http://schemas.microsoft.com/office/drawing/2014/main" id="{D5CBC4E2-B7D8-4BA4-91B1-1439F1E66A5D}"/>
+                <a16:creationId xmlns:a16="http://schemas.microsoft.com/office/drawing/2014/main" id="{D5CBC4E2-B7D8-4BA4-91B1-1439F1E66A5D}"/>
               </a:ext>
             </a:extLst>
           </p:cNvPr>
@@ -9659,7 +9405,7 @@
           <p:cNvPr id="11" name="TextBox 10">
             <a:extLst>
               <a:ext uri="{FF2B5EF4-FFF2-40B4-BE49-F238E27FC236}">
-                <a16:creationId xmlns="" xmlns:a16="http://schemas.microsoft.com/office/drawing/2014/main" id="{EF22747B-4BA2-49BB-8FCA-013B956D6605}"/>
+                <a16:creationId xmlns:a16="http://schemas.microsoft.com/office/drawing/2014/main" id="{EF22747B-4BA2-49BB-8FCA-013B956D6605}"/>
               </a:ext>
             </a:extLst>
           </p:cNvPr>
@@ -9684,22 +9430,18 @@
           <a:p>
             <a:r>
               <a:rPr lang="en-US" sz="2400" dirty="0"/>
-              <a:t>Transaction </a:t>
-            </a:r>
-            <a:r>
-              <a:rPr lang="en-US" sz="2400" dirty="0" smtClean="0"/>
-              <a:t>T5</a:t>
-            </a:r>
-            <a:r>
-              <a:rPr lang="en-US" sz="2400" b="1" dirty="0" smtClean="0"/>
+              <a:t>Transaction T5</a:t>
+            </a:r>
+            <a:r>
+              <a:rPr lang="en-US" sz="2400" b="1" dirty="0"/>
               <a:t>: </a:t>
             </a:r>
             <a:r>
-              <a:rPr lang="en-US" sz="2400" dirty="0" smtClean="0"/>
+              <a:rPr lang="en-US" sz="2400" dirty="0"/>
               <a:t>({</a:t>
             </a:r>
             <a:r>
-              <a:rPr lang="en-US" sz="2400" dirty="0" smtClean="0">
+              <a:rPr lang="en-US" sz="2400" dirty="0">
                 <a:solidFill>
                   <a:srgbClr val="FF0000"/>
                 </a:solidFill>
@@ -9707,17 +9449,16 @@
               <a:t>C, A, D</a:t>
             </a:r>
             <a:r>
-              <a:rPr lang="en-US" sz="2400" dirty="0" smtClean="0"/>
+              <a:rPr lang="en-US" sz="2400" dirty="0"/>
               <a:t>})</a:t>
             </a:r>
-            <a:endParaRPr lang="en-US" sz="2400" dirty="0"/>
           </a:p>
           <a:p>
             <a:endParaRPr lang="en-US" sz="1000" dirty="0"/>
           </a:p>
           <a:p>
             <a:r>
-              <a:rPr lang="en-US" sz="2400" dirty="0" smtClean="0"/>
+              <a:rPr lang="en-US" sz="2400" dirty="0"/>
               <a:t>Start a new branch C as the first item</a:t>
             </a:r>
             <a:endParaRPr lang="en-US" sz="2400" dirty="0">
@@ -9733,14 +9474,11 @@
           </a:p>
           <a:p>
             <a:r>
-              <a:rPr lang="en-US" sz="2400" dirty="0" smtClean="0">
+              <a:rPr lang="en-US" sz="2400" dirty="0">
                 <a:sym typeface="Wingdings" panose="05000000000000000000" pitchFamily="2" charset="2"/>
               </a:rPr>
               <a:t>Create path C  A  D</a:t>
             </a:r>
-            <a:endParaRPr lang="en-US" sz="2400" dirty="0">
-              <a:sym typeface="Wingdings" panose="05000000000000000000" pitchFamily="2" charset="2"/>
-            </a:endParaRPr>
           </a:p>
         </p:txBody>
       </p:sp>
@@ -9749,7 +9487,7 @@
           <p:cNvPr id="68" name="Oval 67">
             <a:extLst>
               <a:ext uri="{FF2B5EF4-FFF2-40B4-BE49-F238E27FC236}">
-                <a16:creationId xmlns="" xmlns:a16="http://schemas.microsoft.com/office/drawing/2014/main" id="{6790BD35-3A48-4FA4-A1DD-25EAA7D259C1}"/>
+                <a16:creationId xmlns:a16="http://schemas.microsoft.com/office/drawing/2014/main" id="{6790BD35-3A48-4FA4-A1DD-25EAA7D259C1}"/>
               </a:ext>
             </a:extLst>
           </p:cNvPr>
@@ -9793,7 +9531,7 @@
           <a:p>
             <a:pPr algn="ctr"/>
             <a:r>
-              <a:rPr lang="en-US" sz="1600" dirty="0" smtClean="0">
+              <a:rPr lang="en-US" sz="1600" dirty="0">
                 <a:solidFill>
                   <a:schemeClr val="tx1"/>
                 </a:solidFill>
@@ -9813,7 +9551,7 @@
           <p:cNvPr id="69" name="Oval 68">
             <a:extLst>
               <a:ext uri="{FF2B5EF4-FFF2-40B4-BE49-F238E27FC236}">
-                <a16:creationId xmlns="" xmlns:a16="http://schemas.microsoft.com/office/drawing/2014/main" id="{6790BD35-3A48-4FA4-A1DD-25EAA7D259C1}"/>
+                <a16:creationId xmlns:a16="http://schemas.microsoft.com/office/drawing/2014/main" id="{6790BD35-3A48-4FA4-A1DD-25EAA7D259C1}"/>
               </a:ext>
             </a:extLst>
           </p:cNvPr>
@@ -9857,20 +9595,12 @@
           <a:p>
             <a:pPr algn="ctr"/>
             <a:r>
-              <a:rPr lang="en-US" sz="1600" dirty="0" smtClean="0">
+              <a:rPr lang="en-US" sz="1600" dirty="0">
                 <a:solidFill>
                   <a:schemeClr val="tx1"/>
                 </a:solidFill>
               </a:rPr>
-              <a:t>E: </a:t>
-            </a:r>
-            <a:r>
-              <a:rPr lang="en-US" sz="1600" dirty="0">
-                <a:solidFill>
-                  <a:schemeClr val="tx1"/>
-                </a:solidFill>
-              </a:rPr>
-              <a:t>1</a:t>
+              <a:t>E: 1</a:t>
             </a:r>
             <a:endParaRPr lang="en-PH" sz="1600" dirty="0">
               <a:solidFill>
@@ -9885,7 +9615,7 @@
           <p:cNvPr id="70" name="Straight Connector 69">
             <a:extLst>
               <a:ext uri="{FF2B5EF4-FFF2-40B4-BE49-F238E27FC236}">
-                <a16:creationId xmlns="" xmlns:a16="http://schemas.microsoft.com/office/drawing/2014/main" id="{D5CBC4E2-B7D8-4BA4-91B1-1439F1E66A5D}"/>
+                <a16:creationId xmlns:a16="http://schemas.microsoft.com/office/drawing/2014/main" id="{D5CBC4E2-B7D8-4BA4-91B1-1439F1E66A5D}"/>
               </a:ext>
             </a:extLst>
           </p:cNvPr>
@@ -9923,7 +9653,7 @@
           <p:cNvPr id="71" name="Straight Connector 70">
             <a:extLst>
               <a:ext uri="{FF2B5EF4-FFF2-40B4-BE49-F238E27FC236}">
-                <a16:creationId xmlns="" xmlns:a16="http://schemas.microsoft.com/office/drawing/2014/main" id="{D5CBC4E2-B7D8-4BA4-91B1-1439F1E66A5D}"/>
+                <a16:creationId xmlns:a16="http://schemas.microsoft.com/office/drawing/2014/main" id="{D5CBC4E2-B7D8-4BA4-91B1-1439F1E66A5D}"/>
               </a:ext>
             </a:extLst>
           </p:cNvPr>
@@ -9962,7 +9692,7 @@
           <p:cNvPr id="72" name="Oval 71">
             <a:extLst>
               <a:ext uri="{FF2B5EF4-FFF2-40B4-BE49-F238E27FC236}">
-                <a16:creationId xmlns="" xmlns:a16="http://schemas.microsoft.com/office/drawing/2014/main" id="{FF465D5F-EE40-4CF1-B973-7087C70611E4}"/>
+                <a16:creationId xmlns:a16="http://schemas.microsoft.com/office/drawing/2014/main" id="{FF465D5F-EE40-4CF1-B973-7087C70611E4}"/>
               </a:ext>
             </a:extLst>
           </p:cNvPr>
@@ -10026,7 +9756,7 @@
           <p:cNvPr id="73" name="Oval 72">
             <a:extLst>
               <a:ext uri="{FF2B5EF4-FFF2-40B4-BE49-F238E27FC236}">
-                <a16:creationId xmlns="" xmlns:a16="http://schemas.microsoft.com/office/drawing/2014/main" id="{39C548D5-2D23-4238-82DF-921D2E3334F9}"/>
+                <a16:creationId xmlns:a16="http://schemas.microsoft.com/office/drawing/2014/main" id="{39C548D5-2D23-4238-82DF-921D2E3334F9}"/>
               </a:ext>
             </a:extLst>
           </p:cNvPr>
@@ -10090,7 +9820,7 @@
           <p:cNvPr id="74" name="Oval 73">
             <a:extLst>
               <a:ext uri="{FF2B5EF4-FFF2-40B4-BE49-F238E27FC236}">
-                <a16:creationId xmlns="" xmlns:a16="http://schemas.microsoft.com/office/drawing/2014/main" id="{D370CE05-94D0-4DB6-BE29-980F92475FAA}"/>
+                <a16:creationId xmlns:a16="http://schemas.microsoft.com/office/drawing/2014/main" id="{D370CE05-94D0-4DB6-BE29-980F92475FAA}"/>
               </a:ext>
             </a:extLst>
           </p:cNvPr>
@@ -10154,7 +9884,7 @@
           <p:cNvPr id="75" name="Straight Connector 74">
             <a:extLst>
               <a:ext uri="{FF2B5EF4-FFF2-40B4-BE49-F238E27FC236}">
-                <a16:creationId xmlns="" xmlns:a16="http://schemas.microsoft.com/office/drawing/2014/main" id="{D5CBC4E2-B7D8-4BA4-91B1-1439F1E66A5D}"/>
+                <a16:creationId xmlns:a16="http://schemas.microsoft.com/office/drawing/2014/main" id="{D5CBC4E2-B7D8-4BA4-91B1-1439F1E66A5D}"/>
               </a:ext>
             </a:extLst>
           </p:cNvPr>
@@ -10192,7 +9922,7 @@
           <p:cNvPr id="76" name="Straight Connector 75">
             <a:extLst>
               <a:ext uri="{FF2B5EF4-FFF2-40B4-BE49-F238E27FC236}">
-                <a16:creationId xmlns="" xmlns:a16="http://schemas.microsoft.com/office/drawing/2014/main" id="{3671F84C-43EB-4E83-B34F-C5EA539A58EC}"/>
+                <a16:creationId xmlns:a16="http://schemas.microsoft.com/office/drawing/2014/main" id="{3671F84C-43EB-4E83-B34F-C5EA539A58EC}"/>
               </a:ext>
             </a:extLst>
           </p:cNvPr>
@@ -10231,7 +9961,7 @@
           <p:cNvPr id="77" name="Straight Connector 76">
             <a:extLst>
               <a:ext uri="{FF2B5EF4-FFF2-40B4-BE49-F238E27FC236}">
-                <a16:creationId xmlns="" xmlns:a16="http://schemas.microsoft.com/office/drawing/2014/main" id="{61E9DF07-49B0-4931-B28A-3220297F1ADF}"/>
+                <a16:creationId xmlns:a16="http://schemas.microsoft.com/office/drawing/2014/main" id="{61E9DF07-49B0-4931-B28A-3220297F1ADF}"/>
               </a:ext>
             </a:extLst>
           </p:cNvPr>
@@ -10271,7 +10001,7 @@
           <p:cNvPr id="78" name="Oval 77">
             <a:extLst>
               <a:ext uri="{FF2B5EF4-FFF2-40B4-BE49-F238E27FC236}">
-                <a16:creationId xmlns="" xmlns:a16="http://schemas.microsoft.com/office/drawing/2014/main" id="{6790BD35-3A48-4FA4-A1DD-25EAA7D259C1}"/>
+                <a16:creationId xmlns:a16="http://schemas.microsoft.com/office/drawing/2014/main" id="{6790BD35-3A48-4FA4-A1DD-25EAA7D259C1}"/>
               </a:ext>
             </a:extLst>
           </p:cNvPr>
@@ -10320,15 +10050,7 @@
                   <a:schemeClr val="tx1"/>
                 </a:solidFill>
               </a:rPr>
-              <a:t>B: </a:t>
-            </a:r>
-            <a:r>
-              <a:rPr lang="en-US" sz="1600" dirty="0" smtClean="0">
-                <a:solidFill>
-                  <a:schemeClr val="tx1"/>
-                </a:solidFill>
-              </a:rPr>
-              <a:t>4</a:t>
+              <a:t>B: 4</a:t>
             </a:r>
             <a:endParaRPr lang="en-PH" sz="1600" dirty="0">
               <a:solidFill>
@@ -10343,7 +10065,7 @@
           <p:cNvPr id="79" name="Oval 78">
             <a:extLst>
               <a:ext uri="{FF2B5EF4-FFF2-40B4-BE49-F238E27FC236}">
-                <a16:creationId xmlns="" xmlns:a16="http://schemas.microsoft.com/office/drawing/2014/main" id="{6790BD35-3A48-4FA4-A1DD-25EAA7D259C1}"/>
+                <a16:creationId xmlns:a16="http://schemas.microsoft.com/office/drawing/2014/main" id="{6790BD35-3A48-4FA4-A1DD-25EAA7D259C1}"/>
               </a:ext>
             </a:extLst>
           </p:cNvPr>
@@ -10387,20 +10109,12 @@
           <a:p>
             <a:pPr algn="ctr"/>
             <a:r>
-              <a:rPr lang="en-US" sz="1600" dirty="0" smtClean="0">
+              <a:rPr lang="en-US" sz="1600" dirty="0">
                 <a:solidFill>
                   <a:schemeClr val="tx1"/>
                 </a:solidFill>
               </a:rPr>
-              <a:t>A: </a:t>
-            </a:r>
-            <a:r>
-              <a:rPr lang="en-US" sz="1600" dirty="0">
-                <a:solidFill>
-                  <a:schemeClr val="tx1"/>
-                </a:solidFill>
-              </a:rPr>
-              <a:t>1</a:t>
+              <a:t>A: 1</a:t>
             </a:r>
             <a:endParaRPr lang="en-PH" sz="1600" dirty="0">
               <a:solidFill>
@@ -10415,7 +10129,7 @@
           <p:cNvPr id="80" name="Oval 79">
             <a:extLst>
               <a:ext uri="{FF2B5EF4-FFF2-40B4-BE49-F238E27FC236}">
-                <a16:creationId xmlns="" xmlns:a16="http://schemas.microsoft.com/office/drawing/2014/main" id="{6790BD35-3A48-4FA4-A1DD-25EAA7D259C1}"/>
+                <a16:creationId xmlns:a16="http://schemas.microsoft.com/office/drawing/2014/main" id="{6790BD35-3A48-4FA4-A1DD-25EAA7D259C1}"/>
               </a:ext>
             </a:extLst>
           </p:cNvPr>
@@ -10459,20 +10173,12 @@
           <a:p>
             <a:pPr algn="ctr"/>
             <a:r>
-              <a:rPr lang="en-US" sz="1600" dirty="0" smtClean="0">
+              <a:rPr lang="en-US" sz="1600" dirty="0">
                 <a:solidFill>
                   <a:schemeClr val="tx1"/>
                 </a:solidFill>
               </a:rPr>
-              <a:t>E: </a:t>
-            </a:r>
-            <a:r>
-              <a:rPr lang="en-US" sz="1600" dirty="0">
-                <a:solidFill>
-                  <a:schemeClr val="tx1"/>
-                </a:solidFill>
-              </a:rPr>
-              <a:t>1</a:t>
+              <a:t>E: 1</a:t>
             </a:r>
             <a:endParaRPr lang="en-PH" sz="1600" dirty="0">
               <a:solidFill>
@@ -10487,7 +10193,7 @@
           <p:cNvPr id="81" name="Straight Connector 80">
             <a:extLst>
               <a:ext uri="{FF2B5EF4-FFF2-40B4-BE49-F238E27FC236}">
-                <a16:creationId xmlns="" xmlns:a16="http://schemas.microsoft.com/office/drawing/2014/main" id="{D5CBC4E2-B7D8-4BA4-91B1-1439F1E66A5D}"/>
+                <a16:creationId xmlns:a16="http://schemas.microsoft.com/office/drawing/2014/main" id="{D5CBC4E2-B7D8-4BA4-91B1-1439F1E66A5D}"/>
               </a:ext>
             </a:extLst>
           </p:cNvPr>
@@ -10526,7 +10232,7 @@
           <p:cNvPr id="82" name="Straight Connector 81">
             <a:extLst>
               <a:ext uri="{FF2B5EF4-FFF2-40B4-BE49-F238E27FC236}">
-                <a16:creationId xmlns="" xmlns:a16="http://schemas.microsoft.com/office/drawing/2014/main" id="{D5CBC4E2-B7D8-4BA4-91B1-1439F1E66A5D}"/>
+                <a16:creationId xmlns:a16="http://schemas.microsoft.com/office/drawing/2014/main" id="{D5CBC4E2-B7D8-4BA4-91B1-1439F1E66A5D}"/>
               </a:ext>
             </a:extLst>
           </p:cNvPr>
@@ -10565,7 +10271,7 @@
           <p:cNvPr id="83" name="Oval 82">
             <a:extLst>
               <a:ext uri="{FF2B5EF4-FFF2-40B4-BE49-F238E27FC236}">
-                <a16:creationId xmlns="" xmlns:a16="http://schemas.microsoft.com/office/drawing/2014/main" id="{6790BD35-3A48-4FA4-A1DD-25EAA7D259C1}"/>
+                <a16:creationId xmlns:a16="http://schemas.microsoft.com/office/drawing/2014/main" id="{6790BD35-3A48-4FA4-A1DD-25EAA7D259C1}"/>
               </a:ext>
             </a:extLst>
           </p:cNvPr>
@@ -10609,7 +10315,7 @@
           <a:p>
             <a:pPr algn="ctr"/>
             <a:r>
-              <a:rPr lang="en-US" sz="1600" dirty="0" smtClean="0">
+              <a:rPr lang="en-US" sz="1600" dirty="0">
                 <a:solidFill>
                   <a:schemeClr val="tx1"/>
                 </a:solidFill>
@@ -10629,7 +10335,7 @@
           <p:cNvPr id="84" name="Oval 83">
             <a:extLst>
               <a:ext uri="{FF2B5EF4-FFF2-40B4-BE49-F238E27FC236}">
-                <a16:creationId xmlns="" xmlns:a16="http://schemas.microsoft.com/office/drawing/2014/main" id="{6790BD35-3A48-4FA4-A1DD-25EAA7D259C1}"/>
+                <a16:creationId xmlns:a16="http://schemas.microsoft.com/office/drawing/2014/main" id="{6790BD35-3A48-4FA4-A1DD-25EAA7D259C1}"/>
               </a:ext>
             </a:extLst>
           </p:cNvPr>
@@ -10673,7 +10379,7 @@
           <a:p>
             <a:pPr algn="ctr"/>
             <a:r>
-              <a:rPr lang="en-US" sz="1600" dirty="0" smtClean="0">
+              <a:rPr lang="en-US" sz="1600" dirty="0">
                 <a:solidFill>
                   <a:schemeClr val="tx1"/>
                 </a:solidFill>
@@ -10693,7 +10399,7 @@
           <p:cNvPr id="85" name="Oval 84">
             <a:extLst>
               <a:ext uri="{FF2B5EF4-FFF2-40B4-BE49-F238E27FC236}">
-                <a16:creationId xmlns="" xmlns:a16="http://schemas.microsoft.com/office/drawing/2014/main" id="{6790BD35-3A48-4FA4-A1DD-25EAA7D259C1}"/>
+                <a16:creationId xmlns:a16="http://schemas.microsoft.com/office/drawing/2014/main" id="{6790BD35-3A48-4FA4-A1DD-25EAA7D259C1}"/>
               </a:ext>
             </a:extLst>
           </p:cNvPr>
@@ -10737,7 +10443,7 @@
           <a:p>
             <a:pPr algn="ctr"/>
             <a:r>
-              <a:rPr lang="en-US" sz="1600" dirty="0" smtClean="0">
+              <a:rPr lang="en-US" sz="1600" dirty="0">
                 <a:solidFill>
                   <a:schemeClr val="tx1"/>
                 </a:solidFill>
@@ -10757,7 +10463,7 @@
           <p:cNvPr id="86" name="Straight Connector 85">
             <a:extLst>
               <a:ext uri="{FF2B5EF4-FFF2-40B4-BE49-F238E27FC236}">
-                <a16:creationId xmlns="" xmlns:a16="http://schemas.microsoft.com/office/drawing/2014/main" id="{D5CBC4E2-B7D8-4BA4-91B1-1439F1E66A5D}"/>
+                <a16:creationId xmlns:a16="http://schemas.microsoft.com/office/drawing/2014/main" id="{D5CBC4E2-B7D8-4BA4-91B1-1439F1E66A5D}"/>
               </a:ext>
             </a:extLst>
           </p:cNvPr>
@@ -10796,7 +10502,7 @@
           <p:cNvPr id="89" name="Straight Connector 88">
             <a:extLst>
               <a:ext uri="{FF2B5EF4-FFF2-40B4-BE49-F238E27FC236}">
-                <a16:creationId xmlns="" xmlns:a16="http://schemas.microsoft.com/office/drawing/2014/main" id="{D5CBC4E2-B7D8-4BA4-91B1-1439F1E66A5D}"/>
+                <a16:creationId xmlns:a16="http://schemas.microsoft.com/office/drawing/2014/main" id="{D5CBC4E2-B7D8-4BA4-91B1-1439F1E66A5D}"/>
               </a:ext>
             </a:extLst>
           </p:cNvPr>
@@ -10894,7 +10600,7 @@
           <p:cNvPr id="2" name="Table 1">
             <a:extLst>
               <a:ext uri="{FF2B5EF4-FFF2-40B4-BE49-F238E27FC236}">
-                <a16:creationId xmlns="" xmlns:a16="http://schemas.microsoft.com/office/drawing/2014/main" id="{D5AAE7AD-95E2-4A9A-A1BD-2337619DCAFB}"/>
+                <a16:creationId xmlns:a16="http://schemas.microsoft.com/office/drawing/2014/main" id="{D5AAE7AD-95E2-4A9A-A1BD-2337619DCAFB}"/>
               </a:ext>
             </a:extLst>
           </p:cNvPr>
@@ -10923,21 +10629,21 @@
                 <a:gridCol w="1095357">
                   <a:extLst>
                     <a:ext uri="{9D8B030D-6E8A-4147-A177-3AD203B41FA5}">
-                      <a16:colId xmlns="" xmlns:a16="http://schemas.microsoft.com/office/drawing/2014/main" val="1781699203"/>
+                      <a16:colId xmlns:a16="http://schemas.microsoft.com/office/drawing/2014/main" val="1781699203"/>
                     </a:ext>
                   </a:extLst>
                 </a:gridCol>
                 <a:gridCol w="1295400">
                   <a:extLst>
                     <a:ext uri="{9D8B030D-6E8A-4147-A177-3AD203B41FA5}">
-                      <a16:colId xmlns="" xmlns:a16="http://schemas.microsoft.com/office/drawing/2014/main" val="684168584"/>
+                      <a16:colId xmlns:a16="http://schemas.microsoft.com/office/drawing/2014/main" val="684168584"/>
                     </a:ext>
                   </a:extLst>
                 </a:gridCol>
                 <a:gridCol w="3000375">
                   <a:extLst>
                     <a:ext uri="{9D8B030D-6E8A-4147-A177-3AD203B41FA5}">
-                      <a16:colId xmlns="" xmlns:a16="http://schemas.microsoft.com/office/drawing/2014/main" val="731333870"/>
+                      <a16:colId xmlns:a16="http://schemas.microsoft.com/office/drawing/2014/main" val="731333870"/>
                     </a:ext>
                   </a:extLst>
                 </a:gridCol>
@@ -10976,20 +10682,15 @@
                     <a:p>
                       <a:r>
                         <a:rPr lang="en-PH" sz="1600" b="1" dirty="0"/>
-                        <a:t>Pointer to </a:t>
+                        <a:t>Pointer to First Node</a:t>
                       </a:r>
-                      <a:r>
-                        <a:rPr lang="en-PH" sz="1600" b="1" dirty="0" smtClean="0"/>
-                        <a:t>First Node</a:t>
-                      </a:r>
-                      <a:endParaRPr lang="en-PH" sz="1600" b="1" dirty="0"/>
                     </a:p>
                   </a:txBody>
                   <a:tcPr anchor="ctr"/>
                 </a:tc>
                 <a:extLst>
                   <a:ext uri="{0D108BD9-81ED-4DB2-BD59-A6C34878D82A}">
-                    <a16:rowId xmlns="" xmlns:a16="http://schemas.microsoft.com/office/drawing/2014/main" val="2263546589"/>
+                    <a16:rowId xmlns:a16="http://schemas.microsoft.com/office/drawing/2014/main" val="2263546589"/>
                   </a:ext>
                 </a:extLst>
               </a:tr>
@@ -11026,7 +10727,7 @@
                     <a:lstStyle/>
                     <a:p>
                       <a:r>
-                        <a:rPr lang="en-US" sz="1600" dirty="0" smtClean="0"/>
+                        <a:rPr lang="en-US" sz="1600" dirty="0"/>
                         <a:t>First B node in tree</a:t>
                       </a:r>
                       <a:endParaRPr lang="en-PH" sz="1600" dirty="0"/>
@@ -11036,7 +10737,7 @@
                 </a:tc>
                 <a:extLst>
                   <a:ext uri="{0D108BD9-81ED-4DB2-BD59-A6C34878D82A}">
-                    <a16:rowId xmlns="" xmlns:a16="http://schemas.microsoft.com/office/drawing/2014/main" val="74978579"/>
+                    <a16:rowId xmlns:a16="http://schemas.microsoft.com/office/drawing/2014/main" val="74978579"/>
                   </a:ext>
                 </a:extLst>
               </a:tr>
@@ -11047,10 +10748,9 @@
                     <a:lstStyle/>
                     <a:p>
                       <a:r>
-                        <a:rPr lang="en-PH" sz="1600" dirty="0" smtClean="0"/>
+                        <a:rPr lang="en-PH" sz="1600" dirty="0"/>
                         <a:t>C</a:t>
                       </a:r>
-                      <a:endParaRPr lang="en-PH" sz="1600" dirty="0"/>
                     </a:p>
                   </a:txBody>
                   <a:tcPr anchor="ctr"/>
@@ -11061,10 +10761,9 @@
                     <a:lstStyle/>
                     <a:p>
                       <a:r>
-                        <a:rPr lang="en-PH" sz="1600" dirty="0" smtClean="0"/>
+                        <a:rPr lang="en-PH" sz="1600" dirty="0"/>
                         <a:t>4</a:t>
                       </a:r>
-                      <a:endParaRPr lang="en-PH" sz="1600" dirty="0"/>
                     </a:p>
                   </a:txBody>
                   <a:tcPr anchor="ctr"/>
@@ -11075,7 +10774,7 @@
                     <a:lstStyle/>
                     <a:p>
                       <a:r>
-                        <a:rPr lang="en-US" sz="1600" dirty="0" smtClean="0"/>
+                        <a:rPr lang="en-US" sz="1600" dirty="0"/>
                         <a:t>First C node in tree</a:t>
                       </a:r>
                       <a:endParaRPr lang="en-PH" sz="1600" dirty="0"/>
@@ -11085,7 +10784,7 @@
                 </a:tc>
                 <a:extLst>
                   <a:ext uri="{0D108BD9-81ED-4DB2-BD59-A6C34878D82A}">
-                    <a16:rowId xmlns="" xmlns:a16="http://schemas.microsoft.com/office/drawing/2014/main" val="374302364"/>
+                    <a16:rowId xmlns:a16="http://schemas.microsoft.com/office/drawing/2014/main" val="374302364"/>
                   </a:ext>
                 </a:extLst>
               </a:tr>
@@ -11096,10 +10795,9 @@
                     <a:lstStyle/>
                     <a:p>
                       <a:r>
-                        <a:rPr lang="en-PH" sz="1600" dirty="0" smtClean="0"/>
+                        <a:rPr lang="en-PH" sz="1600" dirty="0"/>
                         <a:t>A</a:t>
                       </a:r>
-                      <a:endParaRPr lang="en-PH" sz="1600" dirty="0"/>
                     </a:p>
                   </a:txBody>
                   <a:tcPr anchor="ctr"/>
@@ -11110,10 +10808,9 @@
                     <a:lstStyle/>
                     <a:p>
                       <a:r>
-                        <a:rPr lang="en-PH" sz="1600" dirty="0" smtClean="0"/>
+                        <a:rPr lang="en-PH" sz="1600" dirty="0"/>
                         <a:t>3</a:t>
                       </a:r>
-                      <a:endParaRPr lang="en-PH" sz="1600" dirty="0"/>
                     </a:p>
                   </a:txBody>
                   <a:tcPr anchor="ctr"/>
@@ -11124,7 +10821,7 @@
                     <a:lstStyle/>
                     <a:p>
                       <a:r>
-                        <a:rPr lang="en-US" sz="1600" dirty="0" smtClean="0"/>
+                        <a:rPr lang="en-US" sz="1600" dirty="0"/>
                         <a:t>First A node in tree</a:t>
                       </a:r>
                       <a:endParaRPr lang="en-PH" sz="1600" dirty="0"/>
@@ -11134,7 +10831,7 @@
                 </a:tc>
                 <a:extLst>
                   <a:ext uri="{0D108BD9-81ED-4DB2-BD59-A6C34878D82A}">
-                    <a16:rowId xmlns="" xmlns:a16="http://schemas.microsoft.com/office/drawing/2014/main" val="874366136"/>
+                    <a16:rowId xmlns:a16="http://schemas.microsoft.com/office/drawing/2014/main" val="874366136"/>
                   </a:ext>
                 </a:extLst>
               </a:tr>
@@ -11158,7 +10855,7 @@
                     <a:lstStyle/>
                     <a:p>
                       <a:r>
-                        <a:rPr lang="en-PH" sz="1600" smtClean="0"/>
+                        <a:rPr lang="en-PH" sz="1600"/>
                         <a:t>3</a:t>
                       </a:r>
                       <a:endParaRPr lang="en-PH" sz="1600" dirty="0"/>
@@ -11172,7 +10869,7 @@
                     <a:lstStyle/>
                     <a:p>
                       <a:r>
-                        <a:rPr lang="en-US" sz="1600" dirty="0" smtClean="0"/>
+                        <a:rPr lang="en-US" sz="1600" dirty="0"/>
                         <a:t>First E node in tree</a:t>
                       </a:r>
                       <a:endParaRPr lang="en-PH" sz="1600" dirty="0"/>
@@ -11182,7 +10879,7 @@
                 </a:tc>
                 <a:extLst>
                   <a:ext uri="{0D108BD9-81ED-4DB2-BD59-A6C34878D82A}">
-                    <a16:rowId xmlns="" xmlns:a16="http://schemas.microsoft.com/office/drawing/2014/main" val="2038923859"/>
+                    <a16:rowId xmlns:a16="http://schemas.microsoft.com/office/drawing/2014/main" val="2038923859"/>
                   </a:ext>
                 </a:extLst>
               </a:tr>
@@ -11219,7 +10916,7 @@
                     <a:lstStyle/>
                     <a:p>
                       <a:r>
-                        <a:rPr lang="en-US" sz="1600" dirty="0" smtClean="0"/>
+                        <a:rPr lang="en-US" sz="1600" dirty="0"/>
                         <a:t>First D node in tree</a:t>
                       </a:r>
                       <a:endParaRPr lang="en-PH" sz="1600" dirty="0"/>
@@ -11229,7 +10926,7 @@
                 </a:tc>
                 <a:extLst>
                   <a:ext uri="{0D108BD9-81ED-4DB2-BD59-A6C34878D82A}">
-                    <a16:rowId xmlns="" xmlns:a16="http://schemas.microsoft.com/office/drawing/2014/main" val="3541997865"/>
+                    <a16:rowId xmlns:a16="http://schemas.microsoft.com/office/drawing/2014/main" val="3541997865"/>
                   </a:ext>
                 </a:extLst>
               </a:tr>
@@ -11242,7 +10939,7 @@
           <p:cNvPr id="29" name="Oval 28">
             <a:extLst>
               <a:ext uri="{FF2B5EF4-FFF2-40B4-BE49-F238E27FC236}">
-                <a16:creationId xmlns="" xmlns:a16="http://schemas.microsoft.com/office/drawing/2014/main" id="{6790BD35-3A48-4FA4-A1DD-25EAA7D259C1}"/>
+                <a16:creationId xmlns:a16="http://schemas.microsoft.com/office/drawing/2014/main" id="{6790BD35-3A48-4FA4-A1DD-25EAA7D259C1}"/>
               </a:ext>
             </a:extLst>
           </p:cNvPr>
@@ -11286,7 +10983,7 @@
           <a:p>
             <a:pPr algn="ctr"/>
             <a:r>
-              <a:rPr lang="en-US" sz="1600" dirty="0" smtClean="0">
+              <a:rPr lang="en-US" sz="1600" dirty="0">
                 <a:solidFill>
                   <a:schemeClr val="tx1"/>
                 </a:solidFill>
@@ -11306,7 +11003,7 @@
           <p:cNvPr id="30" name="Oval 29">
             <a:extLst>
               <a:ext uri="{FF2B5EF4-FFF2-40B4-BE49-F238E27FC236}">
-                <a16:creationId xmlns="" xmlns:a16="http://schemas.microsoft.com/office/drawing/2014/main" id="{6790BD35-3A48-4FA4-A1DD-25EAA7D259C1}"/>
+                <a16:creationId xmlns:a16="http://schemas.microsoft.com/office/drawing/2014/main" id="{6790BD35-3A48-4FA4-A1DD-25EAA7D259C1}"/>
               </a:ext>
             </a:extLst>
           </p:cNvPr>
@@ -11350,20 +11047,12 @@
           <a:p>
             <a:pPr algn="ctr"/>
             <a:r>
-              <a:rPr lang="en-US" sz="1600" dirty="0" smtClean="0">
+              <a:rPr lang="en-US" sz="1600" dirty="0">
                 <a:solidFill>
                   <a:schemeClr val="tx1"/>
                 </a:solidFill>
               </a:rPr>
-              <a:t>E: </a:t>
-            </a:r>
-            <a:r>
-              <a:rPr lang="en-US" sz="1600" dirty="0">
-                <a:solidFill>
-                  <a:schemeClr val="tx1"/>
-                </a:solidFill>
-              </a:rPr>
-              <a:t>1</a:t>
+              <a:t>E: 1</a:t>
             </a:r>
             <a:endParaRPr lang="en-PH" sz="1600" dirty="0">
               <a:solidFill>
@@ -11378,7 +11067,7 @@
           <p:cNvPr id="31" name="Straight Connector 30">
             <a:extLst>
               <a:ext uri="{FF2B5EF4-FFF2-40B4-BE49-F238E27FC236}">
-                <a16:creationId xmlns="" xmlns:a16="http://schemas.microsoft.com/office/drawing/2014/main" id="{D5CBC4E2-B7D8-4BA4-91B1-1439F1E66A5D}"/>
+                <a16:creationId xmlns:a16="http://schemas.microsoft.com/office/drawing/2014/main" id="{D5CBC4E2-B7D8-4BA4-91B1-1439F1E66A5D}"/>
               </a:ext>
             </a:extLst>
           </p:cNvPr>
@@ -11416,7 +11105,7 @@
           <p:cNvPr id="32" name="Straight Connector 31">
             <a:extLst>
               <a:ext uri="{FF2B5EF4-FFF2-40B4-BE49-F238E27FC236}">
-                <a16:creationId xmlns="" xmlns:a16="http://schemas.microsoft.com/office/drawing/2014/main" id="{D5CBC4E2-B7D8-4BA4-91B1-1439F1E66A5D}"/>
+                <a16:creationId xmlns:a16="http://schemas.microsoft.com/office/drawing/2014/main" id="{D5CBC4E2-B7D8-4BA4-91B1-1439F1E66A5D}"/>
               </a:ext>
             </a:extLst>
           </p:cNvPr>
@@ -11455,7 +11144,7 @@
           <p:cNvPr id="33" name="Oval 32">
             <a:extLst>
               <a:ext uri="{FF2B5EF4-FFF2-40B4-BE49-F238E27FC236}">
-                <a16:creationId xmlns="" xmlns:a16="http://schemas.microsoft.com/office/drawing/2014/main" id="{FF465D5F-EE40-4CF1-B973-7087C70611E4}"/>
+                <a16:creationId xmlns:a16="http://schemas.microsoft.com/office/drawing/2014/main" id="{FF465D5F-EE40-4CF1-B973-7087C70611E4}"/>
               </a:ext>
             </a:extLst>
           </p:cNvPr>
@@ -11519,7 +11208,7 @@
           <p:cNvPr id="34" name="Oval 33">
             <a:extLst>
               <a:ext uri="{FF2B5EF4-FFF2-40B4-BE49-F238E27FC236}">
-                <a16:creationId xmlns="" xmlns:a16="http://schemas.microsoft.com/office/drawing/2014/main" id="{39C548D5-2D23-4238-82DF-921D2E3334F9}"/>
+                <a16:creationId xmlns:a16="http://schemas.microsoft.com/office/drawing/2014/main" id="{39C548D5-2D23-4238-82DF-921D2E3334F9}"/>
               </a:ext>
             </a:extLst>
           </p:cNvPr>
@@ -11583,7 +11272,7 @@
           <p:cNvPr id="35" name="Oval 34">
             <a:extLst>
               <a:ext uri="{FF2B5EF4-FFF2-40B4-BE49-F238E27FC236}">
-                <a16:creationId xmlns="" xmlns:a16="http://schemas.microsoft.com/office/drawing/2014/main" id="{D370CE05-94D0-4DB6-BE29-980F92475FAA}"/>
+                <a16:creationId xmlns:a16="http://schemas.microsoft.com/office/drawing/2014/main" id="{D370CE05-94D0-4DB6-BE29-980F92475FAA}"/>
               </a:ext>
             </a:extLst>
           </p:cNvPr>
@@ -11647,7 +11336,7 @@
           <p:cNvPr id="36" name="Straight Connector 35">
             <a:extLst>
               <a:ext uri="{FF2B5EF4-FFF2-40B4-BE49-F238E27FC236}">
-                <a16:creationId xmlns="" xmlns:a16="http://schemas.microsoft.com/office/drawing/2014/main" id="{D5CBC4E2-B7D8-4BA4-91B1-1439F1E66A5D}"/>
+                <a16:creationId xmlns:a16="http://schemas.microsoft.com/office/drawing/2014/main" id="{D5CBC4E2-B7D8-4BA4-91B1-1439F1E66A5D}"/>
               </a:ext>
             </a:extLst>
           </p:cNvPr>
@@ -11685,7 +11374,7 @@
           <p:cNvPr id="37" name="Straight Connector 36">
             <a:extLst>
               <a:ext uri="{FF2B5EF4-FFF2-40B4-BE49-F238E27FC236}">
-                <a16:creationId xmlns="" xmlns:a16="http://schemas.microsoft.com/office/drawing/2014/main" id="{3671F84C-43EB-4E83-B34F-C5EA539A58EC}"/>
+                <a16:creationId xmlns:a16="http://schemas.microsoft.com/office/drawing/2014/main" id="{3671F84C-43EB-4E83-B34F-C5EA539A58EC}"/>
               </a:ext>
             </a:extLst>
           </p:cNvPr>
@@ -11724,7 +11413,7 @@
           <p:cNvPr id="38" name="Straight Connector 37">
             <a:extLst>
               <a:ext uri="{FF2B5EF4-FFF2-40B4-BE49-F238E27FC236}">
-                <a16:creationId xmlns="" xmlns:a16="http://schemas.microsoft.com/office/drawing/2014/main" id="{61E9DF07-49B0-4931-B28A-3220297F1ADF}"/>
+                <a16:creationId xmlns:a16="http://schemas.microsoft.com/office/drawing/2014/main" id="{61E9DF07-49B0-4931-B28A-3220297F1ADF}"/>
               </a:ext>
             </a:extLst>
           </p:cNvPr>
@@ -11764,7 +11453,7 @@
           <p:cNvPr id="39" name="Oval 38">
             <a:extLst>
               <a:ext uri="{FF2B5EF4-FFF2-40B4-BE49-F238E27FC236}">
-                <a16:creationId xmlns="" xmlns:a16="http://schemas.microsoft.com/office/drawing/2014/main" id="{6790BD35-3A48-4FA4-A1DD-25EAA7D259C1}"/>
+                <a16:creationId xmlns:a16="http://schemas.microsoft.com/office/drawing/2014/main" id="{6790BD35-3A48-4FA4-A1DD-25EAA7D259C1}"/>
               </a:ext>
             </a:extLst>
           </p:cNvPr>
@@ -11813,15 +11502,7 @@
                   <a:schemeClr val="tx1"/>
                 </a:solidFill>
               </a:rPr>
-              <a:t>B: </a:t>
-            </a:r>
-            <a:r>
-              <a:rPr lang="en-US" sz="1600" dirty="0" smtClean="0">
-                <a:solidFill>
-                  <a:schemeClr val="tx1"/>
-                </a:solidFill>
-              </a:rPr>
-              <a:t>4</a:t>
+              <a:t>B: 4</a:t>
             </a:r>
             <a:endParaRPr lang="en-PH" sz="1600" dirty="0">
               <a:solidFill>
@@ -11836,7 +11517,7 @@
           <p:cNvPr id="40" name="Oval 39">
             <a:extLst>
               <a:ext uri="{FF2B5EF4-FFF2-40B4-BE49-F238E27FC236}">
-                <a16:creationId xmlns="" xmlns:a16="http://schemas.microsoft.com/office/drawing/2014/main" id="{6790BD35-3A48-4FA4-A1DD-25EAA7D259C1}"/>
+                <a16:creationId xmlns:a16="http://schemas.microsoft.com/office/drawing/2014/main" id="{6790BD35-3A48-4FA4-A1DD-25EAA7D259C1}"/>
               </a:ext>
             </a:extLst>
           </p:cNvPr>
@@ -11880,20 +11561,12 @@
           <a:p>
             <a:pPr algn="ctr"/>
             <a:r>
-              <a:rPr lang="en-US" sz="1600" dirty="0" smtClean="0">
+              <a:rPr lang="en-US" sz="1600" dirty="0">
                 <a:solidFill>
                   <a:schemeClr val="tx1"/>
                 </a:solidFill>
               </a:rPr>
-              <a:t>A: </a:t>
-            </a:r>
-            <a:r>
-              <a:rPr lang="en-US" sz="1600" dirty="0">
-                <a:solidFill>
-                  <a:schemeClr val="tx1"/>
-                </a:solidFill>
-              </a:rPr>
-              <a:t>1</a:t>
+              <a:t>A: 1</a:t>
             </a:r>
             <a:endParaRPr lang="en-PH" sz="1600" dirty="0">
               <a:solidFill>
@@ -11908,7 +11581,7 @@
           <p:cNvPr id="41" name="Oval 40">
             <a:extLst>
               <a:ext uri="{FF2B5EF4-FFF2-40B4-BE49-F238E27FC236}">
-                <a16:creationId xmlns="" xmlns:a16="http://schemas.microsoft.com/office/drawing/2014/main" id="{6790BD35-3A48-4FA4-A1DD-25EAA7D259C1}"/>
+                <a16:creationId xmlns:a16="http://schemas.microsoft.com/office/drawing/2014/main" id="{6790BD35-3A48-4FA4-A1DD-25EAA7D259C1}"/>
               </a:ext>
             </a:extLst>
           </p:cNvPr>
@@ -11952,20 +11625,12 @@
           <a:p>
             <a:pPr algn="ctr"/>
             <a:r>
-              <a:rPr lang="en-US" sz="1600" dirty="0" smtClean="0">
+              <a:rPr lang="en-US" sz="1600" dirty="0">
                 <a:solidFill>
                   <a:schemeClr val="tx1"/>
                 </a:solidFill>
               </a:rPr>
-              <a:t>E: </a:t>
-            </a:r>
-            <a:r>
-              <a:rPr lang="en-US" sz="1600" dirty="0">
-                <a:solidFill>
-                  <a:schemeClr val="tx1"/>
-                </a:solidFill>
-              </a:rPr>
-              <a:t>1</a:t>
+              <a:t>E: 1</a:t>
             </a:r>
             <a:endParaRPr lang="en-PH" sz="1600" dirty="0">
               <a:solidFill>
@@ -11980,7 +11645,7 @@
           <p:cNvPr id="42" name="Straight Connector 41">
             <a:extLst>
               <a:ext uri="{FF2B5EF4-FFF2-40B4-BE49-F238E27FC236}">
-                <a16:creationId xmlns="" xmlns:a16="http://schemas.microsoft.com/office/drawing/2014/main" id="{D5CBC4E2-B7D8-4BA4-91B1-1439F1E66A5D}"/>
+                <a16:creationId xmlns:a16="http://schemas.microsoft.com/office/drawing/2014/main" id="{D5CBC4E2-B7D8-4BA4-91B1-1439F1E66A5D}"/>
               </a:ext>
             </a:extLst>
           </p:cNvPr>
@@ -12019,7 +11684,7 @@
           <p:cNvPr id="43" name="Straight Connector 42">
             <a:extLst>
               <a:ext uri="{FF2B5EF4-FFF2-40B4-BE49-F238E27FC236}">
-                <a16:creationId xmlns="" xmlns:a16="http://schemas.microsoft.com/office/drawing/2014/main" id="{D5CBC4E2-B7D8-4BA4-91B1-1439F1E66A5D}"/>
+                <a16:creationId xmlns:a16="http://schemas.microsoft.com/office/drawing/2014/main" id="{D5CBC4E2-B7D8-4BA4-91B1-1439F1E66A5D}"/>
               </a:ext>
             </a:extLst>
           </p:cNvPr>
@@ -12058,7 +11723,7 @@
           <p:cNvPr id="44" name="Oval 43">
             <a:extLst>
               <a:ext uri="{FF2B5EF4-FFF2-40B4-BE49-F238E27FC236}">
-                <a16:creationId xmlns="" xmlns:a16="http://schemas.microsoft.com/office/drawing/2014/main" id="{6790BD35-3A48-4FA4-A1DD-25EAA7D259C1}"/>
+                <a16:creationId xmlns:a16="http://schemas.microsoft.com/office/drawing/2014/main" id="{6790BD35-3A48-4FA4-A1DD-25EAA7D259C1}"/>
               </a:ext>
             </a:extLst>
           </p:cNvPr>
@@ -12102,7 +11767,7 @@
           <a:p>
             <a:pPr algn="ctr"/>
             <a:r>
-              <a:rPr lang="en-US" sz="1600" dirty="0" smtClean="0">
+              <a:rPr lang="en-US" sz="1600" dirty="0">
                 <a:solidFill>
                   <a:schemeClr val="tx1"/>
                 </a:solidFill>
@@ -12122,7 +11787,7 @@
           <p:cNvPr id="45" name="Oval 44">
             <a:extLst>
               <a:ext uri="{FF2B5EF4-FFF2-40B4-BE49-F238E27FC236}">
-                <a16:creationId xmlns="" xmlns:a16="http://schemas.microsoft.com/office/drawing/2014/main" id="{6790BD35-3A48-4FA4-A1DD-25EAA7D259C1}"/>
+                <a16:creationId xmlns:a16="http://schemas.microsoft.com/office/drawing/2014/main" id="{6790BD35-3A48-4FA4-A1DD-25EAA7D259C1}"/>
               </a:ext>
             </a:extLst>
           </p:cNvPr>
@@ -12166,7 +11831,7 @@
           <a:p>
             <a:pPr algn="ctr"/>
             <a:r>
-              <a:rPr lang="en-US" sz="1600" dirty="0" smtClean="0">
+              <a:rPr lang="en-US" sz="1600" dirty="0">
                 <a:solidFill>
                   <a:schemeClr val="tx1"/>
                 </a:solidFill>
@@ -12186,7 +11851,7 @@
           <p:cNvPr id="46" name="Oval 45">
             <a:extLst>
               <a:ext uri="{FF2B5EF4-FFF2-40B4-BE49-F238E27FC236}">
-                <a16:creationId xmlns="" xmlns:a16="http://schemas.microsoft.com/office/drawing/2014/main" id="{6790BD35-3A48-4FA4-A1DD-25EAA7D259C1}"/>
+                <a16:creationId xmlns:a16="http://schemas.microsoft.com/office/drawing/2014/main" id="{6790BD35-3A48-4FA4-A1DD-25EAA7D259C1}"/>
               </a:ext>
             </a:extLst>
           </p:cNvPr>
@@ -12230,7 +11895,7 @@
           <a:p>
             <a:pPr algn="ctr"/>
             <a:r>
-              <a:rPr lang="en-US" sz="1600" dirty="0" smtClean="0">
+              <a:rPr lang="en-US" sz="1600" dirty="0">
                 <a:solidFill>
                   <a:schemeClr val="tx1"/>
                 </a:solidFill>
@@ -12250,7 +11915,7 @@
           <p:cNvPr id="47" name="Straight Connector 46">
             <a:extLst>
               <a:ext uri="{FF2B5EF4-FFF2-40B4-BE49-F238E27FC236}">
-                <a16:creationId xmlns="" xmlns:a16="http://schemas.microsoft.com/office/drawing/2014/main" id="{D5CBC4E2-B7D8-4BA4-91B1-1439F1E66A5D}"/>
+                <a16:creationId xmlns:a16="http://schemas.microsoft.com/office/drawing/2014/main" id="{D5CBC4E2-B7D8-4BA4-91B1-1439F1E66A5D}"/>
               </a:ext>
             </a:extLst>
           </p:cNvPr>
@@ -12289,7 +11954,7 @@
           <p:cNvPr id="48" name="Straight Connector 47">
             <a:extLst>
               <a:ext uri="{FF2B5EF4-FFF2-40B4-BE49-F238E27FC236}">
-                <a16:creationId xmlns="" xmlns:a16="http://schemas.microsoft.com/office/drawing/2014/main" id="{D5CBC4E2-B7D8-4BA4-91B1-1439F1E66A5D}"/>
+                <a16:creationId xmlns:a16="http://schemas.microsoft.com/office/drawing/2014/main" id="{D5CBC4E2-B7D8-4BA4-91B1-1439F1E66A5D}"/>
               </a:ext>
             </a:extLst>
           </p:cNvPr>
@@ -12376,12 +12041,8 @@
           <a:lstStyle/>
           <a:p>
             <a:r>
-              <a:rPr lang="en-US" sz="4000" b="1" dirty="0" smtClean="0"/>
-              <a:t>5.1 </a:t>
-            </a:r>
-            <a:r>
               <a:rPr lang="en-US" sz="4000" b="1" dirty="0"/>
-              <a:t>Mining the FP-Tree for Frequent Patterns</a:t>
+              <a:t>5.1 Mining the FP-Tree for Frequent Patterns</a:t>
             </a:r>
           </a:p>
         </p:txBody>
@@ -12391,7 +12052,7 @@
           <p:cNvPr id="29" name="TextBox 28">
             <a:extLst>
               <a:ext uri="{FF2B5EF4-FFF2-40B4-BE49-F238E27FC236}">
-                <a16:creationId xmlns="" xmlns:a16="http://schemas.microsoft.com/office/drawing/2014/main" id="{DE6FFCD5-DA91-4170-905E-45E8EB9BEBE5}"/>
+                <a16:creationId xmlns:a16="http://schemas.microsoft.com/office/drawing/2014/main" id="{DE6FFCD5-DA91-4170-905E-45E8EB9BEBE5}"/>
               </a:ext>
             </a:extLst>
           </p:cNvPr>
@@ -12415,32 +12076,20 @@
           <a:lstStyle/>
           <a:p>
             <a:r>
-              <a:rPr lang="en-US" sz="2000" b="1" dirty="0" smtClean="0"/>
-              <a:t>Paths </a:t>
-            </a:r>
-            <a:r>
               <a:rPr lang="en-US" sz="2000" b="1" dirty="0"/>
-              <a:t>Leading to D Nodes</a:t>
-            </a:r>
-            <a:r>
-              <a:rPr lang="en-US" sz="2000" b="1" dirty="0" smtClean="0"/>
-              <a:t>:</a:t>
-            </a:r>
-          </a:p>
-          <a:p>
-            <a:endParaRPr lang="en-US" sz="900" b="1" dirty="0" smtClean="0"/>
+              <a:t>Paths Leading to D Nodes:</a:t>
+            </a:r>
+          </a:p>
+          <a:p>
+            <a:endParaRPr lang="en-US" sz="900" b="1" dirty="0"/>
           </a:p>
           <a:p>
             <a:pPr marL="457200" indent="-457200">
               <a:buAutoNum type="arabicPeriod"/>
             </a:pPr>
             <a:r>
-              <a:rPr lang="en-US" sz="2000" dirty="0" smtClean="0"/>
-              <a:t>Path 1 </a:t>
-            </a:r>
-            <a:r>
               <a:rPr lang="en-US" sz="2000" dirty="0"/>
-              <a:t>containing D:</a:t>
+              <a:t>Path 1 containing D:</a:t>
             </a:r>
           </a:p>
           <a:p>
@@ -12497,7 +12146,7 @@
               <a:t>  </a:t>
             </a:r>
             <a:r>
-              <a:rPr lang="en-US" b="1" dirty="0" smtClean="0">
+              <a:rPr lang="en-US" b="1" dirty="0">
                 <a:solidFill>
                   <a:srgbClr val="7030A0"/>
                 </a:solidFill>
@@ -12506,7 +12155,10 @@
               <a:t>D </a:t>
             </a:r>
             <a:r>
-              <a:rPr lang="en-US" b="1" dirty="0" smtClean="0">
+              <a:rPr lang="en-US" b="1" dirty="0">
+                <a:solidFill>
+                  <a:schemeClr val="bg1"/>
+                </a:solidFill>
                 <a:sym typeface="Wingdings" panose="05000000000000000000" pitchFamily="2" charset="2"/>
               </a:rPr>
               <a:t>(support count = 1)</a:t>
@@ -12519,12 +12171,8 @@
           </a:p>
           <a:p>
             <a:r>
-              <a:rPr lang="en-US" sz="2000" dirty="0" smtClean="0"/>
-              <a:t>2.   Path 2 </a:t>
-            </a:r>
-            <a:r>
               <a:rPr lang="en-US" sz="2000" dirty="0"/>
-              <a:t>containing D:</a:t>
+              <a:t>2.   Path 2 containing D:</a:t>
             </a:r>
           </a:p>
           <a:p>
@@ -12537,7 +12185,7 @@
               <a:t>- </a:t>
             </a:r>
             <a:r>
-              <a:rPr lang="en-US" b="1" dirty="0" smtClean="0">
+              <a:rPr lang="en-US" b="1" dirty="0">
                 <a:solidFill>
                   <a:srgbClr val="FF0000"/>
                 </a:solidFill>
@@ -12566,31 +12214,28 @@
               <a:t>  </a:t>
             </a:r>
             <a:r>
-              <a:rPr lang="en-US" b="1" dirty="0" smtClean="0">
+              <a:rPr lang="en-US" b="1" dirty="0">
                 <a:solidFill>
                   <a:srgbClr val="7030A0"/>
                 </a:solidFill>
                 <a:sym typeface="Wingdings" panose="05000000000000000000" pitchFamily="2" charset="2"/>
               </a:rPr>
               <a:t>D</a:t>
-            </a:r>
-            <a:r>
-              <a:rPr lang="en-US" b="1" dirty="0" smtClean="0">
-                <a:sym typeface="Wingdings" panose="05000000000000000000" pitchFamily="2" charset="2"/>
-              </a:rPr>
-              <a:t> (</a:t>
             </a:r>
             <a:r>
               <a:rPr lang="en-US" b="1" dirty="0">
                 <a:sym typeface="Wingdings" panose="05000000000000000000" pitchFamily="2" charset="2"/>
               </a:rPr>
-              <a:t>support count = </a:t>
-            </a:r>
-            <a:r>
-              <a:rPr lang="en-US" b="1" dirty="0" smtClean="0">
+              <a:t> </a:t>
+            </a:r>
+            <a:r>
+              <a:rPr lang="en-US" b="1" dirty="0">
+                <a:solidFill>
+                  <a:schemeClr val="bg1"/>
+                </a:solidFill>
                 <a:sym typeface="Wingdings" panose="05000000000000000000" pitchFamily="2" charset="2"/>
               </a:rPr>
-              <a:t>1)</a:t>
+              <a:t>(support count = 1)</a:t>
             </a:r>
           </a:p>
           <a:p>
@@ -12600,16 +12245,16 @@
           </a:p>
           <a:p>
             <a:r>
-              <a:rPr lang="en-US" sz="2000" b="1" dirty="0" smtClean="0"/>
-              <a:t>Conditional Pattern Base on D:</a:t>
-            </a:r>
-          </a:p>
-          <a:p>
-            <a:endParaRPr lang="en-US" sz="900" b="1" dirty="0" smtClean="0"/>
-          </a:p>
-          <a:p>
-            <a:r>
-              <a:rPr lang="en-US" sz="2000" dirty="0" smtClean="0">
+              <a:rPr lang="en-US" sz="2000" b="1" dirty="0"/>
+              <a:t>Sample Conditional Pattern Base on D:</a:t>
+            </a:r>
+          </a:p>
+          <a:p>
+            <a:endParaRPr lang="en-US" sz="900" b="1" dirty="0"/>
+          </a:p>
+          <a:p>
+            <a:r>
+              <a:rPr lang="en-US" sz="2000" dirty="0">
                 <a:solidFill>
                   <a:srgbClr val="FF0000"/>
                 </a:solidFill>
@@ -12617,13 +12262,21 @@
               <a:t>B, A, E </a:t>
             </a:r>
             <a:r>
-              <a:rPr lang="en-US" sz="2000" dirty="0" smtClean="0"/>
-              <a:t>		(1)</a:t>
-            </a:r>
-          </a:p>
-          <a:p>
-            <a:r>
-              <a:rPr lang="en-US" sz="2000" dirty="0" smtClean="0">
+              <a:rPr lang="en-US" sz="2000" dirty="0"/>
+              <a:t>		</a:t>
+            </a:r>
+            <a:r>
+              <a:rPr lang="en-US" sz="2000" dirty="0">
+                <a:solidFill>
+                  <a:schemeClr val="bg1"/>
+                </a:solidFill>
+              </a:rPr>
+              <a:t>(1)</a:t>
+            </a:r>
+          </a:p>
+          <a:p>
+            <a:r>
+              <a:rPr lang="en-US" sz="2000" dirty="0">
                 <a:solidFill>
                   <a:srgbClr val="FF0000"/>
                 </a:solidFill>
@@ -12631,10 +12284,17 @@
               <a:t>C, A</a:t>
             </a:r>
             <a:r>
-              <a:rPr lang="en-US" sz="2000" dirty="0" smtClean="0"/>
-              <a:t>		(1)</a:t>
-            </a:r>
-            <a:endParaRPr lang="en-US" sz="2000" dirty="0"/>
+              <a:rPr lang="en-US" sz="2000" dirty="0"/>
+              <a:t>		</a:t>
+            </a:r>
+            <a:r>
+              <a:rPr lang="en-US" sz="2000" dirty="0">
+                <a:solidFill>
+                  <a:schemeClr val="bg1"/>
+                </a:solidFill>
+              </a:rPr>
+              <a:t>(1)</a:t>
+            </a:r>
           </a:p>
           <a:p>
             <a:endParaRPr lang="en-US" b="1" dirty="0">
@@ -12648,7 +12308,7 @@
           <p:cNvPr id="30" name="Oval 29">
             <a:extLst>
               <a:ext uri="{FF2B5EF4-FFF2-40B4-BE49-F238E27FC236}">
-                <a16:creationId xmlns="" xmlns:a16="http://schemas.microsoft.com/office/drawing/2014/main" id="{6790BD35-3A48-4FA4-A1DD-25EAA7D259C1}"/>
+                <a16:creationId xmlns:a16="http://schemas.microsoft.com/office/drawing/2014/main" id="{6790BD35-3A48-4FA4-A1DD-25EAA7D259C1}"/>
               </a:ext>
             </a:extLst>
           </p:cNvPr>
@@ -12692,7 +12352,7 @@
           <a:p>
             <a:pPr algn="ctr"/>
             <a:r>
-              <a:rPr lang="en-US" sz="1600" dirty="0" smtClean="0">
+              <a:rPr lang="en-US" sz="1600" dirty="0">
                 <a:solidFill>
                   <a:schemeClr val="tx1"/>
                 </a:solidFill>
@@ -12712,7 +12372,7 @@
           <p:cNvPr id="31" name="Oval 30">
             <a:extLst>
               <a:ext uri="{FF2B5EF4-FFF2-40B4-BE49-F238E27FC236}">
-                <a16:creationId xmlns="" xmlns:a16="http://schemas.microsoft.com/office/drawing/2014/main" id="{6790BD35-3A48-4FA4-A1DD-25EAA7D259C1}"/>
+                <a16:creationId xmlns:a16="http://schemas.microsoft.com/office/drawing/2014/main" id="{6790BD35-3A48-4FA4-A1DD-25EAA7D259C1}"/>
               </a:ext>
             </a:extLst>
           </p:cNvPr>
@@ -12756,20 +12416,12 @@
           <a:p>
             <a:pPr algn="ctr"/>
             <a:r>
-              <a:rPr lang="en-US" sz="1600" dirty="0" smtClean="0">
+              <a:rPr lang="en-US" sz="1600" dirty="0">
                 <a:solidFill>
                   <a:schemeClr val="tx1"/>
                 </a:solidFill>
               </a:rPr>
-              <a:t>E: </a:t>
-            </a:r>
-            <a:r>
-              <a:rPr lang="en-US" sz="1600" dirty="0">
-                <a:solidFill>
-                  <a:schemeClr val="tx1"/>
-                </a:solidFill>
-              </a:rPr>
-              <a:t>1</a:t>
+              <a:t>E: 1</a:t>
             </a:r>
             <a:endParaRPr lang="en-PH" sz="1600" dirty="0">
               <a:solidFill>
@@ -12784,7 +12436,7 @@
           <p:cNvPr id="32" name="Straight Connector 31">
             <a:extLst>
               <a:ext uri="{FF2B5EF4-FFF2-40B4-BE49-F238E27FC236}">
-                <a16:creationId xmlns="" xmlns:a16="http://schemas.microsoft.com/office/drawing/2014/main" id="{D5CBC4E2-B7D8-4BA4-91B1-1439F1E66A5D}"/>
+                <a16:creationId xmlns:a16="http://schemas.microsoft.com/office/drawing/2014/main" id="{D5CBC4E2-B7D8-4BA4-91B1-1439F1E66A5D}"/>
               </a:ext>
             </a:extLst>
           </p:cNvPr>
@@ -12822,7 +12474,7 @@
           <p:cNvPr id="33" name="Straight Connector 32">
             <a:extLst>
               <a:ext uri="{FF2B5EF4-FFF2-40B4-BE49-F238E27FC236}">
-                <a16:creationId xmlns="" xmlns:a16="http://schemas.microsoft.com/office/drawing/2014/main" id="{D5CBC4E2-B7D8-4BA4-91B1-1439F1E66A5D}"/>
+                <a16:creationId xmlns:a16="http://schemas.microsoft.com/office/drawing/2014/main" id="{D5CBC4E2-B7D8-4BA4-91B1-1439F1E66A5D}"/>
               </a:ext>
             </a:extLst>
           </p:cNvPr>
@@ -12861,7 +12513,7 @@
           <p:cNvPr id="34" name="Oval 33">
             <a:extLst>
               <a:ext uri="{FF2B5EF4-FFF2-40B4-BE49-F238E27FC236}">
-                <a16:creationId xmlns="" xmlns:a16="http://schemas.microsoft.com/office/drawing/2014/main" id="{FF465D5F-EE40-4CF1-B973-7087C70611E4}"/>
+                <a16:creationId xmlns:a16="http://schemas.microsoft.com/office/drawing/2014/main" id="{FF465D5F-EE40-4CF1-B973-7087C70611E4}"/>
               </a:ext>
             </a:extLst>
           </p:cNvPr>
@@ -12925,7 +12577,7 @@
           <p:cNvPr id="35" name="Oval 34">
             <a:extLst>
               <a:ext uri="{FF2B5EF4-FFF2-40B4-BE49-F238E27FC236}">
-                <a16:creationId xmlns="" xmlns:a16="http://schemas.microsoft.com/office/drawing/2014/main" id="{39C548D5-2D23-4238-82DF-921D2E3334F9}"/>
+                <a16:creationId xmlns:a16="http://schemas.microsoft.com/office/drawing/2014/main" id="{39C548D5-2D23-4238-82DF-921D2E3334F9}"/>
               </a:ext>
             </a:extLst>
           </p:cNvPr>
@@ -12989,7 +12641,7 @@
           <p:cNvPr id="36" name="Oval 35">
             <a:extLst>
               <a:ext uri="{FF2B5EF4-FFF2-40B4-BE49-F238E27FC236}">
-                <a16:creationId xmlns="" xmlns:a16="http://schemas.microsoft.com/office/drawing/2014/main" id="{D370CE05-94D0-4DB6-BE29-980F92475FAA}"/>
+                <a16:creationId xmlns:a16="http://schemas.microsoft.com/office/drawing/2014/main" id="{D370CE05-94D0-4DB6-BE29-980F92475FAA}"/>
               </a:ext>
             </a:extLst>
           </p:cNvPr>
@@ -13053,7 +12705,7 @@
           <p:cNvPr id="37" name="Straight Connector 36">
             <a:extLst>
               <a:ext uri="{FF2B5EF4-FFF2-40B4-BE49-F238E27FC236}">
-                <a16:creationId xmlns="" xmlns:a16="http://schemas.microsoft.com/office/drawing/2014/main" id="{D5CBC4E2-B7D8-4BA4-91B1-1439F1E66A5D}"/>
+                <a16:creationId xmlns:a16="http://schemas.microsoft.com/office/drawing/2014/main" id="{D5CBC4E2-B7D8-4BA4-91B1-1439F1E66A5D}"/>
               </a:ext>
             </a:extLst>
           </p:cNvPr>
@@ -13091,7 +12743,7 @@
           <p:cNvPr id="38" name="Straight Connector 37">
             <a:extLst>
               <a:ext uri="{FF2B5EF4-FFF2-40B4-BE49-F238E27FC236}">
-                <a16:creationId xmlns="" xmlns:a16="http://schemas.microsoft.com/office/drawing/2014/main" id="{3671F84C-43EB-4E83-B34F-C5EA539A58EC}"/>
+                <a16:creationId xmlns:a16="http://schemas.microsoft.com/office/drawing/2014/main" id="{3671F84C-43EB-4E83-B34F-C5EA539A58EC}"/>
               </a:ext>
             </a:extLst>
           </p:cNvPr>
@@ -13130,7 +12782,7 @@
           <p:cNvPr id="39" name="Straight Connector 38">
             <a:extLst>
               <a:ext uri="{FF2B5EF4-FFF2-40B4-BE49-F238E27FC236}">
-                <a16:creationId xmlns="" xmlns:a16="http://schemas.microsoft.com/office/drawing/2014/main" id="{61E9DF07-49B0-4931-B28A-3220297F1ADF}"/>
+                <a16:creationId xmlns:a16="http://schemas.microsoft.com/office/drawing/2014/main" id="{61E9DF07-49B0-4931-B28A-3220297F1ADF}"/>
               </a:ext>
             </a:extLst>
           </p:cNvPr>
@@ -13170,7 +12822,7 @@
           <p:cNvPr id="40" name="Oval 39">
             <a:extLst>
               <a:ext uri="{FF2B5EF4-FFF2-40B4-BE49-F238E27FC236}">
-                <a16:creationId xmlns="" xmlns:a16="http://schemas.microsoft.com/office/drawing/2014/main" id="{6790BD35-3A48-4FA4-A1DD-25EAA7D259C1}"/>
+                <a16:creationId xmlns:a16="http://schemas.microsoft.com/office/drawing/2014/main" id="{6790BD35-3A48-4FA4-A1DD-25EAA7D259C1}"/>
               </a:ext>
             </a:extLst>
           </p:cNvPr>
@@ -13219,15 +12871,7 @@
                   <a:schemeClr val="tx1"/>
                 </a:solidFill>
               </a:rPr>
-              <a:t>B: </a:t>
-            </a:r>
-            <a:r>
-              <a:rPr lang="en-US" sz="1600" dirty="0" smtClean="0">
-                <a:solidFill>
-                  <a:schemeClr val="tx1"/>
-                </a:solidFill>
-              </a:rPr>
-              <a:t>4</a:t>
+              <a:t>B: 4</a:t>
             </a:r>
             <a:endParaRPr lang="en-PH" sz="1600" dirty="0">
               <a:solidFill>
@@ -13242,7 +12886,7 @@
           <p:cNvPr id="41" name="Oval 40">
             <a:extLst>
               <a:ext uri="{FF2B5EF4-FFF2-40B4-BE49-F238E27FC236}">
-                <a16:creationId xmlns="" xmlns:a16="http://schemas.microsoft.com/office/drawing/2014/main" id="{6790BD35-3A48-4FA4-A1DD-25EAA7D259C1}"/>
+                <a16:creationId xmlns:a16="http://schemas.microsoft.com/office/drawing/2014/main" id="{6790BD35-3A48-4FA4-A1DD-25EAA7D259C1}"/>
               </a:ext>
             </a:extLst>
           </p:cNvPr>
@@ -13286,20 +12930,12 @@
           <a:p>
             <a:pPr algn="ctr"/>
             <a:r>
-              <a:rPr lang="en-US" sz="1600" dirty="0" smtClean="0">
+              <a:rPr lang="en-US" sz="1600" dirty="0">
                 <a:solidFill>
                   <a:schemeClr val="tx1"/>
                 </a:solidFill>
               </a:rPr>
-              <a:t>A: </a:t>
-            </a:r>
-            <a:r>
-              <a:rPr lang="en-US" sz="1600" dirty="0">
-                <a:solidFill>
-                  <a:schemeClr val="tx1"/>
-                </a:solidFill>
-              </a:rPr>
-              <a:t>1</a:t>
+              <a:t>A: 1</a:t>
             </a:r>
             <a:endParaRPr lang="en-PH" sz="1600" dirty="0">
               <a:solidFill>
@@ -13314,7 +12950,7 @@
           <p:cNvPr id="42" name="Oval 41">
             <a:extLst>
               <a:ext uri="{FF2B5EF4-FFF2-40B4-BE49-F238E27FC236}">
-                <a16:creationId xmlns="" xmlns:a16="http://schemas.microsoft.com/office/drawing/2014/main" id="{6790BD35-3A48-4FA4-A1DD-25EAA7D259C1}"/>
+                <a16:creationId xmlns:a16="http://schemas.microsoft.com/office/drawing/2014/main" id="{6790BD35-3A48-4FA4-A1DD-25EAA7D259C1}"/>
               </a:ext>
             </a:extLst>
           </p:cNvPr>
@@ -13358,20 +12994,12 @@
           <a:p>
             <a:pPr algn="ctr"/>
             <a:r>
-              <a:rPr lang="en-US" sz="1600" dirty="0" smtClean="0">
+              <a:rPr lang="en-US" sz="1600" dirty="0">
                 <a:solidFill>
                   <a:schemeClr val="tx1"/>
                 </a:solidFill>
               </a:rPr>
-              <a:t>E: </a:t>
-            </a:r>
-            <a:r>
-              <a:rPr lang="en-US" sz="1600" dirty="0">
-                <a:solidFill>
-                  <a:schemeClr val="tx1"/>
-                </a:solidFill>
-              </a:rPr>
-              <a:t>1</a:t>
+              <a:t>E: 1</a:t>
             </a:r>
             <a:endParaRPr lang="en-PH" sz="1600" dirty="0">
               <a:solidFill>
@@ -13386,7 +13014,7 @@
           <p:cNvPr id="43" name="Straight Connector 42">
             <a:extLst>
               <a:ext uri="{FF2B5EF4-FFF2-40B4-BE49-F238E27FC236}">
-                <a16:creationId xmlns="" xmlns:a16="http://schemas.microsoft.com/office/drawing/2014/main" id="{D5CBC4E2-B7D8-4BA4-91B1-1439F1E66A5D}"/>
+                <a16:creationId xmlns:a16="http://schemas.microsoft.com/office/drawing/2014/main" id="{D5CBC4E2-B7D8-4BA4-91B1-1439F1E66A5D}"/>
               </a:ext>
             </a:extLst>
           </p:cNvPr>
@@ -13425,7 +13053,7 @@
           <p:cNvPr id="44" name="Straight Connector 43">
             <a:extLst>
               <a:ext uri="{FF2B5EF4-FFF2-40B4-BE49-F238E27FC236}">
-                <a16:creationId xmlns="" xmlns:a16="http://schemas.microsoft.com/office/drawing/2014/main" id="{D5CBC4E2-B7D8-4BA4-91B1-1439F1E66A5D}"/>
+                <a16:creationId xmlns:a16="http://schemas.microsoft.com/office/drawing/2014/main" id="{D5CBC4E2-B7D8-4BA4-91B1-1439F1E66A5D}"/>
               </a:ext>
             </a:extLst>
           </p:cNvPr>
@@ -13464,7 +13092,7 @@
           <p:cNvPr id="45" name="Oval 44">
             <a:extLst>
               <a:ext uri="{FF2B5EF4-FFF2-40B4-BE49-F238E27FC236}">
-                <a16:creationId xmlns="" xmlns:a16="http://schemas.microsoft.com/office/drawing/2014/main" id="{6790BD35-3A48-4FA4-A1DD-25EAA7D259C1}"/>
+                <a16:creationId xmlns:a16="http://schemas.microsoft.com/office/drawing/2014/main" id="{6790BD35-3A48-4FA4-A1DD-25EAA7D259C1}"/>
               </a:ext>
             </a:extLst>
           </p:cNvPr>
@@ -13508,7 +13136,7 @@
           <a:p>
             <a:pPr algn="ctr"/>
             <a:r>
-              <a:rPr lang="en-US" sz="1600" dirty="0" smtClean="0">
+              <a:rPr lang="en-US" sz="1600" dirty="0">
                 <a:solidFill>
                   <a:schemeClr val="tx1"/>
                 </a:solidFill>
@@ -13528,7 +13156,7 @@
           <p:cNvPr id="46" name="Oval 45">
             <a:extLst>
               <a:ext uri="{FF2B5EF4-FFF2-40B4-BE49-F238E27FC236}">
-                <a16:creationId xmlns="" xmlns:a16="http://schemas.microsoft.com/office/drawing/2014/main" id="{6790BD35-3A48-4FA4-A1DD-25EAA7D259C1}"/>
+                <a16:creationId xmlns:a16="http://schemas.microsoft.com/office/drawing/2014/main" id="{6790BD35-3A48-4FA4-A1DD-25EAA7D259C1}"/>
               </a:ext>
             </a:extLst>
           </p:cNvPr>
@@ -13572,7 +13200,7 @@
           <a:p>
             <a:pPr algn="ctr"/>
             <a:r>
-              <a:rPr lang="en-US" sz="1600" dirty="0" smtClean="0">
+              <a:rPr lang="en-US" sz="1600" dirty="0">
                 <a:solidFill>
                   <a:schemeClr val="tx1"/>
                 </a:solidFill>
@@ -13592,7 +13220,7 @@
           <p:cNvPr id="47" name="Oval 46">
             <a:extLst>
               <a:ext uri="{FF2B5EF4-FFF2-40B4-BE49-F238E27FC236}">
-                <a16:creationId xmlns="" xmlns:a16="http://schemas.microsoft.com/office/drawing/2014/main" id="{6790BD35-3A48-4FA4-A1DD-25EAA7D259C1}"/>
+                <a16:creationId xmlns:a16="http://schemas.microsoft.com/office/drawing/2014/main" id="{6790BD35-3A48-4FA4-A1DD-25EAA7D259C1}"/>
               </a:ext>
             </a:extLst>
           </p:cNvPr>
@@ -13636,7 +13264,7 @@
           <a:p>
             <a:pPr algn="ctr"/>
             <a:r>
-              <a:rPr lang="en-US" sz="1600" dirty="0" smtClean="0">
+              <a:rPr lang="en-US" sz="1600" dirty="0">
                 <a:solidFill>
                   <a:schemeClr val="tx1"/>
                 </a:solidFill>
@@ -13656,7 +13284,7 @@
           <p:cNvPr id="48" name="Straight Connector 47">
             <a:extLst>
               <a:ext uri="{FF2B5EF4-FFF2-40B4-BE49-F238E27FC236}">
-                <a16:creationId xmlns="" xmlns:a16="http://schemas.microsoft.com/office/drawing/2014/main" id="{D5CBC4E2-B7D8-4BA4-91B1-1439F1E66A5D}"/>
+                <a16:creationId xmlns:a16="http://schemas.microsoft.com/office/drawing/2014/main" id="{D5CBC4E2-B7D8-4BA4-91B1-1439F1E66A5D}"/>
               </a:ext>
             </a:extLst>
           </p:cNvPr>
@@ -13695,7 +13323,7 @@
           <p:cNvPr id="49" name="Straight Connector 48">
             <a:extLst>
               <a:ext uri="{FF2B5EF4-FFF2-40B4-BE49-F238E27FC236}">
-                <a16:creationId xmlns="" xmlns:a16="http://schemas.microsoft.com/office/drawing/2014/main" id="{D5CBC4E2-B7D8-4BA4-91B1-1439F1E66A5D}"/>
+                <a16:creationId xmlns:a16="http://schemas.microsoft.com/office/drawing/2014/main" id="{D5CBC4E2-B7D8-4BA4-91B1-1439F1E66A5D}"/>
               </a:ext>
             </a:extLst>
           </p:cNvPr>
@@ -13782,10 +13410,9 @@
           <a:lstStyle/>
           <a:p>
             <a:r>
-              <a:rPr lang="en-US" sz="4000" b="1" dirty="0" smtClean="0"/>
+              <a:rPr lang="en-US" sz="4000" b="1" dirty="0"/>
               <a:t>Frequent Pattern for Node D</a:t>
             </a:r>
-            <a:endParaRPr lang="en-US" sz="4000" b="1" dirty="0"/>
           </a:p>
         </p:txBody>
       </p:sp>
@@ -13794,7 +13421,7 @@
           <p:cNvPr id="30" name="Oval 29">
             <a:extLst>
               <a:ext uri="{FF2B5EF4-FFF2-40B4-BE49-F238E27FC236}">
-                <a16:creationId xmlns="" xmlns:a16="http://schemas.microsoft.com/office/drawing/2014/main" id="{6790BD35-3A48-4FA4-A1DD-25EAA7D259C1}"/>
+                <a16:creationId xmlns:a16="http://schemas.microsoft.com/office/drawing/2014/main" id="{6790BD35-3A48-4FA4-A1DD-25EAA7D259C1}"/>
               </a:ext>
             </a:extLst>
           </p:cNvPr>
@@ -13838,7 +13465,7 @@
           <a:p>
             <a:pPr algn="ctr"/>
             <a:r>
-              <a:rPr lang="en-US" sz="1600" dirty="0" smtClean="0">
+              <a:rPr lang="en-US" sz="1600" dirty="0">
                 <a:solidFill>
                   <a:schemeClr val="tx1"/>
                 </a:solidFill>
@@ -13858,7 +13485,7 @@
           <p:cNvPr id="31" name="Oval 30">
             <a:extLst>
               <a:ext uri="{FF2B5EF4-FFF2-40B4-BE49-F238E27FC236}">
-                <a16:creationId xmlns="" xmlns:a16="http://schemas.microsoft.com/office/drawing/2014/main" id="{6790BD35-3A48-4FA4-A1DD-25EAA7D259C1}"/>
+                <a16:creationId xmlns:a16="http://schemas.microsoft.com/office/drawing/2014/main" id="{6790BD35-3A48-4FA4-A1DD-25EAA7D259C1}"/>
               </a:ext>
             </a:extLst>
           </p:cNvPr>
@@ -13902,20 +13529,12 @@
           <a:p>
             <a:pPr algn="ctr"/>
             <a:r>
-              <a:rPr lang="en-US" sz="1600" dirty="0" smtClean="0">
+              <a:rPr lang="en-US" sz="1600" dirty="0">
                 <a:solidFill>
                   <a:schemeClr val="tx1"/>
                 </a:solidFill>
               </a:rPr>
-              <a:t>E: </a:t>
-            </a:r>
-            <a:r>
-              <a:rPr lang="en-US" sz="1600" dirty="0">
-                <a:solidFill>
-                  <a:schemeClr val="tx1"/>
-                </a:solidFill>
-              </a:rPr>
-              <a:t>1</a:t>
+              <a:t>E: 1</a:t>
             </a:r>
             <a:endParaRPr lang="en-PH" sz="1600" dirty="0">
               <a:solidFill>
@@ -13930,7 +13549,7 @@
           <p:cNvPr id="32" name="Straight Connector 31">
             <a:extLst>
               <a:ext uri="{FF2B5EF4-FFF2-40B4-BE49-F238E27FC236}">
-                <a16:creationId xmlns="" xmlns:a16="http://schemas.microsoft.com/office/drawing/2014/main" id="{D5CBC4E2-B7D8-4BA4-91B1-1439F1E66A5D}"/>
+                <a16:creationId xmlns:a16="http://schemas.microsoft.com/office/drawing/2014/main" id="{D5CBC4E2-B7D8-4BA4-91B1-1439F1E66A5D}"/>
               </a:ext>
             </a:extLst>
           </p:cNvPr>
@@ -13968,7 +13587,7 @@
           <p:cNvPr id="33" name="Straight Connector 32">
             <a:extLst>
               <a:ext uri="{FF2B5EF4-FFF2-40B4-BE49-F238E27FC236}">
-                <a16:creationId xmlns="" xmlns:a16="http://schemas.microsoft.com/office/drawing/2014/main" id="{D5CBC4E2-B7D8-4BA4-91B1-1439F1E66A5D}"/>
+                <a16:creationId xmlns:a16="http://schemas.microsoft.com/office/drawing/2014/main" id="{D5CBC4E2-B7D8-4BA4-91B1-1439F1E66A5D}"/>
               </a:ext>
             </a:extLst>
           </p:cNvPr>
@@ -14007,7 +13626,7 @@
           <p:cNvPr id="34" name="Oval 33">
             <a:extLst>
               <a:ext uri="{FF2B5EF4-FFF2-40B4-BE49-F238E27FC236}">
-                <a16:creationId xmlns="" xmlns:a16="http://schemas.microsoft.com/office/drawing/2014/main" id="{FF465D5F-EE40-4CF1-B973-7087C70611E4}"/>
+                <a16:creationId xmlns:a16="http://schemas.microsoft.com/office/drawing/2014/main" id="{FF465D5F-EE40-4CF1-B973-7087C70611E4}"/>
               </a:ext>
             </a:extLst>
           </p:cNvPr>
@@ -14071,7 +13690,7 @@
           <p:cNvPr id="35" name="Oval 34">
             <a:extLst>
               <a:ext uri="{FF2B5EF4-FFF2-40B4-BE49-F238E27FC236}">
-                <a16:creationId xmlns="" xmlns:a16="http://schemas.microsoft.com/office/drawing/2014/main" id="{39C548D5-2D23-4238-82DF-921D2E3334F9}"/>
+                <a16:creationId xmlns:a16="http://schemas.microsoft.com/office/drawing/2014/main" id="{39C548D5-2D23-4238-82DF-921D2E3334F9}"/>
               </a:ext>
             </a:extLst>
           </p:cNvPr>
@@ -14135,7 +13754,7 @@
           <p:cNvPr id="36" name="Oval 35">
             <a:extLst>
               <a:ext uri="{FF2B5EF4-FFF2-40B4-BE49-F238E27FC236}">
-                <a16:creationId xmlns="" xmlns:a16="http://schemas.microsoft.com/office/drawing/2014/main" id="{D370CE05-94D0-4DB6-BE29-980F92475FAA}"/>
+                <a16:creationId xmlns:a16="http://schemas.microsoft.com/office/drawing/2014/main" id="{D370CE05-94D0-4DB6-BE29-980F92475FAA}"/>
               </a:ext>
             </a:extLst>
           </p:cNvPr>
@@ -14199,7 +13818,7 @@
           <p:cNvPr id="37" name="Straight Connector 36">
             <a:extLst>
               <a:ext uri="{FF2B5EF4-FFF2-40B4-BE49-F238E27FC236}">
-                <a16:creationId xmlns="" xmlns:a16="http://schemas.microsoft.com/office/drawing/2014/main" id="{D5CBC4E2-B7D8-4BA4-91B1-1439F1E66A5D}"/>
+                <a16:creationId xmlns:a16="http://schemas.microsoft.com/office/drawing/2014/main" id="{D5CBC4E2-B7D8-4BA4-91B1-1439F1E66A5D}"/>
               </a:ext>
             </a:extLst>
           </p:cNvPr>
@@ -14237,7 +13856,7 @@
           <p:cNvPr id="38" name="Straight Connector 37">
             <a:extLst>
               <a:ext uri="{FF2B5EF4-FFF2-40B4-BE49-F238E27FC236}">
-                <a16:creationId xmlns="" xmlns:a16="http://schemas.microsoft.com/office/drawing/2014/main" id="{3671F84C-43EB-4E83-B34F-C5EA539A58EC}"/>
+                <a16:creationId xmlns:a16="http://schemas.microsoft.com/office/drawing/2014/main" id="{3671F84C-43EB-4E83-B34F-C5EA539A58EC}"/>
               </a:ext>
             </a:extLst>
           </p:cNvPr>
@@ -14276,7 +13895,7 @@
           <p:cNvPr id="39" name="Straight Connector 38">
             <a:extLst>
               <a:ext uri="{FF2B5EF4-FFF2-40B4-BE49-F238E27FC236}">
-                <a16:creationId xmlns="" xmlns:a16="http://schemas.microsoft.com/office/drawing/2014/main" id="{61E9DF07-49B0-4931-B28A-3220297F1ADF}"/>
+                <a16:creationId xmlns:a16="http://schemas.microsoft.com/office/drawing/2014/main" id="{61E9DF07-49B0-4931-B28A-3220297F1ADF}"/>
               </a:ext>
             </a:extLst>
           </p:cNvPr>
@@ -14316,7 +13935,7 @@
           <p:cNvPr id="40" name="Oval 39">
             <a:extLst>
               <a:ext uri="{FF2B5EF4-FFF2-40B4-BE49-F238E27FC236}">
-                <a16:creationId xmlns="" xmlns:a16="http://schemas.microsoft.com/office/drawing/2014/main" id="{6790BD35-3A48-4FA4-A1DD-25EAA7D259C1}"/>
+                <a16:creationId xmlns:a16="http://schemas.microsoft.com/office/drawing/2014/main" id="{6790BD35-3A48-4FA4-A1DD-25EAA7D259C1}"/>
               </a:ext>
             </a:extLst>
           </p:cNvPr>
@@ -14365,15 +13984,7 @@
                   <a:schemeClr val="tx1"/>
                 </a:solidFill>
               </a:rPr>
-              <a:t>B: </a:t>
-            </a:r>
-            <a:r>
-              <a:rPr lang="en-US" sz="1600" dirty="0" smtClean="0">
-                <a:solidFill>
-                  <a:schemeClr val="tx1"/>
-                </a:solidFill>
-              </a:rPr>
-              <a:t>4</a:t>
+              <a:t>B: 4</a:t>
             </a:r>
             <a:endParaRPr lang="en-PH" sz="1600" dirty="0">
               <a:solidFill>
@@ -14388,7 +13999,7 @@
           <p:cNvPr id="41" name="Oval 40">
             <a:extLst>
               <a:ext uri="{FF2B5EF4-FFF2-40B4-BE49-F238E27FC236}">
-                <a16:creationId xmlns="" xmlns:a16="http://schemas.microsoft.com/office/drawing/2014/main" id="{6790BD35-3A48-4FA4-A1DD-25EAA7D259C1}"/>
+                <a16:creationId xmlns:a16="http://schemas.microsoft.com/office/drawing/2014/main" id="{6790BD35-3A48-4FA4-A1DD-25EAA7D259C1}"/>
               </a:ext>
             </a:extLst>
           </p:cNvPr>
@@ -14432,20 +14043,12 @@
           <a:p>
             <a:pPr algn="ctr"/>
             <a:r>
-              <a:rPr lang="en-US" sz="1600" dirty="0" smtClean="0">
+              <a:rPr lang="en-US" sz="1600" dirty="0">
                 <a:solidFill>
                   <a:schemeClr val="tx1"/>
                 </a:solidFill>
               </a:rPr>
-              <a:t>A: </a:t>
-            </a:r>
-            <a:r>
-              <a:rPr lang="en-US" sz="1600" dirty="0">
-                <a:solidFill>
-                  <a:schemeClr val="tx1"/>
-                </a:solidFill>
-              </a:rPr>
-              <a:t>1</a:t>
+              <a:t>A: 1</a:t>
             </a:r>
             <a:endParaRPr lang="en-PH" sz="1600" dirty="0">
               <a:solidFill>
@@ -14460,7 +14063,7 @@
           <p:cNvPr id="42" name="Oval 41">
             <a:extLst>
               <a:ext uri="{FF2B5EF4-FFF2-40B4-BE49-F238E27FC236}">
-                <a16:creationId xmlns="" xmlns:a16="http://schemas.microsoft.com/office/drawing/2014/main" id="{6790BD35-3A48-4FA4-A1DD-25EAA7D259C1}"/>
+                <a16:creationId xmlns:a16="http://schemas.microsoft.com/office/drawing/2014/main" id="{6790BD35-3A48-4FA4-A1DD-25EAA7D259C1}"/>
               </a:ext>
             </a:extLst>
           </p:cNvPr>
@@ -14504,20 +14107,12 @@
           <a:p>
             <a:pPr algn="ctr"/>
             <a:r>
-              <a:rPr lang="en-US" sz="1600" dirty="0" smtClean="0">
+              <a:rPr lang="en-US" sz="1600" dirty="0">
                 <a:solidFill>
                   <a:schemeClr val="tx1"/>
                 </a:solidFill>
               </a:rPr>
-              <a:t>E: </a:t>
-            </a:r>
-            <a:r>
-              <a:rPr lang="en-US" sz="1600" dirty="0">
-                <a:solidFill>
-                  <a:schemeClr val="tx1"/>
-                </a:solidFill>
-              </a:rPr>
-              <a:t>1</a:t>
+              <a:t>E: 1</a:t>
             </a:r>
             <a:endParaRPr lang="en-PH" sz="1600" dirty="0">
               <a:solidFill>
@@ -14532,7 +14127,7 @@
           <p:cNvPr id="43" name="Straight Connector 42">
             <a:extLst>
               <a:ext uri="{FF2B5EF4-FFF2-40B4-BE49-F238E27FC236}">
-                <a16:creationId xmlns="" xmlns:a16="http://schemas.microsoft.com/office/drawing/2014/main" id="{D5CBC4E2-B7D8-4BA4-91B1-1439F1E66A5D}"/>
+                <a16:creationId xmlns:a16="http://schemas.microsoft.com/office/drawing/2014/main" id="{D5CBC4E2-B7D8-4BA4-91B1-1439F1E66A5D}"/>
               </a:ext>
             </a:extLst>
           </p:cNvPr>
@@ -14571,7 +14166,7 @@
           <p:cNvPr id="44" name="Straight Connector 43">
             <a:extLst>
               <a:ext uri="{FF2B5EF4-FFF2-40B4-BE49-F238E27FC236}">
-                <a16:creationId xmlns="" xmlns:a16="http://schemas.microsoft.com/office/drawing/2014/main" id="{D5CBC4E2-B7D8-4BA4-91B1-1439F1E66A5D}"/>
+                <a16:creationId xmlns:a16="http://schemas.microsoft.com/office/drawing/2014/main" id="{D5CBC4E2-B7D8-4BA4-91B1-1439F1E66A5D}"/>
               </a:ext>
             </a:extLst>
           </p:cNvPr>
@@ -14610,7 +14205,7 @@
           <p:cNvPr id="45" name="Oval 44">
             <a:extLst>
               <a:ext uri="{FF2B5EF4-FFF2-40B4-BE49-F238E27FC236}">
-                <a16:creationId xmlns="" xmlns:a16="http://schemas.microsoft.com/office/drawing/2014/main" id="{6790BD35-3A48-4FA4-A1DD-25EAA7D259C1}"/>
+                <a16:creationId xmlns:a16="http://schemas.microsoft.com/office/drawing/2014/main" id="{6790BD35-3A48-4FA4-A1DD-25EAA7D259C1}"/>
               </a:ext>
             </a:extLst>
           </p:cNvPr>
@@ -14654,7 +14249,7 @@
           <a:p>
             <a:pPr algn="ctr"/>
             <a:r>
-              <a:rPr lang="en-US" sz="1600" dirty="0" smtClean="0">
+              <a:rPr lang="en-US" sz="1600" dirty="0">
                 <a:solidFill>
                   <a:schemeClr val="tx1"/>
                 </a:solidFill>
@@ -14674,7 +14269,7 @@
           <p:cNvPr id="46" name="Oval 45">
             <a:extLst>
               <a:ext uri="{FF2B5EF4-FFF2-40B4-BE49-F238E27FC236}">
-                <a16:creationId xmlns="" xmlns:a16="http://schemas.microsoft.com/office/drawing/2014/main" id="{6790BD35-3A48-4FA4-A1DD-25EAA7D259C1}"/>
+                <a16:creationId xmlns:a16="http://schemas.microsoft.com/office/drawing/2014/main" id="{6790BD35-3A48-4FA4-A1DD-25EAA7D259C1}"/>
               </a:ext>
             </a:extLst>
           </p:cNvPr>
@@ -14718,7 +14313,7 @@
           <a:p>
             <a:pPr algn="ctr"/>
             <a:r>
-              <a:rPr lang="en-US" sz="1600" dirty="0" smtClean="0">
+              <a:rPr lang="en-US" sz="1600" dirty="0">
                 <a:solidFill>
                   <a:schemeClr val="tx1"/>
                 </a:solidFill>
@@ -14738,7 +14333,7 @@
           <p:cNvPr id="47" name="Oval 46">
             <a:extLst>
               <a:ext uri="{FF2B5EF4-FFF2-40B4-BE49-F238E27FC236}">
-                <a16:creationId xmlns="" xmlns:a16="http://schemas.microsoft.com/office/drawing/2014/main" id="{6790BD35-3A48-4FA4-A1DD-25EAA7D259C1}"/>
+                <a16:creationId xmlns:a16="http://schemas.microsoft.com/office/drawing/2014/main" id="{6790BD35-3A48-4FA4-A1DD-25EAA7D259C1}"/>
               </a:ext>
             </a:extLst>
           </p:cNvPr>
@@ -14782,7 +14377,7 @@
           <a:p>
             <a:pPr algn="ctr"/>
             <a:r>
-              <a:rPr lang="en-US" sz="1600" dirty="0" smtClean="0">
+              <a:rPr lang="en-US" sz="1600" dirty="0">
                 <a:solidFill>
                   <a:schemeClr val="tx1"/>
                 </a:solidFill>
@@ -14802,7 +14397,7 @@
           <p:cNvPr id="48" name="Straight Connector 47">
             <a:extLst>
               <a:ext uri="{FF2B5EF4-FFF2-40B4-BE49-F238E27FC236}">
-                <a16:creationId xmlns="" xmlns:a16="http://schemas.microsoft.com/office/drawing/2014/main" id="{D5CBC4E2-B7D8-4BA4-91B1-1439F1E66A5D}"/>
+                <a16:creationId xmlns:a16="http://schemas.microsoft.com/office/drawing/2014/main" id="{D5CBC4E2-B7D8-4BA4-91B1-1439F1E66A5D}"/>
               </a:ext>
             </a:extLst>
           </p:cNvPr>
@@ -14841,7 +14436,7 @@
           <p:cNvPr id="49" name="Straight Connector 48">
             <a:extLst>
               <a:ext uri="{FF2B5EF4-FFF2-40B4-BE49-F238E27FC236}">
-                <a16:creationId xmlns="" xmlns:a16="http://schemas.microsoft.com/office/drawing/2014/main" id="{D5CBC4E2-B7D8-4BA4-91B1-1439F1E66A5D}"/>
+                <a16:creationId xmlns:a16="http://schemas.microsoft.com/office/drawing/2014/main" id="{D5CBC4E2-B7D8-4BA4-91B1-1439F1E66A5D}"/>
               </a:ext>
             </a:extLst>
           </p:cNvPr>
@@ -14880,7 +14475,7 @@
           <p:cNvPr id="24" name="Table 23">
             <a:extLst>
               <a:ext uri="{FF2B5EF4-FFF2-40B4-BE49-F238E27FC236}">
-                <a16:creationId xmlns="" xmlns:a16="http://schemas.microsoft.com/office/drawing/2014/main" id="{5EC11D1B-B1E4-4656-9967-F8B4B4227EEC}"/>
+                <a16:creationId xmlns:a16="http://schemas.microsoft.com/office/drawing/2014/main" id="{5EC11D1B-B1E4-4656-9967-F8B4B4227EEC}"/>
               </a:ext>
             </a:extLst>
           </p:cNvPr>
@@ -14909,14 +14504,14 @@
                 <a:gridCol w="1828800">
                   <a:extLst>
                     <a:ext uri="{9D8B030D-6E8A-4147-A177-3AD203B41FA5}">
-                      <a16:colId xmlns="" xmlns:a16="http://schemas.microsoft.com/office/drawing/2014/main" val="176537152"/>
+                      <a16:colId xmlns:a16="http://schemas.microsoft.com/office/drawing/2014/main" val="176537152"/>
                     </a:ext>
                   </a:extLst>
                 </a:gridCol>
                 <a:gridCol w="2867025">
                   <a:extLst>
                     <a:ext uri="{9D8B030D-6E8A-4147-A177-3AD203B41FA5}">
-                      <a16:colId xmlns="" xmlns:a16="http://schemas.microsoft.com/office/drawing/2014/main" val="468214683"/>
+                      <a16:colId xmlns:a16="http://schemas.microsoft.com/office/drawing/2014/main" val="468214683"/>
                     </a:ext>
                   </a:extLst>
                 </a:gridCol>
@@ -14928,10 +14523,9 @@
                     <a:lstStyle/>
                     <a:p>
                       <a:r>
-                        <a:rPr lang="en-PH" b="1" dirty="0" smtClean="0"/>
+                        <a:rPr lang="en-PH" b="1" dirty="0"/>
                         <a:t>Pattern</a:t>
                       </a:r>
-                      <a:endParaRPr lang="en-PH" b="1" dirty="0"/>
                     </a:p>
                   </a:txBody>
                   <a:tcPr anchor="ctr"/>
@@ -14942,17 +14536,16 @@
                     <a:lstStyle/>
                     <a:p>
                       <a:r>
-                        <a:rPr lang="en-PH" b="1" dirty="0" smtClean="0"/>
+                        <a:rPr lang="en-PH" b="1" dirty="0"/>
                         <a:t>Support Count</a:t>
                       </a:r>
-                      <a:endParaRPr lang="en-PH" b="1" dirty="0"/>
                     </a:p>
                   </a:txBody>
                   <a:tcPr anchor="ctr"/>
                 </a:tc>
                 <a:extLst>
                   <a:ext uri="{0D108BD9-81ED-4DB2-BD59-A6C34878D82A}">
-                    <a16:rowId xmlns="" xmlns:a16="http://schemas.microsoft.com/office/drawing/2014/main" val="433550499"/>
+                    <a16:rowId xmlns:a16="http://schemas.microsoft.com/office/drawing/2014/main" val="433550499"/>
                   </a:ext>
                 </a:extLst>
               </a:tr>
@@ -14963,7 +14556,7 @@
                     <a:lstStyle/>
                     <a:p>
                       <a:r>
-                        <a:rPr lang="en-US" dirty="0" smtClean="0"/>
+                        <a:rPr lang="en-US" dirty="0"/>
                         <a:t>{D}</a:t>
                       </a:r>
                       <a:endParaRPr lang="en-PH" dirty="0"/>
@@ -14977,17 +14570,16 @@
                     <a:lstStyle/>
                     <a:p>
                       <a:r>
-                        <a:rPr lang="en-PH" dirty="0" smtClean="0"/>
+                        <a:rPr lang="en-PH" dirty="0"/>
                         <a:t>2</a:t>
                       </a:r>
-                      <a:endParaRPr lang="en-PH" dirty="0"/>
                     </a:p>
                   </a:txBody>
                   <a:tcPr anchor="ctr"/>
                 </a:tc>
                 <a:extLst>
                   <a:ext uri="{0D108BD9-81ED-4DB2-BD59-A6C34878D82A}">
-                    <a16:rowId xmlns="" xmlns:a16="http://schemas.microsoft.com/office/drawing/2014/main" val="48181471"/>
+                    <a16:rowId xmlns:a16="http://schemas.microsoft.com/office/drawing/2014/main" val="48181471"/>
                   </a:ext>
                 </a:extLst>
               </a:tr>
@@ -14998,11 +14590,11 @@
                     <a:lstStyle/>
                     <a:p>
                       <a:r>
-                        <a:rPr lang="en-US" dirty="0" smtClean="0"/>
+                        <a:rPr lang="en-US" dirty="0"/>
                         <a:t>{A,</a:t>
                       </a:r>
                       <a:r>
-                        <a:rPr lang="en-US" baseline="0" dirty="0" smtClean="0"/>
+                        <a:rPr lang="en-US" baseline="0" dirty="0"/>
                         <a:t> D}</a:t>
                       </a:r>
                       <a:endParaRPr lang="en-PH" dirty="0"/>
@@ -15016,17 +14608,16 @@
                     <a:lstStyle/>
                     <a:p>
                       <a:r>
-                        <a:rPr lang="en-PH" dirty="0" smtClean="0"/>
+                        <a:rPr lang="en-PH" dirty="0"/>
                         <a:t>2</a:t>
                       </a:r>
-                      <a:endParaRPr lang="en-PH" dirty="0"/>
                     </a:p>
                   </a:txBody>
                   <a:tcPr anchor="ctr"/>
                 </a:tc>
                 <a:extLst>
                   <a:ext uri="{0D108BD9-81ED-4DB2-BD59-A6C34878D82A}">
-                    <a16:rowId xmlns="" xmlns:a16="http://schemas.microsoft.com/office/drawing/2014/main" val="2604222317"/>
+                    <a16:rowId xmlns:a16="http://schemas.microsoft.com/office/drawing/2014/main" val="2604222317"/>
                   </a:ext>
                 </a:extLst>
               </a:tr>
@@ -15037,11 +14628,11 @@
                     <a:lstStyle/>
                     <a:p>
                       <a:r>
-                        <a:rPr lang="en-US" dirty="0" smtClean="0"/>
+                        <a:rPr lang="en-US" dirty="0"/>
                         <a:t>{E,</a:t>
                       </a:r>
                       <a:r>
-                        <a:rPr lang="en-US" baseline="0" dirty="0" smtClean="0"/>
+                        <a:rPr lang="en-US" baseline="0" dirty="0"/>
                         <a:t> D}</a:t>
                       </a:r>
                       <a:endParaRPr lang="en-PH" dirty="0"/>
@@ -15055,17 +14646,16 @@
                     <a:lstStyle/>
                     <a:p>
                       <a:r>
-                        <a:rPr lang="en-PH" dirty="0" smtClean="0"/>
+                        <a:rPr lang="en-PH" dirty="0"/>
                         <a:t>1</a:t>
                       </a:r>
-                      <a:endParaRPr lang="en-PH" dirty="0"/>
                     </a:p>
                   </a:txBody>
                   <a:tcPr anchor="ctr"/>
                 </a:tc>
                 <a:extLst>
                   <a:ext uri="{0D108BD9-81ED-4DB2-BD59-A6C34878D82A}">
-                    <a16:rowId xmlns="" xmlns:a16="http://schemas.microsoft.com/office/drawing/2014/main" val="2678337579"/>
+                    <a16:rowId xmlns:a16="http://schemas.microsoft.com/office/drawing/2014/main" val="2678337579"/>
                   </a:ext>
                 </a:extLst>
               </a:tr>
@@ -15076,11 +14666,11 @@
                     <a:lstStyle/>
                     <a:p>
                       <a:r>
-                        <a:rPr lang="en-US" dirty="0" smtClean="0"/>
+                        <a:rPr lang="en-US" dirty="0"/>
                         <a:t>{A,</a:t>
                       </a:r>
                       <a:r>
-                        <a:rPr lang="en-US" baseline="0" dirty="0" smtClean="0"/>
+                        <a:rPr lang="en-US" baseline="0" dirty="0"/>
                         <a:t> E, D}</a:t>
                       </a:r>
                       <a:endParaRPr lang="en-PH" dirty="0"/>
@@ -15094,17 +14684,16 @@
                     <a:lstStyle/>
                     <a:p>
                       <a:r>
-                        <a:rPr lang="en-PH" dirty="0" smtClean="0"/>
+                        <a:rPr lang="en-PH" dirty="0"/>
                         <a:t>1</a:t>
                       </a:r>
-                      <a:endParaRPr lang="en-PH" dirty="0"/>
                     </a:p>
                   </a:txBody>
                   <a:tcPr anchor="ctr"/>
                 </a:tc>
                 <a:extLst>
                   <a:ext uri="{0D108BD9-81ED-4DB2-BD59-A6C34878D82A}">
-                    <a16:rowId xmlns="" xmlns:a16="http://schemas.microsoft.com/office/drawing/2014/main" val="1760849785"/>
+                    <a16:rowId xmlns:a16="http://schemas.microsoft.com/office/drawing/2014/main" val="1760849785"/>
                   </a:ext>
                 </a:extLst>
               </a:tr>
@@ -15115,11 +14704,11 @@
                     <a:lstStyle/>
                     <a:p>
                       <a:r>
-                        <a:rPr lang="en-US" dirty="0" smtClean="0"/>
+                        <a:rPr lang="en-US" dirty="0"/>
                         <a:t>{B,</a:t>
                       </a:r>
                       <a:r>
-                        <a:rPr lang="en-US" baseline="0" dirty="0" smtClean="0"/>
+                        <a:rPr lang="en-US" baseline="0" dirty="0"/>
                         <a:t> A, E, D}</a:t>
                       </a:r>
                       <a:endParaRPr lang="en-PH" dirty="0"/>
@@ -15133,17 +14722,16 @@
                     <a:lstStyle/>
                     <a:p>
                       <a:r>
-                        <a:rPr lang="en-PH" dirty="0" smtClean="0"/>
+                        <a:rPr lang="en-PH" dirty="0"/>
                         <a:t>1</a:t>
                       </a:r>
-                      <a:endParaRPr lang="en-PH" dirty="0"/>
                     </a:p>
                   </a:txBody>
                   <a:tcPr anchor="ctr"/>
                 </a:tc>
                 <a:extLst>
                   <a:ext uri="{0D108BD9-81ED-4DB2-BD59-A6C34878D82A}">
-                    <a16:rowId xmlns="" xmlns:a16="http://schemas.microsoft.com/office/drawing/2014/main" val="2223284257"/>
+                    <a16:rowId xmlns:a16="http://schemas.microsoft.com/office/drawing/2014/main" val="2223284257"/>
                   </a:ext>
                 </a:extLst>
               </a:tr>
@@ -15154,7 +14742,7 @@
                     <a:lstStyle/>
                     <a:p>
                       <a:r>
-                        <a:rPr lang="en-US" dirty="0" smtClean="0"/>
+                        <a:rPr lang="en-US" dirty="0"/>
                         <a:t>{C, A, D}</a:t>
                       </a:r>
                       <a:endParaRPr lang="en-PH" dirty="0"/>
@@ -15168,7 +14756,7 @@
                     <a:lstStyle/>
                     <a:p>
                       <a:r>
-                        <a:rPr lang="en-US" dirty="0" smtClean="0"/>
+                        <a:rPr lang="en-US" dirty="0"/>
                         <a:t>1</a:t>
                       </a:r>
                       <a:endParaRPr lang="en-PH" dirty="0"/>
@@ -15176,6 +14764,11 @@
                   </a:txBody>
                   <a:tcPr anchor="ctr"/>
                 </a:tc>
+                <a:extLst>
+                  <a:ext uri="{0D108BD9-81ED-4DB2-BD59-A6C34878D82A}">
+                    <a16:rowId xmlns:a16="http://schemas.microsoft.com/office/drawing/2014/main" val="10006"/>
+                  </a:ext>
+                </a:extLst>
               </a:tr>
             </a:tbl>
           </a:graphicData>
@@ -15234,12 +14827,8 @@
           <a:lstStyle/>
           <a:p>
             <a:r>
-              <a:rPr lang="en-US" sz="4000" b="1" dirty="0" smtClean="0"/>
-              <a:t>5.2 </a:t>
-            </a:r>
-            <a:r>
               <a:rPr lang="en-US" sz="4000" b="1" dirty="0"/>
-              <a:t>Mining the FP-Tree for Frequent Patterns</a:t>
+              <a:t>5.2 Mining the FP-Tree for Frequent Patterns</a:t>
             </a:r>
           </a:p>
         </p:txBody>
@@ -15249,7 +14838,7 @@
           <p:cNvPr id="29" name="TextBox 28">
             <a:extLst>
               <a:ext uri="{FF2B5EF4-FFF2-40B4-BE49-F238E27FC236}">
-                <a16:creationId xmlns="" xmlns:a16="http://schemas.microsoft.com/office/drawing/2014/main" id="{DE6FFCD5-DA91-4170-905E-45E8EB9BEBE5}"/>
+                <a16:creationId xmlns:a16="http://schemas.microsoft.com/office/drawing/2014/main" id="{DE6FFCD5-DA91-4170-905E-45E8EB9BEBE5}"/>
               </a:ext>
             </a:extLst>
           </p:cNvPr>
@@ -15273,46 +14862,21 @@
           <a:lstStyle/>
           <a:p>
             <a:r>
-              <a:rPr lang="en-US" sz="2000" b="1" dirty="0" smtClean="0"/>
-              <a:t>Paths </a:t>
-            </a:r>
-            <a:r>
               <a:rPr lang="en-US" sz="2000" b="1" dirty="0"/>
-              <a:t>Leading to </a:t>
-            </a:r>
-            <a:r>
-              <a:rPr lang="en-US" sz="2000" b="1" dirty="0" smtClean="0"/>
-              <a:t>E </a:t>
-            </a:r>
-            <a:r>
-              <a:rPr lang="en-US" sz="2000" b="1" dirty="0"/>
-              <a:t>Nodes</a:t>
-            </a:r>
-            <a:r>
-              <a:rPr lang="en-US" sz="2000" b="1" dirty="0" smtClean="0"/>
-              <a:t>:</a:t>
-            </a:r>
-          </a:p>
-          <a:p>
-            <a:endParaRPr lang="en-US" sz="900" b="1" dirty="0" smtClean="0"/>
+              <a:t>Paths Leading to E Nodes:</a:t>
+            </a:r>
+          </a:p>
+          <a:p>
+            <a:endParaRPr lang="en-US" sz="900" b="1" dirty="0"/>
           </a:p>
           <a:p>
             <a:pPr marL="457200" indent="-457200">
               <a:buAutoNum type="arabicPeriod"/>
             </a:pPr>
             <a:r>
-              <a:rPr lang="en-US" sz="2000" dirty="0" smtClean="0"/>
-              <a:t>Path 1 </a:t>
-            </a:r>
-            <a:r>
               <a:rPr lang="en-US" sz="2000" dirty="0"/>
-              <a:t>containing E</a:t>
-            </a:r>
-            <a:r>
-              <a:rPr lang="en-US" sz="2000" dirty="0" smtClean="0"/>
-              <a:t>:</a:t>
-            </a:r>
-            <a:endParaRPr lang="en-US" sz="2000" dirty="0"/>
+              <a:t>Path 1 containing E:</a:t>
+            </a:r>
           </a:p>
           <a:p>
             <a:r>
@@ -15362,7 +14926,10 @@
               <a:t>E </a:t>
             </a:r>
             <a:r>
-              <a:rPr lang="en-US" b="1" dirty="0" smtClean="0">
+              <a:rPr lang="en-US" b="1" dirty="0">
+                <a:solidFill>
+                  <a:schemeClr val="bg1"/>
+                </a:solidFill>
                 <a:sym typeface="Wingdings" panose="05000000000000000000" pitchFamily="2" charset="2"/>
               </a:rPr>
               <a:t>(support count = 1)</a:t>
@@ -15375,18 +14942,9 @@
           </a:p>
           <a:p>
             <a:r>
-              <a:rPr lang="en-US" sz="2000" dirty="0" smtClean="0"/>
-              <a:t>2.   Path 2 </a:t>
-            </a:r>
-            <a:r>
               <a:rPr lang="en-US" sz="2000" dirty="0"/>
-              <a:t>containing </a:t>
-            </a:r>
-            <a:r>
-              <a:rPr lang="en-US" sz="2000" dirty="0" smtClean="0"/>
-              <a:t>E:</a:t>
-            </a:r>
-            <a:endParaRPr lang="en-US" sz="2000" dirty="0"/>
+              <a:t>2.   Path 2 containing E:</a:t>
+            </a:r>
           </a:p>
           <a:p>
             <a:r>
@@ -15398,7 +14956,7 @@
               <a:t>- </a:t>
             </a:r>
             <a:r>
-              <a:rPr lang="en-US" b="1" dirty="0" smtClean="0">
+              <a:rPr lang="en-US" b="1" dirty="0">
                 <a:solidFill>
                   <a:srgbClr val="FF0000"/>
                 </a:solidFill>
@@ -15412,52 +14970,43 @@
               <a:t> </a:t>
             </a:r>
             <a:r>
-              <a:rPr lang="en-US" b="1" dirty="0" smtClean="0">
+              <a:rPr lang="en-US" b="1" dirty="0">
                 <a:solidFill>
                   <a:srgbClr val="FF0000"/>
                 </a:solidFill>
                 <a:sym typeface="Wingdings" panose="05000000000000000000" pitchFamily="2" charset="2"/>
               </a:rPr>
               <a:t>C</a:t>
-            </a:r>
-            <a:r>
-              <a:rPr lang="en-US" b="1" dirty="0" smtClean="0">
-                <a:sym typeface="Wingdings" panose="05000000000000000000" pitchFamily="2" charset="2"/>
-              </a:rPr>
-              <a:t> </a:t>
             </a:r>
             <a:r>
               <a:rPr lang="en-US" b="1" dirty="0">
                 <a:sym typeface="Wingdings" panose="05000000000000000000" pitchFamily="2" charset="2"/>
               </a:rPr>
-              <a:t> </a:t>
-            </a:r>
-            <a:r>
-              <a:rPr lang="en-US" b="1" dirty="0" smtClean="0">
+              <a:t>  </a:t>
+            </a:r>
+            <a:r>
+              <a:rPr lang="en-US" b="1" dirty="0">
                 <a:solidFill>
                   <a:srgbClr val="7030A0"/>
                 </a:solidFill>
                 <a:sym typeface="Wingdings" panose="05000000000000000000" pitchFamily="2" charset="2"/>
               </a:rPr>
               <a:t>E</a:t>
-            </a:r>
-            <a:r>
-              <a:rPr lang="en-US" b="1" dirty="0" smtClean="0">
-                <a:sym typeface="Wingdings" panose="05000000000000000000" pitchFamily="2" charset="2"/>
-              </a:rPr>
-              <a:t> (</a:t>
             </a:r>
             <a:r>
               <a:rPr lang="en-US" b="1" dirty="0">
                 <a:sym typeface="Wingdings" panose="05000000000000000000" pitchFamily="2" charset="2"/>
               </a:rPr>
-              <a:t>support count = </a:t>
-            </a:r>
-            <a:r>
-              <a:rPr lang="en-US" b="1" dirty="0" smtClean="0">
+              <a:t> </a:t>
+            </a:r>
+            <a:r>
+              <a:rPr lang="en-US" b="1" dirty="0">
+                <a:solidFill>
+                  <a:schemeClr val="bg1"/>
+                </a:solidFill>
                 <a:sym typeface="Wingdings" panose="05000000000000000000" pitchFamily="2" charset="2"/>
               </a:rPr>
-              <a:t>1)</a:t>
+              <a:t>(support count = 1)</a:t>
             </a:r>
           </a:p>
           <a:p>
@@ -15467,7 +15016,7 @@
           </a:p>
           <a:p>
             <a:r>
-              <a:rPr lang="en-US" dirty="0" smtClean="0"/>
+              <a:rPr lang="en-US" dirty="0"/>
               <a:t>3.   </a:t>
             </a:r>
             <a:r>
@@ -15510,46 +15059,43 @@
               <a:t>  </a:t>
             </a:r>
             <a:r>
-              <a:rPr lang="en-US" b="1" dirty="0" smtClean="0">
+              <a:rPr lang="en-US" b="1" dirty="0">
                 <a:solidFill>
                   <a:srgbClr val="FF0000"/>
                 </a:solidFill>
                 <a:sym typeface="Wingdings" panose="05000000000000000000" pitchFamily="2" charset="2"/>
               </a:rPr>
               <a:t>A</a:t>
-            </a:r>
-            <a:r>
-              <a:rPr lang="en-US" b="1" dirty="0" smtClean="0">
-                <a:sym typeface="Wingdings" panose="05000000000000000000" pitchFamily="2" charset="2"/>
-              </a:rPr>
-              <a:t>  </a:t>
-            </a:r>
-            <a:r>
-              <a:rPr lang="en-US" b="1" dirty="0" smtClean="0">
-                <a:solidFill>
-                  <a:srgbClr val="7030A0"/>
-                </a:solidFill>
-                <a:sym typeface="Wingdings" panose="05000000000000000000" pitchFamily="2" charset="2"/>
-              </a:rPr>
-              <a:t>E</a:t>
-            </a:r>
-            <a:r>
-              <a:rPr lang="en-US" b="1" dirty="0" smtClean="0">
-                <a:sym typeface="Wingdings" panose="05000000000000000000" pitchFamily="2" charset="2"/>
-              </a:rPr>
-              <a:t> (support </a:t>
             </a:r>
             <a:r>
               <a:rPr lang="en-US" b="1" dirty="0">
                 <a:sym typeface="Wingdings" panose="05000000000000000000" pitchFamily="2" charset="2"/>
               </a:rPr>
-              <a:t>count = </a:t>
-            </a:r>
-            <a:r>
-              <a:rPr lang="en-US" b="1" dirty="0" smtClean="0">
+              <a:t>  </a:t>
+            </a:r>
+            <a:r>
+              <a:rPr lang="en-US" b="1" dirty="0">
+                <a:solidFill>
+                  <a:srgbClr val="7030A0"/>
+                </a:solidFill>
                 <a:sym typeface="Wingdings" panose="05000000000000000000" pitchFamily="2" charset="2"/>
               </a:rPr>
-              <a:t>1)</a:t>
+              <a:t>E</a:t>
+            </a:r>
+            <a:r>
+              <a:rPr lang="en-US" b="1" dirty="0">
+                <a:sym typeface="Wingdings" panose="05000000000000000000" pitchFamily="2" charset="2"/>
+              </a:rPr>
+              <a:t> </a:t>
+            </a:r>
+            <a:r>
+              <a:rPr lang="en-US" b="1" dirty="0">
+                <a:solidFill>
+                  <a:schemeClr val="bg1"/>
+                </a:solidFill>
+                <a:sym typeface="Wingdings" panose="05000000000000000000" pitchFamily="2" charset="2"/>
+              </a:rPr>
+              <a:t>(support count = 1)</a:t>
             </a:r>
           </a:p>
           <a:p>
@@ -15559,16 +15105,16 @@
           </a:p>
           <a:p>
             <a:r>
-              <a:rPr lang="en-US" sz="2000" b="1" dirty="0" smtClean="0"/>
-              <a:t>Conditional Pattern Base on E:</a:t>
-            </a:r>
-          </a:p>
-          <a:p>
-            <a:endParaRPr lang="en-US" sz="900" b="1" dirty="0" smtClean="0"/>
-          </a:p>
-          <a:p>
-            <a:r>
-              <a:rPr lang="en-US" sz="2000" dirty="0" smtClean="0">
+              <a:rPr lang="en-US" sz="2000" b="1" dirty="0"/>
+              <a:t>Sample Conditional Pattern Base on E:</a:t>
+            </a:r>
+          </a:p>
+          <a:p>
+            <a:endParaRPr lang="en-US" sz="900" b="1" dirty="0"/>
+          </a:p>
+          <a:p>
+            <a:r>
+              <a:rPr lang="en-US" sz="2000" dirty="0">
                 <a:solidFill>
                   <a:srgbClr val="FF0000"/>
                 </a:solidFill>
@@ -15576,75 +15122,61 @@
               <a:t>B, A </a:t>
             </a:r>
             <a:r>
-              <a:rPr lang="en-US" sz="2000" dirty="0" smtClean="0"/>
-              <a:t>		(1)</a:t>
-            </a:r>
-          </a:p>
-          <a:p>
+              <a:rPr lang="en-US" sz="2000" dirty="0"/>
+              <a:t>		</a:t>
+            </a:r>
             <a:r>
               <a:rPr lang="en-US" sz="2000" dirty="0">
                 <a:solidFill>
+                  <a:schemeClr val="bg1"/>
+                </a:solidFill>
+              </a:rPr>
+              <a:t>(1)</a:t>
+            </a:r>
+          </a:p>
+          <a:p>
+            <a:r>
+              <a:rPr lang="en-US" sz="2000" dirty="0">
+                <a:solidFill>
                   <a:srgbClr val="FF0000"/>
                 </a:solidFill>
               </a:rPr>
-              <a:t>B</a:t>
-            </a:r>
-            <a:r>
-              <a:rPr lang="en-US" sz="2000" dirty="0" smtClean="0">
+              <a:t>B, C</a:t>
+            </a:r>
+            <a:r>
+              <a:rPr lang="en-US" sz="2000" dirty="0"/>
+              <a:t>		</a:t>
+            </a:r>
+            <a:r>
+              <a:rPr lang="en-US" sz="2000" dirty="0">
+                <a:solidFill>
+                  <a:schemeClr val="bg1"/>
+                </a:solidFill>
+              </a:rPr>
+              <a:t>(1)</a:t>
+            </a:r>
+          </a:p>
+          <a:p>
+            <a:r>
+              <a:rPr lang="en-US" sz="2000" dirty="0">
                 <a:solidFill>
                   <a:srgbClr val="FF0000"/>
                 </a:solidFill>
               </a:rPr>
-              <a:t>, </a:t>
+              <a:t>B, C, A</a:t>
+            </a:r>
+            <a:r>
+              <a:rPr lang="en-US" sz="2000" dirty="0"/>
+              <a:t>		</a:t>
             </a:r>
             <a:r>
               <a:rPr lang="en-US" sz="2000" dirty="0">
                 <a:solidFill>
-                  <a:srgbClr val="FF0000"/>
-                </a:solidFill>
-              </a:rPr>
-              <a:t>C</a:t>
-            </a:r>
-            <a:r>
-              <a:rPr lang="en-US" sz="2000" dirty="0" smtClean="0"/>
-              <a:t>		(1)</a:t>
-            </a:r>
-            <a:endParaRPr lang="en-US" sz="2000" dirty="0"/>
-          </a:p>
-          <a:p>
-            <a:r>
-              <a:rPr lang="en-US" sz="2000" dirty="0">
-                <a:solidFill>
-                  <a:srgbClr val="FF0000"/>
-                </a:solidFill>
-              </a:rPr>
-              <a:t>B, </a:t>
-            </a:r>
-            <a:r>
-              <a:rPr lang="en-US" sz="2000" dirty="0" smtClean="0">
-                <a:solidFill>
-                  <a:srgbClr val="FF0000"/>
-                </a:solidFill>
-              </a:rPr>
-              <a:t>C, A</a:t>
-            </a:r>
-            <a:r>
-              <a:rPr lang="en-US" sz="2000" dirty="0"/>
-              <a:t>	</a:t>
-            </a:r>
-            <a:r>
-              <a:rPr lang="en-US" sz="2000" dirty="0" smtClean="0"/>
-              <a:t>	(</a:t>
-            </a:r>
-            <a:r>
-              <a:rPr lang="en-US" sz="2000" dirty="0"/>
-              <a:t>1</a:t>
-            </a:r>
-            <a:r>
-              <a:rPr lang="en-US" sz="2000" dirty="0" smtClean="0"/>
-              <a:t>)</a:t>
-            </a:r>
-            <a:endParaRPr lang="en-US" sz="2000" dirty="0"/>
+                  <a:schemeClr val="bg1"/>
+                </a:solidFill>
+              </a:rPr>
+              <a:t>(1)</a:t>
+            </a:r>
           </a:p>
         </p:txBody>
       </p:sp>
@@ -15653,7 +15185,7 @@
           <p:cNvPr id="30" name="Oval 29">
             <a:extLst>
               <a:ext uri="{FF2B5EF4-FFF2-40B4-BE49-F238E27FC236}">
-                <a16:creationId xmlns="" xmlns:a16="http://schemas.microsoft.com/office/drawing/2014/main" id="{6790BD35-3A48-4FA4-A1DD-25EAA7D259C1}"/>
+                <a16:creationId xmlns:a16="http://schemas.microsoft.com/office/drawing/2014/main" id="{6790BD35-3A48-4FA4-A1DD-25EAA7D259C1}"/>
               </a:ext>
             </a:extLst>
           </p:cNvPr>
@@ -15697,7 +15229,7 @@
           <a:p>
             <a:pPr algn="ctr"/>
             <a:r>
-              <a:rPr lang="en-US" sz="1600" dirty="0" smtClean="0">
+              <a:rPr lang="en-US" sz="1600" dirty="0">
                 <a:solidFill>
                   <a:schemeClr val="tx1"/>
                 </a:solidFill>
@@ -15717,7 +15249,7 @@
           <p:cNvPr id="31" name="Oval 30">
             <a:extLst>
               <a:ext uri="{FF2B5EF4-FFF2-40B4-BE49-F238E27FC236}">
-                <a16:creationId xmlns="" xmlns:a16="http://schemas.microsoft.com/office/drawing/2014/main" id="{6790BD35-3A48-4FA4-A1DD-25EAA7D259C1}"/>
+                <a16:creationId xmlns:a16="http://schemas.microsoft.com/office/drawing/2014/main" id="{6790BD35-3A48-4FA4-A1DD-25EAA7D259C1}"/>
               </a:ext>
             </a:extLst>
           </p:cNvPr>
@@ -15761,20 +15293,12 @@
           <a:p>
             <a:pPr algn="ctr"/>
             <a:r>
-              <a:rPr lang="en-US" sz="1600" dirty="0" smtClean="0">
+              <a:rPr lang="en-US" sz="1600" dirty="0">
                 <a:solidFill>
                   <a:schemeClr val="tx1"/>
                 </a:solidFill>
               </a:rPr>
-              <a:t>E: </a:t>
-            </a:r>
-            <a:r>
-              <a:rPr lang="en-US" sz="1600" dirty="0">
-                <a:solidFill>
-                  <a:schemeClr val="tx1"/>
-                </a:solidFill>
-              </a:rPr>
-              <a:t>1</a:t>
+              <a:t>E: 1</a:t>
             </a:r>
             <a:endParaRPr lang="en-PH" sz="1600" dirty="0">
               <a:solidFill>
@@ -15789,7 +15313,7 @@
           <p:cNvPr id="32" name="Straight Connector 31">
             <a:extLst>
               <a:ext uri="{FF2B5EF4-FFF2-40B4-BE49-F238E27FC236}">
-                <a16:creationId xmlns="" xmlns:a16="http://schemas.microsoft.com/office/drawing/2014/main" id="{D5CBC4E2-B7D8-4BA4-91B1-1439F1E66A5D}"/>
+                <a16:creationId xmlns:a16="http://schemas.microsoft.com/office/drawing/2014/main" id="{D5CBC4E2-B7D8-4BA4-91B1-1439F1E66A5D}"/>
               </a:ext>
             </a:extLst>
           </p:cNvPr>
@@ -15827,7 +15351,7 @@
           <p:cNvPr id="33" name="Straight Connector 32">
             <a:extLst>
               <a:ext uri="{FF2B5EF4-FFF2-40B4-BE49-F238E27FC236}">
-                <a16:creationId xmlns="" xmlns:a16="http://schemas.microsoft.com/office/drawing/2014/main" id="{D5CBC4E2-B7D8-4BA4-91B1-1439F1E66A5D}"/>
+                <a16:creationId xmlns:a16="http://schemas.microsoft.com/office/drawing/2014/main" id="{D5CBC4E2-B7D8-4BA4-91B1-1439F1E66A5D}"/>
               </a:ext>
             </a:extLst>
           </p:cNvPr>
@@ -15866,7 +15390,7 @@
           <p:cNvPr id="34" name="Oval 33">
             <a:extLst>
               <a:ext uri="{FF2B5EF4-FFF2-40B4-BE49-F238E27FC236}">
-                <a16:creationId xmlns="" xmlns:a16="http://schemas.microsoft.com/office/drawing/2014/main" id="{FF465D5F-EE40-4CF1-B973-7087C70611E4}"/>
+                <a16:creationId xmlns:a16="http://schemas.microsoft.com/office/drawing/2014/main" id="{FF465D5F-EE40-4CF1-B973-7087C70611E4}"/>
               </a:ext>
             </a:extLst>
           </p:cNvPr>
@@ -15930,7 +15454,7 @@
           <p:cNvPr id="35" name="Oval 34">
             <a:extLst>
               <a:ext uri="{FF2B5EF4-FFF2-40B4-BE49-F238E27FC236}">
-                <a16:creationId xmlns="" xmlns:a16="http://schemas.microsoft.com/office/drawing/2014/main" id="{39C548D5-2D23-4238-82DF-921D2E3334F9}"/>
+                <a16:creationId xmlns:a16="http://schemas.microsoft.com/office/drawing/2014/main" id="{39C548D5-2D23-4238-82DF-921D2E3334F9}"/>
               </a:ext>
             </a:extLst>
           </p:cNvPr>
@@ -15994,7 +15518,7 @@
           <p:cNvPr id="36" name="Oval 35">
             <a:extLst>
               <a:ext uri="{FF2B5EF4-FFF2-40B4-BE49-F238E27FC236}">
-                <a16:creationId xmlns="" xmlns:a16="http://schemas.microsoft.com/office/drawing/2014/main" id="{D370CE05-94D0-4DB6-BE29-980F92475FAA}"/>
+                <a16:creationId xmlns:a16="http://schemas.microsoft.com/office/drawing/2014/main" id="{D370CE05-94D0-4DB6-BE29-980F92475FAA}"/>
               </a:ext>
             </a:extLst>
           </p:cNvPr>
@@ -16058,7 +15582,7 @@
           <p:cNvPr id="37" name="Straight Connector 36">
             <a:extLst>
               <a:ext uri="{FF2B5EF4-FFF2-40B4-BE49-F238E27FC236}">
-                <a16:creationId xmlns="" xmlns:a16="http://schemas.microsoft.com/office/drawing/2014/main" id="{D5CBC4E2-B7D8-4BA4-91B1-1439F1E66A5D}"/>
+                <a16:creationId xmlns:a16="http://schemas.microsoft.com/office/drawing/2014/main" id="{D5CBC4E2-B7D8-4BA4-91B1-1439F1E66A5D}"/>
               </a:ext>
             </a:extLst>
           </p:cNvPr>
@@ -16096,7 +15620,7 @@
           <p:cNvPr id="38" name="Straight Connector 37">
             <a:extLst>
               <a:ext uri="{FF2B5EF4-FFF2-40B4-BE49-F238E27FC236}">
-                <a16:creationId xmlns="" xmlns:a16="http://schemas.microsoft.com/office/drawing/2014/main" id="{3671F84C-43EB-4E83-B34F-C5EA539A58EC}"/>
+                <a16:creationId xmlns:a16="http://schemas.microsoft.com/office/drawing/2014/main" id="{3671F84C-43EB-4E83-B34F-C5EA539A58EC}"/>
               </a:ext>
             </a:extLst>
           </p:cNvPr>
@@ -16135,7 +15659,7 @@
           <p:cNvPr id="39" name="Straight Connector 38">
             <a:extLst>
               <a:ext uri="{FF2B5EF4-FFF2-40B4-BE49-F238E27FC236}">
-                <a16:creationId xmlns="" xmlns:a16="http://schemas.microsoft.com/office/drawing/2014/main" id="{61E9DF07-49B0-4931-B28A-3220297F1ADF}"/>
+                <a16:creationId xmlns:a16="http://schemas.microsoft.com/office/drawing/2014/main" id="{61E9DF07-49B0-4931-B28A-3220297F1ADF}"/>
               </a:ext>
             </a:extLst>
           </p:cNvPr>
@@ -16175,7 +15699,7 @@
           <p:cNvPr id="40" name="Oval 39">
             <a:extLst>
               <a:ext uri="{FF2B5EF4-FFF2-40B4-BE49-F238E27FC236}">
-                <a16:creationId xmlns="" xmlns:a16="http://schemas.microsoft.com/office/drawing/2014/main" id="{6790BD35-3A48-4FA4-A1DD-25EAA7D259C1}"/>
+                <a16:creationId xmlns:a16="http://schemas.microsoft.com/office/drawing/2014/main" id="{6790BD35-3A48-4FA4-A1DD-25EAA7D259C1}"/>
               </a:ext>
             </a:extLst>
           </p:cNvPr>
@@ -16224,15 +15748,7 @@
                   <a:schemeClr val="tx1"/>
                 </a:solidFill>
               </a:rPr>
-              <a:t>B: </a:t>
-            </a:r>
-            <a:r>
-              <a:rPr lang="en-US" sz="1600" dirty="0" smtClean="0">
-                <a:solidFill>
-                  <a:schemeClr val="tx1"/>
-                </a:solidFill>
-              </a:rPr>
-              <a:t>4</a:t>
+              <a:t>B: 4</a:t>
             </a:r>
             <a:endParaRPr lang="en-PH" sz="1600" dirty="0">
               <a:solidFill>
@@ -16247,7 +15763,7 @@
           <p:cNvPr id="41" name="Oval 40">
             <a:extLst>
               <a:ext uri="{FF2B5EF4-FFF2-40B4-BE49-F238E27FC236}">
-                <a16:creationId xmlns="" xmlns:a16="http://schemas.microsoft.com/office/drawing/2014/main" id="{6790BD35-3A48-4FA4-A1DD-25EAA7D259C1}"/>
+                <a16:creationId xmlns:a16="http://schemas.microsoft.com/office/drawing/2014/main" id="{6790BD35-3A48-4FA4-A1DD-25EAA7D259C1}"/>
               </a:ext>
             </a:extLst>
           </p:cNvPr>
@@ -16291,20 +15807,12 @@
           <a:p>
             <a:pPr algn="ctr"/>
             <a:r>
-              <a:rPr lang="en-US" sz="1600" dirty="0" smtClean="0">
+              <a:rPr lang="en-US" sz="1600" dirty="0">
                 <a:solidFill>
                   <a:schemeClr val="tx1"/>
                 </a:solidFill>
               </a:rPr>
-              <a:t>A: </a:t>
-            </a:r>
-            <a:r>
-              <a:rPr lang="en-US" sz="1600" dirty="0">
-                <a:solidFill>
-                  <a:schemeClr val="tx1"/>
-                </a:solidFill>
-              </a:rPr>
-              <a:t>1</a:t>
+              <a:t>A: 1</a:t>
             </a:r>
             <a:endParaRPr lang="en-PH" sz="1600" dirty="0">
               <a:solidFill>
@@ -16319,7 +15827,7 @@
           <p:cNvPr id="42" name="Oval 41">
             <a:extLst>
               <a:ext uri="{FF2B5EF4-FFF2-40B4-BE49-F238E27FC236}">
-                <a16:creationId xmlns="" xmlns:a16="http://schemas.microsoft.com/office/drawing/2014/main" id="{6790BD35-3A48-4FA4-A1DD-25EAA7D259C1}"/>
+                <a16:creationId xmlns:a16="http://schemas.microsoft.com/office/drawing/2014/main" id="{6790BD35-3A48-4FA4-A1DD-25EAA7D259C1}"/>
               </a:ext>
             </a:extLst>
           </p:cNvPr>
@@ -16363,20 +15871,12 @@
           <a:p>
             <a:pPr algn="ctr"/>
             <a:r>
-              <a:rPr lang="en-US" sz="1600" dirty="0" smtClean="0">
+              <a:rPr lang="en-US" sz="1600" dirty="0">
                 <a:solidFill>
                   <a:schemeClr val="tx1"/>
                 </a:solidFill>
               </a:rPr>
-              <a:t>E: </a:t>
-            </a:r>
-            <a:r>
-              <a:rPr lang="en-US" sz="1600" dirty="0">
-                <a:solidFill>
-                  <a:schemeClr val="tx1"/>
-                </a:solidFill>
-              </a:rPr>
-              <a:t>1</a:t>
+              <a:t>E: 1</a:t>
             </a:r>
             <a:endParaRPr lang="en-PH" sz="1600" dirty="0">
               <a:solidFill>
@@ -16391,7 +15891,7 @@
           <p:cNvPr id="43" name="Straight Connector 42">
             <a:extLst>
               <a:ext uri="{FF2B5EF4-FFF2-40B4-BE49-F238E27FC236}">
-                <a16:creationId xmlns="" xmlns:a16="http://schemas.microsoft.com/office/drawing/2014/main" id="{D5CBC4E2-B7D8-4BA4-91B1-1439F1E66A5D}"/>
+                <a16:creationId xmlns:a16="http://schemas.microsoft.com/office/drawing/2014/main" id="{D5CBC4E2-B7D8-4BA4-91B1-1439F1E66A5D}"/>
               </a:ext>
             </a:extLst>
           </p:cNvPr>
@@ -16430,7 +15930,7 @@
           <p:cNvPr id="44" name="Straight Connector 43">
             <a:extLst>
               <a:ext uri="{FF2B5EF4-FFF2-40B4-BE49-F238E27FC236}">
-                <a16:creationId xmlns="" xmlns:a16="http://schemas.microsoft.com/office/drawing/2014/main" id="{D5CBC4E2-B7D8-4BA4-91B1-1439F1E66A5D}"/>
+                <a16:creationId xmlns:a16="http://schemas.microsoft.com/office/drawing/2014/main" id="{D5CBC4E2-B7D8-4BA4-91B1-1439F1E66A5D}"/>
               </a:ext>
             </a:extLst>
           </p:cNvPr>
@@ -16469,7 +15969,7 @@
           <p:cNvPr id="45" name="Oval 44">
             <a:extLst>
               <a:ext uri="{FF2B5EF4-FFF2-40B4-BE49-F238E27FC236}">
-                <a16:creationId xmlns="" xmlns:a16="http://schemas.microsoft.com/office/drawing/2014/main" id="{6790BD35-3A48-4FA4-A1DD-25EAA7D259C1}"/>
+                <a16:creationId xmlns:a16="http://schemas.microsoft.com/office/drawing/2014/main" id="{6790BD35-3A48-4FA4-A1DD-25EAA7D259C1}"/>
               </a:ext>
             </a:extLst>
           </p:cNvPr>
@@ -16513,7 +16013,7 @@
           <a:p>
             <a:pPr algn="ctr"/>
             <a:r>
-              <a:rPr lang="en-US" sz="1600" dirty="0" smtClean="0">
+              <a:rPr lang="en-US" sz="1600" dirty="0">
                 <a:solidFill>
                   <a:schemeClr val="tx1"/>
                 </a:solidFill>
@@ -16533,7 +16033,7 @@
           <p:cNvPr id="46" name="Oval 45">
             <a:extLst>
               <a:ext uri="{FF2B5EF4-FFF2-40B4-BE49-F238E27FC236}">
-                <a16:creationId xmlns="" xmlns:a16="http://schemas.microsoft.com/office/drawing/2014/main" id="{6790BD35-3A48-4FA4-A1DD-25EAA7D259C1}"/>
+                <a16:creationId xmlns:a16="http://schemas.microsoft.com/office/drawing/2014/main" id="{6790BD35-3A48-4FA4-A1DD-25EAA7D259C1}"/>
               </a:ext>
             </a:extLst>
           </p:cNvPr>
@@ -16577,7 +16077,7 @@
           <a:p>
             <a:pPr algn="ctr"/>
             <a:r>
-              <a:rPr lang="en-US" sz="1600" dirty="0" smtClean="0">
+              <a:rPr lang="en-US" sz="1600" dirty="0">
                 <a:solidFill>
                   <a:schemeClr val="tx1"/>
                 </a:solidFill>
@@ -16597,7 +16097,7 @@
           <p:cNvPr id="47" name="Oval 46">
             <a:extLst>
               <a:ext uri="{FF2B5EF4-FFF2-40B4-BE49-F238E27FC236}">
-                <a16:creationId xmlns="" xmlns:a16="http://schemas.microsoft.com/office/drawing/2014/main" id="{6790BD35-3A48-4FA4-A1DD-25EAA7D259C1}"/>
+                <a16:creationId xmlns:a16="http://schemas.microsoft.com/office/drawing/2014/main" id="{6790BD35-3A48-4FA4-A1DD-25EAA7D259C1}"/>
               </a:ext>
             </a:extLst>
           </p:cNvPr>
@@ -16641,7 +16141,7 @@
           <a:p>
             <a:pPr algn="ctr"/>
             <a:r>
-              <a:rPr lang="en-US" sz="1600" dirty="0" smtClean="0">
+              <a:rPr lang="en-US" sz="1600" dirty="0">
                 <a:solidFill>
                   <a:schemeClr val="tx1"/>
                 </a:solidFill>
@@ -16661,7 +16161,7 @@
           <p:cNvPr id="48" name="Straight Connector 47">
             <a:extLst>
               <a:ext uri="{FF2B5EF4-FFF2-40B4-BE49-F238E27FC236}">
-                <a16:creationId xmlns="" xmlns:a16="http://schemas.microsoft.com/office/drawing/2014/main" id="{D5CBC4E2-B7D8-4BA4-91B1-1439F1E66A5D}"/>
+                <a16:creationId xmlns:a16="http://schemas.microsoft.com/office/drawing/2014/main" id="{D5CBC4E2-B7D8-4BA4-91B1-1439F1E66A5D}"/>
               </a:ext>
             </a:extLst>
           </p:cNvPr>
@@ -16700,7 +16200,7 @@
           <p:cNvPr id="49" name="Straight Connector 48">
             <a:extLst>
               <a:ext uri="{FF2B5EF4-FFF2-40B4-BE49-F238E27FC236}">
-                <a16:creationId xmlns="" xmlns:a16="http://schemas.microsoft.com/office/drawing/2014/main" id="{D5CBC4E2-B7D8-4BA4-91B1-1439F1E66A5D}"/>
+                <a16:creationId xmlns:a16="http://schemas.microsoft.com/office/drawing/2014/main" id="{D5CBC4E2-B7D8-4BA4-91B1-1439F1E66A5D}"/>
               </a:ext>
             </a:extLst>
           </p:cNvPr>
@@ -16787,10 +16287,9 @@
           <a:lstStyle/>
           <a:p>
             <a:r>
-              <a:rPr lang="en-US" sz="4000" b="1" dirty="0" smtClean="0"/>
+              <a:rPr lang="en-US" sz="4000" b="1" dirty="0"/>
               <a:t>Frequent Pattern for Node E</a:t>
             </a:r>
-            <a:endParaRPr lang="en-US" sz="4000" b="1" dirty="0"/>
           </a:p>
         </p:txBody>
       </p:sp>
@@ -16799,7 +16298,7 @@
           <p:cNvPr id="24" name="Table 23">
             <a:extLst>
               <a:ext uri="{FF2B5EF4-FFF2-40B4-BE49-F238E27FC236}">
-                <a16:creationId xmlns="" xmlns:a16="http://schemas.microsoft.com/office/drawing/2014/main" id="{5EC11D1B-B1E4-4656-9967-F8B4B4227EEC}"/>
+                <a16:creationId xmlns:a16="http://schemas.microsoft.com/office/drawing/2014/main" id="{5EC11D1B-B1E4-4656-9967-F8B4B4227EEC}"/>
               </a:ext>
             </a:extLst>
           </p:cNvPr>
@@ -16828,14 +16327,14 @@
                 <a:gridCol w="1828800">
                   <a:extLst>
                     <a:ext uri="{9D8B030D-6E8A-4147-A177-3AD203B41FA5}">
-                      <a16:colId xmlns="" xmlns:a16="http://schemas.microsoft.com/office/drawing/2014/main" val="176537152"/>
+                      <a16:colId xmlns:a16="http://schemas.microsoft.com/office/drawing/2014/main" val="176537152"/>
                     </a:ext>
                   </a:extLst>
                 </a:gridCol>
                 <a:gridCol w="2867025">
                   <a:extLst>
                     <a:ext uri="{9D8B030D-6E8A-4147-A177-3AD203B41FA5}">
-                      <a16:colId xmlns="" xmlns:a16="http://schemas.microsoft.com/office/drawing/2014/main" val="468214683"/>
+                      <a16:colId xmlns:a16="http://schemas.microsoft.com/office/drawing/2014/main" val="468214683"/>
                     </a:ext>
                   </a:extLst>
                 </a:gridCol>
@@ -16847,10 +16346,9 @@
                     <a:lstStyle/>
                     <a:p>
                       <a:r>
-                        <a:rPr lang="en-PH" b="1" dirty="0" smtClean="0"/>
+                        <a:rPr lang="en-PH" b="1" dirty="0"/>
                         <a:t>Pattern</a:t>
                       </a:r>
-                      <a:endParaRPr lang="en-PH" b="1" dirty="0"/>
                     </a:p>
                   </a:txBody>
                   <a:tcPr anchor="ctr"/>
@@ -16861,17 +16359,16 @@
                     <a:lstStyle/>
                     <a:p>
                       <a:r>
-                        <a:rPr lang="en-PH" b="1" dirty="0" smtClean="0"/>
+                        <a:rPr lang="en-PH" b="1" dirty="0"/>
                         <a:t>Support Count</a:t>
                       </a:r>
-                      <a:endParaRPr lang="en-PH" b="1" dirty="0"/>
                     </a:p>
                   </a:txBody>
                   <a:tcPr anchor="ctr"/>
                 </a:tc>
                 <a:extLst>
                   <a:ext uri="{0D108BD9-81ED-4DB2-BD59-A6C34878D82A}">
-                    <a16:rowId xmlns="" xmlns:a16="http://schemas.microsoft.com/office/drawing/2014/main" val="433550499"/>
+                    <a16:rowId xmlns:a16="http://schemas.microsoft.com/office/drawing/2014/main" val="433550499"/>
                   </a:ext>
                 </a:extLst>
               </a:tr>
@@ -16882,7 +16379,7 @@
                     <a:lstStyle/>
                     <a:p>
                       <a:r>
-                        <a:rPr lang="en-US" dirty="0" smtClean="0"/>
+                        <a:rPr lang="en-US" dirty="0"/>
                         <a:t>{E}</a:t>
                       </a:r>
                       <a:endParaRPr lang="en-PH" dirty="0"/>
@@ -16896,17 +16393,16 @@
                     <a:lstStyle/>
                     <a:p>
                       <a:r>
-                        <a:rPr lang="en-PH" dirty="0" smtClean="0"/>
+                        <a:rPr lang="en-PH" dirty="0"/>
                         <a:t>3</a:t>
                       </a:r>
-                      <a:endParaRPr lang="en-PH" dirty="0"/>
                     </a:p>
                   </a:txBody>
                   <a:tcPr anchor="ctr"/>
                 </a:tc>
                 <a:extLst>
                   <a:ext uri="{0D108BD9-81ED-4DB2-BD59-A6C34878D82A}">
-                    <a16:rowId xmlns="" xmlns:a16="http://schemas.microsoft.com/office/drawing/2014/main" val="48181471"/>
+                    <a16:rowId xmlns:a16="http://schemas.microsoft.com/office/drawing/2014/main" val="48181471"/>
                   </a:ext>
                 </a:extLst>
               </a:tr>
@@ -16917,11 +16413,11 @@
                     <a:lstStyle/>
                     <a:p>
                       <a:r>
-                        <a:rPr lang="en-US" dirty="0" smtClean="0"/>
+                        <a:rPr lang="en-US" dirty="0"/>
                         <a:t>{B,</a:t>
                       </a:r>
                       <a:r>
-                        <a:rPr lang="en-US" baseline="0" dirty="0" smtClean="0"/>
+                        <a:rPr lang="en-US" baseline="0" dirty="0"/>
                         <a:t> E}</a:t>
                       </a:r>
                       <a:endParaRPr lang="en-PH" dirty="0"/>
@@ -16935,17 +16431,16 @@
                     <a:lstStyle/>
                     <a:p>
                       <a:r>
-                        <a:rPr lang="en-PH" dirty="0" smtClean="0"/>
+                        <a:rPr lang="en-PH" dirty="0"/>
                         <a:t>3</a:t>
                       </a:r>
-                      <a:endParaRPr lang="en-PH" dirty="0"/>
                     </a:p>
                   </a:txBody>
                   <a:tcPr anchor="ctr"/>
                 </a:tc>
                 <a:extLst>
                   <a:ext uri="{0D108BD9-81ED-4DB2-BD59-A6C34878D82A}">
-                    <a16:rowId xmlns="" xmlns:a16="http://schemas.microsoft.com/office/drawing/2014/main" val="2604222317"/>
+                    <a16:rowId xmlns:a16="http://schemas.microsoft.com/office/drawing/2014/main" val="2604222317"/>
                   </a:ext>
                 </a:extLst>
               </a:tr>
@@ -16956,11 +16451,11 @@
                     <a:lstStyle/>
                     <a:p>
                       <a:r>
-                        <a:rPr lang="en-US" dirty="0" smtClean="0"/>
+                        <a:rPr lang="en-US" dirty="0"/>
                         <a:t>{B,</a:t>
                       </a:r>
                       <a:r>
-                        <a:rPr lang="en-US" baseline="0" dirty="0" smtClean="0"/>
+                        <a:rPr lang="en-US" baseline="0" dirty="0"/>
                         <a:t> A, E}</a:t>
                       </a:r>
                       <a:endParaRPr lang="en-PH" dirty="0"/>
@@ -16974,17 +16469,16 @@
                     <a:lstStyle/>
                     <a:p>
                       <a:r>
-                        <a:rPr lang="en-PH" dirty="0" smtClean="0"/>
+                        <a:rPr lang="en-PH" dirty="0"/>
                         <a:t>2</a:t>
                       </a:r>
-                      <a:endParaRPr lang="en-PH" dirty="0"/>
                     </a:p>
                   </a:txBody>
                   <a:tcPr anchor="ctr"/>
                 </a:tc>
                 <a:extLst>
                   <a:ext uri="{0D108BD9-81ED-4DB2-BD59-A6C34878D82A}">
-                    <a16:rowId xmlns="" xmlns:a16="http://schemas.microsoft.com/office/drawing/2014/main" val="2678337579"/>
+                    <a16:rowId xmlns:a16="http://schemas.microsoft.com/office/drawing/2014/main" val="2678337579"/>
                   </a:ext>
                 </a:extLst>
               </a:tr>
@@ -16995,11 +16489,11 @@
                     <a:lstStyle/>
                     <a:p>
                       <a:r>
-                        <a:rPr lang="en-US" dirty="0" smtClean="0"/>
+                        <a:rPr lang="en-US" dirty="0"/>
                         <a:t>{B,</a:t>
                       </a:r>
                       <a:r>
-                        <a:rPr lang="en-US" baseline="0" dirty="0" smtClean="0"/>
+                        <a:rPr lang="en-US" baseline="0" dirty="0"/>
                         <a:t> C, E}</a:t>
                       </a:r>
                       <a:endParaRPr lang="en-PH" dirty="0"/>
@@ -17013,17 +16507,16 @@
                     <a:lstStyle/>
                     <a:p>
                       <a:r>
-                        <a:rPr lang="en-PH" dirty="0" smtClean="0"/>
+                        <a:rPr lang="en-PH" dirty="0"/>
                         <a:t>2</a:t>
                       </a:r>
-                      <a:endParaRPr lang="en-PH" dirty="0"/>
                     </a:p>
                   </a:txBody>
                   <a:tcPr anchor="ctr"/>
                 </a:tc>
                 <a:extLst>
                   <a:ext uri="{0D108BD9-81ED-4DB2-BD59-A6C34878D82A}">
-                    <a16:rowId xmlns="" xmlns:a16="http://schemas.microsoft.com/office/drawing/2014/main" val="1760849785"/>
+                    <a16:rowId xmlns:a16="http://schemas.microsoft.com/office/drawing/2014/main" val="1760849785"/>
                   </a:ext>
                 </a:extLst>
               </a:tr>
@@ -17034,11 +16527,11 @@
                     <a:lstStyle/>
                     <a:p>
                       <a:r>
-                        <a:rPr lang="en-US" dirty="0" smtClean="0"/>
+                        <a:rPr lang="en-US" dirty="0"/>
                         <a:t>{B,</a:t>
                       </a:r>
                       <a:r>
-                        <a:rPr lang="en-US" baseline="0" dirty="0" smtClean="0"/>
+                        <a:rPr lang="en-US" baseline="0" dirty="0"/>
                         <a:t> C, A, E}</a:t>
                       </a:r>
                       <a:endParaRPr lang="en-PH" dirty="0"/>
@@ -17052,17 +16545,16 @@
                     <a:lstStyle/>
                     <a:p>
                       <a:r>
-                        <a:rPr lang="en-PH" dirty="0" smtClean="0"/>
+                        <a:rPr lang="en-PH" dirty="0"/>
                         <a:t>1</a:t>
                       </a:r>
-                      <a:endParaRPr lang="en-PH" dirty="0"/>
                     </a:p>
                   </a:txBody>
                   <a:tcPr anchor="ctr"/>
                 </a:tc>
                 <a:extLst>
                   <a:ext uri="{0D108BD9-81ED-4DB2-BD59-A6C34878D82A}">
-                    <a16:rowId xmlns="" xmlns:a16="http://schemas.microsoft.com/office/drawing/2014/main" val="2223284257"/>
+                    <a16:rowId xmlns:a16="http://schemas.microsoft.com/office/drawing/2014/main" val="2223284257"/>
                   </a:ext>
                 </a:extLst>
               </a:tr>
@@ -17075,7 +16567,7 @@
           <p:cNvPr id="26" name="Oval 25">
             <a:extLst>
               <a:ext uri="{FF2B5EF4-FFF2-40B4-BE49-F238E27FC236}">
-                <a16:creationId xmlns="" xmlns:a16="http://schemas.microsoft.com/office/drawing/2014/main" id="{6790BD35-3A48-4FA4-A1DD-25EAA7D259C1}"/>
+                <a16:creationId xmlns:a16="http://schemas.microsoft.com/office/drawing/2014/main" id="{6790BD35-3A48-4FA4-A1DD-25EAA7D259C1}"/>
               </a:ext>
             </a:extLst>
           </p:cNvPr>
@@ -17119,7 +16611,7 @@
           <a:p>
             <a:pPr algn="ctr"/>
             <a:r>
-              <a:rPr lang="en-US" sz="1600" dirty="0" smtClean="0">
+              <a:rPr lang="en-US" sz="1600" dirty="0">
                 <a:solidFill>
                   <a:schemeClr val="tx1"/>
                 </a:solidFill>
@@ -17139,7 +16631,7 @@
           <p:cNvPr id="27" name="Oval 26">
             <a:extLst>
               <a:ext uri="{FF2B5EF4-FFF2-40B4-BE49-F238E27FC236}">
-                <a16:creationId xmlns="" xmlns:a16="http://schemas.microsoft.com/office/drawing/2014/main" id="{6790BD35-3A48-4FA4-A1DD-25EAA7D259C1}"/>
+                <a16:creationId xmlns:a16="http://schemas.microsoft.com/office/drawing/2014/main" id="{6790BD35-3A48-4FA4-A1DD-25EAA7D259C1}"/>
               </a:ext>
             </a:extLst>
           </p:cNvPr>
@@ -17183,20 +16675,12 @@
           <a:p>
             <a:pPr algn="ctr"/>
             <a:r>
-              <a:rPr lang="en-US" sz="1600" dirty="0" smtClean="0">
+              <a:rPr lang="en-US" sz="1600" dirty="0">
                 <a:solidFill>
                   <a:schemeClr val="tx1"/>
                 </a:solidFill>
               </a:rPr>
-              <a:t>E: </a:t>
-            </a:r>
-            <a:r>
-              <a:rPr lang="en-US" sz="1600" dirty="0">
-                <a:solidFill>
-                  <a:schemeClr val="tx1"/>
-                </a:solidFill>
-              </a:rPr>
-              <a:t>1</a:t>
+              <a:t>E: 1</a:t>
             </a:r>
             <a:endParaRPr lang="en-PH" sz="1600" dirty="0">
               <a:solidFill>
@@ -17211,7 +16695,7 @@
           <p:cNvPr id="28" name="Straight Connector 27">
             <a:extLst>
               <a:ext uri="{FF2B5EF4-FFF2-40B4-BE49-F238E27FC236}">
-                <a16:creationId xmlns="" xmlns:a16="http://schemas.microsoft.com/office/drawing/2014/main" id="{D5CBC4E2-B7D8-4BA4-91B1-1439F1E66A5D}"/>
+                <a16:creationId xmlns:a16="http://schemas.microsoft.com/office/drawing/2014/main" id="{D5CBC4E2-B7D8-4BA4-91B1-1439F1E66A5D}"/>
               </a:ext>
             </a:extLst>
           </p:cNvPr>
@@ -17249,7 +16733,7 @@
           <p:cNvPr id="29" name="Straight Connector 28">
             <a:extLst>
               <a:ext uri="{FF2B5EF4-FFF2-40B4-BE49-F238E27FC236}">
-                <a16:creationId xmlns="" xmlns:a16="http://schemas.microsoft.com/office/drawing/2014/main" id="{D5CBC4E2-B7D8-4BA4-91B1-1439F1E66A5D}"/>
+                <a16:creationId xmlns:a16="http://schemas.microsoft.com/office/drawing/2014/main" id="{D5CBC4E2-B7D8-4BA4-91B1-1439F1E66A5D}"/>
               </a:ext>
             </a:extLst>
           </p:cNvPr>
@@ -17288,7 +16772,7 @@
           <p:cNvPr id="50" name="Oval 49">
             <a:extLst>
               <a:ext uri="{FF2B5EF4-FFF2-40B4-BE49-F238E27FC236}">
-                <a16:creationId xmlns="" xmlns:a16="http://schemas.microsoft.com/office/drawing/2014/main" id="{FF465D5F-EE40-4CF1-B973-7087C70611E4}"/>
+                <a16:creationId xmlns:a16="http://schemas.microsoft.com/office/drawing/2014/main" id="{FF465D5F-EE40-4CF1-B973-7087C70611E4}"/>
               </a:ext>
             </a:extLst>
           </p:cNvPr>
@@ -17352,7 +16836,7 @@
           <p:cNvPr id="51" name="Oval 50">
             <a:extLst>
               <a:ext uri="{FF2B5EF4-FFF2-40B4-BE49-F238E27FC236}">
-                <a16:creationId xmlns="" xmlns:a16="http://schemas.microsoft.com/office/drawing/2014/main" id="{39C548D5-2D23-4238-82DF-921D2E3334F9}"/>
+                <a16:creationId xmlns:a16="http://schemas.microsoft.com/office/drawing/2014/main" id="{39C548D5-2D23-4238-82DF-921D2E3334F9}"/>
               </a:ext>
             </a:extLst>
           </p:cNvPr>
@@ -17416,7 +16900,7 @@
           <p:cNvPr id="52" name="Oval 51">
             <a:extLst>
               <a:ext uri="{FF2B5EF4-FFF2-40B4-BE49-F238E27FC236}">
-                <a16:creationId xmlns="" xmlns:a16="http://schemas.microsoft.com/office/drawing/2014/main" id="{D370CE05-94D0-4DB6-BE29-980F92475FAA}"/>
+                <a16:creationId xmlns:a16="http://schemas.microsoft.com/office/drawing/2014/main" id="{D370CE05-94D0-4DB6-BE29-980F92475FAA}"/>
               </a:ext>
             </a:extLst>
           </p:cNvPr>
@@ -17480,7 +16964,7 @@
           <p:cNvPr id="53" name="Straight Connector 52">
             <a:extLst>
               <a:ext uri="{FF2B5EF4-FFF2-40B4-BE49-F238E27FC236}">
-                <a16:creationId xmlns="" xmlns:a16="http://schemas.microsoft.com/office/drawing/2014/main" id="{D5CBC4E2-B7D8-4BA4-91B1-1439F1E66A5D}"/>
+                <a16:creationId xmlns:a16="http://schemas.microsoft.com/office/drawing/2014/main" id="{D5CBC4E2-B7D8-4BA4-91B1-1439F1E66A5D}"/>
               </a:ext>
             </a:extLst>
           </p:cNvPr>
@@ -17518,7 +17002,7 @@
           <p:cNvPr id="54" name="Straight Connector 53">
             <a:extLst>
               <a:ext uri="{FF2B5EF4-FFF2-40B4-BE49-F238E27FC236}">
-                <a16:creationId xmlns="" xmlns:a16="http://schemas.microsoft.com/office/drawing/2014/main" id="{3671F84C-43EB-4E83-B34F-C5EA539A58EC}"/>
+                <a16:creationId xmlns:a16="http://schemas.microsoft.com/office/drawing/2014/main" id="{3671F84C-43EB-4E83-B34F-C5EA539A58EC}"/>
               </a:ext>
             </a:extLst>
           </p:cNvPr>
@@ -17557,7 +17041,7 @@
           <p:cNvPr id="55" name="Straight Connector 54">
             <a:extLst>
               <a:ext uri="{FF2B5EF4-FFF2-40B4-BE49-F238E27FC236}">
-                <a16:creationId xmlns="" xmlns:a16="http://schemas.microsoft.com/office/drawing/2014/main" id="{61E9DF07-49B0-4931-B28A-3220297F1ADF}"/>
+                <a16:creationId xmlns:a16="http://schemas.microsoft.com/office/drawing/2014/main" id="{61E9DF07-49B0-4931-B28A-3220297F1ADF}"/>
               </a:ext>
             </a:extLst>
           </p:cNvPr>
@@ -17597,7 +17081,7 @@
           <p:cNvPr id="56" name="Oval 55">
             <a:extLst>
               <a:ext uri="{FF2B5EF4-FFF2-40B4-BE49-F238E27FC236}">
-                <a16:creationId xmlns="" xmlns:a16="http://schemas.microsoft.com/office/drawing/2014/main" id="{6790BD35-3A48-4FA4-A1DD-25EAA7D259C1}"/>
+                <a16:creationId xmlns:a16="http://schemas.microsoft.com/office/drawing/2014/main" id="{6790BD35-3A48-4FA4-A1DD-25EAA7D259C1}"/>
               </a:ext>
             </a:extLst>
           </p:cNvPr>
@@ -17646,15 +17130,7 @@
                   <a:schemeClr val="tx1"/>
                 </a:solidFill>
               </a:rPr>
-              <a:t>B: </a:t>
-            </a:r>
-            <a:r>
-              <a:rPr lang="en-US" sz="1600" dirty="0" smtClean="0">
-                <a:solidFill>
-                  <a:schemeClr val="tx1"/>
-                </a:solidFill>
-              </a:rPr>
-              <a:t>4</a:t>
+              <a:t>B: 4</a:t>
             </a:r>
             <a:endParaRPr lang="en-PH" sz="1600" dirty="0">
               <a:solidFill>
@@ -17669,7 +17145,7 @@
           <p:cNvPr id="57" name="Oval 56">
             <a:extLst>
               <a:ext uri="{FF2B5EF4-FFF2-40B4-BE49-F238E27FC236}">
-                <a16:creationId xmlns="" xmlns:a16="http://schemas.microsoft.com/office/drawing/2014/main" id="{6790BD35-3A48-4FA4-A1DD-25EAA7D259C1}"/>
+                <a16:creationId xmlns:a16="http://schemas.microsoft.com/office/drawing/2014/main" id="{6790BD35-3A48-4FA4-A1DD-25EAA7D259C1}"/>
               </a:ext>
             </a:extLst>
           </p:cNvPr>
@@ -17713,20 +17189,12 @@
           <a:p>
             <a:pPr algn="ctr"/>
             <a:r>
-              <a:rPr lang="en-US" sz="1600" dirty="0" smtClean="0">
+              <a:rPr lang="en-US" sz="1600" dirty="0">
                 <a:solidFill>
                   <a:schemeClr val="tx1"/>
                 </a:solidFill>
               </a:rPr>
-              <a:t>A: </a:t>
-            </a:r>
-            <a:r>
-              <a:rPr lang="en-US" sz="1600" dirty="0">
-                <a:solidFill>
-                  <a:schemeClr val="tx1"/>
-                </a:solidFill>
-              </a:rPr>
-              <a:t>1</a:t>
+              <a:t>A: 1</a:t>
             </a:r>
             <a:endParaRPr lang="en-PH" sz="1600" dirty="0">
               <a:solidFill>
@@ -17741,7 +17209,7 @@
           <p:cNvPr id="58" name="Oval 57">
             <a:extLst>
               <a:ext uri="{FF2B5EF4-FFF2-40B4-BE49-F238E27FC236}">
-                <a16:creationId xmlns="" xmlns:a16="http://schemas.microsoft.com/office/drawing/2014/main" id="{6790BD35-3A48-4FA4-A1DD-25EAA7D259C1}"/>
+                <a16:creationId xmlns:a16="http://schemas.microsoft.com/office/drawing/2014/main" id="{6790BD35-3A48-4FA4-A1DD-25EAA7D259C1}"/>
               </a:ext>
             </a:extLst>
           </p:cNvPr>
@@ -17785,20 +17253,12 @@
           <a:p>
             <a:pPr algn="ctr"/>
             <a:r>
-              <a:rPr lang="en-US" sz="1600" dirty="0" smtClean="0">
+              <a:rPr lang="en-US" sz="1600" dirty="0">
                 <a:solidFill>
                   <a:schemeClr val="tx1"/>
                 </a:solidFill>
               </a:rPr>
-              <a:t>E: </a:t>
-            </a:r>
-            <a:r>
-              <a:rPr lang="en-US" sz="1600" dirty="0">
-                <a:solidFill>
-                  <a:schemeClr val="tx1"/>
-                </a:solidFill>
-              </a:rPr>
-              <a:t>1</a:t>
+              <a:t>E: 1</a:t>
             </a:r>
             <a:endParaRPr lang="en-PH" sz="1600" dirty="0">
               <a:solidFill>
@@ -17813,7 +17273,7 @@
           <p:cNvPr id="59" name="Straight Connector 58">
             <a:extLst>
               <a:ext uri="{FF2B5EF4-FFF2-40B4-BE49-F238E27FC236}">
-                <a16:creationId xmlns="" xmlns:a16="http://schemas.microsoft.com/office/drawing/2014/main" id="{D5CBC4E2-B7D8-4BA4-91B1-1439F1E66A5D}"/>
+                <a16:creationId xmlns:a16="http://schemas.microsoft.com/office/drawing/2014/main" id="{D5CBC4E2-B7D8-4BA4-91B1-1439F1E66A5D}"/>
               </a:ext>
             </a:extLst>
           </p:cNvPr>
@@ -17852,7 +17312,7 @@
           <p:cNvPr id="60" name="Straight Connector 59">
             <a:extLst>
               <a:ext uri="{FF2B5EF4-FFF2-40B4-BE49-F238E27FC236}">
-                <a16:creationId xmlns="" xmlns:a16="http://schemas.microsoft.com/office/drawing/2014/main" id="{D5CBC4E2-B7D8-4BA4-91B1-1439F1E66A5D}"/>
+                <a16:creationId xmlns:a16="http://schemas.microsoft.com/office/drawing/2014/main" id="{D5CBC4E2-B7D8-4BA4-91B1-1439F1E66A5D}"/>
               </a:ext>
             </a:extLst>
           </p:cNvPr>
@@ -17891,7 +17351,7 @@
           <p:cNvPr id="61" name="Oval 60">
             <a:extLst>
               <a:ext uri="{FF2B5EF4-FFF2-40B4-BE49-F238E27FC236}">
-                <a16:creationId xmlns="" xmlns:a16="http://schemas.microsoft.com/office/drawing/2014/main" id="{6790BD35-3A48-4FA4-A1DD-25EAA7D259C1}"/>
+                <a16:creationId xmlns:a16="http://schemas.microsoft.com/office/drawing/2014/main" id="{6790BD35-3A48-4FA4-A1DD-25EAA7D259C1}"/>
               </a:ext>
             </a:extLst>
           </p:cNvPr>
@@ -17935,7 +17395,7 @@
           <a:p>
             <a:pPr algn="ctr"/>
             <a:r>
-              <a:rPr lang="en-US" sz="1600" dirty="0" smtClean="0">
+              <a:rPr lang="en-US" sz="1600" dirty="0">
                 <a:solidFill>
                   <a:schemeClr val="tx1"/>
                 </a:solidFill>
@@ -17955,7 +17415,7 @@
           <p:cNvPr id="62" name="Oval 61">
             <a:extLst>
               <a:ext uri="{FF2B5EF4-FFF2-40B4-BE49-F238E27FC236}">
-                <a16:creationId xmlns="" xmlns:a16="http://schemas.microsoft.com/office/drawing/2014/main" id="{6790BD35-3A48-4FA4-A1DD-25EAA7D259C1}"/>
+                <a16:creationId xmlns:a16="http://schemas.microsoft.com/office/drawing/2014/main" id="{6790BD35-3A48-4FA4-A1DD-25EAA7D259C1}"/>
               </a:ext>
             </a:extLst>
           </p:cNvPr>
@@ -17999,7 +17459,7 @@
           <a:p>
             <a:pPr algn="ctr"/>
             <a:r>
-              <a:rPr lang="en-US" sz="1600" dirty="0" smtClean="0">
+              <a:rPr lang="en-US" sz="1600" dirty="0">
                 <a:solidFill>
                   <a:schemeClr val="tx1"/>
                 </a:solidFill>
@@ -18019,7 +17479,7 @@
           <p:cNvPr id="63" name="Oval 62">
             <a:extLst>
               <a:ext uri="{FF2B5EF4-FFF2-40B4-BE49-F238E27FC236}">
-                <a16:creationId xmlns="" xmlns:a16="http://schemas.microsoft.com/office/drawing/2014/main" id="{6790BD35-3A48-4FA4-A1DD-25EAA7D259C1}"/>
+                <a16:creationId xmlns:a16="http://schemas.microsoft.com/office/drawing/2014/main" id="{6790BD35-3A48-4FA4-A1DD-25EAA7D259C1}"/>
               </a:ext>
             </a:extLst>
           </p:cNvPr>
@@ -18063,7 +17523,7 @@
           <a:p>
             <a:pPr algn="ctr"/>
             <a:r>
-              <a:rPr lang="en-US" sz="1600" dirty="0" smtClean="0">
+              <a:rPr lang="en-US" sz="1600" dirty="0">
                 <a:solidFill>
                   <a:schemeClr val="tx1"/>
                 </a:solidFill>
@@ -18083,7 +17543,7 @@
           <p:cNvPr id="64" name="Straight Connector 63">
             <a:extLst>
               <a:ext uri="{FF2B5EF4-FFF2-40B4-BE49-F238E27FC236}">
-                <a16:creationId xmlns="" xmlns:a16="http://schemas.microsoft.com/office/drawing/2014/main" id="{D5CBC4E2-B7D8-4BA4-91B1-1439F1E66A5D}"/>
+                <a16:creationId xmlns:a16="http://schemas.microsoft.com/office/drawing/2014/main" id="{D5CBC4E2-B7D8-4BA4-91B1-1439F1E66A5D}"/>
               </a:ext>
             </a:extLst>
           </p:cNvPr>
@@ -18122,7 +17582,7 @@
           <p:cNvPr id="65" name="Straight Connector 64">
             <a:extLst>
               <a:ext uri="{FF2B5EF4-FFF2-40B4-BE49-F238E27FC236}">
-                <a16:creationId xmlns="" xmlns:a16="http://schemas.microsoft.com/office/drawing/2014/main" id="{D5CBC4E2-B7D8-4BA4-91B1-1439F1E66A5D}"/>
+                <a16:creationId xmlns:a16="http://schemas.microsoft.com/office/drawing/2014/main" id="{D5CBC4E2-B7D8-4BA4-91B1-1439F1E66A5D}"/>
               </a:ext>
             </a:extLst>
           </p:cNvPr>
@@ -18209,12 +17669,8 @@
           <a:lstStyle/>
           <a:p>
             <a:r>
-              <a:rPr lang="en-US" sz="4000" b="1" dirty="0" smtClean="0"/>
-              <a:t>5.3 </a:t>
-            </a:r>
-            <a:r>
               <a:rPr lang="en-US" sz="4000" b="1" dirty="0"/>
-              <a:t>Mining the FP-Tree for Frequent Patterns</a:t>
+              <a:t>5.3 Mining the FP-Tree for Frequent Patterns</a:t>
             </a:r>
           </a:p>
         </p:txBody>
@@ -18224,7 +17680,7 @@
           <p:cNvPr id="29" name="TextBox 28">
             <a:extLst>
               <a:ext uri="{FF2B5EF4-FFF2-40B4-BE49-F238E27FC236}">
-                <a16:creationId xmlns="" xmlns:a16="http://schemas.microsoft.com/office/drawing/2014/main" id="{DE6FFCD5-DA91-4170-905E-45E8EB9BEBE5}"/>
+                <a16:creationId xmlns:a16="http://schemas.microsoft.com/office/drawing/2014/main" id="{DE6FFCD5-DA91-4170-905E-45E8EB9BEBE5}"/>
               </a:ext>
             </a:extLst>
           </p:cNvPr>
@@ -18248,46 +17704,21 @@
           <a:lstStyle/>
           <a:p>
             <a:r>
-              <a:rPr lang="en-US" sz="2000" b="1" dirty="0" smtClean="0"/>
-              <a:t>Paths </a:t>
-            </a:r>
-            <a:r>
               <a:rPr lang="en-US" sz="2000" b="1" dirty="0"/>
-              <a:t>Leading to </a:t>
-            </a:r>
-            <a:r>
-              <a:rPr lang="en-US" sz="2000" b="1" dirty="0" smtClean="0"/>
-              <a:t>A </a:t>
-            </a:r>
-            <a:r>
-              <a:rPr lang="en-US" sz="2000" b="1" dirty="0"/>
-              <a:t>Nodes</a:t>
-            </a:r>
-            <a:r>
-              <a:rPr lang="en-US" sz="2000" b="1" dirty="0" smtClean="0"/>
-              <a:t>:</a:t>
-            </a:r>
-          </a:p>
-          <a:p>
-            <a:endParaRPr lang="en-US" sz="900" b="1" dirty="0" smtClean="0"/>
+              <a:t>Paths Leading to A Nodes:</a:t>
+            </a:r>
+          </a:p>
+          <a:p>
+            <a:endParaRPr lang="en-US" sz="900" b="1" dirty="0"/>
           </a:p>
           <a:p>
             <a:pPr marL="457200" indent="-457200">
               <a:buAutoNum type="arabicPeriod"/>
             </a:pPr>
             <a:r>
-              <a:rPr lang="en-US" sz="2000" dirty="0" smtClean="0"/>
-              <a:t>Path 1 </a:t>
-            </a:r>
-            <a:r>
               <a:rPr lang="en-US" sz="2000" dirty="0"/>
-              <a:t>containing </a:t>
-            </a:r>
-            <a:r>
-              <a:rPr lang="en-US" sz="2000" dirty="0" smtClean="0"/>
-              <a:t>A:</a:t>
-            </a:r>
-            <a:endParaRPr lang="en-US" sz="2000" dirty="0"/>
+              <a:t>Path 1 containing A:</a:t>
+            </a:r>
           </a:p>
           <a:p>
             <a:r>
@@ -18319,19 +17750,13 @@
                 </a:solidFill>
                 <a:sym typeface="Wingdings" panose="05000000000000000000" pitchFamily="2" charset="2"/>
               </a:rPr>
-              <a:t>A</a:t>
-            </a:r>
-            <a:r>
-              <a:rPr lang="en-US" b="1" dirty="0" smtClean="0">
-                <a:solidFill>
-                  <a:srgbClr val="7030A0"/>
-                </a:solidFill>
-                <a:sym typeface="Wingdings" panose="05000000000000000000" pitchFamily="2" charset="2"/>
-              </a:rPr>
-              <a:t> </a:t>
-            </a:r>
-            <a:r>
-              <a:rPr lang="en-US" b="1" dirty="0" smtClean="0">
+              <a:t>A </a:t>
+            </a:r>
+            <a:r>
+              <a:rPr lang="en-US" b="1" dirty="0">
+                <a:solidFill>
+                  <a:schemeClr val="bg1"/>
+                </a:solidFill>
                 <a:sym typeface="Wingdings" panose="05000000000000000000" pitchFamily="2" charset="2"/>
               </a:rPr>
               <a:t>(support count = 1)</a:t>
@@ -18344,18 +17769,9 @@
           </a:p>
           <a:p>
             <a:r>
-              <a:rPr lang="en-US" sz="2000" dirty="0" smtClean="0"/>
-              <a:t>2.   Path 2 </a:t>
-            </a:r>
-            <a:r>
               <a:rPr lang="en-US" sz="2000" dirty="0"/>
-              <a:t>containing </a:t>
-            </a:r>
-            <a:r>
-              <a:rPr lang="en-US" sz="2000" dirty="0" smtClean="0"/>
-              <a:t>A:</a:t>
-            </a:r>
-            <a:endParaRPr lang="en-US" sz="2000" dirty="0"/>
+              <a:t>2.   Path 2 containing A:</a:t>
+            </a:r>
           </a:p>
           <a:p>
             <a:r>
@@ -18367,7 +17783,7 @@
               <a:t>- </a:t>
             </a:r>
             <a:r>
-              <a:rPr lang="en-US" b="1" dirty="0" smtClean="0">
+              <a:rPr lang="en-US" b="1" dirty="0">
                 <a:solidFill>
                   <a:srgbClr val="FF0000"/>
                 </a:solidFill>
@@ -18381,52 +17797,43 @@
               <a:t> </a:t>
             </a:r>
             <a:r>
-              <a:rPr lang="en-US" b="1" dirty="0" smtClean="0">
+              <a:rPr lang="en-US" b="1" dirty="0">
                 <a:solidFill>
                   <a:srgbClr val="FF0000"/>
                 </a:solidFill>
                 <a:sym typeface="Wingdings" panose="05000000000000000000" pitchFamily="2" charset="2"/>
               </a:rPr>
               <a:t>C</a:t>
-            </a:r>
-            <a:r>
-              <a:rPr lang="en-US" b="1" dirty="0" smtClean="0">
-                <a:sym typeface="Wingdings" panose="05000000000000000000" pitchFamily="2" charset="2"/>
-              </a:rPr>
-              <a:t> </a:t>
             </a:r>
             <a:r>
               <a:rPr lang="en-US" b="1" dirty="0">
                 <a:sym typeface="Wingdings" panose="05000000000000000000" pitchFamily="2" charset="2"/>
               </a:rPr>
-              <a:t> </a:t>
-            </a:r>
-            <a:r>
-              <a:rPr lang="en-US" b="1" dirty="0" smtClean="0">
+              <a:t>  </a:t>
+            </a:r>
+            <a:r>
+              <a:rPr lang="en-US" b="1" dirty="0">
                 <a:solidFill>
                   <a:srgbClr val="7030A0"/>
                 </a:solidFill>
                 <a:sym typeface="Wingdings" panose="05000000000000000000" pitchFamily="2" charset="2"/>
               </a:rPr>
               <a:t>A</a:t>
-            </a:r>
-            <a:r>
-              <a:rPr lang="en-US" b="1" dirty="0" smtClean="0">
-                <a:sym typeface="Wingdings" panose="05000000000000000000" pitchFamily="2" charset="2"/>
-              </a:rPr>
-              <a:t> (</a:t>
             </a:r>
             <a:r>
               <a:rPr lang="en-US" b="1" dirty="0">
                 <a:sym typeface="Wingdings" panose="05000000000000000000" pitchFamily="2" charset="2"/>
               </a:rPr>
-              <a:t>support count = </a:t>
-            </a:r>
-            <a:r>
-              <a:rPr lang="en-US" b="1" dirty="0" smtClean="0">
+              <a:t> </a:t>
+            </a:r>
+            <a:r>
+              <a:rPr lang="en-US" b="1" dirty="0">
+                <a:solidFill>
+                  <a:schemeClr val="bg1"/>
+                </a:solidFill>
                 <a:sym typeface="Wingdings" panose="05000000000000000000" pitchFamily="2" charset="2"/>
               </a:rPr>
-              <a:t>1)</a:t>
+              <a:t>(support count = 1)</a:t>
             </a:r>
           </a:p>
           <a:p>
@@ -18436,18 +17843,13 @@
           </a:p>
           <a:p>
             <a:r>
-              <a:rPr lang="en-US" dirty="0" smtClean="0"/>
+              <a:rPr lang="en-US" dirty="0"/>
               <a:t>3.   </a:t>
             </a:r>
             <a:r>
               <a:rPr lang="en-US" sz="2000" dirty="0"/>
-              <a:t>Path 2 containing </a:t>
-            </a:r>
-            <a:r>
-              <a:rPr lang="en-US" sz="2000" dirty="0" smtClean="0"/>
-              <a:t>A:</a:t>
-            </a:r>
-            <a:endParaRPr lang="en-US" sz="2000" dirty="0"/>
+              <a:t>Path 2 containing A:</a:t>
+            </a:r>
           </a:p>
           <a:p>
             <a:r>
@@ -18455,25 +17857,19 @@
               <a:t>      - </a:t>
             </a:r>
             <a:r>
-              <a:rPr lang="en-US" b="1" dirty="0" smtClean="0">
+              <a:rPr lang="en-US" b="1" dirty="0">
                 <a:solidFill>
                   <a:srgbClr val="FF0000"/>
                 </a:solidFill>
                 <a:sym typeface="Wingdings" panose="05000000000000000000" pitchFamily="2" charset="2"/>
               </a:rPr>
               <a:t>C</a:t>
-            </a:r>
-            <a:r>
-              <a:rPr lang="en-US" b="1" dirty="0" smtClean="0">
-                <a:sym typeface="Wingdings" panose="05000000000000000000" pitchFamily="2" charset="2"/>
-              </a:rPr>
-              <a:t> </a:t>
             </a:r>
             <a:r>
               <a:rPr lang="en-US" b="1" dirty="0">
                 <a:sym typeface="Wingdings" panose="05000000000000000000" pitchFamily="2" charset="2"/>
               </a:rPr>
-              <a:t> </a:t>
+              <a:t>  </a:t>
             </a:r>
             <a:r>
               <a:rPr lang="en-US" b="1" dirty="0">
@@ -18483,24 +17879,21 @@
                 <a:sym typeface="Wingdings" panose="05000000000000000000" pitchFamily="2" charset="2"/>
               </a:rPr>
               <a:t>A</a:t>
-            </a:r>
-            <a:r>
-              <a:rPr lang="en-US" b="1" dirty="0" smtClean="0">
-                <a:sym typeface="Wingdings" panose="05000000000000000000" pitchFamily="2" charset="2"/>
-              </a:rPr>
-              <a:t> (support </a:t>
             </a:r>
             <a:r>
               <a:rPr lang="en-US" b="1" dirty="0">
                 <a:sym typeface="Wingdings" panose="05000000000000000000" pitchFamily="2" charset="2"/>
               </a:rPr>
-              <a:t>count = </a:t>
-            </a:r>
-            <a:r>
-              <a:rPr lang="en-US" b="1" dirty="0" smtClean="0">
+              <a:t> </a:t>
+            </a:r>
+            <a:r>
+              <a:rPr lang="en-US" b="1" dirty="0">
+                <a:solidFill>
+                  <a:schemeClr val="bg1"/>
+                </a:solidFill>
                 <a:sym typeface="Wingdings" panose="05000000000000000000" pitchFamily="2" charset="2"/>
               </a:rPr>
-              <a:t>1)</a:t>
+              <a:t>(support count = 1)</a:t>
             </a:r>
           </a:p>
           <a:p>
@@ -18510,16 +17903,16 @@
           </a:p>
           <a:p>
             <a:r>
-              <a:rPr lang="en-US" sz="2000" b="1" dirty="0" smtClean="0"/>
-              <a:t>Conditional Pattern Base on A:</a:t>
-            </a:r>
-          </a:p>
-          <a:p>
-            <a:endParaRPr lang="en-US" sz="900" b="1" dirty="0" smtClean="0"/>
-          </a:p>
-          <a:p>
-            <a:r>
-              <a:rPr lang="en-US" sz="2000" dirty="0" smtClean="0">
+              <a:rPr lang="en-US" sz="2000" b="1" dirty="0"/>
+              <a:t>Sample Conditional Pattern Base on A:</a:t>
+            </a:r>
+          </a:p>
+          <a:p>
+            <a:endParaRPr lang="en-US" sz="900" b="1" dirty="0"/>
+          </a:p>
+          <a:p>
+            <a:r>
+              <a:rPr lang="en-US" sz="2000" dirty="0">
                 <a:solidFill>
                   <a:srgbClr val="FF0000"/>
                 </a:solidFill>
@@ -18527,67 +17920,61 @@
               <a:t>B </a:t>
             </a:r>
             <a:r>
-              <a:rPr lang="en-US" sz="2000" dirty="0" smtClean="0"/>
-              <a:t>		(1)</a:t>
-            </a:r>
-          </a:p>
-          <a:p>
+              <a:rPr lang="en-US" sz="2000" dirty="0"/>
+              <a:t>		</a:t>
+            </a:r>
             <a:r>
               <a:rPr lang="en-US" sz="2000" dirty="0">
                 <a:solidFill>
+                  <a:schemeClr val="bg1"/>
+                </a:solidFill>
+              </a:rPr>
+              <a:t>(1)</a:t>
+            </a:r>
+          </a:p>
+          <a:p>
+            <a:r>
+              <a:rPr lang="en-US" sz="2000" dirty="0">
+                <a:solidFill>
                   <a:srgbClr val="FF0000"/>
                 </a:solidFill>
               </a:rPr>
-              <a:t>B</a:t>
-            </a:r>
-            <a:r>
-              <a:rPr lang="en-US" sz="2000" dirty="0" smtClean="0">
+              <a:t>B, C</a:t>
+            </a:r>
+            <a:r>
+              <a:rPr lang="en-US" sz="2000" dirty="0"/>
+              <a:t>		</a:t>
+            </a:r>
+            <a:r>
+              <a:rPr lang="en-US" sz="2000" dirty="0">
+                <a:solidFill>
+                  <a:schemeClr val="bg1"/>
+                </a:solidFill>
+              </a:rPr>
+              <a:t>(1)</a:t>
+            </a:r>
+          </a:p>
+          <a:p>
+            <a:r>
+              <a:rPr lang="en-US" sz="2000" dirty="0">
                 <a:solidFill>
                   <a:srgbClr val="FF0000"/>
                 </a:solidFill>
               </a:rPr>
-              <a:t>, </a:t>
+              <a:t>C</a:t>
+            </a:r>
+            <a:r>
+              <a:rPr lang="en-US" sz="2000" dirty="0"/>
+              <a:t>		</a:t>
             </a:r>
             <a:r>
               <a:rPr lang="en-US" sz="2000" dirty="0">
                 <a:solidFill>
-                  <a:srgbClr val="FF0000"/>
-                </a:solidFill>
-              </a:rPr>
-              <a:t>C</a:t>
-            </a:r>
-            <a:r>
-              <a:rPr lang="en-US" sz="2000" dirty="0" smtClean="0"/>
-              <a:t>		(1)</a:t>
-            </a:r>
-            <a:endParaRPr lang="en-US" sz="2000" dirty="0"/>
-          </a:p>
-          <a:p>
-            <a:r>
-              <a:rPr lang="en-US" sz="2000" dirty="0" smtClean="0">
-                <a:solidFill>
-                  <a:srgbClr val="FF0000"/>
-                </a:solidFill>
-              </a:rPr>
-              <a:t>C</a:t>
-            </a:r>
-            <a:r>
-              <a:rPr lang="en-US" sz="2000" dirty="0"/>
-              <a:t>	</a:t>
-            </a:r>
-            <a:r>
-              <a:rPr lang="en-US" sz="2000" dirty="0" smtClean="0"/>
-              <a:t>	(</a:t>
-            </a:r>
-            <a:r>
-              <a:rPr lang="en-US" sz="2000" dirty="0"/>
-              <a:t>1</a:t>
-            </a:r>
-            <a:r>
-              <a:rPr lang="en-US" sz="2000" dirty="0" smtClean="0"/>
-              <a:t>)</a:t>
-            </a:r>
-            <a:endParaRPr lang="en-US" sz="2000" dirty="0"/>
+                  <a:schemeClr val="bg1"/>
+                </a:solidFill>
+              </a:rPr>
+              <a:t>(1)</a:t>
+            </a:r>
           </a:p>
         </p:txBody>
       </p:sp>
@@ -18596,7 +17983,7 @@
           <p:cNvPr id="30" name="Oval 29">
             <a:extLst>
               <a:ext uri="{FF2B5EF4-FFF2-40B4-BE49-F238E27FC236}">
-                <a16:creationId xmlns="" xmlns:a16="http://schemas.microsoft.com/office/drawing/2014/main" id="{6790BD35-3A48-4FA4-A1DD-25EAA7D259C1}"/>
+                <a16:creationId xmlns:a16="http://schemas.microsoft.com/office/drawing/2014/main" id="{6790BD35-3A48-4FA4-A1DD-25EAA7D259C1}"/>
               </a:ext>
             </a:extLst>
           </p:cNvPr>
@@ -18640,7 +18027,7 @@
           <a:p>
             <a:pPr algn="ctr"/>
             <a:r>
-              <a:rPr lang="en-US" sz="1600" dirty="0" smtClean="0">
+              <a:rPr lang="en-US" sz="1600" dirty="0">
                 <a:solidFill>
                   <a:schemeClr val="tx1"/>
                 </a:solidFill>
@@ -18660,7 +18047,7 @@
           <p:cNvPr id="31" name="Oval 30">
             <a:extLst>
               <a:ext uri="{FF2B5EF4-FFF2-40B4-BE49-F238E27FC236}">
-                <a16:creationId xmlns="" xmlns:a16="http://schemas.microsoft.com/office/drawing/2014/main" id="{6790BD35-3A48-4FA4-A1DD-25EAA7D259C1}"/>
+                <a16:creationId xmlns:a16="http://schemas.microsoft.com/office/drawing/2014/main" id="{6790BD35-3A48-4FA4-A1DD-25EAA7D259C1}"/>
               </a:ext>
             </a:extLst>
           </p:cNvPr>
@@ -18704,20 +18091,12 @@
           <a:p>
             <a:pPr algn="ctr"/>
             <a:r>
-              <a:rPr lang="en-US" sz="1600" dirty="0" smtClean="0">
+              <a:rPr lang="en-US" sz="1600" dirty="0">
                 <a:solidFill>
                   <a:schemeClr val="tx1"/>
                 </a:solidFill>
               </a:rPr>
-              <a:t>E: </a:t>
-            </a:r>
-            <a:r>
-              <a:rPr lang="en-US" sz="1600" dirty="0">
-                <a:solidFill>
-                  <a:schemeClr val="tx1"/>
-                </a:solidFill>
-              </a:rPr>
-              <a:t>1</a:t>
+              <a:t>E: 1</a:t>
             </a:r>
             <a:endParaRPr lang="en-PH" sz="1600" dirty="0">
               <a:solidFill>
@@ -18732,7 +18111,7 @@
           <p:cNvPr id="32" name="Straight Connector 31">
             <a:extLst>
               <a:ext uri="{FF2B5EF4-FFF2-40B4-BE49-F238E27FC236}">
-                <a16:creationId xmlns="" xmlns:a16="http://schemas.microsoft.com/office/drawing/2014/main" id="{D5CBC4E2-B7D8-4BA4-91B1-1439F1E66A5D}"/>
+                <a16:creationId xmlns:a16="http://schemas.microsoft.com/office/drawing/2014/main" id="{D5CBC4E2-B7D8-4BA4-91B1-1439F1E66A5D}"/>
               </a:ext>
             </a:extLst>
           </p:cNvPr>
@@ -18770,7 +18149,7 @@
           <p:cNvPr id="33" name="Straight Connector 32">
             <a:extLst>
               <a:ext uri="{FF2B5EF4-FFF2-40B4-BE49-F238E27FC236}">
-                <a16:creationId xmlns="" xmlns:a16="http://schemas.microsoft.com/office/drawing/2014/main" id="{D5CBC4E2-B7D8-4BA4-91B1-1439F1E66A5D}"/>
+                <a16:creationId xmlns:a16="http://schemas.microsoft.com/office/drawing/2014/main" id="{D5CBC4E2-B7D8-4BA4-91B1-1439F1E66A5D}"/>
               </a:ext>
             </a:extLst>
           </p:cNvPr>
@@ -18809,7 +18188,7 @@
           <p:cNvPr id="34" name="Oval 33">
             <a:extLst>
               <a:ext uri="{FF2B5EF4-FFF2-40B4-BE49-F238E27FC236}">
-                <a16:creationId xmlns="" xmlns:a16="http://schemas.microsoft.com/office/drawing/2014/main" id="{FF465D5F-EE40-4CF1-B973-7087C70611E4}"/>
+                <a16:creationId xmlns:a16="http://schemas.microsoft.com/office/drawing/2014/main" id="{FF465D5F-EE40-4CF1-B973-7087C70611E4}"/>
               </a:ext>
             </a:extLst>
           </p:cNvPr>
@@ -18873,7 +18252,7 @@
           <p:cNvPr id="35" name="Oval 34">
             <a:extLst>
               <a:ext uri="{FF2B5EF4-FFF2-40B4-BE49-F238E27FC236}">
-                <a16:creationId xmlns="" xmlns:a16="http://schemas.microsoft.com/office/drawing/2014/main" id="{39C548D5-2D23-4238-82DF-921D2E3334F9}"/>
+                <a16:creationId xmlns:a16="http://schemas.microsoft.com/office/drawing/2014/main" id="{39C548D5-2D23-4238-82DF-921D2E3334F9}"/>
               </a:ext>
             </a:extLst>
           </p:cNvPr>
@@ -18937,7 +18316,7 @@
           <p:cNvPr id="36" name="Oval 35">
             <a:extLst>
               <a:ext uri="{FF2B5EF4-FFF2-40B4-BE49-F238E27FC236}">
-                <a16:creationId xmlns="" xmlns:a16="http://schemas.microsoft.com/office/drawing/2014/main" id="{D370CE05-94D0-4DB6-BE29-980F92475FAA}"/>
+                <a16:creationId xmlns:a16="http://schemas.microsoft.com/office/drawing/2014/main" id="{D370CE05-94D0-4DB6-BE29-980F92475FAA}"/>
               </a:ext>
             </a:extLst>
           </p:cNvPr>
@@ -19001,7 +18380,7 @@
           <p:cNvPr id="37" name="Straight Connector 36">
             <a:extLst>
               <a:ext uri="{FF2B5EF4-FFF2-40B4-BE49-F238E27FC236}">
-                <a16:creationId xmlns="" xmlns:a16="http://schemas.microsoft.com/office/drawing/2014/main" id="{D5CBC4E2-B7D8-4BA4-91B1-1439F1E66A5D}"/>
+                <a16:creationId xmlns:a16="http://schemas.microsoft.com/office/drawing/2014/main" id="{D5CBC4E2-B7D8-4BA4-91B1-1439F1E66A5D}"/>
               </a:ext>
             </a:extLst>
           </p:cNvPr>
@@ -19039,7 +18418,7 @@
           <p:cNvPr id="38" name="Straight Connector 37">
             <a:extLst>
               <a:ext uri="{FF2B5EF4-FFF2-40B4-BE49-F238E27FC236}">
-                <a16:creationId xmlns="" xmlns:a16="http://schemas.microsoft.com/office/drawing/2014/main" id="{3671F84C-43EB-4E83-B34F-C5EA539A58EC}"/>
+                <a16:creationId xmlns:a16="http://schemas.microsoft.com/office/drawing/2014/main" id="{3671F84C-43EB-4E83-B34F-C5EA539A58EC}"/>
               </a:ext>
             </a:extLst>
           </p:cNvPr>
@@ -19078,7 +18457,7 @@
           <p:cNvPr id="39" name="Straight Connector 38">
             <a:extLst>
               <a:ext uri="{FF2B5EF4-FFF2-40B4-BE49-F238E27FC236}">
-                <a16:creationId xmlns="" xmlns:a16="http://schemas.microsoft.com/office/drawing/2014/main" id="{61E9DF07-49B0-4931-B28A-3220297F1ADF}"/>
+                <a16:creationId xmlns:a16="http://schemas.microsoft.com/office/drawing/2014/main" id="{61E9DF07-49B0-4931-B28A-3220297F1ADF}"/>
               </a:ext>
             </a:extLst>
           </p:cNvPr>
@@ -19118,7 +18497,7 @@
           <p:cNvPr id="40" name="Oval 39">
             <a:extLst>
               <a:ext uri="{FF2B5EF4-FFF2-40B4-BE49-F238E27FC236}">
-                <a16:creationId xmlns="" xmlns:a16="http://schemas.microsoft.com/office/drawing/2014/main" id="{6790BD35-3A48-4FA4-A1DD-25EAA7D259C1}"/>
+                <a16:creationId xmlns:a16="http://schemas.microsoft.com/office/drawing/2014/main" id="{6790BD35-3A48-4FA4-A1DD-25EAA7D259C1}"/>
               </a:ext>
             </a:extLst>
           </p:cNvPr>
@@ -19167,15 +18546,7 @@
                   <a:schemeClr val="tx1"/>
                 </a:solidFill>
               </a:rPr>
-              <a:t>B: </a:t>
-            </a:r>
-            <a:r>
-              <a:rPr lang="en-US" sz="1600" dirty="0" smtClean="0">
-                <a:solidFill>
-                  <a:schemeClr val="tx1"/>
-                </a:solidFill>
-              </a:rPr>
-              <a:t>4</a:t>
+              <a:t>B: 4</a:t>
             </a:r>
             <a:endParaRPr lang="en-PH" sz="1600" dirty="0">
               <a:solidFill>
@@ -19190,7 +18561,7 @@
           <p:cNvPr id="41" name="Oval 40">
             <a:extLst>
               <a:ext uri="{FF2B5EF4-FFF2-40B4-BE49-F238E27FC236}">
-                <a16:creationId xmlns="" xmlns:a16="http://schemas.microsoft.com/office/drawing/2014/main" id="{6790BD35-3A48-4FA4-A1DD-25EAA7D259C1}"/>
+                <a16:creationId xmlns:a16="http://schemas.microsoft.com/office/drawing/2014/main" id="{6790BD35-3A48-4FA4-A1DD-25EAA7D259C1}"/>
               </a:ext>
             </a:extLst>
           </p:cNvPr>
@@ -19234,20 +18605,12 @@
           <a:p>
             <a:pPr algn="ctr"/>
             <a:r>
-              <a:rPr lang="en-US" sz="1600" dirty="0" smtClean="0">
+              <a:rPr lang="en-US" sz="1600" dirty="0">
                 <a:solidFill>
                   <a:schemeClr val="tx1"/>
                 </a:solidFill>
               </a:rPr>
-              <a:t>A: </a:t>
-            </a:r>
-            <a:r>
-              <a:rPr lang="en-US" sz="1600" dirty="0">
-                <a:solidFill>
-                  <a:schemeClr val="tx1"/>
-                </a:solidFill>
-              </a:rPr>
-              <a:t>1</a:t>
+              <a:t>A: 1</a:t>
             </a:r>
             <a:endParaRPr lang="en-PH" sz="1600" dirty="0">
               <a:solidFill>
@@ -19262,7 +18625,7 @@
           <p:cNvPr id="42" name="Oval 41">
             <a:extLst>
               <a:ext uri="{FF2B5EF4-FFF2-40B4-BE49-F238E27FC236}">
-                <a16:creationId xmlns="" xmlns:a16="http://schemas.microsoft.com/office/drawing/2014/main" id="{6790BD35-3A48-4FA4-A1DD-25EAA7D259C1}"/>
+                <a16:creationId xmlns:a16="http://schemas.microsoft.com/office/drawing/2014/main" id="{6790BD35-3A48-4FA4-A1DD-25EAA7D259C1}"/>
               </a:ext>
             </a:extLst>
           </p:cNvPr>
@@ -19306,20 +18669,12 @@
           <a:p>
             <a:pPr algn="ctr"/>
             <a:r>
-              <a:rPr lang="en-US" sz="1600" dirty="0" smtClean="0">
+              <a:rPr lang="en-US" sz="1600" dirty="0">
                 <a:solidFill>
                   <a:schemeClr val="tx1"/>
                 </a:solidFill>
               </a:rPr>
-              <a:t>E: </a:t>
-            </a:r>
-            <a:r>
-              <a:rPr lang="en-US" sz="1600" dirty="0">
-                <a:solidFill>
-                  <a:schemeClr val="tx1"/>
-                </a:solidFill>
-              </a:rPr>
-              <a:t>1</a:t>
+              <a:t>E: 1</a:t>
             </a:r>
             <a:endParaRPr lang="en-PH" sz="1600" dirty="0">
               <a:solidFill>
@@ -19334,7 +18689,7 @@
           <p:cNvPr id="43" name="Straight Connector 42">
             <a:extLst>
               <a:ext uri="{FF2B5EF4-FFF2-40B4-BE49-F238E27FC236}">
-                <a16:creationId xmlns="" xmlns:a16="http://schemas.microsoft.com/office/drawing/2014/main" id="{D5CBC4E2-B7D8-4BA4-91B1-1439F1E66A5D}"/>
+                <a16:creationId xmlns:a16="http://schemas.microsoft.com/office/drawing/2014/main" id="{D5CBC4E2-B7D8-4BA4-91B1-1439F1E66A5D}"/>
               </a:ext>
             </a:extLst>
           </p:cNvPr>
@@ -19373,7 +18728,7 @@
           <p:cNvPr id="44" name="Straight Connector 43">
             <a:extLst>
               <a:ext uri="{FF2B5EF4-FFF2-40B4-BE49-F238E27FC236}">
-                <a16:creationId xmlns="" xmlns:a16="http://schemas.microsoft.com/office/drawing/2014/main" id="{D5CBC4E2-B7D8-4BA4-91B1-1439F1E66A5D}"/>
+                <a16:creationId xmlns:a16="http://schemas.microsoft.com/office/drawing/2014/main" id="{D5CBC4E2-B7D8-4BA4-91B1-1439F1E66A5D}"/>
               </a:ext>
             </a:extLst>
           </p:cNvPr>
@@ -19412,7 +18767,7 @@
           <p:cNvPr id="45" name="Oval 44">
             <a:extLst>
               <a:ext uri="{FF2B5EF4-FFF2-40B4-BE49-F238E27FC236}">
-                <a16:creationId xmlns="" xmlns:a16="http://schemas.microsoft.com/office/drawing/2014/main" id="{6790BD35-3A48-4FA4-A1DD-25EAA7D259C1}"/>
+                <a16:creationId xmlns:a16="http://schemas.microsoft.com/office/drawing/2014/main" id="{6790BD35-3A48-4FA4-A1DD-25EAA7D259C1}"/>
               </a:ext>
             </a:extLst>
           </p:cNvPr>
@@ -19456,7 +18811,7 @@
           <a:p>
             <a:pPr algn="ctr"/>
             <a:r>
-              <a:rPr lang="en-US" sz="1600" dirty="0" smtClean="0">
+              <a:rPr lang="en-US" sz="1600" dirty="0">
                 <a:solidFill>
                   <a:schemeClr val="tx1"/>
                 </a:solidFill>
@@ -19476,7 +18831,7 @@
           <p:cNvPr id="46" name="Oval 45">
             <a:extLst>
               <a:ext uri="{FF2B5EF4-FFF2-40B4-BE49-F238E27FC236}">
-                <a16:creationId xmlns="" xmlns:a16="http://schemas.microsoft.com/office/drawing/2014/main" id="{6790BD35-3A48-4FA4-A1DD-25EAA7D259C1}"/>
+                <a16:creationId xmlns:a16="http://schemas.microsoft.com/office/drawing/2014/main" id="{6790BD35-3A48-4FA4-A1DD-25EAA7D259C1}"/>
               </a:ext>
             </a:extLst>
           </p:cNvPr>
@@ -19520,7 +18875,7 @@
           <a:p>
             <a:pPr algn="ctr"/>
             <a:r>
-              <a:rPr lang="en-US" sz="1600" dirty="0" smtClean="0">
+              <a:rPr lang="en-US" sz="1600" dirty="0">
                 <a:solidFill>
                   <a:schemeClr val="tx1"/>
                 </a:solidFill>
@@ -19540,7 +18895,7 @@
           <p:cNvPr id="47" name="Oval 46">
             <a:extLst>
               <a:ext uri="{FF2B5EF4-FFF2-40B4-BE49-F238E27FC236}">
-                <a16:creationId xmlns="" xmlns:a16="http://schemas.microsoft.com/office/drawing/2014/main" id="{6790BD35-3A48-4FA4-A1DD-25EAA7D259C1}"/>
+                <a16:creationId xmlns:a16="http://schemas.microsoft.com/office/drawing/2014/main" id="{6790BD35-3A48-4FA4-A1DD-25EAA7D259C1}"/>
               </a:ext>
             </a:extLst>
           </p:cNvPr>
@@ -19584,7 +18939,7 @@
           <a:p>
             <a:pPr algn="ctr"/>
             <a:r>
-              <a:rPr lang="en-US" sz="1600" dirty="0" smtClean="0">
+              <a:rPr lang="en-US" sz="1600" dirty="0">
                 <a:solidFill>
                   <a:schemeClr val="tx1"/>
                 </a:solidFill>
@@ -19604,7 +18959,7 @@
           <p:cNvPr id="48" name="Straight Connector 47">
             <a:extLst>
               <a:ext uri="{FF2B5EF4-FFF2-40B4-BE49-F238E27FC236}">
-                <a16:creationId xmlns="" xmlns:a16="http://schemas.microsoft.com/office/drawing/2014/main" id="{D5CBC4E2-B7D8-4BA4-91B1-1439F1E66A5D}"/>
+                <a16:creationId xmlns:a16="http://schemas.microsoft.com/office/drawing/2014/main" id="{D5CBC4E2-B7D8-4BA4-91B1-1439F1E66A5D}"/>
               </a:ext>
             </a:extLst>
           </p:cNvPr>
@@ -19643,7 +18998,7 @@
           <p:cNvPr id="49" name="Straight Connector 48">
             <a:extLst>
               <a:ext uri="{FF2B5EF4-FFF2-40B4-BE49-F238E27FC236}">
-                <a16:creationId xmlns="" xmlns:a16="http://schemas.microsoft.com/office/drawing/2014/main" id="{D5CBC4E2-B7D8-4BA4-91B1-1439F1E66A5D}"/>
+                <a16:creationId xmlns:a16="http://schemas.microsoft.com/office/drawing/2014/main" id="{D5CBC4E2-B7D8-4BA4-91B1-1439F1E66A5D}"/>
               </a:ext>
             </a:extLst>
           </p:cNvPr>
@@ -19730,10 +19085,9 @@
           <a:lstStyle/>
           <a:p>
             <a:r>
-              <a:rPr lang="en-US" sz="4000" b="1" dirty="0" smtClean="0"/>
+              <a:rPr lang="en-US" sz="4000" b="1" dirty="0"/>
               <a:t>Frequent Pattern for Node A</a:t>
             </a:r>
-            <a:endParaRPr lang="en-US" sz="4000" b="1" dirty="0"/>
           </a:p>
         </p:txBody>
       </p:sp>
@@ -19742,7 +19096,7 @@
           <p:cNvPr id="24" name="Table 23">
             <a:extLst>
               <a:ext uri="{FF2B5EF4-FFF2-40B4-BE49-F238E27FC236}">
-                <a16:creationId xmlns="" xmlns:a16="http://schemas.microsoft.com/office/drawing/2014/main" id="{5EC11D1B-B1E4-4656-9967-F8B4B4227EEC}"/>
+                <a16:creationId xmlns:a16="http://schemas.microsoft.com/office/drawing/2014/main" id="{5EC11D1B-B1E4-4656-9967-F8B4B4227EEC}"/>
               </a:ext>
             </a:extLst>
           </p:cNvPr>
@@ -19771,14 +19125,14 @@
                 <a:gridCol w="1828800">
                   <a:extLst>
                     <a:ext uri="{9D8B030D-6E8A-4147-A177-3AD203B41FA5}">
-                      <a16:colId xmlns="" xmlns:a16="http://schemas.microsoft.com/office/drawing/2014/main" val="176537152"/>
+                      <a16:colId xmlns:a16="http://schemas.microsoft.com/office/drawing/2014/main" val="176537152"/>
                     </a:ext>
                   </a:extLst>
                 </a:gridCol>
                 <a:gridCol w="2867025">
                   <a:extLst>
                     <a:ext uri="{9D8B030D-6E8A-4147-A177-3AD203B41FA5}">
-                      <a16:colId xmlns="" xmlns:a16="http://schemas.microsoft.com/office/drawing/2014/main" val="468214683"/>
+                      <a16:colId xmlns:a16="http://schemas.microsoft.com/office/drawing/2014/main" val="468214683"/>
                     </a:ext>
                   </a:extLst>
                 </a:gridCol>
@@ -19790,10 +19144,9 @@
                     <a:lstStyle/>
                     <a:p>
                       <a:r>
-                        <a:rPr lang="en-PH" b="1" dirty="0" smtClean="0"/>
+                        <a:rPr lang="en-PH" b="1" dirty="0"/>
                         <a:t>Pattern</a:t>
                       </a:r>
-                      <a:endParaRPr lang="en-PH" b="1" dirty="0"/>
                     </a:p>
                   </a:txBody>
                   <a:tcPr anchor="ctr"/>
@@ -19804,17 +19157,16 @@
                     <a:lstStyle/>
                     <a:p>
                       <a:r>
-                        <a:rPr lang="en-PH" b="1" dirty="0" smtClean="0"/>
+                        <a:rPr lang="en-PH" b="1" dirty="0"/>
                         <a:t>Support Count</a:t>
                       </a:r>
-                      <a:endParaRPr lang="en-PH" b="1" dirty="0"/>
                     </a:p>
                   </a:txBody>
                   <a:tcPr anchor="ctr"/>
                 </a:tc>
                 <a:extLst>
                   <a:ext uri="{0D108BD9-81ED-4DB2-BD59-A6C34878D82A}">
-                    <a16:rowId xmlns="" xmlns:a16="http://schemas.microsoft.com/office/drawing/2014/main" val="433550499"/>
+                    <a16:rowId xmlns:a16="http://schemas.microsoft.com/office/drawing/2014/main" val="433550499"/>
                   </a:ext>
                 </a:extLst>
               </a:tr>
@@ -19825,7 +19177,7 @@
                     <a:lstStyle/>
                     <a:p>
                       <a:r>
-                        <a:rPr lang="en-US" dirty="0" smtClean="0"/>
+                        <a:rPr lang="en-US" dirty="0"/>
                         <a:t>{A}</a:t>
                       </a:r>
                       <a:endParaRPr lang="en-PH" dirty="0"/>
@@ -19839,17 +19191,16 @@
                     <a:lstStyle/>
                     <a:p>
                       <a:r>
-                        <a:rPr lang="en-PH" dirty="0" smtClean="0"/>
+                        <a:rPr lang="en-PH" dirty="0"/>
                         <a:t>3</a:t>
                       </a:r>
-                      <a:endParaRPr lang="en-PH" dirty="0"/>
                     </a:p>
                   </a:txBody>
                   <a:tcPr anchor="ctr"/>
                 </a:tc>
                 <a:extLst>
                   <a:ext uri="{0D108BD9-81ED-4DB2-BD59-A6C34878D82A}">
-                    <a16:rowId xmlns="" xmlns:a16="http://schemas.microsoft.com/office/drawing/2014/main" val="48181471"/>
+                    <a16:rowId xmlns:a16="http://schemas.microsoft.com/office/drawing/2014/main" val="48181471"/>
                   </a:ext>
                 </a:extLst>
               </a:tr>
@@ -19860,11 +19211,11 @@
                     <a:lstStyle/>
                     <a:p>
                       <a:r>
-                        <a:rPr lang="en-US" dirty="0" smtClean="0"/>
+                        <a:rPr lang="en-US" dirty="0"/>
                         <a:t>{B,</a:t>
                       </a:r>
                       <a:r>
-                        <a:rPr lang="en-US" baseline="0" dirty="0" smtClean="0"/>
+                        <a:rPr lang="en-US" baseline="0" dirty="0"/>
                         <a:t> A}</a:t>
                       </a:r>
                       <a:endParaRPr lang="en-PH" dirty="0"/>
@@ -19878,17 +19229,16 @@
                     <a:lstStyle/>
                     <a:p>
                       <a:r>
-                        <a:rPr lang="en-PH" dirty="0" smtClean="0"/>
+                        <a:rPr lang="en-PH" dirty="0"/>
                         <a:t>2</a:t>
                       </a:r>
-                      <a:endParaRPr lang="en-PH" dirty="0"/>
                     </a:p>
                   </a:txBody>
                   <a:tcPr anchor="ctr"/>
                 </a:tc>
                 <a:extLst>
                   <a:ext uri="{0D108BD9-81ED-4DB2-BD59-A6C34878D82A}">
-                    <a16:rowId xmlns="" xmlns:a16="http://schemas.microsoft.com/office/drawing/2014/main" val="2604222317"/>
+                    <a16:rowId xmlns:a16="http://schemas.microsoft.com/office/drawing/2014/main" val="2604222317"/>
                   </a:ext>
                 </a:extLst>
               </a:tr>
@@ -19899,7 +19249,7 @@
                     <a:lstStyle/>
                     <a:p>
                       <a:r>
-                        <a:rPr lang="en-US" dirty="0" smtClean="0"/>
+                        <a:rPr lang="en-US" dirty="0"/>
                         <a:t>{C, A}</a:t>
                       </a:r>
                       <a:endParaRPr lang="en-PH" dirty="0"/>
@@ -19913,17 +19263,16 @@
                     <a:lstStyle/>
                     <a:p>
                       <a:r>
-                        <a:rPr lang="en-PH" dirty="0" smtClean="0"/>
+                        <a:rPr lang="en-PH" dirty="0"/>
                         <a:t>2</a:t>
                       </a:r>
-                      <a:endParaRPr lang="en-PH" dirty="0"/>
                     </a:p>
                   </a:txBody>
                   <a:tcPr anchor="ctr"/>
                 </a:tc>
                 <a:extLst>
                   <a:ext uri="{0D108BD9-81ED-4DB2-BD59-A6C34878D82A}">
-                    <a16:rowId xmlns="" xmlns:a16="http://schemas.microsoft.com/office/drawing/2014/main" val="2678337579"/>
+                    <a16:rowId xmlns:a16="http://schemas.microsoft.com/office/drawing/2014/main" val="2678337579"/>
                   </a:ext>
                 </a:extLst>
               </a:tr>
@@ -19934,11 +19283,11 @@
                     <a:lstStyle/>
                     <a:p>
                       <a:r>
-                        <a:rPr lang="en-US" dirty="0" smtClean="0"/>
+                        <a:rPr lang="en-US" dirty="0"/>
                         <a:t>{B,</a:t>
                       </a:r>
                       <a:r>
-                        <a:rPr lang="en-US" baseline="0" dirty="0" smtClean="0"/>
+                        <a:rPr lang="en-US" baseline="0" dirty="0"/>
                         <a:t> C, A}</a:t>
                       </a:r>
                       <a:endParaRPr lang="en-PH" dirty="0"/>
@@ -19952,7 +19301,7 @@
                     <a:lstStyle/>
                     <a:p>
                       <a:r>
-                        <a:rPr lang="en-US" dirty="0" smtClean="0"/>
+                        <a:rPr lang="en-US" dirty="0"/>
                         <a:t>1</a:t>
                       </a:r>
                       <a:endParaRPr lang="en-PH" dirty="0"/>
@@ -19962,7 +19311,7 @@
                 </a:tc>
                 <a:extLst>
                   <a:ext uri="{0D108BD9-81ED-4DB2-BD59-A6C34878D82A}">
-                    <a16:rowId xmlns="" xmlns:a16="http://schemas.microsoft.com/office/drawing/2014/main" val="1760849785"/>
+                    <a16:rowId xmlns:a16="http://schemas.microsoft.com/office/drawing/2014/main" val="1760849785"/>
                   </a:ext>
                 </a:extLst>
               </a:tr>
@@ -19975,7 +19324,7 @@
           <p:cNvPr id="25" name="Oval 24">
             <a:extLst>
               <a:ext uri="{FF2B5EF4-FFF2-40B4-BE49-F238E27FC236}">
-                <a16:creationId xmlns="" xmlns:a16="http://schemas.microsoft.com/office/drawing/2014/main" id="{6790BD35-3A48-4FA4-A1DD-25EAA7D259C1}"/>
+                <a16:creationId xmlns:a16="http://schemas.microsoft.com/office/drawing/2014/main" id="{6790BD35-3A48-4FA4-A1DD-25EAA7D259C1}"/>
               </a:ext>
             </a:extLst>
           </p:cNvPr>
@@ -20019,7 +19368,7 @@
           <a:p>
             <a:pPr algn="ctr"/>
             <a:r>
-              <a:rPr lang="en-US" sz="1600" dirty="0" smtClean="0">
+              <a:rPr lang="en-US" sz="1600" dirty="0">
                 <a:solidFill>
                   <a:schemeClr val="tx1"/>
                 </a:solidFill>
@@ -20039,7 +19388,7 @@
           <p:cNvPr id="30" name="Oval 29">
             <a:extLst>
               <a:ext uri="{FF2B5EF4-FFF2-40B4-BE49-F238E27FC236}">
-                <a16:creationId xmlns="" xmlns:a16="http://schemas.microsoft.com/office/drawing/2014/main" id="{6790BD35-3A48-4FA4-A1DD-25EAA7D259C1}"/>
+                <a16:creationId xmlns:a16="http://schemas.microsoft.com/office/drawing/2014/main" id="{6790BD35-3A48-4FA4-A1DD-25EAA7D259C1}"/>
               </a:ext>
             </a:extLst>
           </p:cNvPr>
@@ -20083,20 +19432,12 @@
           <a:p>
             <a:pPr algn="ctr"/>
             <a:r>
-              <a:rPr lang="en-US" sz="1600" dirty="0" smtClean="0">
+              <a:rPr lang="en-US" sz="1600" dirty="0">
                 <a:solidFill>
                   <a:schemeClr val="tx1"/>
                 </a:solidFill>
               </a:rPr>
-              <a:t>E: </a:t>
-            </a:r>
-            <a:r>
-              <a:rPr lang="en-US" sz="1600" dirty="0">
-                <a:solidFill>
-                  <a:schemeClr val="tx1"/>
-                </a:solidFill>
-              </a:rPr>
-              <a:t>1</a:t>
+              <a:t>E: 1</a:t>
             </a:r>
             <a:endParaRPr lang="en-PH" sz="1600" dirty="0">
               <a:solidFill>
@@ -20111,7 +19452,7 @@
           <p:cNvPr id="31" name="Straight Connector 30">
             <a:extLst>
               <a:ext uri="{FF2B5EF4-FFF2-40B4-BE49-F238E27FC236}">
-                <a16:creationId xmlns="" xmlns:a16="http://schemas.microsoft.com/office/drawing/2014/main" id="{D5CBC4E2-B7D8-4BA4-91B1-1439F1E66A5D}"/>
+                <a16:creationId xmlns:a16="http://schemas.microsoft.com/office/drawing/2014/main" id="{D5CBC4E2-B7D8-4BA4-91B1-1439F1E66A5D}"/>
               </a:ext>
             </a:extLst>
           </p:cNvPr>
@@ -20149,7 +19490,7 @@
           <p:cNvPr id="32" name="Straight Connector 31">
             <a:extLst>
               <a:ext uri="{FF2B5EF4-FFF2-40B4-BE49-F238E27FC236}">
-                <a16:creationId xmlns="" xmlns:a16="http://schemas.microsoft.com/office/drawing/2014/main" id="{D5CBC4E2-B7D8-4BA4-91B1-1439F1E66A5D}"/>
+                <a16:creationId xmlns:a16="http://schemas.microsoft.com/office/drawing/2014/main" id="{D5CBC4E2-B7D8-4BA4-91B1-1439F1E66A5D}"/>
               </a:ext>
             </a:extLst>
           </p:cNvPr>
@@ -20188,7 +19529,7 @@
           <p:cNvPr id="33" name="Oval 32">
             <a:extLst>
               <a:ext uri="{FF2B5EF4-FFF2-40B4-BE49-F238E27FC236}">
-                <a16:creationId xmlns="" xmlns:a16="http://schemas.microsoft.com/office/drawing/2014/main" id="{FF465D5F-EE40-4CF1-B973-7087C70611E4}"/>
+                <a16:creationId xmlns:a16="http://schemas.microsoft.com/office/drawing/2014/main" id="{FF465D5F-EE40-4CF1-B973-7087C70611E4}"/>
               </a:ext>
             </a:extLst>
           </p:cNvPr>
@@ -20252,7 +19593,7 @@
           <p:cNvPr id="34" name="Oval 33">
             <a:extLst>
               <a:ext uri="{FF2B5EF4-FFF2-40B4-BE49-F238E27FC236}">
-                <a16:creationId xmlns="" xmlns:a16="http://schemas.microsoft.com/office/drawing/2014/main" id="{39C548D5-2D23-4238-82DF-921D2E3334F9}"/>
+                <a16:creationId xmlns:a16="http://schemas.microsoft.com/office/drawing/2014/main" id="{39C548D5-2D23-4238-82DF-921D2E3334F9}"/>
               </a:ext>
             </a:extLst>
           </p:cNvPr>
@@ -20316,7 +19657,7 @@
           <p:cNvPr id="35" name="Oval 34">
             <a:extLst>
               <a:ext uri="{FF2B5EF4-FFF2-40B4-BE49-F238E27FC236}">
-                <a16:creationId xmlns="" xmlns:a16="http://schemas.microsoft.com/office/drawing/2014/main" id="{D370CE05-94D0-4DB6-BE29-980F92475FAA}"/>
+                <a16:creationId xmlns:a16="http://schemas.microsoft.com/office/drawing/2014/main" id="{D370CE05-94D0-4DB6-BE29-980F92475FAA}"/>
               </a:ext>
             </a:extLst>
           </p:cNvPr>
@@ -20380,7 +19721,7 @@
           <p:cNvPr id="36" name="Straight Connector 35">
             <a:extLst>
               <a:ext uri="{FF2B5EF4-FFF2-40B4-BE49-F238E27FC236}">
-                <a16:creationId xmlns="" xmlns:a16="http://schemas.microsoft.com/office/drawing/2014/main" id="{D5CBC4E2-B7D8-4BA4-91B1-1439F1E66A5D}"/>
+                <a16:creationId xmlns:a16="http://schemas.microsoft.com/office/drawing/2014/main" id="{D5CBC4E2-B7D8-4BA4-91B1-1439F1E66A5D}"/>
               </a:ext>
             </a:extLst>
           </p:cNvPr>
@@ -20418,7 +19759,7 @@
           <p:cNvPr id="37" name="Straight Connector 36">
             <a:extLst>
               <a:ext uri="{FF2B5EF4-FFF2-40B4-BE49-F238E27FC236}">
-                <a16:creationId xmlns="" xmlns:a16="http://schemas.microsoft.com/office/drawing/2014/main" id="{3671F84C-43EB-4E83-B34F-C5EA539A58EC}"/>
+                <a16:creationId xmlns:a16="http://schemas.microsoft.com/office/drawing/2014/main" id="{3671F84C-43EB-4E83-B34F-C5EA539A58EC}"/>
               </a:ext>
             </a:extLst>
           </p:cNvPr>
@@ -20457,7 +19798,7 @@
           <p:cNvPr id="38" name="Straight Connector 37">
             <a:extLst>
               <a:ext uri="{FF2B5EF4-FFF2-40B4-BE49-F238E27FC236}">
-                <a16:creationId xmlns="" xmlns:a16="http://schemas.microsoft.com/office/drawing/2014/main" id="{61E9DF07-49B0-4931-B28A-3220297F1ADF}"/>
+                <a16:creationId xmlns:a16="http://schemas.microsoft.com/office/drawing/2014/main" id="{61E9DF07-49B0-4931-B28A-3220297F1ADF}"/>
               </a:ext>
             </a:extLst>
           </p:cNvPr>
@@ -20497,7 +19838,7 @@
           <p:cNvPr id="39" name="Oval 38">
             <a:extLst>
               <a:ext uri="{FF2B5EF4-FFF2-40B4-BE49-F238E27FC236}">
-                <a16:creationId xmlns="" xmlns:a16="http://schemas.microsoft.com/office/drawing/2014/main" id="{6790BD35-3A48-4FA4-A1DD-25EAA7D259C1}"/>
+                <a16:creationId xmlns:a16="http://schemas.microsoft.com/office/drawing/2014/main" id="{6790BD35-3A48-4FA4-A1DD-25EAA7D259C1}"/>
               </a:ext>
             </a:extLst>
           </p:cNvPr>
@@ -20546,15 +19887,7 @@
                   <a:schemeClr val="tx1"/>
                 </a:solidFill>
               </a:rPr>
-              <a:t>B: </a:t>
-            </a:r>
-            <a:r>
-              <a:rPr lang="en-US" sz="1600" dirty="0" smtClean="0">
-                <a:solidFill>
-                  <a:schemeClr val="tx1"/>
-                </a:solidFill>
-              </a:rPr>
-              <a:t>4</a:t>
+              <a:t>B: 4</a:t>
             </a:r>
             <a:endParaRPr lang="en-PH" sz="1600" dirty="0">
               <a:solidFill>
@@ -20569,7 +19902,7 @@
           <p:cNvPr id="40" name="Oval 39">
             <a:extLst>
               <a:ext uri="{FF2B5EF4-FFF2-40B4-BE49-F238E27FC236}">
-                <a16:creationId xmlns="" xmlns:a16="http://schemas.microsoft.com/office/drawing/2014/main" id="{6790BD35-3A48-4FA4-A1DD-25EAA7D259C1}"/>
+                <a16:creationId xmlns:a16="http://schemas.microsoft.com/office/drawing/2014/main" id="{6790BD35-3A48-4FA4-A1DD-25EAA7D259C1}"/>
               </a:ext>
             </a:extLst>
           </p:cNvPr>
@@ -20613,20 +19946,12 @@
           <a:p>
             <a:pPr algn="ctr"/>
             <a:r>
-              <a:rPr lang="en-US" sz="1600" dirty="0" smtClean="0">
+              <a:rPr lang="en-US" sz="1600" dirty="0">
                 <a:solidFill>
                   <a:schemeClr val="tx1"/>
                 </a:solidFill>
               </a:rPr>
-              <a:t>A: </a:t>
-            </a:r>
-            <a:r>
-              <a:rPr lang="en-US" sz="1600" dirty="0">
-                <a:solidFill>
-                  <a:schemeClr val="tx1"/>
-                </a:solidFill>
-              </a:rPr>
-              <a:t>1</a:t>
+              <a:t>A: 1</a:t>
             </a:r>
             <a:endParaRPr lang="en-PH" sz="1600" dirty="0">
               <a:solidFill>
@@ -20641,7 +19966,7 @@
           <p:cNvPr id="41" name="Oval 40">
             <a:extLst>
               <a:ext uri="{FF2B5EF4-FFF2-40B4-BE49-F238E27FC236}">
-                <a16:creationId xmlns="" xmlns:a16="http://schemas.microsoft.com/office/drawing/2014/main" id="{6790BD35-3A48-4FA4-A1DD-25EAA7D259C1}"/>
+                <a16:creationId xmlns:a16="http://schemas.microsoft.com/office/drawing/2014/main" id="{6790BD35-3A48-4FA4-A1DD-25EAA7D259C1}"/>
               </a:ext>
             </a:extLst>
           </p:cNvPr>
@@ -20685,20 +20010,12 @@
           <a:p>
             <a:pPr algn="ctr"/>
             <a:r>
-              <a:rPr lang="en-US" sz="1600" dirty="0" smtClean="0">
+              <a:rPr lang="en-US" sz="1600" dirty="0">
                 <a:solidFill>
                   <a:schemeClr val="tx1"/>
                 </a:solidFill>
               </a:rPr>
-              <a:t>E: </a:t>
-            </a:r>
-            <a:r>
-              <a:rPr lang="en-US" sz="1600" dirty="0">
-                <a:solidFill>
-                  <a:schemeClr val="tx1"/>
-                </a:solidFill>
-              </a:rPr>
-              <a:t>1</a:t>
+              <a:t>E: 1</a:t>
             </a:r>
             <a:endParaRPr lang="en-PH" sz="1600" dirty="0">
               <a:solidFill>
@@ -20713,7 +20030,7 @@
           <p:cNvPr id="42" name="Straight Connector 41">
             <a:extLst>
               <a:ext uri="{FF2B5EF4-FFF2-40B4-BE49-F238E27FC236}">
-                <a16:creationId xmlns="" xmlns:a16="http://schemas.microsoft.com/office/drawing/2014/main" id="{D5CBC4E2-B7D8-4BA4-91B1-1439F1E66A5D}"/>
+                <a16:creationId xmlns:a16="http://schemas.microsoft.com/office/drawing/2014/main" id="{D5CBC4E2-B7D8-4BA4-91B1-1439F1E66A5D}"/>
               </a:ext>
             </a:extLst>
           </p:cNvPr>
@@ -20752,7 +20069,7 @@
           <p:cNvPr id="43" name="Straight Connector 42">
             <a:extLst>
               <a:ext uri="{FF2B5EF4-FFF2-40B4-BE49-F238E27FC236}">
-                <a16:creationId xmlns="" xmlns:a16="http://schemas.microsoft.com/office/drawing/2014/main" id="{D5CBC4E2-B7D8-4BA4-91B1-1439F1E66A5D}"/>
+                <a16:creationId xmlns:a16="http://schemas.microsoft.com/office/drawing/2014/main" id="{D5CBC4E2-B7D8-4BA4-91B1-1439F1E66A5D}"/>
               </a:ext>
             </a:extLst>
           </p:cNvPr>
@@ -20791,7 +20108,7 @@
           <p:cNvPr id="44" name="Oval 43">
             <a:extLst>
               <a:ext uri="{FF2B5EF4-FFF2-40B4-BE49-F238E27FC236}">
-                <a16:creationId xmlns="" xmlns:a16="http://schemas.microsoft.com/office/drawing/2014/main" id="{6790BD35-3A48-4FA4-A1DD-25EAA7D259C1}"/>
+                <a16:creationId xmlns:a16="http://schemas.microsoft.com/office/drawing/2014/main" id="{6790BD35-3A48-4FA4-A1DD-25EAA7D259C1}"/>
               </a:ext>
             </a:extLst>
           </p:cNvPr>
@@ -20835,7 +20152,7 @@
           <a:p>
             <a:pPr algn="ctr"/>
             <a:r>
-              <a:rPr lang="en-US" sz="1600" dirty="0" smtClean="0">
+              <a:rPr lang="en-US" sz="1600" dirty="0">
                 <a:solidFill>
                   <a:schemeClr val="tx1"/>
                 </a:solidFill>
@@ -20855,7 +20172,7 @@
           <p:cNvPr id="45" name="Oval 44">
             <a:extLst>
               <a:ext uri="{FF2B5EF4-FFF2-40B4-BE49-F238E27FC236}">
-                <a16:creationId xmlns="" xmlns:a16="http://schemas.microsoft.com/office/drawing/2014/main" id="{6790BD35-3A48-4FA4-A1DD-25EAA7D259C1}"/>
+                <a16:creationId xmlns:a16="http://schemas.microsoft.com/office/drawing/2014/main" id="{6790BD35-3A48-4FA4-A1DD-25EAA7D259C1}"/>
               </a:ext>
             </a:extLst>
           </p:cNvPr>
@@ -20899,7 +20216,7 @@
           <a:p>
             <a:pPr algn="ctr"/>
             <a:r>
-              <a:rPr lang="en-US" sz="1600" dirty="0" smtClean="0">
+              <a:rPr lang="en-US" sz="1600" dirty="0">
                 <a:solidFill>
                   <a:schemeClr val="tx1"/>
                 </a:solidFill>
@@ -20919,7 +20236,7 @@
           <p:cNvPr id="46" name="Oval 45">
             <a:extLst>
               <a:ext uri="{FF2B5EF4-FFF2-40B4-BE49-F238E27FC236}">
-                <a16:creationId xmlns="" xmlns:a16="http://schemas.microsoft.com/office/drawing/2014/main" id="{6790BD35-3A48-4FA4-A1DD-25EAA7D259C1}"/>
+                <a16:creationId xmlns:a16="http://schemas.microsoft.com/office/drawing/2014/main" id="{6790BD35-3A48-4FA4-A1DD-25EAA7D259C1}"/>
               </a:ext>
             </a:extLst>
           </p:cNvPr>
@@ -20963,7 +20280,7 @@
           <a:p>
             <a:pPr algn="ctr"/>
             <a:r>
-              <a:rPr lang="en-US" sz="1600" dirty="0" smtClean="0">
+              <a:rPr lang="en-US" sz="1600" dirty="0">
                 <a:solidFill>
                   <a:schemeClr val="tx1"/>
                 </a:solidFill>
@@ -20983,7 +20300,7 @@
           <p:cNvPr id="47" name="Straight Connector 46">
             <a:extLst>
               <a:ext uri="{FF2B5EF4-FFF2-40B4-BE49-F238E27FC236}">
-                <a16:creationId xmlns="" xmlns:a16="http://schemas.microsoft.com/office/drawing/2014/main" id="{D5CBC4E2-B7D8-4BA4-91B1-1439F1E66A5D}"/>
+                <a16:creationId xmlns:a16="http://schemas.microsoft.com/office/drawing/2014/main" id="{D5CBC4E2-B7D8-4BA4-91B1-1439F1E66A5D}"/>
               </a:ext>
             </a:extLst>
           </p:cNvPr>
@@ -21022,7 +20339,7 @@
           <p:cNvPr id="48" name="Straight Connector 47">
             <a:extLst>
               <a:ext uri="{FF2B5EF4-FFF2-40B4-BE49-F238E27FC236}">
-                <a16:creationId xmlns="" xmlns:a16="http://schemas.microsoft.com/office/drawing/2014/main" id="{D5CBC4E2-B7D8-4BA4-91B1-1439F1E66A5D}"/>
+                <a16:creationId xmlns:a16="http://schemas.microsoft.com/office/drawing/2014/main" id="{D5CBC4E2-B7D8-4BA4-91B1-1439F1E66A5D}"/>
               </a:ext>
             </a:extLst>
           </p:cNvPr>
@@ -21109,12 +20426,8 @@
           <a:lstStyle/>
           <a:p>
             <a:r>
-              <a:rPr lang="en-US" sz="4000" b="1" dirty="0" smtClean="0"/>
-              <a:t>5.4 </a:t>
-            </a:r>
-            <a:r>
               <a:rPr lang="en-US" sz="4000" b="1" dirty="0"/>
-              <a:t>Mining the FP-Tree for Frequent Patterns</a:t>
+              <a:t>5.4 Mining the FP-Tree for Frequent Patterns</a:t>
             </a:r>
           </a:p>
         </p:txBody>
@@ -21124,7 +20437,7 @@
           <p:cNvPr id="29" name="TextBox 28">
             <a:extLst>
               <a:ext uri="{FF2B5EF4-FFF2-40B4-BE49-F238E27FC236}">
-                <a16:creationId xmlns="" xmlns:a16="http://schemas.microsoft.com/office/drawing/2014/main" id="{DE6FFCD5-DA91-4170-905E-45E8EB9BEBE5}"/>
+                <a16:creationId xmlns:a16="http://schemas.microsoft.com/office/drawing/2014/main" id="{DE6FFCD5-DA91-4170-905E-45E8EB9BEBE5}"/>
               </a:ext>
             </a:extLst>
           </p:cNvPr>
@@ -21148,46 +20461,21 @@
           <a:lstStyle/>
           <a:p>
             <a:r>
-              <a:rPr lang="en-US" sz="2000" b="1" dirty="0" smtClean="0"/>
-              <a:t>Paths </a:t>
-            </a:r>
-            <a:r>
               <a:rPr lang="en-US" sz="2000" b="1" dirty="0"/>
-              <a:t>Leading to </a:t>
-            </a:r>
-            <a:r>
-              <a:rPr lang="en-US" sz="2000" b="1" dirty="0" smtClean="0"/>
-              <a:t>C </a:t>
-            </a:r>
-            <a:r>
-              <a:rPr lang="en-US" sz="2000" b="1" dirty="0"/>
-              <a:t>Nodes</a:t>
-            </a:r>
-            <a:r>
-              <a:rPr lang="en-US" sz="2000" b="1" dirty="0" smtClean="0"/>
-              <a:t>:</a:t>
-            </a:r>
-          </a:p>
-          <a:p>
-            <a:endParaRPr lang="en-US" sz="900" b="1" dirty="0" smtClean="0"/>
+              <a:t>Paths Leading to C Nodes:</a:t>
+            </a:r>
+          </a:p>
+          <a:p>
+            <a:endParaRPr lang="en-US" sz="900" b="1" dirty="0"/>
           </a:p>
           <a:p>
             <a:pPr marL="457200" indent="-457200">
               <a:buAutoNum type="arabicPeriod"/>
             </a:pPr>
             <a:r>
-              <a:rPr lang="en-US" sz="2000" dirty="0" smtClean="0"/>
-              <a:t>Path 1 </a:t>
-            </a:r>
-            <a:r>
               <a:rPr lang="en-US" sz="2000" dirty="0"/>
-              <a:t>containing </a:t>
-            </a:r>
-            <a:r>
-              <a:rPr lang="en-US" sz="2000" dirty="0" smtClean="0"/>
-              <a:t>C:</a:t>
-            </a:r>
-            <a:endParaRPr lang="en-US" sz="2000" dirty="0"/>
+              <a:t>Path 1 containing C:</a:t>
+            </a:r>
           </a:p>
           <a:p>
             <a:r>
@@ -21213,7 +20501,7 @@
               <a:t> </a:t>
             </a:r>
             <a:r>
-              <a:rPr lang="en-US" b="1" dirty="0" smtClean="0">
+              <a:rPr lang="en-US" b="1" dirty="0">
                 <a:solidFill>
                   <a:srgbClr val="7030A0"/>
                 </a:solidFill>
@@ -21222,7 +20510,10 @@
               <a:t>C </a:t>
             </a:r>
             <a:r>
-              <a:rPr lang="en-US" b="1" dirty="0" smtClean="0">
+              <a:rPr lang="en-US" b="1" dirty="0">
+                <a:solidFill>
+                  <a:schemeClr val="bg1"/>
+                </a:solidFill>
                 <a:sym typeface="Wingdings" panose="05000000000000000000" pitchFamily="2" charset="2"/>
               </a:rPr>
               <a:t>(support count = 1)</a:t>
@@ -21235,18 +20526,9 @@
           </a:p>
           <a:p>
             <a:r>
-              <a:rPr lang="en-US" sz="2000" dirty="0" smtClean="0"/>
-              <a:t>2.   Path 2 </a:t>
-            </a:r>
-            <a:r>
               <a:rPr lang="en-US" sz="2000" dirty="0"/>
-              <a:t>containing </a:t>
-            </a:r>
-            <a:r>
-              <a:rPr lang="en-US" sz="2000" dirty="0" smtClean="0"/>
-              <a:t>C:</a:t>
-            </a:r>
-            <a:endParaRPr lang="en-US" sz="2000" dirty="0"/>
+              <a:t>2.   Path 2 containing C:</a:t>
+            </a:r>
           </a:p>
           <a:p>
             <a:r>
@@ -21258,45 +20540,42 @@
               <a:t>- </a:t>
             </a:r>
             <a:r>
-              <a:rPr lang="en-US" b="1" dirty="0" smtClean="0">
+              <a:rPr lang="en-US" b="1" dirty="0">
                 <a:solidFill>
                   <a:srgbClr val="FF0000"/>
                 </a:solidFill>
               </a:rPr>
               <a:t>Root</a:t>
-            </a:r>
-            <a:r>
-              <a:rPr lang="en-US" b="1" dirty="0" smtClean="0">
-                <a:sym typeface="Wingdings" panose="05000000000000000000" pitchFamily="2" charset="2"/>
-              </a:rPr>
-              <a:t> </a:t>
-            </a:r>
-            <a:r>
-              <a:rPr lang="en-US" b="1" dirty="0" smtClean="0">
-                <a:solidFill>
-                  <a:srgbClr val="FF0000"/>
-                </a:solidFill>
-                <a:sym typeface="Wingdings" panose="05000000000000000000" pitchFamily="2" charset="2"/>
-              </a:rPr>
-              <a:t>C</a:t>
-            </a:r>
-            <a:r>
-              <a:rPr lang="en-US" b="1" dirty="0" smtClean="0">
-                <a:sym typeface="Wingdings" panose="05000000000000000000" pitchFamily="2" charset="2"/>
-              </a:rPr>
-              <a:t> (</a:t>
             </a:r>
             <a:r>
               <a:rPr lang="en-US" b="1" dirty="0">
                 <a:sym typeface="Wingdings" panose="05000000000000000000" pitchFamily="2" charset="2"/>
               </a:rPr>
-              <a:t>support count = </a:t>
-            </a:r>
-            <a:r>
-              <a:rPr lang="en-US" b="1" dirty="0" smtClean="0">
+              <a:t> </a:t>
+            </a:r>
+            <a:r>
+              <a:rPr lang="en-US" b="1" dirty="0">
+                <a:solidFill>
+                  <a:srgbClr val="FF0000"/>
+                </a:solidFill>
                 <a:sym typeface="Wingdings" panose="05000000000000000000" pitchFamily="2" charset="2"/>
               </a:rPr>
-              <a:t>1)</a:t>
+              <a:t>C</a:t>
+            </a:r>
+            <a:r>
+              <a:rPr lang="en-US" b="1" dirty="0">
+                <a:sym typeface="Wingdings" panose="05000000000000000000" pitchFamily="2" charset="2"/>
+              </a:rPr>
+              <a:t> </a:t>
+            </a:r>
+            <a:r>
+              <a:rPr lang="en-US" b="1" dirty="0">
+                <a:solidFill>
+                  <a:schemeClr val="bg1"/>
+                </a:solidFill>
+                <a:sym typeface="Wingdings" panose="05000000000000000000" pitchFamily="2" charset="2"/>
+              </a:rPr>
+              <a:t>(support count = 1)</a:t>
             </a:r>
           </a:p>
           <a:p>
@@ -21311,16 +20590,16 @@
           </a:p>
           <a:p>
             <a:r>
-              <a:rPr lang="en-US" sz="2000" b="1" dirty="0" smtClean="0"/>
-              <a:t>Conditional Pattern Base on C:</a:t>
-            </a:r>
-          </a:p>
-          <a:p>
-            <a:endParaRPr lang="en-US" sz="900" b="1" dirty="0" smtClean="0"/>
-          </a:p>
-          <a:p>
-            <a:r>
-              <a:rPr lang="en-US" sz="2000" dirty="0" smtClean="0">
+              <a:rPr lang="en-US" sz="2000" b="1" dirty="0"/>
+              <a:t>Sample Conditional Pattern Base on C:</a:t>
+            </a:r>
+          </a:p>
+          <a:p>
+            <a:endParaRPr lang="en-US" sz="900" b="1" dirty="0"/>
+          </a:p>
+          <a:p>
+            <a:r>
+              <a:rPr lang="en-US" sz="2000" dirty="0">
                 <a:solidFill>
                   <a:srgbClr val="FF0000"/>
                 </a:solidFill>
@@ -21328,13 +20607,21 @@
               <a:t>B </a:t>
             </a:r>
             <a:r>
-              <a:rPr lang="en-US" sz="2000" dirty="0" smtClean="0"/>
-              <a:t>		(3)</a:t>
-            </a:r>
-          </a:p>
-          <a:p>
-            <a:r>
-              <a:rPr lang="en-US" sz="2000" dirty="0" smtClean="0">
+              <a:rPr lang="en-US" sz="2000" dirty="0"/>
+              <a:t>		</a:t>
+            </a:r>
+            <a:r>
+              <a:rPr lang="en-US" sz="2000" dirty="0">
+                <a:solidFill>
+                  <a:schemeClr val="bg1"/>
+                </a:solidFill>
+              </a:rPr>
+              <a:t>(3)</a:t>
+            </a:r>
+          </a:p>
+          <a:p>
+            <a:r>
+              <a:rPr lang="en-US" sz="2000" dirty="0">
                 <a:solidFill>
                   <a:srgbClr val="FF0000"/>
                 </a:solidFill>
@@ -21342,10 +20629,17 @@
               <a:t>C (root)</a:t>
             </a:r>
             <a:r>
-              <a:rPr lang="en-US" sz="2000" dirty="0" smtClean="0"/>
-              <a:t>		(1)</a:t>
-            </a:r>
-            <a:endParaRPr lang="en-US" sz="2000" dirty="0"/>
+              <a:rPr lang="en-US" sz="2000" dirty="0"/>
+              <a:t>		</a:t>
+            </a:r>
+            <a:r>
+              <a:rPr lang="en-US" sz="2000" dirty="0">
+                <a:solidFill>
+                  <a:schemeClr val="bg1"/>
+                </a:solidFill>
+              </a:rPr>
+              <a:t>(1)</a:t>
+            </a:r>
           </a:p>
         </p:txBody>
       </p:sp>
@@ -21354,7 +20648,7 @@
           <p:cNvPr id="30" name="Oval 29">
             <a:extLst>
               <a:ext uri="{FF2B5EF4-FFF2-40B4-BE49-F238E27FC236}">
-                <a16:creationId xmlns="" xmlns:a16="http://schemas.microsoft.com/office/drawing/2014/main" id="{6790BD35-3A48-4FA4-A1DD-25EAA7D259C1}"/>
+                <a16:creationId xmlns:a16="http://schemas.microsoft.com/office/drawing/2014/main" id="{6790BD35-3A48-4FA4-A1DD-25EAA7D259C1}"/>
               </a:ext>
             </a:extLst>
           </p:cNvPr>
@@ -21398,7 +20692,7 @@
           <a:p>
             <a:pPr algn="ctr"/>
             <a:r>
-              <a:rPr lang="en-US" sz="1600" dirty="0" smtClean="0">
+              <a:rPr lang="en-US" sz="1600" dirty="0">
                 <a:solidFill>
                   <a:schemeClr val="tx1"/>
                 </a:solidFill>
@@ -21418,7 +20712,7 @@
           <p:cNvPr id="31" name="Oval 30">
             <a:extLst>
               <a:ext uri="{FF2B5EF4-FFF2-40B4-BE49-F238E27FC236}">
-                <a16:creationId xmlns="" xmlns:a16="http://schemas.microsoft.com/office/drawing/2014/main" id="{6790BD35-3A48-4FA4-A1DD-25EAA7D259C1}"/>
+                <a16:creationId xmlns:a16="http://schemas.microsoft.com/office/drawing/2014/main" id="{6790BD35-3A48-4FA4-A1DD-25EAA7D259C1}"/>
               </a:ext>
             </a:extLst>
           </p:cNvPr>
@@ -21462,20 +20756,12 @@
           <a:p>
             <a:pPr algn="ctr"/>
             <a:r>
-              <a:rPr lang="en-US" sz="1600" dirty="0" smtClean="0">
+              <a:rPr lang="en-US" sz="1600" dirty="0">
                 <a:solidFill>
                   <a:schemeClr val="tx1"/>
                 </a:solidFill>
               </a:rPr>
-              <a:t>E: </a:t>
-            </a:r>
-            <a:r>
-              <a:rPr lang="en-US" sz="1600" dirty="0">
-                <a:solidFill>
-                  <a:schemeClr val="tx1"/>
-                </a:solidFill>
-              </a:rPr>
-              <a:t>1</a:t>
+              <a:t>E: 1</a:t>
             </a:r>
             <a:endParaRPr lang="en-PH" sz="1600" dirty="0">
               <a:solidFill>
@@ -21490,7 +20776,7 @@
           <p:cNvPr id="32" name="Straight Connector 31">
             <a:extLst>
               <a:ext uri="{FF2B5EF4-FFF2-40B4-BE49-F238E27FC236}">
-                <a16:creationId xmlns="" xmlns:a16="http://schemas.microsoft.com/office/drawing/2014/main" id="{D5CBC4E2-B7D8-4BA4-91B1-1439F1E66A5D}"/>
+                <a16:creationId xmlns:a16="http://schemas.microsoft.com/office/drawing/2014/main" id="{D5CBC4E2-B7D8-4BA4-91B1-1439F1E66A5D}"/>
               </a:ext>
             </a:extLst>
           </p:cNvPr>
@@ -21528,7 +20814,7 @@
           <p:cNvPr id="33" name="Straight Connector 32">
             <a:extLst>
               <a:ext uri="{FF2B5EF4-FFF2-40B4-BE49-F238E27FC236}">
-                <a16:creationId xmlns="" xmlns:a16="http://schemas.microsoft.com/office/drawing/2014/main" id="{D5CBC4E2-B7D8-4BA4-91B1-1439F1E66A5D}"/>
+                <a16:creationId xmlns:a16="http://schemas.microsoft.com/office/drawing/2014/main" id="{D5CBC4E2-B7D8-4BA4-91B1-1439F1E66A5D}"/>
               </a:ext>
             </a:extLst>
           </p:cNvPr>
@@ -21567,7 +20853,7 @@
           <p:cNvPr id="34" name="Oval 33">
             <a:extLst>
               <a:ext uri="{FF2B5EF4-FFF2-40B4-BE49-F238E27FC236}">
-                <a16:creationId xmlns="" xmlns:a16="http://schemas.microsoft.com/office/drawing/2014/main" id="{FF465D5F-EE40-4CF1-B973-7087C70611E4}"/>
+                <a16:creationId xmlns:a16="http://schemas.microsoft.com/office/drawing/2014/main" id="{FF465D5F-EE40-4CF1-B973-7087C70611E4}"/>
               </a:ext>
             </a:extLst>
           </p:cNvPr>
@@ -21631,7 +20917,7 @@
           <p:cNvPr id="35" name="Oval 34">
             <a:extLst>
               <a:ext uri="{FF2B5EF4-FFF2-40B4-BE49-F238E27FC236}">
-                <a16:creationId xmlns="" xmlns:a16="http://schemas.microsoft.com/office/drawing/2014/main" id="{39C548D5-2D23-4238-82DF-921D2E3334F9}"/>
+                <a16:creationId xmlns:a16="http://schemas.microsoft.com/office/drawing/2014/main" id="{39C548D5-2D23-4238-82DF-921D2E3334F9}"/>
               </a:ext>
             </a:extLst>
           </p:cNvPr>
@@ -21695,7 +20981,7 @@
           <p:cNvPr id="36" name="Oval 35">
             <a:extLst>
               <a:ext uri="{FF2B5EF4-FFF2-40B4-BE49-F238E27FC236}">
-                <a16:creationId xmlns="" xmlns:a16="http://schemas.microsoft.com/office/drawing/2014/main" id="{D370CE05-94D0-4DB6-BE29-980F92475FAA}"/>
+                <a16:creationId xmlns:a16="http://schemas.microsoft.com/office/drawing/2014/main" id="{D370CE05-94D0-4DB6-BE29-980F92475FAA}"/>
               </a:ext>
             </a:extLst>
           </p:cNvPr>
@@ -21759,7 +21045,7 @@
           <p:cNvPr id="37" name="Straight Connector 36">
             <a:extLst>
               <a:ext uri="{FF2B5EF4-FFF2-40B4-BE49-F238E27FC236}">
-                <a16:creationId xmlns="" xmlns:a16="http://schemas.microsoft.com/office/drawing/2014/main" id="{D5CBC4E2-B7D8-4BA4-91B1-1439F1E66A5D}"/>
+                <a16:creationId xmlns:a16="http://schemas.microsoft.com/office/drawing/2014/main" id="{D5CBC4E2-B7D8-4BA4-91B1-1439F1E66A5D}"/>
               </a:ext>
             </a:extLst>
           </p:cNvPr>
@@ -21797,7 +21083,7 @@
           <p:cNvPr id="38" name="Straight Connector 37">
             <a:extLst>
               <a:ext uri="{FF2B5EF4-FFF2-40B4-BE49-F238E27FC236}">
-                <a16:creationId xmlns="" xmlns:a16="http://schemas.microsoft.com/office/drawing/2014/main" id="{3671F84C-43EB-4E83-B34F-C5EA539A58EC}"/>
+                <a16:creationId xmlns:a16="http://schemas.microsoft.com/office/drawing/2014/main" id="{3671F84C-43EB-4E83-B34F-C5EA539A58EC}"/>
               </a:ext>
             </a:extLst>
           </p:cNvPr>
@@ -21836,7 +21122,7 @@
           <p:cNvPr id="39" name="Straight Connector 38">
             <a:extLst>
               <a:ext uri="{FF2B5EF4-FFF2-40B4-BE49-F238E27FC236}">
-                <a16:creationId xmlns="" xmlns:a16="http://schemas.microsoft.com/office/drawing/2014/main" id="{61E9DF07-49B0-4931-B28A-3220297F1ADF}"/>
+                <a16:creationId xmlns:a16="http://schemas.microsoft.com/office/drawing/2014/main" id="{61E9DF07-49B0-4931-B28A-3220297F1ADF}"/>
               </a:ext>
             </a:extLst>
           </p:cNvPr>
@@ -21876,7 +21162,7 @@
           <p:cNvPr id="40" name="Oval 39">
             <a:extLst>
               <a:ext uri="{FF2B5EF4-FFF2-40B4-BE49-F238E27FC236}">
-                <a16:creationId xmlns="" xmlns:a16="http://schemas.microsoft.com/office/drawing/2014/main" id="{6790BD35-3A48-4FA4-A1DD-25EAA7D259C1}"/>
+                <a16:creationId xmlns:a16="http://schemas.microsoft.com/office/drawing/2014/main" id="{6790BD35-3A48-4FA4-A1DD-25EAA7D259C1}"/>
               </a:ext>
             </a:extLst>
           </p:cNvPr>
@@ -21925,15 +21211,7 @@
                   <a:schemeClr val="tx1"/>
                 </a:solidFill>
               </a:rPr>
-              <a:t>B: </a:t>
-            </a:r>
-            <a:r>
-              <a:rPr lang="en-US" sz="1600" dirty="0" smtClean="0">
-                <a:solidFill>
-                  <a:schemeClr val="tx1"/>
-                </a:solidFill>
-              </a:rPr>
-              <a:t>4</a:t>
+              <a:t>B: 4</a:t>
             </a:r>
             <a:endParaRPr lang="en-PH" sz="1600" dirty="0">
               <a:solidFill>
@@ -21948,7 +21226,7 @@
           <p:cNvPr id="41" name="Oval 40">
             <a:extLst>
               <a:ext uri="{FF2B5EF4-FFF2-40B4-BE49-F238E27FC236}">
-                <a16:creationId xmlns="" xmlns:a16="http://schemas.microsoft.com/office/drawing/2014/main" id="{6790BD35-3A48-4FA4-A1DD-25EAA7D259C1}"/>
+                <a16:creationId xmlns:a16="http://schemas.microsoft.com/office/drawing/2014/main" id="{6790BD35-3A48-4FA4-A1DD-25EAA7D259C1}"/>
               </a:ext>
             </a:extLst>
           </p:cNvPr>
@@ -21992,20 +21270,12 @@
           <a:p>
             <a:pPr algn="ctr"/>
             <a:r>
-              <a:rPr lang="en-US" sz="1600" dirty="0" smtClean="0">
+              <a:rPr lang="en-US" sz="1600" dirty="0">
                 <a:solidFill>
                   <a:schemeClr val="tx1"/>
                 </a:solidFill>
               </a:rPr>
-              <a:t>A: </a:t>
-            </a:r>
-            <a:r>
-              <a:rPr lang="en-US" sz="1600" dirty="0">
-                <a:solidFill>
-                  <a:schemeClr val="tx1"/>
-                </a:solidFill>
-              </a:rPr>
-              <a:t>1</a:t>
+              <a:t>A: 1</a:t>
             </a:r>
             <a:endParaRPr lang="en-PH" sz="1600" dirty="0">
               <a:solidFill>
@@ -22020,7 +21290,7 @@
           <p:cNvPr id="42" name="Oval 41">
             <a:extLst>
               <a:ext uri="{FF2B5EF4-FFF2-40B4-BE49-F238E27FC236}">
-                <a16:creationId xmlns="" xmlns:a16="http://schemas.microsoft.com/office/drawing/2014/main" id="{6790BD35-3A48-4FA4-A1DD-25EAA7D259C1}"/>
+                <a16:creationId xmlns:a16="http://schemas.microsoft.com/office/drawing/2014/main" id="{6790BD35-3A48-4FA4-A1DD-25EAA7D259C1}"/>
               </a:ext>
             </a:extLst>
           </p:cNvPr>
@@ -22064,20 +21334,12 @@
           <a:p>
             <a:pPr algn="ctr"/>
             <a:r>
-              <a:rPr lang="en-US" sz="1600" dirty="0" smtClean="0">
+              <a:rPr lang="en-US" sz="1600" dirty="0">
                 <a:solidFill>
                   <a:schemeClr val="tx1"/>
                 </a:solidFill>
               </a:rPr>
-              <a:t>E: </a:t>
-            </a:r>
-            <a:r>
-              <a:rPr lang="en-US" sz="1600" dirty="0">
-                <a:solidFill>
-                  <a:schemeClr val="tx1"/>
-                </a:solidFill>
-              </a:rPr>
-              <a:t>1</a:t>
+              <a:t>E: 1</a:t>
             </a:r>
             <a:endParaRPr lang="en-PH" sz="1600" dirty="0">
               <a:solidFill>
@@ -22092,7 +21354,7 @@
           <p:cNvPr id="43" name="Straight Connector 42">
             <a:extLst>
               <a:ext uri="{FF2B5EF4-FFF2-40B4-BE49-F238E27FC236}">
-                <a16:creationId xmlns="" xmlns:a16="http://schemas.microsoft.com/office/drawing/2014/main" id="{D5CBC4E2-B7D8-4BA4-91B1-1439F1E66A5D}"/>
+                <a16:creationId xmlns:a16="http://schemas.microsoft.com/office/drawing/2014/main" id="{D5CBC4E2-B7D8-4BA4-91B1-1439F1E66A5D}"/>
               </a:ext>
             </a:extLst>
           </p:cNvPr>
@@ -22131,7 +21393,7 @@
           <p:cNvPr id="44" name="Straight Connector 43">
             <a:extLst>
               <a:ext uri="{FF2B5EF4-FFF2-40B4-BE49-F238E27FC236}">
-                <a16:creationId xmlns="" xmlns:a16="http://schemas.microsoft.com/office/drawing/2014/main" id="{D5CBC4E2-B7D8-4BA4-91B1-1439F1E66A5D}"/>
+                <a16:creationId xmlns:a16="http://schemas.microsoft.com/office/drawing/2014/main" id="{D5CBC4E2-B7D8-4BA4-91B1-1439F1E66A5D}"/>
               </a:ext>
             </a:extLst>
           </p:cNvPr>
@@ -22170,7 +21432,7 @@
           <p:cNvPr id="45" name="Oval 44">
             <a:extLst>
               <a:ext uri="{FF2B5EF4-FFF2-40B4-BE49-F238E27FC236}">
-                <a16:creationId xmlns="" xmlns:a16="http://schemas.microsoft.com/office/drawing/2014/main" id="{6790BD35-3A48-4FA4-A1DD-25EAA7D259C1}"/>
+                <a16:creationId xmlns:a16="http://schemas.microsoft.com/office/drawing/2014/main" id="{6790BD35-3A48-4FA4-A1DD-25EAA7D259C1}"/>
               </a:ext>
             </a:extLst>
           </p:cNvPr>
@@ -22214,7 +21476,7 @@
           <a:p>
             <a:pPr algn="ctr"/>
             <a:r>
-              <a:rPr lang="en-US" sz="1600" dirty="0" smtClean="0">
+              <a:rPr lang="en-US" sz="1600" dirty="0">
                 <a:solidFill>
                   <a:schemeClr val="tx1"/>
                 </a:solidFill>
@@ -22234,7 +21496,7 @@
           <p:cNvPr id="46" name="Oval 45">
             <a:extLst>
               <a:ext uri="{FF2B5EF4-FFF2-40B4-BE49-F238E27FC236}">
-                <a16:creationId xmlns="" xmlns:a16="http://schemas.microsoft.com/office/drawing/2014/main" id="{6790BD35-3A48-4FA4-A1DD-25EAA7D259C1}"/>
+                <a16:creationId xmlns:a16="http://schemas.microsoft.com/office/drawing/2014/main" id="{6790BD35-3A48-4FA4-A1DD-25EAA7D259C1}"/>
               </a:ext>
             </a:extLst>
           </p:cNvPr>
@@ -22278,7 +21540,7 @@
           <a:p>
             <a:pPr algn="ctr"/>
             <a:r>
-              <a:rPr lang="en-US" sz="1600" dirty="0" smtClean="0">
+              <a:rPr lang="en-US" sz="1600" dirty="0">
                 <a:solidFill>
                   <a:schemeClr val="tx1"/>
                 </a:solidFill>
@@ -22298,7 +21560,7 @@
           <p:cNvPr id="47" name="Oval 46">
             <a:extLst>
               <a:ext uri="{FF2B5EF4-FFF2-40B4-BE49-F238E27FC236}">
-                <a16:creationId xmlns="" xmlns:a16="http://schemas.microsoft.com/office/drawing/2014/main" id="{6790BD35-3A48-4FA4-A1DD-25EAA7D259C1}"/>
+                <a16:creationId xmlns:a16="http://schemas.microsoft.com/office/drawing/2014/main" id="{6790BD35-3A48-4FA4-A1DD-25EAA7D259C1}"/>
               </a:ext>
             </a:extLst>
           </p:cNvPr>
@@ -22342,7 +21604,7 @@
           <a:p>
             <a:pPr algn="ctr"/>
             <a:r>
-              <a:rPr lang="en-US" sz="1600" dirty="0" smtClean="0">
+              <a:rPr lang="en-US" sz="1600" dirty="0">
                 <a:solidFill>
                   <a:schemeClr val="tx1"/>
                 </a:solidFill>
@@ -22362,7 +21624,7 @@
           <p:cNvPr id="48" name="Straight Connector 47">
             <a:extLst>
               <a:ext uri="{FF2B5EF4-FFF2-40B4-BE49-F238E27FC236}">
-                <a16:creationId xmlns="" xmlns:a16="http://schemas.microsoft.com/office/drawing/2014/main" id="{D5CBC4E2-B7D8-4BA4-91B1-1439F1E66A5D}"/>
+                <a16:creationId xmlns:a16="http://schemas.microsoft.com/office/drawing/2014/main" id="{D5CBC4E2-B7D8-4BA4-91B1-1439F1E66A5D}"/>
               </a:ext>
             </a:extLst>
           </p:cNvPr>
@@ -22401,7 +21663,7 @@
           <p:cNvPr id="49" name="Straight Connector 48">
             <a:extLst>
               <a:ext uri="{FF2B5EF4-FFF2-40B4-BE49-F238E27FC236}">
-                <a16:creationId xmlns="" xmlns:a16="http://schemas.microsoft.com/office/drawing/2014/main" id="{D5CBC4E2-B7D8-4BA4-91B1-1439F1E66A5D}"/>
+                <a16:creationId xmlns:a16="http://schemas.microsoft.com/office/drawing/2014/main" id="{D5CBC4E2-B7D8-4BA4-91B1-1439F1E66A5D}"/>
               </a:ext>
             </a:extLst>
           </p:cNvPr>
@@ -22546,13 +21808,6 @@
   <p:clrMapOvr>
     <a:masterClrMapping/>
   </p:clrMapOvr>
-  <p:timing>
-    <p:tnLst>
-      <p:par>
-        <p:cTn id="1" dur="indefinite" restart="never" nodeType="tmRoot"/>
-      </p:par>
-    </p:tnLst>
-  </p:timing>
 </p:sld>
 </file>
 
@@ -22596,10 +21851,9 @@
           <a:lstStyle/>
           <a:p>
             <a:r>
-              <a:rPr lang="en-US" sz="4000" b="1" dirty="0" smtClean="0"/>
+              <a:rPr lang="en-US" sz="4000" b="1" dirty="0"/>
               <a:t>Frequent Pattern for Node C</a:t>
             </a:r>
-            <a:endParaRPr lang="en-US" sz="4000" b="1" dirty="0"/>
           </a:p>
         </p:txBody>
       </p:sp>
@@ -22608,7 +21862,7 @@
           <p:cNvPr id="24" name="Table 23">
             <a:extLst>
               <a:ext uri="{FF2B5EF4-FFF2-40B4-BE49-F238E27FC236}">
-                <a16:creationId xmlns="" xmlns:a16="http://schemas.microsoft.com/office/drawing/2014/main" id="{5EC11D1B-B1E4-4656-9967-F8B4B4227EEC}"/>
+                <a16:creationId xmlns:a16="http://schemas.microsoft.com/office/drawing/2014/main" id="{5EC11D1B-B1E4-4656-9967-F8B4B4227EEC}"/>
               </a:ext>
             </a:extLst>
           </p:cNvPr>
@@ -22637,14 +21891,14 @@
                 <a:gridCol w="1828800">
                   <a:extLst>
                     <a:ext uri="{9D8B030D-6E8A-4147-A177-3AD203B41FA5}">
-                      <a16:colId xmlns="" xmlns:a16="http://schemas.microsoft.com/office/drawing/2014/main" val="176537152"/>
+                      <a16:colId xmlns:a16="http://schemas.microsoft.com/office/drawing/2014/main" val="176537152"/>
                     </a:ext>
                   </a:extLst>
                 </a:gridCol>
                 <a:gridCol w="2867025">
                   <a:extLst>
                     <a:ext uri="{9D8B030D-6E8A-4147-A177-3AD203B41FA5}">
-                      <a16:colId xmlns="" xmlns:a16="http://schemas.microsoft.com/office/drawing/2014/main" val="468214683"/>
+                      <a16:colId xmlns:a16="http://schemas.microsoft.com/office/drawing/2014/main" val="468214683"/>
                     </a:ext>
                   </a:extLst>
                 </a:gridCol>
@@ -22656,10 +21910,9 @@
                     <a:lstStyle/>
                     <a:p>
                       <a:r>
-                        <a:rPr lang="en-PH" b="1" dirty="0" smtClean="0"/>
+                        <a:rPr lang="en-PH" b="1" dirty="0"/>
                         <a:t>Pattern</a:t>
                       </a:r>
-                      <a:endParaRPr lang="en-PH" b="1" dirty="0"/>
                     </a:p>
                   </a:txBody>
                   <a:tcPr anchor="ctr"/>
@@ -22670,17 +21923,16 @@
                     <a:lstStyle/>
                     <a:p>
                       <a:r>
-                        <a:rPr lang="en-PH" b="1" dirty="0" smtClean="0"/>
+                        <a:rPr lang="en-PH" b="1" dirty="0"/>
                         <a:t>Support Count</a:t>
                       </a:r>
-                      <a:endParaRPr lang="en-PH" b="1" dirty="0"/>
                     </a:p>
                   </a:txBody>
                   <a:tcPr anchor="ctr"/>
                 </a:tc>
                 <a:extLst>
                   <a:ext uri="{0D108BD9-81ED-4DB2-BD59-A6C34878D82A}">
-                    <a16:rowId xmlns="" xmlns:a16="http://schemas.microsoft.com/office/drawing/2014/main" val="433550499"/>
+                    <a16:rowId xmlns:a16="http://schemas.microsoft.com/office/drawing/2014/main" val="433550499"/>
                   </a:ext>
                 </a:extLst>
               </a:tr>
@@ -22691,7 +21943,7 @@
                     <a:lstStyle/>
                     <a:p>
                       <a:r>
-                        <a:rPr lang="en-US" dirty="0" smtClean="0"/>
+                        <a:rPr lang="en-US" dirty="0"/>
                         <a:t>{C}</a:t>
                       </a:r>
                       <a:endParaRPr lang="en-PH" dirty="0"/>
@@ -22705,17 +21957,16 @@
                     <a:lstStyle/>
                     <a:p>
                       <a:r>
-                        <a:rPr lang="en-PH" dirty="0" smtClean="0"/>
+                        <a:rPr lang="en-PH" dirty="0"/>
                         <a:t>4</a:t>
                       </a:r>
-                      <a:endParaRPr lang="en-PH" dirty="0"/>
                     </a:p>
                   </a:txBody>
                   <a:tcPr anchor="ctr"/>
                 </a:tc>
                 <a:extLst>
                   <a:ext uri="{0D108BD9-81ED-4DB2-BD59-A6C34878D82A}">
-                    <a16:rowId xmlns="" xmlns:a16="http://schemas.microsoft.com/office/drawing/2014/main" val="48181471"/>
+                    <a16:rowId xmlns:a16="http://schemas.microsoft.com/office/drawing/2014/main" val="48181471"/>
                   </a:ext>
                 </a:extLst>
               </a:tr>
@@ -22726,11 +21977,11 @@
                     <a:lstStyle/>
                     <a:p>
                       <a:r>
-                        <a:rPr lang="en-US" dirty="0" smtClean="0"/>
+                        <a:rPr lang="en-US" dirty="0"/>
                         <a:t>{B,</a:t>
                       </a:r>
                       <a:r>
-                        <a:rPr lang="en-US" baseline="0" dirty="0" smtClean="0"/>
+                        <a:rPr lang="en-US" baseline="0" dirty="0"/>
                         <a:t> C}</a:t>
                       </a:r>
                       <a:endParaRPr lang="en-PH" dirty="0"/>
@@ -22744,17 +21995,16 @@
                     <a:lstStyle/>
                     <a:p>
                       <a:r>
-                        <a:rPr lang="en-PH" dirty="0" smtClean="0"/>
+                        <a:rPr lang="en-PH" dirty="0"/>
                         <a:t>3</a:t>
                       </a:r>
-                      <a:endParaRPr lang="en-PH" dirty="0"/>
                     </a:p>
                   </a:txBody>
                   <a:tcPr anchor="ctr"/>
                 </a:tc>
                 <a:extLst>
                   <a:ext uri="{0D108BD9-81ED-4DB2-BD59-A6C34878D82A}">
-                    <a16:rowId xmlns="" xmlns:a16="http://schemas.microsoft.com/office/drawing/2014/main" val="2604222317"/>
+                    <a16:rowId xmlns:a16="http://schemas.microsoft.com/office/drawing/2014/main" val="2604222317"/>
                   </a:ext>
                 </a:extLst>
               </a:tr>
@@ -22767,7 +22017,7 @@
           <p:cNvPr id="26" name="Oval 25">
             <a:extLst>
               <a:ext uri="{FF2B5EF4-FFF2-40B4-BE49-F238E27FC236}">
-                <a16:creationId xmlns="" xmlns:a16="http://schemas.microsoft.com/office/drawing/2014/main" id="{6790BD35-3A48-4FA4-A1DD-25EAA7D259C1}"/>
+                <a16:creationId xmlns:a16="http://schemas.microsoft.com/office/drawing/2014/main" id="{6790BD35-3A48-4FA4-A1DD-25EAA7D259C1}"/>
               </a:ext>
             </a:extLst>
           </p:cNvPr>
@@ -22811,7 +22061,7 @@
           <a:p>
             <a:pPr algn="ctr"/>
             <a:r>
-              <a:rPr lang="en-US" sz="1600" dirty="0" smtClean="0">
+              <a:rPr lang="en-US" sz="1600" dirty="0">
                 <a:solidFill>
                   <a:schemeClr val="tx1"/>
                 </a:solidFill>
@@ -22831,7 +22081,7 @@
           <p:cNvPr id="27" name="Oval 26">
             <a:extLst>
               <a:ext uri="{FF2B5EF4-FFF2-40B4-BE49-F238E27FC236}">
-                <a16:creationId xmlns="" xmlns:a16="http://schemas.microsoft.com/office/drawing/2014/main" id="{6790BD35-3A48-4FA4-A1DD-25EAA7D259C1}"/>
+                <a16:creationId xmlns:a16="http://schemas.microsoft.com/office/drawing/2014/main" id="{6790BD35-3A48-4FA4-A1DD-25EAA7D259C1}"/>
               </a:ext>
             </a:extLst>
           </p:cNvPr>
@@ -22875,20 +22125,12 @@
           <a:p>
             <a:pPr algn="ctr"/>
             <a:r>
-              <a:rPr lang="en-US" sz="1600" dirty="0" smtClean="0">
+              <a:rPr lang="en-US" sz="1600" dirty="0">
                 <a:solidFill>
                   <a:schemeClr val="tx1"/>
                 </a:solidFill>
               </a:rPr>
-              <a:t>E: </a:t>
-            </a:r>
-            <a:r>
-              <a:rPr lang="en-US" sz="1600" dirty="0">
-                <a:solidFill>
-                  <a:schemeClr val="tx1"/>
-                </a:solidFill>
-              </a:rPr>
-              <a:t>1</a:t>
+              <a:t>E: 1</a:t>
             </a:r>
             <a:endParaRPr lang="en-PH" sz="1600" dirty="0">
               <a:solidFill>
@@ -22903,7 +22145,7 @@
           <p:cNvPr id="28" name="Straight Connector 27">
             <a:extLst>
               <a:ext uri="{FF2B5EF4-FFF2-40B4-BE49-F238E27FC236}">
-                <a16:creationId xmlns="" xmlns:a16="http://schemas.microsoft.com/office/drawing/2014/main" id="{D5CBC4E2-B7D8-4BA4-91B1-1439F1E66A5D}"/>
+                <a16:creationId xmlns:a16="http://schemas.microsoft.com/office/drawing/2014/main" id="{D5CBC4E2-B7D8-4BA4-91B1-1439F1E66A5D}"/>
               </a:ext>
             </a:extLst>
           </p:cNvPr>
@@ -22941,7 +22183,7 @@
           <p:cNvPr id="29" name="Straight Connector 28">
             <a:extLst>
               <a:ext uri="{FF2B5EF4-FFF2-40B4-BE49-F238E27FC236}">
-                <a16:creationId xmlns="" xmlns:a16="http://schemas.microsoft.com/office/drawing/2014/main" id="{D5CBC4E2-B7D8-4BA4-91B1-1439F1E66A5D}"/>
+                <a16:creationId xmlns:a16="http://schemas.microsoft.com/office/drawing/2014/main" id="{D5CBC4E2-B7D8-4BA4-91B1-1439F1E66A5D}"/>
               </a:ext>
             </a:extLst>
           </p:cNvPr>
@@ -22980,7 +22222,7 @@
           <p:cNvPr id="49" name="Oval 48">
             <a:extLst>
               <a:ext uri="{FF2B5EF4-FFF2-40B4-BE49-F238E27FC236}">
-                <a16:creationId xmlns="" xmlns:a16="http://schemas.microsoft.com/office/drawing/2014/main" id="{FF465D5F-EE40-4CF1-B973-7087C70611E4}"/>
+                <a16:creationId xmlns:a16="http://schemas.microsoft.com/office/drawing/2014/main" id="{FF465D5F-EE40-4CF1-B973-7087C70611E4}"/>
               </a:ext>
             </a:extLst>
           </p:cNvPr>
@@ -23044,7 +22286,7 @@
           <p:cNvPr id="50" name="Oval 49">
             <a:extLst>
               <a:ext uri="{FF2B5EF4-FFF2-40B4-BE49-F238E27FC236}">
-                <a16:creationId xmlns="" xmlns:a16="http://schemas.microsoft.com/office/drawing/2014/main" id="{39C548D5-2D23-4238-82DF-921D2E3334F9}"/>
+                <a16:creationId xmlns:a16="http://schemas.microsoft.com/office/drawing/2014/main" id="{39C548D5-2D23-4238-82DF-921D2E3334F9}"/>
               </a:ext>
             </a:extLst>
           </p:cNvPr>
@@ -23108,7 +22350,7 @@
           <p:cNvPr id="51" name="Oval 50">
             <a:extLst>
               <a:ext uri="{FF2B5EF4-FFF2-40B4-BE49-F238E27FC236}">
-                <a16:creationId xmlns="" xmlns:a16="http://schemas.microsoft.com/office/drawing/2014/main" id="{D370CE05-94D0-4DB6-BE29-980F92475FAA}"/>
+                <a16:creationId xmlns:a16="http://schemas.microsoft.com/office/drawing/2014/main" id="{D370CE05-94D0-4DB6-BE29-980F92475FAA}"/>
               </a:ext>
             </a:extLst>
           </p:cNvPr>
@@ -23172,7 +22414,7 @@
           <p:cNvPr id="52" name="Straight Connector 51">
             <a:extLst>
               <a:ext uri="{FF2B5EF4-FFF2-40B4-BE49-F238E27FC236}">
-                <a16:creationId xmlns="" xmlns:a16="http://schemas.microsoft.com/office/drawing/2014/main" id="{D5CBC4E2-B7D8-4BA4-91B1-1439F1E66A5D}"/>
+                <a16:creationId xmlns:a16="http://schemas.microsoft.com/office/drawing/2014/main" id="{D5CBC4E2-B7D8-4BA4-91B1-1439F1E66A5D}"/>
               </a:ext>
             </a:extLst>
           </p:cNvPr>
@@ -23210,7 +22452,7 @@
           <p:cNvPr id="53" name="Straight Connector 52">
             <a:extLst>
               <a:ext uri="{FF2B5EF4-FFF2-40B4-BE49-F238E27FC236}">
-                <a16:creationId xmlns="" xmlns:a16="http://schemas.microsoft.com/office/drawing/2014/main" id="{3671F84C-43EB-4E83-B34F-C5EA539A58EC}"/>
+                <a16:creationId xmlns:a16="http://schemas.microsoft.com/office/drawing/2014/main" id="{3671F84C-43EB-4E83-B34F-C5EA539A58EC}"/>
               </a:ext>
             </a:extLst>
           </p:cNvPr>
@@ -23249,7 +22491,7 @@
           <p:cNvPr id="54" name="Straight Connector 53">
             <a:extLst>
               <a:ext uri="{FF2B5EF4-FFF2-40B4-BE49-F238E27FC236}">
-                <a16:creationId xmlns="" xmlns:a16="http://schemas.microsoft.com/office/drawing/2014/main" id="{61E9DF07-49B0-4931-B28A-3220297F1ADF}"/>
+                <a16:creationId xmlns:a16="http://schemas.microsoft.com/office/drawing/2014/main" id="{61E9DF07-49B0-4931-B28A-3220297F1ADF}"/>
               </a:ext>
             </a:extLst>
           </p:cNvPr>
@@ -23289,7 +22531,7 @@
           <p:cNvPr id="55" name="Oval 54">
             <a:extLst>
               <a:ext uri="{FF2B5EF4-FFF2-40B4-BE49-F238E27FC236}">
-                <a16:creationId xmlns="" xmlns:a16="http://schemas.microsoft.com/office/drawing/2014/main" id="{6790BD35-3A48-4FA4-A1DD-25EAA7D259C1}"/>
+                <a16:creationId xmlns:a16="http://schemas.microsoft.com/office/drawing/2014/main" id="{6790BD35-3A48-4FA4-A1DD-25EAA7D259C1}"/>
               </a:ext>
             </a:extLst>
           </p:cNvPr>
@@ -23338,15 +22580,7 @@
                   <a:schemeClr val="tx1"/>
                 </a:solidFill>
               </a:rPr>
-              <a:t>B: </a:t>
-            </a:r>
-            <a:r>
-              <a:rPr lang="en-US" sz="1600" dirty="0" smtClean="0">
-                <a:solidFill>
-                  <a:schemeClr val="tx1"/>
-                </a:solidFill>
-              </a:rPr>
-              <a:t>4</a:t>
+              <a:t>B: 4</a:t>
             </a:r>
             <a:endParaRPr lang="en-PH" sz="1600" dirty="0">
               <a:solidFill>
@@ -23361,7 +22595,7 @@
           <p:cNvPr id="56" name="Oval 55">
             <a:extLst>
               <a:ext uri="{FF2B5EF4-FFF2-40B4-BE49-F238E27FC236}">
-                <a16:creationId xmlns="" xmlns:a16="http://schemas.microsoft.com/office/drawing/2014/main" id="{6790BD35-3A48-4FA4-A1DD-25EAA7D259C1}"/>
+                <a16:creationId xmlns:a16="http://schemas.microsoft.com/office/drawing/2014/main" id="{6790BD35-3A48-4FA4-A1DD-25EAA7D259C1}"/>
               </a:ext>
             </a:extLst>
           </p:cNvPr>
@@ -23405,20 +22639,12 @@
           <a:p>
             <a:pPr algn="ctr"/>
             <a:r>
-              <a:rPr lang="en-US" sz="1600" dirty="0" smtClean="0">
+              <a:rPr lang="en-US" sz="1600" dirty="0">
                 <a:solidFill>
                   <a:schemeClr val="tx1"/>
                 </a:solidFill>
               </a:rPr>
-              <a:t>A: </a:t>
-            </a:r>
-            <a:r>
-              <a:rPr lang="en-US" sz="1600" dirty="0">
-                <a:solidFill>
-                  <a:schemeClr val="tx1"/>
-                </a:solidFill>
-              </a:rPr>
-              <a:t>1</a:t>
+              <a:t>A: 1</a:t>
             </a:r>
             <a:endParaRPr lang="en-PH" sz="1600" dirty="0">
               <a:solidFill>
@@ -23433,7 +22659,7 @@
           <p:cNvPr id="57" name="Oval 56">
             <a:extLst>
               <a:ext uri="{FF2B5EF4-FFF2-40B4-BE49-F238E27FC236}">
-                <a16:creationId xmlns="" xmlns:a16="http://schemas.microsoft.com/office/drawing/2014/main" id="{6790BD35-3A48-4FA4-A1DD-25EAA7D259C1}"/>
+                <a16:creationId xmlns:a16="http://schemas.microsoft.com/office/drawing/2014/main" id="{6790BD35-3A48-4FA4-A1DD-25EAA7D259C1}"/>
               </a:ext>
             </a:extLst>
           </p:cNvPr>
@@ -23477,20 +22703,12 @@
           <a:p>
             <a:pPr algn="ctr"/>
             <a:r>
-              <a:rPr lang="en-US" sz="1600" dirty="0" smtClean="0">
+              <a:rPr lang="en-US" sz="1600" dirty="0">
                 <a:solidFill>
                   <a:schemeClr val="tx1"/>
                 </a:solidFill>
               </a:rPr>
-              <a:t>E: </a:t>
-            </a:r>
-            <a:r>
-              <a:rPr lang="en-US" sz="1600" dirty="0">
-                <a:solidFill>
-                  <a:schemeClr val="tx1"/>
-                </a:solidFill>
-              </a:rPr>
-              <a:t>1</a:t>
+              <a:t>E: 1</a:t>
             </a:r>
             <a:endParaRPr lang="en-PH" sz="1600" dirty="0">
               <a:solidFill>
@@ -23505,7 +22723,7 @@
           <p:cNvPr id="58" name="Straight Connector 57">
             <a:extLst>
               <a:ext uri="{FF2B5EF4-FFF2-40B4-BE49-F238E27FC236}">
-                <a16:creationId xmlns="" xmlns:a16="http://schemas.microsoft.com/office/drawing/2014/main" id="{D5CBC4E2-B7D8-4BA4-91B1-1439F1E66A5D}"/>
+                <a16:creationId xmlns:a16="http://schemas.microsoft.com/office/drawing/2014/main" id="{D5CBC4E2-B7D8-4BA4-91B1-1439F1E66A5D}"/>
               </a:ext>
             </a:extLst>
           </p:cNvPr>
@@ -23544,7 +22762,7 @@
           <p:cNvPr id="59" name="Straight Connector 58">
             <a:extLst>
               <a:ext uri="{FF2B5EF4-FFF2-40B4-BE49-F238E27FC236}">
-                <a16:creationId xmlns="" xmlns:a16="http://schemas.microsoft.com/office/drawing/2014/main" id="{D5CBC4E2-B7D8-4BA4-91B1-1439F1E66A5D}"/>
+                <a16:creationId xmlns:a16="http://schemas.microsoft.com/office/drawing/2014/main" id="{D5CBC4E2-B7D8-4BA4-91B1-1439F1E66A5D}"/>
               </a:ext>
             </a:extLst>
           </p:cNvPr>
@@ -23583,7 +22801,7 @@
           <p:cNvPr id="60" name="Oval 59">
             <a:extLst>
               <a:ext uri="{FF2B5EF4-FFF2-40B4-BE49-F238E27FC236}">
-                <a16:creationId xmlns="" xmlns:a16="http://schemas.microsoft.com/office/drawing/2014/main" id="{6790BD35-3A48-4FA4-A1DD-25EAA7D259C1}"/>
+                <a16:creationId xmlns:a16="http://schemas.microsoft.com/office/drawing/2014/main" id="{6790BD35-3A48-4FA4-A1DD-25EAA7D259C1}"/>
               </a:ext>
             </a:extLst>
           </p:cNvPr>
@@ -23627,7 +22845,7 @@
           <a:p>
             <a:pPr algn="ctr"/>
             <a:r>
-              <a:rPr lang="en-US" sz="1600" dirty="0" smtClean="0">
+              <a:rPr lang="en-US" sz="1600" dirty="0">
                 <a:solidFill>
                   <a:schemeClr val="tx1"/>
                 </a:solidFill>
@@ -23647,7 +22865,7 @@
           <p:cNvPr id="61" name="Oval 60">
             <a:extLst>
               <a:ext uri="{FF2B5EF4-FFF2-40B4-BE49-F238E27FC236}">
-                <a16:creationId xmlns="" xmlns:a16="http://schemas.microsoft.com/office/drawing/2014/main" id="{6790BD35-3A48-4FA4-A1DD-25EAA7D259C1}"/>
+                <a16:creationId xmlns:a16="http://schemas.microsoft.com/office/drawing/2014/main" id="{6790BD35-3A48-4FA4-A1DD-25EAA7D259C1}"/>
               </a:ext>
             </a:extLst>
           </p:cNvPr>
@@ -23691,7 +22909,7 @@
           <a:p>
             <a:pPr algn="ctr"/>
             <a:r>
-              <a:rPr lang="en-US" sz="1600" dirty="0" smtClean="0">
+              <a:rPr lang="en-US" sz="1600" dirty="0">
                 <a:solidFill>
                   <a:schemeClr val="tx1"/>
                 </a:solidFill>
@@ -23711,7 +22929,7 @@
           <p:cNvPr id="62" name="Oval 61">
             <a:extLst>
               <a:ext uri="{FF2B5EF4-FFF2-40B4-BE49-F238E27FC236}">
-                <a16:creationId xmlns="" xmlns:a16="http://schemas.microsoft.com/office/drawing/2014/main" id="{6790BD35-3A48-4FA4-A1DD-25EAA7D259C1}"/>
+                <a16:creationId xmlns:a16="http://schemas.microsoft.com/office/drawing/2014/main" id="{6790BD35-3A48-4FA4-A1DD-25EAA7D259C1}"/>
               </a:ext>
             </a:extLst>
           </p:cNvPr>
@@ -23755,7 +22973,7 @@
           <a:p>
             <a:pPr algn="ctr"/>
             <a:r>
-              <a:rPr lang="en-US" sz="1600" dirty="0" smtClean="0">
+              <a:rPr lang="en-US" sz="1600" dirty="0">
                 <a:solidFill>
                   <a:schemeClr val="tx1"/>
                 </a:solidFill>
@@ -23775,7 +22993,7 @@
           <p:cNvPr id="63" name="Straight Connector 62">
             <a:extLst>
               <a:ext uri="{FF2B5EF4-FFF2-40B4-BE49-F238E27FC236}">
-                <a16:creationId xmlns="" xmlns:a16="http://schemas.microsoft.com/office/drawing/2014/main" id="{D5CBC4E2-B7D8-4BA4-91B1-1439F1E66A5D}"/>
+                <a16:creationId xmlns:a16="http://schemas.microsoft.com/office/drawing/2014/main" id="{D5CBC4E2-B7D8-4BA4-91B1-1439F1E66A5D}"/>
               </a:ext>
             </a:extLst>
           </p:cNvPr>
@@ -23814,7 +23032,7 @@
           <p:cNvPr id="64" name="Straight Connector 63">
             <a:extLst>
               <a:ext uri="{FF2B5EF4-FFF2-40B4-BE49-F238E27FC236}">
-                <a16:creationId xmlns="" xmlns:a16="http://schemas.microsoft.com/office/drawing/2014/main" id="{D5CBC4E2-B7D8-4BA4-91B1-1439F1E66A5D}"/>
+                <a16:creationId xmlns:a16="http://schemas.microsoft.com/office/drawing/2014/main" id="{D5CBC4E2-B7D8-4BA4-91B1-1439F1E66A5D}"/>
               </a:ext>
             </a:extLst>
           </p:cNvPr>
@@ -23901,12 +23119,8 @@
           <a:lstStyle/>
           <a:p>
             <a:r>
-              <a:rPr lang="en-US" sz="4000" b="1" dirty="0" smtClean="0"/>
-              <a:t>5.4 </a:t>
-            </a:r>
-            <a:r>
               <a:rPr lang="en-US" sz="4000" b="1" dirty="0"/>
-              <a:t>Mining the FP-Tree for Frequent Patterns</a:t>
+              <a:t>5.4 Mining the FP-Tree for Frequent Patterns</a:t>
             </a:r>
           </a:p>
         </p:txBody>
@@ -23916,7 +23130,7 @@
           <p:cNvPr id="29" name="TextBox 28">
             <a:extLst>
               <a:ext uri="{FF2B5EF4-FFF2-40B4-BE49-F238E27FC236}">
-                <a16:creationId xmlns="" xmlns:a16="http://schemas.microsoft.com/office/drawing/2014/main" id="{DE6FFCD5-DA91-4170-905E-45E8EB9BEBE5}"/>
+                <a16:creationId xmlns:a16="http://schemas.microsoft.com/office/drawing/2014/main" id="{DE6FFCD5-DA91-4170-905E-45E8EB9BEBE5}"/>
               </a:ext>
             </a:extLst>
           </p:cNvPr>
@@ -23940,46 +23154,21 @@
           <a:lstStyle/>
           <a:p>
             <a:r>
-              <a:rPr lang="en-US" sz="2000" b="1" dirty="0" smtClean="0"/>
-              <a:t>Paths </a:t>
-            </a:r>
-            <a:r>
               <a:rPr lang="en-US" sz="2000" b="1" dirty="0"/>
-              <a:t>Leading to </a:t>
-            </a:r>
-            <a:r>
-              <a:rPr lang="en-US" sz="2000" b="1" dirty="0" smtClean="0"/>
-              <a:t>B </a:t>
-            </a:r>
-            <a:r>
-              <a:rPr lang="en-US" sz="2000" b="1" dirty="0"/>
-              <a:t>Nodes</a:t>
-            </a:r>
-            <a:r>
-              <a:rPr lang="en-US" sz="2000" b="1" dirty="0" smtClean="0"/>
-              <a:t>:</a:t>
-            </a:r>
-          </a:p>
-          <a:p>
-            <a:endParaRPr lang="en-US" sz="900" b="1" dirty="0" smtClean="0"/>
+              <a:t>Paths Leading to B Nodes:</a:t>
+            </a:r>
+          </a:p>
+          <a:p>
+            <a:endParaRPr lang="en-US" sz="900" b="1" dirty="0"/>
           </a:p>
           <a:p>
             <a:pPr marL="457200" indent="-457200">
               <a:buAutoNum type="arabicPeriod"/>
             </a:pPr>
             <a:r>
-              <a:rPr lang="en-US" sz="2000" dirty="0" smtClean="0"/>
-              <a:t>Path 1 </a:t>
-            </a:r>
-            <a:r>
               <a:rPr lang="en-US" sz="2000" dirty="0"/>
-              <a:t>containing </a:t>
-            </a:r>
-            <a:r>
-              <a:rPr lang="en-US" sz="2000" dirty="0" smtClean="0"/>
-              <a:t>B:</a:t>
-            </a:r>
-            <a:endParaRPr lang="en-US" sz="2000" dirty="0"/>
+              <a:t>Path 1 containing B:</a:t>
+            </a:r>
           </a:p>
           <a:p>
             <a:r>
@@ -24007,7 +23196,7 @@
               <a:t> </a:t>
             </a:r>
             <a:r>
-              <a:rPr lang="en-US" b="1" dirty="0" smtClean="0">
+              <a:rPr lang="en-US" b="1" dirty="0">
                 <a:sym typeface="Wingdings" panose="05000000000000000000" pitchFamily="2" charset="2"/>
               </a:rPr>
               <a:t>is the root ode, all paths inherently include it</a:t>
@@ -24025,16 +23214,16 @@
           </a:p>
           <a:p>
             <a:r>
-              <a:rPr lang="en-US" sz="2000" b="1" dirty="0" smtClean="0"/>
-              <a:t>Conditional Pattern Base on B:</a:t>
-            </a:r>
-          </a:p>
-          <a:p>
-            <a:endParaRPr lang="en-US" sz="900" b="1" dirty="0" smtClean="0"/>
-          </a:p>
-          <a:p>
-            <a:r>
-              <a:rPr lang="en-US" sz="2000" dirty="0" smtClean="0">
+              <a:rPr lang="en-US" sz="2000" b="1" dirty="0"/>
+              <a:t>Sample Conditional Pattern Base on B:</a:t>
+            </a:r>
+          </a:p>
+          <a:p>
+            <a:endParaRPr lang="en-US" sz="900" b="1" dirty="0"/>
+          </a:p>
+          <a:p>
+            <a:r>
+              <a:rPr lang="en-US" sz="2000" dirty="0">
                 <a:solidFill>
                   <a:srgbClr val="FF0000"/>
                 </a:solidFill>
@@ -24042,13 +23231,21 @@
               <a:t>A </a:t>
             </a:r>
             <a:r>
-              <a:rPr lang="en-US" sz="2000" dirty="0" smtClean="0"/>
-              <a:t>		(1)</a:t>
-            </a:r>
-          </a:p>
-          <a:p>
-            <a:r>
-              <a:rPr lang="en-US" sz="2000" dirty="0" smtClean="0">
+              <a:rPr lang="en-US" sz="2000" dirty="0"/>
+              <a:t>		</a:t>
+            </a:r>
+            <a:r>
+              <a:rPr lang="en-US" sz="2000" dirty="0">
+                <a:solidFill>
+                  <a:schemeClr val="bg1"/>
+                </a:solidFill>
+              </a:rPr>
+              <a:t>(1)</a:t>
+            </a:r>
+          </a:p>
+          <a:p>
+            <a:r>
+              <a:rPr lang="en-US" sz="2000" dirty="0">
                 <a:solidFill>
                   <a:srgbClr val="FF0000"/>
                 </a:solidFill>
@@ -24056,13 +23253,21 @@
               <a:t>C</a:t>
             </a:r>
             <a:r>
-              <a:rPr lang="en-US" sz="2000" dirty="0" smtClean="0"/>
-              <a:t>		(3)</a:t>
-            </a:r>
-          </a:p>
-          <a:p>
-            <a:r>
-              <a:rPr lang="en-US" sz="2000" dirty="0" smtClean="0">
+              <a:rPr lang="en-US" sz="2000" dirty="0"/>
+              <a:t>		</a:t>
+            </a:r>
+            <a:r>
+              <a:rPr lang="en-US" sz="2000" dirty="0">
+                <a:solidFill>
+                  <a:schemeClr val="bg1"/>
+                </a:solidFill>
+              </a:rPr>
+              <a:t>(3)</a:t>
+            </a:r>
+          </a:p>
+          <a:p>
+            <a:r>
+              <a:rPr lang="en-US" sz="2000" dirty="0">
                 <a:solidFill>
                   <a:srgbClr val="FF0000"/>
                 </a:solidFill>
@@ -24070,13 +23275,21 @@
               <a:t>A, E, D</a:t>
             </a:r>
             <a:r>
-              <a:rPr lang="en-US" sz="2000" dirty="0" smtClean="0"/>
-              <a:t>		(1)</a:t>
-            </a:r>
-          </a:p>
-          <a:p>
-            <a:r>
-              <a:rPr lang="en-US" sz="2000" dirty="0" smtClean="0">
+              <a:rPr lang="en-US" sz="2000" dirty="0"/>
+              <a:t>		</a:t>
+            </a:r>
+            <a:r>
+              <a:rPr lang="en-US" sz="2000" dirty="0">
+                <a:solidFill>
+                  <a:schemeClr val="bg1"/>
+                </a:solidFill>
+              </a:rPr>
+              <a:t>(1)</a:t>
+            </a:r>
+          </a:p>
+          <a:p>
+            <a:r>
+              <a:rPr lang="en-US" sz="2000" dirty="0">
                 <a:solidFill>
                   <a:srgbClr val="FF0000"/>
                 </a:solidFill>
@@ -24084,13 +23297,21 @@
               <a:t>C, E</a:t>
             </a:r>
             <a:r>
-              <a:rPr lang="en-US" sz="2000" dirty="0" smtClean="0"/>
-              <a:t>		(1)</a:t>
-            </a:r>
-          </a:p>
-          <a:p>
-            <a:r>
-              <a:rPr lang="en-US" sz="2000" dirty="0" smtClean="0">
+              <a:rPr lang="en-US" sz="2000" dirty="0"/>
+              <a:t>		</a:t>
+            </a:r>
+            <a:r>
+              <a:rPr lang="en-US" sz="2000" dirty="0">
+                <a:solidFill>
+                  <a:schemeClr val="bg1"/>
+                </a:solidFill>
+              </a:rPr>
+              <a:t>(1)</a:t>
+            </a:r>
+          </a:p>
+          <a:p>
+            <a:r>
+              <a:rPr lang="en-US" sz="2000" dirty="0">
                 <a:solidFill>
                   <a:srgbClr val="FF0000"/>
                 </a:solidFill>
@@ -24098,10 +23319,17 @@
               <a:t>C, A, E	</a:t>
             </a:r>
             <a:r>
-              <a:rPr lang="en-US" sz="2000" dirty="0" smtClean="0"/>
-              <a:t>	(1)</a:t>
-            </a:r>
-            <a:endParaRPr lang="en-US" sz="2000" dirty="0"/>
+              <a:rPr lang="en-US" sz="2000" dirty="0"/>
+              <a:t>	</a:t>
+            </a:r>
+            <a:r>
+              <a:rPr lang="en-US" sz="2000" dirty="0">
+                <a:solidFill>
+                  <a:schemeClr val="bg1"/>
+                </a:solidFill>
+              </a:rPr>
+              <a:t>(1)</a:t>
+            </a:r>
           </a:p>
         </p:txBody>
       </p:sp>
@@ -24110,7 +23338,7 @@
           <p:cNvPr id="30" name="Oval 29">
             <a:extLst>
               <a:ext uri="{FF2B5EF4-FFF2-40B4-BE49-F238E27FC236}">
-                <a16:creationId xmlns="" xmlns:a16="http://schemas.microsoft.com/office/drawing/2014/main" id="{6790BD35-3A48-4FA4-A1DD-25EAA7D259C1}"/>
+                <a16:creationId xmlns:a16="http://schemas.microsoft.com/office/drawing/2014/main" id="{6790BD35-3A48-4FA4-A1DD-25EAA7D259C1}"/>
               </a:ext>
             </a:extLst>
           </p:cNvPr>
@@ -24154,7 +23382,7 @@
           <a:p>
             <a:pPr algn="ctr"/>
             <a:r>
-              <a:rPr lang="en-US" sz="1600" dirty="0" smtClean="0">
+              <a:rPr lang="en-US" sz="1600" dirty="0">
                 <a:solidFill>
                   <a:schemeClr val="tx1"/>
                 </a:solidFill>
@@ -24174,7 +23402,7 @@
           <p:cNvPr id="31" name="Oval 30">
             <a:extLst>
               <a:ext uri="{FF2B5EF4-FFF2-40B4-BE49-F238E27FC236}">
-                <a16:creationId xmlns="" xmlns:a16="http://schemas.microsoft.com/office/drawing/2014/main" id="{6790BD35-3A48-4FA4-A1DD-25EAA7D259C1}"/>
+                <a16:creationId xmlns:a16="http://schemas.microsoft.com/office/drawing/2014/main" id="{6790BD35-3A48-4FA4-A1DD-25EAA7D259C1}"/>
               </a:ext>
             </a:extLst>
           </p:cNvPr>
@@ -24218,20 +23446,12 @@
           <a:p>
             <a:pPr algn="ctr"/>
             <a:r>
-              <a:rPr lang="en-US" sz="1600" dirty="0" smtClean="0">
+              <a:rPr lang="en-US" sz="1600" dirty="0">
                 <a:solidFill>
                   <a:schemeClr val="tx1"/>
                 </a:solidFill>
               </a:rPr>
-              <a:t>E: </a:t>
-            </a:r>
-            <a:r>
-              <a:rPr lang="en-US" sz="1600" dirty="0">
-                <a:solidFill>
-                  <a:schemeClr val="tx1"/>
-                </a:solidFill>
-              </a:rPr>
-              <a:t>1</a:t>
+              <a:t>E: 1</a:t>
             </a:r>
             <a:endParaRPr lang="en-PH" sz="1600" dirty="0">
               <a:solidFill>
@@ -24246,7 +23466,7 @@
           <p:cNvPr id="32" name="Straight Connector 31">
             <a:extLst>
               <a:ext uri="{FF2B5EF4-FFF2-40B4-BE49-F238E27FC236}">
-                <a16:creationId xmlns="" xmlns:a16="http://schemas.microsoft.com/office/drawing/2014/main" id="{D5CBC4E2-B7D8-4BA4-91B1-1439F1E66A5D}"/>
+                <a16:creationId xmlns:a16="http://schemas.microsoft.com/office/drawing/2014/main" id="{D5CBC4E2-B7D8-4BA4-91B1-1439F1E66A5D}"/>
               </a:ext>
             </a:extLst>
           </p:cNvPr>
@@ -24284,7 +23504,7 @@
           <p:cNvPr id="33" name="Straight Connector 32">
             <a:extLst>
               <a:ext uri="{FF2B5EF4-FFF2-40B4-BE49-F238E27FC236}">
-                <a16:creationId xmlns="" xmlns:a16="http://schemas.microsoft.com/office/drawing/2014/main" id="{D5CBC4E2-B7D8-4BA4-91B1-1439F1E66A5D}"/>
+                <a16:creationId xmlns:a16="http://schemas.microsoft.com/office/drawing/2014/main" id="{D5CBC4E2-B7D8-4BA4-91B1-1439F1E66A5D}"/>
               </a:ext>
             </a:extLst>
           </p:cNvPr>
@@ -24323,7 +23543,7 @@
           <p:cNvPr id="34" name="Oval 33">
             <a:extLst>
               <a:ext uri="{FF2B5EF4-FFF2-40B4-BE49-F238E27FC236}">
-                <a16:creationId xmlns="" xmlns:a16="http://schemas.microsoft.com/office/drawing/2014/main" id="{FF465D5F-EE40-4CF1-B973-7087C70611E4}"/>
+                <a16:creationId xmlns:a16="http://schemas.microsoft.com/office/drawing/2014/main" id="{FF465D5F-EE40-4CF1-B973-7087C70611E4}"/>
               </a:ext>
             </a:extLst>
           </p:cNvPr>
@@ -24387,7 +23607,7 @@
           <p:cNvPr id="35" name="Oval 34">
             <a:extLst>
               <a:ext uri="{FF2B5EF4-FFF2-40B4-BE49-F238E27FC236}">
-                <a16:creationId xmlns="" xmlns:a16="http://schemas.microsoft.com/office/drawing/2014/main" id="{39C548D5-2D23-4238-82DF-921D2E3334F9}"/>
+                <a16:creationId xmlns:a16="http://schemas.microsoft.com/office/drawing/2014/main" id="{39C548D5-2D23-4238-82DF-921D2E3334F9}"/>
               </a:ext>
             </a:extLst>
           </p:cNvPr>
@@ -24451,7 +23671,7 @@
           <p:cNvPr id="36" name="Oval 35">
             <a:extLst>
               <a:ext uri="{FF2B5EF4-FFF2-40B4-BE49-F238E27FC236}">
-                <a16:creationId xmlns="" xmlns:a16="http://schemas.microsoft.com/office/drawing/2014/main" id="{D370CE05-94D0-4DB6-BE29-980F92475FAA}"/>
+                <a16:creationId xmlns:a16="http://schemas.microsoft.com/office/drawing/2014/main" id="{D370CE05-94D0-4DB6-BE29-980F92475FAA}"/>
               </a:ext>
             </a:extLst>
           </p:cNvPr>
@@ -24515,7 +23735,7 @@
           <p:cNvPr id="37" name="Straight Connector 36">
             <a:extLst>
               <a:ext uri="{FF2B5EF4-FFF2-40B4-BE49-F238E27FC236}">
-                <a16:creationId xmlns="" xmlns:a16="http://schemas.microsoft.com/office/drawing/2014/main" id="{D5CBC4E2-B7D8-4BA4-91B1-1439F1E66A5D}"/>
+                <a16:creationId xmlns:a16="http://schemas.microsoft.com/office/drawing/2014/main" id="{D5CBC4E2-B7D8-4BA4-91B1-1439F1E66A5D}"/>
               </a:ext>
             </a:extLst>
           </p:cNvPr>
@@ -24553,7 +23773,7 @@
           <p:cNvPr id="38" name="Straight Connector 37">
             <a:extLst>
               <a:ext uri="{FF2B5EF4-FFF2-40B4-BE49-F238E27FC236}">
-                <a16:creationId xmlns="" xmlns:a16="http://schemas.microsoft.com/office/drawing/2014/main" id="{3671F84C-43EB-4E83-B34F-C5EA539A58EC}"/>
+                <a16:creationId xmlns:a16="http://schemas.microsoft.com/office/drawing/2014/main" id="{3671F84C-43EB-4E83-B34F-C5EA539A58EC}"/>
               </a:ext>
             </a:extLst>
           </p:cNvPr>
@@ -24592,7 +23812,7 @@
           <p:cNvPr id="39" name="Straight Connector 38">
             <a:extLst>
               <a:ext uri="{FF2B5EF4-FFF2-40B4-BE49-F238E27FC236}">
-                <a16:creationId xmlns="" xmlns:a16="http://schemas.microsoft.com/office/drawing/2014/main" id="{61E9DF07-49B0-4931-B28A-3220297F1ADF}"/>
+                <a16:creationId xmlns:a16="http://schemas.microsoft.com/office/drawing/2014/main" id="{61E9DF07-49B0-4931-B28A-3220297F1ADF}"/>
               </a:ext>
             </a:extLst>
           </p:cNvPr>
@@ -24632,7 +23852,7 @@
           <p:cNvPr id="40" name="Oval 39">
             <a:extLst>
               <a:ext uri="{FF2B5EF4-FFF2-40B4-BE49-F238E27FC236}">
-                <a16:creationId xmlns="" xmlns:a16="http://schemas.microsoft.com/office/drawing/2014/main" id="{6790BD35-3A48-4FA4-A1DD-25EAA7D259C1}"/>
+                <a16:creationId xmlns:a16="http://schemas.microsoft.com/office/drawing/2014/main" id="{6790BD35-3A48-4FA4-A1DD-25EAA7D259C1}"/>
               </a:ext>
             </a:extLst>
           </p:cNvPr>
@@ -24681,15 +23901,7 @@
                   <a:schemeClr val="tx1"/>
                 </a:solidFill>
               </a:rPr>
-              <a:t>B: </a:t>
-            </a:r>
-            <a:r>
-              <a:rPr lang="en-US" sz="1600" dirty="0" smtClean="0">
-                <a:solidFill>
-                  <a:schemeClr val="tx1"/>
-                </a:solidFill>
-              </a:rPr>
-              <a:t>4</a:t>
+              <a:t>B: 4</a:t>
             </a:r>
             <a:endParaRPr lang="en-PH" sz="1600" dirty="0">
               <a:solidFill>
@@ -24704,7 +23916,7 @@
           <p:cNvPr id="41" name="Oval 40">
             <a:extLst>
               <a:ext uri="{FF2B5EF4-FFF2-40B4-BE49-F238E27FC236}">
-                <a16:creationId xmlns="" xmlns:a16="http://schemas.microsoft.com/office/drawing/2014/main" id="{6790BD35-3A48-4FA4-A1DD-25EAA7D259C1}"/>
+                <a16:creationId xmlns:a16="http://schemas.microsoft.com/office/drawing/2014/main" id="{6790BD35-3A48-4FA4-A1DD-25EAA7D259C1}"/>
               </a:ext>
             </a:extLst>
           </p:cNvPr>
@@ -24748,20 +23960,12 @@
           <a:p>
             <a:pPr algn="ctr"/>
             <a:r>
-              <a:rPr lang="en-US" sz="1600" dirty="0" smtClean="0">
+              <a:rPr lang="en-US" sz="1600" dirty="0">
                 <a:solidFill>
                   <a:schemeClr val="tx1"/>
                 </a:solidFill>
               </a:rPr>
-              <a:t>A: </a:t>
-            </a:r>
-            <a:r>
-              <a:rPr lang="en-US" sz="1600" dirty="0">
-                <a:solidFill>
-                  <a:schemeClr val="tx1"/>
-                </a:solidFill>
-              </a:rPr>
-              <a:t>1</a:t>
+              <a:t>A: 1</a:t>
             </a:r>
             <a:endParaRPr lang="en-PH" sz="1600" dirty="0">
               <a:solidFill>
@@ -24776,7 +23980,7 @@
           <p:cNvPr id="42" name="Oval 41">
             <a:extLst>
               <a:ext uri="{FF2B5EF4-FFF2-40B4-BE49-F238E27FC236}">
-                <a16:creationId xmlns="" xmlns:a16="http://schemas.microsoft.com/office/drawing/2014/main" id="{6790BD35-3A48-4FA4-A1DD-25EAA7D259C1}"/>
+                <a16:creationId xmlns:a16="http://schemas.microsoft.com/office/drawing/2014/main" id="{6790BD35-3A48-4FA4-A1DD-25EAA7D259C1}"/>
               </a:ext>
             </a:extLst>
           </p:cNvPr>
@@ -24820,20 +24024,12 @@
           <a:p>
             <a:pPr algn="ctr"/>
             <a:r>
-              <a:rPr lang="en-US" sz="1600" dirty="0" smtClean="0">
+              <a:rPr lang="en-US" sz="1600" dirty="0">
                 <a:solidFill>
                   <a:schemeClr val="tx1"/>
                 </a:solidFill>
               </a:rPr>
-              <a:t>E: </a:t>
-            </a:r>
-            <a:r>
-              <a:rPr lang="en-US" sz="1600" dirty="0">
-                <a:solidFill>
-                  <a:schemeClr val="tx1"/>
-                </a:solidFill>
-              </a:rPr>
-              <a:t>1</a:t>
+              <a:t>E: 1</a:t>
             </a:r>
             <a:endParaRPr lang="en-PH" sz="1600" dirty="0">
               <a:solidFill>
@@ -24848,7 +24044,7 @@
           <p:cNvPr id="43" name="Straight Connector 42">
             <a:extLst>
               <a:ext uri="{FF2B5EF4-FFF2-40B4-BE49-F238E27FC236}">
-                <a16:creationId xmlns="" xmlns:a16="http://schemas.microsoft.com/office/drawing/2014/main" id="{D5CBC4E2-B7D8-4BA4-91B1-1439F1E66A5D}"/>
+                <a16:creationId xmlns:a16="http://schemas.microsoft.com/office/drawing/2014/main" id="{D5CBC4E2-B7D8-4BA4-91B1-1439F1E66A5D}"/>
               </a:ext>
             </a:extLst>
           </p:cNvPr>
@@ -24887,7 +24083,7 @@
           <p:cNvPr id="44" name="Straight Connector 43">
             <a:extLst>
               <a:ext uri="{FF2B5EF4-FFF2-40B4-BE49-F238E27FC236}">
-                <a16:creationId xmlns="" xmlns:a16="http://schemas.microsoft.com/office/drawing/2014/main" id="{D5CBC4E2-B7D8-4BA4-91B1-1439F1E66A5D}"/>
+                <a16:creationId xmlns:a16="http://schemas.microsoft.com/office/drawing/2014/main" id="{D5CBC4E2-B7D8-4BA4-91B1-1439F1E66A5D}"/>
               </a:ext>
             </a:extLst>
           </p:cNvPr>
@@ -24926,7 +24122,7 @@
           <p:cNvPr id="45" name="Oval 44">
             <a:extLst>
               <a:ext uri="{FF2B5EF4-FFF2-40B4-BE49-F238E27FC236}">
-                <a16:creationId xmlns="" xmlns:a16="http://schemas.microsoft.com/office/drawing/2014/main" id="{6790BD35-3A48-4FA4-A1DD-25EAA7D259C1}"/>
+                <a16:creationId xmlns:a16="http://schemas.microsoft.com/office/drawing/2014/main" id="{6790BD35-3A48-4FA4-A1DD-25EAA7D259C1}"/>
               </a:ext>
             </a:extLst>
           </p:cNvPr>
@@ -24970,7 +24166,7 @@
           <a:p>
             <a:pPr algn="ctr"/>
             <a:r>
-              <a:rPr lang="en-US" sz="1600" dirty="0" smtClean="0">
+              <a:rPr lang="en-US" sz="1600" dirty="0">
                 <a:solidFill>
                   <a:schemeClr val="tx1"/>
                 </a:solidFill>
@@ -24990,7 +24186,7 @@
           <p:cNvPr id="46" name="Oval 45">
             <a:extLst>
               <a:ext uri="{FF2B5EF4-FFF2-40B4-BE49-F238E27FC236}">
-                <a16:creationId xmlns="" xmlns:a16="http://schemas.microsoft.com/office/drawing/2014/main" id="{6790BD35-3A48-4FA4-A1DD-25EAA7D259C1}"/>
+                <a16:creationId xmlns:a16="http://schemas.microsoft.com/office/drawing/2014/main" id="{6790BD35-3A48-4FA4-A1DD-25EAA7D259C1}"/>
               </a:ext>
             </a:extLst>
           </p:cNvPr>
@@ -25034,7 +24230,7 @@
           <a:p>
             <a:pPr algn="ctr"/>
             <a:r>
-              <a:rPr lang="en-US" sz="1600" dirty="0" smtClean="0">
+              <a:rPr lang="en-US" sz="1600" dirty="0">
                 <a:solidFill>
                   <a:schemeClr val="tx1"/>
                 </a:solidFill>
@@ -25054,7 +24250,7 @@
           <p:cNvPr id="47" name="Oval 46">
             <a:extLst>
               <a:ext uri="{FF2B5EF4-FFF2-40B4-BE49-F238E27FC236}">
-                <a16:creationId xmlns="" xmlns:a16="http://schemas.microsoft.com/office/drawing/2014/main" id="{6790BD35-3A48-4FA4-A1DD-25EAA7D259C1}"/>
+                <a16:creationId xmlns:a16="http://schemas.microsoft.com/office/drawing/2014/main" id="{6790BD35-3A48-4FA4-A1DD-25EAA7D259C1}"/>
               </a:ext>
             </a:extLst>
           </p:cNvPr>
@@ -25098,7 +24294,7 @@
           <a:p>
             <a:pPr algn="ctr"/>
             <a:r>
-              <a:rPr lang="en-US" sz="1600" dirty="0" smtClean="0">
+              <a:rPr lang="en-US" sz="1600" dirty="0">
                 <a:solidFill>
                   <a:schemeClr val="tx1"/>
                 </a:solidFill>
@@ -25118,7 +24314,7 @@
           <p:cNvPr id="48" name="Straight Connector 47">
             <a:extLst>
               <a:ext uri="{FF2B5EF4-FFF2-40B4-BE49-F238E27FC236}">
-                <a16:creationId xmlns="" xmlns:a16="http://schemas.microsoft.com/office/drawing/2014/main" id="{D5CBC4E2-B7D8-4BA4-91B1-1439F1E66A5D}"/>
+                <a16:creationId xmlns:a16="http://schemas.microsoft.com/office/drawing/2014/main" id="{D5CBC4E2-B7D8-4BA4-91B1-1439F1E66A5D}"/>
               </a:ext>
             </a:extLst>
           </p:cNvPr>
@@ -25157,7 +24353,7 @@
           <p:cNvPr id="49" name="Straight Connector 48">
             <a:extLst>
               <a:ext uri="{FF2B5EF4-FFF2-40B4-BE49-F238E27FC236}">
-                <a16:creationId xmlns="" xmlns:a16="http://schemas.microsoft.com/office/drawing/2014/main" id="{D5CBC4E2-B7D8-4BA4-91B1-1439F1E66A5D}"/>
+                <a16:creationId xmlns:a16="http://schemas.microsoft.com/office/drawing/2014/main" id="{D5CBC4E2-B7D8-4BA4-91B1-1439F1E66A5D}"/>
               </a:ext>
             </a:extLst>
           </p:cNvPr>
@@ -25244,10 +24440,9 @@
           <a:lstStyle/>
           <a:p>
             <a:r>
-              <a:rPr lang="en-US" sz="4000" b="1" dirty="0" smtClean="0"/>
+              <a:rPr lang="en-US" sz="4000" b="1" dirty="0"/>
               <a:t>Frequent Pattern for Node B</a:t>
             </a:r>
-            <a:endParaRPr lang="en-US" sz="4000" b="1" dirty="0"/>
           </a:p>
         </p:txBody>
       </p:sp>
@@ -25256,7 +24451,7 @@
           <p:cNvPr id="24" name="Table 23">
             <a:extLst>
               <a:ext uri="{FF2B5EF4-FFF2-40B4-BE49-F238E27FC236}">
-                <a16:creationId xmlns="" xmlns:a16="http://schemas.microsoft.com/office/drawing/2014/main" id="{5EC11D1B-B1E4-4656-9967-F8B4B4227EEC}"/>
+                <a16:creationId xmlns:a16="http://schemas.microsoft.com/office/drawing/2014/main" id="{5EC11D1B-B1E4-4656-9967-F8B4B4227EEC}"/>
               </a:ext>
             </a:extLst>
           </p:cNvPr>
@@ -25285,14 +24480,14 @@
                 <a:gridCol w="1828800">
                   <a:extLst>
                     <a:ext uri="{9D8B030D-6E8A-4147-A177-3AD203B41FA5}">
-                      <a16:colId xmlns="" xmlns:a16="http://schemas.microsoft.com/office/drawing/2014/main" val="176537152"/>
+                      <a16:colId xmlns:a16="http://schemas.microsoft.com/office/drawing/2014/main" val="176537152"/>
                     </a:ext>
                   </a:extLst>
                 </a:gridCol>
                 <a:gridCol w="2867025">
                   <a:extLst>
                     <a:ext uri="{9D8B030D-6E8A-4147-A177-3AD203B41FA5}">
-                      <a16:colId xmlns="" xmlns:a16="http://schemas.microsoft.com/office/drawing/2014/main" val="468214683"/>
+                      <a16:colId xmlns:a16="http://schemas.microsoft.com/office/drawing/2014/main" val="468214683"/>
                     </a:ext>
                   </a:extLst>
                 </a:gridCol>
@@ -25304,10 +24499,9 @@
                     <a:lstStyle/>
                     <a:p>
                       <a:r>
-                        <a:rPr lang="en-PH" b="1" dirty="0" smtClean="0"/>
+                        <a:rPr lang="en-PH" b="1" dirty="0"/>
                         <a:t>Pattern</a:t>
                       </a:r>
-                      <a:endParaRPr lang="en-PH" b="1" dirty="0"/>
                     </a:p>
                   </a:txBody>
                   <a:tcPr anchor="ctr"/>
@@ -25318,17 +24512,16 @@
                     <a:lstStyle/>
                     <a:p>
                       <a:r>
-                        <a:rPr lang="en-PH" b="1" dirty="0" smtClean="0"/>
+                        <a:rPr lang="en-PH" b="1" dirty="0"/>
                         <a:t>Support Count</a:t>
                       </a:r>
-                      <a:endParaRPr lang="en-PH" b="1" dirty="0"/>
                     </a:p>
                   </a:txBody>
                   <a:tcPr anchor="ctr"/>
                 </a:tc>
                 <a:extLst>
                   <a:ext uri="{0D108BD9-81ED-4DB2-BD59-A6C34878D82A}">
-                    <a16:rowId xmlns="" xmlns:a16="http://schemas.microsoft.com/office/drawing/2014/main" val="433550499"/>
+                    <a16:rowId xmlns:a16="http://schemas.microsoft.com/office/drawing/2014/main" val="433550499"/>
                   </a:ext>
                 </a:extLst>
               </a:tr>
@@ -25339,7 +24532,7 @@
                     <a:lstStyle/>
                     <a:p>
                       <a:r>
-                        <a:rPr lang="en-US" dirty="0" smtClean="0"/>
+                        <a:rPr lang="en-US" dirty="0"/>
                         <a:t>{B}</a:t>
                       </a:r>
                       <a:endParaRPr lang="en-PH" dirty="0"/>
@@ -25353,17 +24546,16 @@
                     <a:lstStyle/>
                     <a:p>
                       <a:r>
-                        <a:rPr lang="en-PH" dirty="0" smtClean="0"/>
+                        <a:rPr lang="en-PH" dirty="0"/>
                         <a:t>4</a:t>
                       </a:r>
-                      <a:endParaRPr lang="en-PH" dirty="0"/>
                     </a:p>
                   </a:txBody>
                   <a:tcPr anchor="ctr"/>
                 </a:tc>
                 <a:extLst>
                   <a:ext uri="{0D108BD9-81ED-4DB2-BD59-A6C34878D82A}">
-                    <a16:rowId xmlns="" xmlns:a16="http://schemas.microsoft.com/office/drawing/2014/main" val="48181471"/>
+                    <a16:rowId xmlns:a16="http://schemas.microsoft.com/office/drawing/2014/main" val="48181471"/>
                   </a:ext>
                 </a:extLst>
               </a:tr>
@@ -25374,11 +24566,11 @@
                     <a:lstStyle/>
                     <a:p>
                       <a:r>
-                        <a:rPr lang="en-US" dirty="0" smtClean="0"/>
+                        <a:rPr lang="en-US" dirty="0"/>
                         <a:t>{B,</a:t>
                       </a:r>
                       <a:r>
-                        <a:rPr lang="en-US" baseline="0" dirty="0" smtClean="0"/>
+                        <a:rPr lang="en-US" baseline="0" dirty="0"/>
                         <a:t> A}</a:t>
                       </a:r>
                       <a:endParaRPr lang="en-PH" dirty="0"/>
@@ -25392,7 +24584,7 @@
                     <a:lstStyle/>
                     <a:p>
                       <a:r>
-                        <a:rPr lang="en-US" dirty="0" smtClean="0"/>
+                        <a:rPr lang="en-US" dirty="0"/>
                         <a:t>2</a:t>
                       </a:r>
                       <a:endParaRPr lang="en-PH" dirty="0"/>
@@ -25402,7 +24594,7 @@
                 </a:tc>
                 <a:extLst>
                   <a:ext uri="{0D108BD9-81ED-4DB2-BD59-A6C34878D82A}">
-                    <a16:rowId xmlns="" xmlns:a16="http://schemas.microsoft.com/office/drawing/2014/main" val="2604222317"/>
+                    <a16:rowId xmlns:a16="http://schemas.microsoft.com/office/drawing/2014/main" val="2604222317"/>
                   </a:ext>
                 </a:extLst>
               </a:tr>
@@ -25413,7 +24605,7 @@
                     <a:lstStyle/>
                     <a:p>
                       <a:r>
-                        <a:rPr lang="en-US" dirty="0" smtClean="0"/>
+                        <a:rPr lang="en-US" dirty="0"/>
                         <a:t>{B, C}</a:t>
                       </a:r>
                       <a:endParaRPr lang="en-PH" dirty="0"/>
@@ -25427,7 +24619,7 @@
                     <a:lstStyle/>
                     <a:p>
                       <a:r>
-                        <a:rPr lang="en-US" dirty="0" smtClean="0"/>
+                        <a:rPr lang="en-US" dirty="0"/>
                         <a:t>3</a:t>
                       </a:r>
                       <a:endParaRPr lang="en-PH" dirty="0"/>
@@ -25435,6 +24627,11 @@
                   </a:txBody>
                   <a:tcPr anchor="ctr"/>
                 </a:tc>
+                <a:extLst>
+                  <a:ext uri="{0D108BD9-81ED-4DB2-BD59-A6C34878D82A}">
+                    <a16:rowId xmlns:a16="http://schemas.microsoft.com/office/drawing/2014/main" val="10003"/>
+                  </a:ext>
+                </a:extLst>
               </a:tr>
               <a:tr h="0">
                 <a:tc>
@@ -25443,7 +24640,7 @@
                     <a:lstStyle/>
                     <a:p>
                       <a:r>
-                        <a:rPr lang="en-US" dirty="0" smtClean="0"/>
+                        <a:rPr lang="en-US" dirty="0"/>
                         <a:t>{B, E}</a:t>
                       </a:r>
                       <a:endParaRPr lang="en-PH" dirty="0"/>
@@ -25457,7 +24654,7 @@
                     <a:lstStyle/>
                     <a:p>
                       <a:r>
-                        <a:rPr lang="en-US" dirty="0" smtClean="0"/>
+                        <a:rPr lang="en-US" dirty="0"/>
                         <a:t>3</a:t>
                       </a:r>
                       <a:endParaRPr lang="en-PH" dirty="0"/>
@@ -25465,6 +24662,11 @@
                   </a:txBody>
                   <a:tcPr anchor="ctr"/>
                 </a:tc>
+                <a:extLst>
+                  <a:ext uri="{0D108BD9-81ED-4DB2-BD59-A6C34878D82A}">
+                    <a16:rowId xmlns:a16="http://schemas.microsoft.com/office/drawing/2014/main" val="10004"/>
+                  </a:ext>
+                </a:extLst>
               </a:tr>
               <a:tr h="0">
                 <a:tc>
@@ -25473,7 +24675,7 @@
                     <a:lstStyle/>
                     <a:p>
                       <a:r>
-                        <a:rPr lang="en-US" dirty="0" smtClean="0"/>
+                        <a:rPr lang="en-US" dirty="0"/>
                         <a:t>{B, C, E}</a:t>
                       </a:r>
                       <a:endParaRPr lang="en-PH" dirty="0"/>
@@ -25487,7 +24689,7 @@
                     <a:lstStyle/>
                     <a:p>
                       <a:r>
-                        <a:rPr lang="en-US" dirty="0" smtClean="0"/>
+                        <a:rPr lang="en-US" dirty="0"/>
                         <a:t>2</a:t>
                       </a:r>
                       <a:endParaRPr lang="en-PH" dirty="0"/>
@@ -25495,6 +24697,11 @@
                   </a:txBody>
                   <a:tcPr anchor="ctr"/>
                 </a:tc>
+                <a:extLst>
+                  <a:ext uri="{0D108BD9-81ED-4DB2-BD59-A6C34878D82A}">
+                    <a16:rowId xmlns:a16="http://schemas.microsoft.com/office/drawing/2014/main" val="10005"/>
+                  </a:ext>
+                </a:extLst>
               </a:tr>
               <a:tr h="0">
                 <a:tc>
@@ -25503,7 +24710,7 @@
                     <a:lstStyle/>
                     <a:p>
                       <a:r>
-                        <a:rPr lang="en-US" dirty="0" smtClean="0"/>
+                        <a:rPr lang="en-US" dirty="0"/>
                         <a:t>{B, C, A}</a:t>
                       </a:r>
                       <a:endParaRPr lang="en-PH" dirty="0"/>
@@ -25517,7 +24724,7 @@
                     <a:lstStyle/>
                     <a:p>
                       <a:r>
-                        <a:rPr lang="en-US" dirty="0" smtClean="0"/>
+                        <a:rPr lang="en-US" dirty="0"/>
                         <a:t>1</a:t>
                       </a:r>
                       <a:endParaRPr lang="en-PH" dirty="0"/>
@@ -25525,6 +24732,11 @@
                   </a:txBody>
                   <a:tcPr anchor="ctr"/>
                 </a:tc>
+                <a:extLst>
+                  <a:ext uri="{0D108BD9-81ED-4DB2-BD59-A6C34878D82A}">
+                    <a16:rowId xmlns:a16="http://schemas.microsoft.com/office/drawing/2014/main" val="10006"/>
+                  </a:ext>
+                </a:extLst>
               </a:tr>
               <a:tr h="0">
                 <a:tc>
@@ -25533,7 +24745,7 @@
                     <a:lstStyle/>
                     <a:p>
                       <a:r>
-                        <a:rPr lang="en-US" dirty="0" smtClean="0"/>
+                        <a:rPr lang="en-US" dirty="0"/>
                         <a:t>{B, A, E}</a:t>
                       </a:r>
                       <a:endParaRPr lang="en-PH" dirty="0"/>
@@ -25547,7 +24759,7 @@
                     <a:lstStyle/>
                     <a:p>
                       <a:r>
-                        <a:rPr lang="en-US" dirty="0" smtClean="0"/>
+                        <a:rPr lang="en-US" dirty="0"/>
                         <a:t>2</a:t>
                       </a:r>
                       <a:endParaRPr lang="en-PH" dirty="0"/>
@@ -25555,6 +24767,11 @@
                   </a:txBody>
                   <a:tcPr anchor="ctr"/>
                 </a:tc>
+                <a:extLst>
+                  <a:ext uri="{0D108BD9-81ED-4DB2-BD59-A6C34878D82A}">
+                    <a16:rowId xmlns:a16="http://schemas.microsoft.com/office/drawing/2014/main" val="10007"/>
+                  </a:ext>
+                </a:extLst>
               </a:tr>
               <a:tr h="0">
                 <a:tc>
@@ -25563,7 +24780,7 @@
                     <a:lstStyle/>
                     <a:p>
                       <a:r>
-                        <a:rPr lang="en-US" dirty="0" smtClean="0"/>
+                        <a:rPr lang="en-US" dirty="0"/>
                         <a:t>{B, A, E, D}</a:t>
                       </a:r>
                       <a:endParaRPr lang="en-PH" dirty="0"/>
@@ -25577,7 +24794,7 @@
                     <a:lstStyle/>
                     <a:p>
                       <a:r>
-                        <a:rPr lang="en-US" dirty="0" smtClean="0"/>
+                        <a:rPr lang="en-US" dirty="0"/>
                         <a:t>1</a:t>
                       </a:r>
                       <a:endParaRPr lang="en-PH" dirty="0"/>
@@ -25585,6 +24802,11 @@
                   </a:txBody>
                   <a:tcPr anchor="ctr"/>
                 </a:tc>
+                <a:extLst>
+                  <a:ext uri="{0D108BD9-81ED-4DB2-BD59-A6C34878D82A}">
+                    <a16:rowId xmlns:a16="http://schemas.microsoft.com/office/drawing/2014/main" val="10008"/>
+                  </a:ext>
+                </a:extLst>
               </a:tr>
             </a:tbl>
           </a:graphicData>
@@ -25595,7 +24817,7 @@
           <p:cNvPr id="25" name="Oval 24">
             <a:extLst>
               <a:ext uri="{FF2B5EF4-FFF2-40B4-BE49-F238E27FC236}">
-                <a16:creationId xmlns="" xmlns:a16="http://schemas.microsoft.com/office/drawing/2014/main" id="{6790BD35-3A48-4FA4-A1DD-25EAA7D259C1}"/>
+                <a16:creationId xmlns:a16="http://schemas.microsoft.com/office/drawing/2014/main" id="{6790BD35-3A48-4FA4-A1DD-25EAA7D259C1}"/>
               </a:ext>
             </a:extLst>
           </p:cNvPr>
@@ -25639,7 +24861,7 @@
           <a:p>
             <a:pPr algn="ctr"/>
             <a:r>
-              <a:rPr lang="en-US" sz="1600" dirty="0" smtClean="0">
+              <a:rPr lang="en-US" sz="1600" dirty="0">
                 <a:solidFill>
                   <a:schemeClr val="tx1"/>
                 </a:solidFill>
@@ -25659,7 +24881,7 @@
           <p:cNvPr id="30" name="Oval 29">
             <a:extLst>
               <a:ext uri="{FF2B5EF4-FFF2-40B4-BE49-F238E27FC236}">
-                <a16:creationId xmlns="" xmlns:a16="http://schemas.microsoft.com/office/drawing/2014/main" id="{6790BD35-3A48-4FA4-A1DD-25EAA7D259C1}"/>
+                <a16:creationId xmlns:a16="http://schemas.microsoft.com/office/drawing/2014/main" id="{6790BD35-3A48-4FA4-A1DD-25EAA7D259C1}"/>
               </a:ext>
             </a:extLst>
           </p:cNvPr>
@@ -25703,20 +24925,12 @@
           <a:p>
             <a:pPr algn="ctr"/>
             <a:r>
-              <a:rPr lang="en-US" sz="1600" dirty="0" smtClean="0">
+              <a:rPr lang="en-US" sz="1600" dirty="0">
                 <a:solidFill>
                   <a:schemeClr val="tx1"/>
                 </a:solidFill>
               </a:rPr>
-              <a:t>E: </a:t>
-            </a:r>
-            <a:r>
-              <a:rPr lang="en-US" sz="1600" dirty="0">
-                <a:solidFill>
-                  <a:schemeClr val="tx1"/>
-                </a:solidFill>
-              </a:rPr>
-              <a:t>1</a:t>
+              <a:t>E: 1</a:t>
             </a:r>
             <a:endParaRPr lang="en-PH" sz="1600" dirty="0">
               <a:solidFill>
@@ -25731,7 +24945,7 @@
           <p:cNvPr id="31" name="Straight Connector 30">
             <a:extLst>
               <a:ext uri="{FF2B5EF4-FFF2-40B4-BE49-F238E27FC236}">
-                <a16:creationId xmlns="" xmlns:a16="http://schemas.microsoft.com/office/drawing/2014/main" id="{D5CBC4E2-B7D8-4BA4-91B1-1439F1E66A5D}"/>
+                <a16:creationId xmlns:a16="http://schemas.microsoft.com/office/drawing/2014/main" id="{D5CBC4E2-B7D8-4BA4-91B1-1439F1E66A5D}"/>
               </a:ext>
             </a:extLst>
           </p:cNvPr>
@@ -25769,7 +24983,7 @@
           <p:cNvPr id="32" name="Straight Connector 31">
             <a:extLst>
               <a:ext uri="{FF2B5EF4-FFF2-40B4-BE49-F238E27FC236}">
-                <a16:creationId xmlns="" xmlns:a16="http://schemas.microsoft.com/office/drawing/2014/main" id="{D5CBC4E2-B7D8-4BA4-91B1-1439F1E66A5D}"/>
+                <a16:creationId xmlns:a16="http://schemas.microsoft.com/office/drawing/2014/main" id="{D5CBC4E2-B7D8-4BA4-91B1-1439F1E66A5D}"/>
               </a:ext>
             </a:extLst>
           </p:cNvPr>
@@ -25808,7 +25022,7 @@
           <p:cNvPr id="33" name="Oval 32">
             <a:extLst>
               <a:ext uri="{FF2B5EF4-FFF2-40B4-BE49-F238E27FC236}">
-                <a16:creationId xmlns="" xmlns:a16="http://schemas.microsoft.com/office/drawing/2014/main" id="{FF465D5F-EE40-4CF1-B973-7087C70611E4}"/>
+                <a16:creationId xmlns:a16="http://schemas.microsoft.com/office/drawing/2014/main" id="{FF465D5F-EE40-4CF1-B973-7087C70611E4}"/>
               </a:ext>
             </a:extLst>
           </p:cNvPr>
@@ -25872,7 +25086,7 @@
           <p:cNvPr id="34" name="Oval 33">
             <a:extLst>
               <a:ext uri="{FF2B5EF4-FFF2-40B4-BE49-F238E27FC236}">
-                <a16:creationId xmlns="" xmlns:a16="http://schemas.microsoft.com/office/drawing/2014/main" id="{39C548D5-2D23-4238-82DF-921D2E3334F9}"/>
+                <a16:creationId xmlns:a16="http://schemas.microsoft.com/office/drawing/2014/main" id="{39C548D5-2D23-4238-82DF-921D2E3334F9}"/>
               </a:ext>
             </a:extLst>
           </p:cNvPr>
@@ -25936,7 +25150,7 @@
           <p:cNvPr id="35" name="Oval 34">
             <a:extLst>
               <a:ext uri="{FF2B5EF4-FFF2-40B4-BE49-F238E27FC236}">
-                <a16:creationId xmlns="" xmlns:a16="http://schemas.microsoft.com/office/drawing/2014/main" id="{D370CE05-94D0-4DB6-BE29-980F92475FAA}"/>
+                <a16:creationId xmlns:a16="http://schemas.microsoft.com/office/drawing/2014/main" id="{D370CE05-94D0-4DB6-BE29-980F92475FAA}"/>
               </a:ext>
             </a:extLst>
           </p:cNvPr>
@@ -26000,7 +25214,7 @@
           <p:cNvPr id="36" name="Straight Connector 35">
             <a:extLst>
               <a:ext uri="{FF2B5EF4-FFF2-40B4-BE49-F238E27FC236}">
-                <a16:creationId xmlns="" xmlns:a16="http://schemas.microsoft.com/office/drawing/2014/main" id="{D5CBC4E2-B7D8-4BA4-91B1-1439F1E66A5D}"/>
+                <a16:creationId xmlns:a16="http://schemas.microsoft.com/office/drawing/2014/main" id="{D5CBC4E2-B7D8-4BA4-91B1-1439F1E66A5D}"/>
               </a:ext>
             </a:extLst>
           </p:cNvPr>
@@ -26038,7 +25252,7 @@
           <p:cNvPr id="37" name="Straight Connector 36">
             <a:extLst>
               <a:ext uri="{FF2B5EF4-FFF2-40B4-BE49-F238E27FC236}">
-                <a16:creationId xmlns="" xmlns:a16="http://schemas.microsoft.com/office/drawing/2014/main" id="{3671F84C-43EB-4E83-B34F-C5EA539A58EC}"/>
+                <a16:creationId xmlns:a16="http://schemas.microsoft.com/office/drawing/2014/main" id="{3671F84C-43EB-4E83-B34F-C5EA539A58EC}"/>
               </a:ext>
             </a:extLst>
           </p:cNvPr>
@@ -26077,7 +25291,7 @@
           <p:cNvPr id="38" name="Straight Connector 37">
             <a:extLst>
               <a:ext uri="{FF2B5EF4-FFF2-40B4-BE49-F238E27FC236}">
-                <a16:creationId xmlns="" xmlns:a16="http://schemas.microsoft.com/office/drawing/2014/main" id="{61E9DF07-49B0-4931-B28A-3220297F1ADF}"/>
+                <a16:creationId xmlns:a16="http://schemas.microsoft.com/office/drawing/2014/main" id="{61E9DF07-49B0-4931-B28A-3220297F1ADF}"/>
               </a:ext>
             </a:extLst>
           </p:cNvPr>
@@ -26117,7 +25331,7 @@
           <p:cNvPr id="39" name="Oval 38">
             <a:extLst>
               <a:ext uri="{FF2B5EF4-FFF2-40B4-BE49-F238E27FC236}">
-                <a16:creationId xmlns="" xmlns:a16="http://schemas.microsoft.com/office/drawing/2014/main" id="{6790BD35-3A48-4FA4-A1DD-25EAA7D259C1}"/>
+                <a16:creationId xmlns:a16="http://schemas.microsoft.com/office/drawing/2014/main" id="{6790BD35-3A48-4FA4-A1DD-25EAA7D259C1}"/>
               </a:ext>
             </a:extLst>
           </p:cNvPr>
@@ -26166,15 +25380,7 @@
                   <a:schemeClr val="tx1"/>
                 </a:solidFill>
               </a:rPr>
-              <a:t>B: </a:t>
-            </a:r>
-            <a:r>
-              <a:rPr lang="en-US" sz="1600" dirty="0" smtClean="0">
-                <a:solidFill>
-                  <a:schemeClr val="tx1"/>
-                </a:solidFill>
-              </a:rPr>
-              <a:t>4</a:t>
+              <a:t>B: 4</a:t>
             </a:r>
             <a:endParaRPr lang="en-PH" sz="1600" dirty="0">
               <a:solidFill>
@@ -26189,7 +25395,7 @@
           <p:cNvPr id="40" name="Oval 39">
             <a:extLst>
               <a:ext uri="{FF2B5EF4-FFF2-40B4-BE49-F238E27FC236}">
-                <a16:creationId xmlns="" xmlns:a16="http://schemas.microsoft.com/office/drawing/2014/main" id="{6790BD35-3A48-4FA4-A1DD-25EAA7D259C1}"/>
+                <a16:creationId xmlns:a16="http://schemas.microsoft.com/office/drawing/2014/main" id="{6790BD35-3A48-4FA4-A1DD-25EAA7D259C1}"/>
               </a:ext>
             </a:extLst>
           </p:cNvPr>
@@ -26233,20 +25439,12 @@
           <a:p>
             <a:pPr algn="ctr"/>
             <a:r>
-              <a:rPr lang="en-US" sz="1600" dirty="0" smtClean="0">
+              <a:rPr lang="en-US" sz="1600" dirty="0">
                 <a:solidFill>
                   <a:schemeClr val="tx1"/>
                 </a:solidFill>
               </a:rPr>
-              <a:t>A: </a:t>
-            </a:r>
-            <a:r>
-              <a:rPr lang="en-US" sz="1600" dirty="0">
-                <a:solidFill>
-                  <a:schemeClr val="tx1"/>
-                </a:solidFill>
-              </a:rPr>
-              <a:t>1</a:t>
+              <a:t>A: 1</a:t>
             </a:r>
             <a:endParaRPr lang="en-PH" sz="1600" dirty="0">
               <a:solidFill>
@@ -26261,7 +25459,7 @@
           <p:cNvPr id="41" name="Oval 40">
             <a:extLst>
               <a:ext uri="{FF2B5EF4-FFF2-40B4-BE49-F238E27FC236}">
-                <a16:creationId xmlns="" xmlns:a16="http://schemas.microsoft.com/office/drawing/2014/main" id="{6790BD35-3A48-4FA4-A1DD-25EAA7D259C1}"/>
+                <a16:creationId xmlns:a16="http://schemas.microsoft.com/office/drawing/2014/main" id="{6790BD35-3A48-4FA4-A1DD-25EAA7D259C1}"/>
               </a:ext>
             </a:extLst>
           </p:cNvPr>
@@ -26305,20 +25503,12 @@
           <a:p>
             <a:pPr algn="ctr"/>
             <a:r>
-              <a:rPr lang="en-US" sz="1600" dirty="0" smtClean="0">
+              <a:rPr lang="en-US" sz="1600" dirty="0">
                 <a:solidFill>
                   <a:schemeClr val="tx1"/>
                 </a:solidFill>
               </a:rPr>
-              <a:t>E: </a:t>
-            </a:r>
-            <a:r>
-              <a:rPr lang="en-US" sz="1600" dirty="0">
-                <a:solidFill>
-                  <a:schemeClr val="tx1"/>
-                </a:solidFill>
-              </a:rPr>
-              <a:t>1</a:t>
+              <a:t>E: 1</a:t>
             </a:r>
             <a:endParaRPr lang="en-PH" sz="1600" dirty="0">
               <a:solidFill>
@@ -26333,7 +25523,7 @@
           <p:cNvPr id="42" name="Straight Connector 41">
             <a:extLst>
               <a:ext uri="{FF2B5EF4-FFF2-40B4-BE49-F238E27FC236}">
-                <a16:creationId xmlns="" xmlns:a16="http://schemas.microsoft.com/office/drawing/2014/main" id="{D5CBC4E2-B7D8-4BA4-91B1-1439F1E66A5D}"/>
+                <a16:creationId xmlns:a16="http://schemas.microsoft.com/office/drawing/2014/main" id="{D5CBC4E2-B7D8-4BA4-91B1-1439F1E66A5D}"/>
               </a:ext>
             </a:extLst>
           </p:cNvPr>
@@ -26372,7 +25562,7 @@
           <p:cNvPr id="43" name="Straight Connector 42">
             <a:extLst>
               <a:ext uri="{FF2B5EF4-FFF2-40B4-BE49-F238E27FC236}">
-                <a16:creationId xmlns="" xmlns:a16="http://schemas.microsoft.com/office/drawing/2014/main" id="{D5CBC4E2-B7D8-4BA4-91B1-1439F1E66A5D}"/>
+                <a16:creationId xmlns:a16="http://schemas.microsoft.com/office/drawing/2014/main" id="{D5CBC4E2-B7D8-4BA4-91B1-1439F1E66A5D}"/>
               </a:ext>
             </a:extLst>
           </p:cNvPr>
@@ -26411,7 +25601,7 @@
           <p:cNvPr id="44" name="Oval 43">
             <a:extLst>
               <a:ext uri="{FF2B5EF4-FFF2-40B4-BE49-F238E27FC236}">
-                <a16:creationId xmlns="" xmlns:a16="http://schemas.microsoft.com/office/drawing/2014/main" id="{6790BD35-3A48-4FA4-A1DD-25EAA7D259C1}"/>
+                <a16:creationId xmlns:a16="http://schemas.microsoft.com/office/drawing/2014/main" id="{6790BD35-3A48-4FA4-A1DD-25EAA7D259C1}"/>
               </a:ext>
             </a:extLst>
           </p:cNvPr>
@@ -26455,7 +25645,7 @@
           <a:p>
             <a:pPr algn="ctr"/>
             <a:r>
-              <a:rPr lang="en-US" sz="1600" dirty="0" smtClean="0">
+              <a:rPr lang="en-US" sz="1600" dirty="0">
                 <a:solidFill>
                   <a:schemeClr val="tx1"/>
                 </a:solidFill>
@@ -26475,7 +25665,7 @@
           <p:cNvPr id="45" name="Oval 44">
             <a:extLst>
               <a:ext uri="{FF2B5EF4-FFF2-40B4-BE49-F238E27FC236}">
-                <a16:creationId xmlns="" xmlns:a16="http://schemas.microsoft.com/office/drawing/2014/main" id="{6790BD35-3A48-4FA4-A1DD-25EAA7D259C1}"/>
+                <a16:creationId xmlns:a16="http://schemas.microsoft.com/office/drawing/2014/main" id="{6790BD35-3A48-4FA4-A1DD-25EAA7D259C1}"/>
               </a:ext>
             </a:extLst>
           </p:cNvPr>
@@ -26519,7 +25709,7 @@
           <a:p>
             <a:pPr algn="ctr"/>
             <a:r>
-              <a:rPr lang="en-US" sz="1600" dirty="0" smtClean="0">
+              <a:rPr lang="en-US" sz="1600" dirty="0">
                 <a:solidFill>
                   <a:schemeClr val="tx1"/>
                 </a:solidFill>
@@ -26539,7 +25729,7 @@
           <p:cNvPr id="46" name="Oval 45">
             <a:extLst>
               <a:ext uri="{FF2B5EF4-FFF2-40B4-BE49-F238E27FC236}">
-                <a16:creationId xmlns="" xmlns:a16="http://schemas.microsoft.com/office/drawing/2014/main" id="{6790BD35-3A48-4FA4-A1DD-25EAA7D259C1}"/>
+                <a16:creationId xmlns:a16="http://schemas.microsoft.com/office/drawing/2014/main" id="{6790BD35-3A48-4FA4-A1DD-25EAA7D259C1}"/>
               </a:ext>
             </a:extLst>
           </p:cNvPr>
@@ -26583,7 +25773,7 @@
           <a:p>
             <a:pPr algn="ctr"/>
             <a:r>
-              <a:rPr lang="en-US" sz="1600" dirty="0" smtClean="0">
+              <a:rPr lang="en-US" sz="1600" dirty="0">
                 <a:solidFill>
                   <a:schemeClr val="tx1"/>
                 </a:solidFill>
@@ -26603,7 +25793,7 @@
           <p:cNvPr id="47" name="Straight Connector 46">
             <a:extLst>
               <a:ext uri="{FF2B5EF4-FFF2-40B4-BE49-F238E27FC236}">
-                <a16:creationId xmlns="" xmlns:a16="http://schemas.microsoft.com/office/drawing/2014/main" id="{D5CBC4E2-B7D8-4BA4-91B1-1439F1E66A5D}"/>
+                <a16:creationId xmlns:a16="http://schemas.microsoft.com/office/drawing/2014/main" id="{D5CBC4E2-B7D8-4BA4-91B1-1439F1E66A5D}"/>
               </a:ext>
             </a:extLst>
           </p:cNvPr>
@@ -26642,7 +25832,7 @@
           <p:cNvPr id="48" name="Straight Connector 47">
             <a:extLst>
               <a:ext uri="{FF2B5EF4-FFF2-40B4-BE49-F238E27FC236}">
-                <a16:creationId xmlns="" xmlns:a16="http://schemas.microsoft.com/office/drawing/2014/main" id="{D5CBC4E2-B7D8-4BA4-91B1-1439F1E66A5D}"/>
+                <a16:creationId xmlns:a16="http://schemas.microsoft.com/office/drawing/2014/main" id="{D5CBC4E2-B7D8-4BA4-91B1-1439F1E66A5D}"/>
               </a:ext>
             </a:extLst>
           </p:cNvPr>
@@ -26855,13 +26045,6 @@
   <p:clrMapOvr>
     <a:masterClrMapping/>
   </p:clrMapOvr>
-  <p:timing>
-    <p:tnLst>
-      <p:par>
-        <p:cTn id="1" dur="indefinite" restart="never" nodeType="tmRoot"/>
-      </p:par>
-    </p:tnLst>
-  </p:timing>
 </p:sld>
 </file>
 
@@ -26952,13 +26135,6 @@
   <p:clrMapOvr>
     <a:masterClrMapping/>
   </p:clrMapOvr>
-  <p:timing>
-    <p:tnLst>
-      <p:par>
-        <p:cTn id="1" dur="indefinite" restart="never" nodeType="tmRoot"/>
-      </p:par>
-    </p:tnLst>
-  </p:timing>
 </p:sld>
 </file>
 
@@ -27037,13 +26213,6 @@
   <p:clrMapOvr>
     <a:masterClrMapping/>
   </p:clrMapOvr>
-  <p:timing>
-    <p:tnLst>
-      <p:par>
-        <p:cTn id="1" dur="indefinite" restart="never" nodeType="tmRoot"/>
-      </p:par>
-    </p:tnLst>
-  </p:timing>
 </p:sld>
 </file>
 
@@ -27122,13 +26291,6 @@
   <p:clrMapOvr>
     <a:masterClrMapping/>
   </p:clrMapOvr>
-  <p:timing>
-    <p:tnLst>
-      <p:par>
-        <p:cTn id="1" dur="indefinite" restart="never" nodeType="tmRoot"/>
-      </p:par>
-    </p:tnLst>
-  </p:timing>
 </p:sld>
 </file>
 
@@ -27243,13 +26405,6 @@
   <p:clrMapOvr>
     <a:masterClrMapping/>
   </p:clrMapOvr>
-  <p:timing>
-    <p:tnLst>
-      <p:par>
-        <p:cTn id="1" dur="indefinite" restart="never" nodeType="tmRoot"/>
-      </p:par>
-    </p:tnLst>
-  </p:timing>
 </p:sld>
 </file>
 
@@ -27336,13 +26491,6 @@
   <p:clrMapOvr>
     <a:masterClrMapping/>
   </p:clrMapOvr>
-  <p:timing>
-    <p:tnLst>
-      <p:par>
-        <p:cTn id="1" dur="indefinite" restart="never" nodeType="tmRoot"/>
-      </p:par>
-    </p:tnLst>
-  </p:timing>
 </p:sld>
 </file>
 
@@ -27886,7 +27034,7 @@
   <a:extraClrSchemeLst/>
   <a:extLst>
     <a:ext uri="{05A4C25C-085E-4340-85A3-A5531E510DB2}">
-      <thm15:themeFamily xmlns="" xmlns:thm15="http://schemas.microsoft.com/office/thememl/2012/main" name="Office Theme" id="{62F939B6-93AF-4DB8-9C6B-D6C7DFDC589F}" vid="{4A3C46E8-61CC-4603-A589-7422A47A8E4A}"/>
+      <thm15:themeFamily xmlns:thm15="http://schemas.microsoft.com/office/thememl/2012/main" name="Office Theme" id="{62F939B6-93AF-4DB8-9C6B-D6C7DFDC589F}" vid="{4A3C46E8-61CC-4603-A589-7422A47A8E4A}"/>
     </a:ext>
   </a:extLst>
 </a:theme>
